--- a/api-server/routes/linebot_mapImg/マップ画像編集用.pptx
+++ b/api-server/routes/linebot_mapImg/マップ画像編集用.pptx
@@ -3501,15 +3501,13 @@
                 <a:avLst/>
               </a:prstGeom>
               <a:solidFill>
-                <a:srgbClr val="7AE7C7">
-                  <a:alpha val="38824"/>
+                <a:srgbClr val="232ED1">
+                  <a:alpha val="63137"/>
                 </a:srgbClr>
               </a:solidFill>
               <a:ln w="57150">
                 <a:solidFill>
-                  <a:srgbClr val="232ED1">
-                    <a:alpha val="87059"/>
-                  </a:srgbClr>
+                  <a:srgbClr val="0A2463"/>
                 </a:solidFill>
               </a:ln>
             </p:spPr>
@@ -3553,15 +3551,13 @@
                 <a:avLst/>
               </a:prstGeom>
               <a:solidFill>
-                <a:srgbClr val="7AE7C7">
-                  <a:alpha val="38824"/>
+                <a:srgbClr val="232ED1">
+                  <a:alpha val="63137"/>
                 </a:srgbClr>
               </a:solidFill>
               <a:ln w="57150">
                 <a:solidFill>
-                  <a:srgbClr val="232ED1">
-                    <a:alpha val="87059"/>
-                  </a:srgbClr>
+                  <a:srgbClr val="0A2463"/>
                 </a:solidFill>
               </a:ln>
             </p:spPr>
@@ -3605,15 +3601,13 @@
                 <a:avLst/>
               </a:prstGeom>
               <a:solidFill>
-                <a:srgbClr val="7AE7C7">
-                  <a:alpha val="38824"/>
+                <a:srgbClr val="232ED1">
+                  <a:alpha val="63137"/>
                 </a:srgbClr>
               </a:solidFill>
               <a:ln w="57150">
                 <a:solidFill>
-                  <a:srgbClr val="232ED1">
-                    <a:alpha val="87059"/>
-                  </a:srgbClr>
+                  <a:srgbClr val="0A2463"/>
                 </a:solidFill>
               </a:ln>
             </p:spPr>
@@ -3657,15 +3651,13 @@
                 <a:avLst/>
               </a:prstGeom>
               <a:solidFill>
-                <a:srgbClr val="7AE7C7">
-                  <a:alpha val="38824"/>
+                <a:srgbClr val="232ED1">
+                  <a:alpha val="63137"/>
                 </a:srgbClr>
               </a:solidFill>
               <a:ln w="57150">
                 <a:solidFill>
-                  <a:srgbClr val="232ED1">
-                    <a:alpha val="87059"/>
-                  </a:srgbClr>
+                  <a:srgbClr val="0A2463"/>
                 </a:solidFill>
               </a:ln>
             </p:spPr>
@@ -3709,15 +3701,13 @@
                 <a:avLst/>
               </a:prstGeom>
               <a:solidFill>
-                <a:srgbClr val="7AE7C7">
-                  <a:alpha val="38824"/>
+                <a:srgbClr val="232ED1">
+                  <a:alpha val="63137"/>
                 </a:srgbClr>
               </a:solidFill>
               <a:ln w="57150">
                 <a:solidFill>
-                  <a:srgbClr val="232ED1">
-                    <a:alpha val="87059"/>
-                  </a:srgbClr>
+                  <a:srgbClr val="0A2463"/>
                 </a:solidFill>
               </a:ln>
             </p:spPr>
@@ -3761,15 +3751,13 @@
                 <a:avLst/>
               </a:prstGeom>
               <a:solidFill>
-                <a:srgbClr val="7AE7C7">
-                  <a:alpha val="38824"/>
+                <a:srgbClr val="232ED1">
+                  <a:alpha val="63137"/>
                 </a:srgbClr>
               </a:solidFill>
               <a:ln w="57150">
                 <a:solidFill>
-                  <a:srgbClr val="232ED1">
-                    <a:alpha val="87059"/>
-                  </a:srgbClr>
+                  <a:srgbClr val="0A2463"/>
                 </a:solidFill>
               </a:ln>
             </p:spPr>
@@ -3824,14 +3812,14 @@
                 <a:r>
                   <a:rPr kumimoji="1" lang="en-US" altLang="ja-JP" sz="5500" dirty="0" smtClean="0">
                     <a:solidFill>
-                      <a:srgbClr val="002060"/>
+                      <a:srgbClr val="FEFEFE"/>
                     </a:solidFill>
                   </a:rPr>
                   <a:t>A</a:t>
                 </a:r>
                 <a:endParaRPr kumimoji="1" lang="ja-JP" altLang="en-US" sz="5500" dirty="0">
                   <a:solidFill>
-                    <a:srgbClr val="002060"/>
+                    <a:srgbClr val="FEFEFE"/>
                   </a:solidFill>
                 </a:endParaRPr>
               </a:p>
@@ -3863,14 +3851,14 @@
                 <a:r>
                   <a:rPr lang="en-US" altLang="ja-JP" sz="5500" dirty="0">
                     <a:solidFill>
-                      <a:srgbClr val="002060"/>
+                      <a:srgbClr val="FEFEFE"/>
                     </a:solidFill>
                   </a:rPr>
                   <a:t>B</a:t>
                 </a:r>
                 <a:endParaRPr kumimoji="1" lang="ja-JP" altLang="en-US" sz="5500" dirty="0">
                   <a:solidFill>
-                    <a:srgbClr val="002060"/>
+                    <a:srgbClr val="FEFEFE"/>
                   </a:solidFill>
                 </a:endParaRPr>
               </a:p>
@@ -3902,14 +3890,14 @@
                 <a:r>
                   <a:rPr lang="en-US" altLang="ja-JP" sz="5500" dirty="0" smtClean="0">
                     <a:solidFill>
-                      <a:srgbClr val="002060"/>
+                      <a:srgbClr val="FEFEFE"/>
                     </a:solidFill>
                   </a:rPr>
                   <a:t>C</a:t>
                 </a:r>
                 <a:endParaRPr kumimoji="1" lang="ja-JP" altLang="en-US" sz="5500" dirty="0">
                   <a:solidFill>
-                    <a:srgbClr val="002060"/>
+                    <a:srgbClr val="FEFEFE"/>
                   </a:solidFill>
                 </a:endParaRPr>
               </a:p>
@@ -3941,14 +3929,14 @@
                 <a:r>
                   <a:rPr lang="en-US" altLang="ja-JP" sz="5500" dirty="0" smtClean="0">
                     <a:solidFill>
-                      <a:srgbClr val="002060"/>
+                      <a:srgbClr val="FEFEFE"/>
                     </a:solidFill>
                   </a:rPr>
                   <a:t>D</a:t>
                 </a:r>
                 <a:endParaRPr kumimoji="1" lang="ja-JP" altLang="en-US" sz="5500" dirty="0">
                   <a:solidFill>
-                    <a:srgbClr val="002060"/>
+                    <a:srgbClr val="FEFEFE"/>
                   </a:solidFill>
                 </a:endParaRPr>
               </a:p>
@@ -3980,14 +3968,14 @@
                 <a:r>
                   <a:rPr lang="en-US" altLang="ja-JP" sz="5500" dirty="0" smtClean="0">
                     <a:solidFill>
-                      <a:srgbClr val="002060"/>
+                      <a:srgbClr val="FEFEFE"/>
                     </a:solidFill>
                   </a:rPr>
                   <a:t>F</a:t>
                 </a:r>
                 <a:endParaRPr kumimoji="1" lang="ja-JP" altLang="en-US" sz="5500" dirty="0">
                   <a:solidFill>
-                    <a:srgbClr val="002060"/>
+                    <a:srgbClr val="FEFEFE"/>
                   </a:solidFill>
                 </a:endParaRPr>
               </a:p>
@@ -4019,14 +4007,14 @@
                 <a:r>
                   <a:rPr lang="en-US" altLang="ja-JP" sz="5500" dirty="0" smtClean="0">
                     <a:solidFill>
-                      <a:srgbClr val="002060"/>
+                      <a:srgbClr val="FEFEFE"/>
                     </a:solidFill>
                   </a:rPr>
                   <a:t>E</a:t>
                 </a:r>
                 <a:endParaRPr kumimoji="1" lang="ja-JP" altLang="en-US" sz="5500" dirty="0">
                   <a:solidFill>
-                    <a:srgbClr val="002060"/>
+                    <a:srgbClr val="FEFEFE"/>
                   </a:solidFill>
                 </a:endParaRPr>
               </a:p>
@@ -4127,7 +4115,7 @@
         </p:blipFill>
         <p:spPr bwMode="auto">
           <a:xfrm>
-            <a:off x="-3699329" y="6960895"/>
+            <a:off x="5231041" y="7050276"/>
             <a:ext cx="7620000" cy="4762500"/>
           </a:xfrm>
           <a:prstGeom prst="rect">

--- a/api-server/routes/linebot_mapImg/マップ画像編集用.pptx
+++ b/api-server/routes/linebot_mapImg/マップ画像編集用.pptx
@@ -12,6 +12,23 @@
     <p:sldId id="260" r:id="rId6"/>
     <p:sldId id="261" r:id="rId7"/>
     <p:sldId id="262" r:id="rId8"/>
+    <p:sldId id="263" r:id="rId9"/>
+    <p:sldId id="264" r:id="rId10"/>
+    <p:sldId id="265" r:id="rId11"/>
+    <p:sldId id="266" r:id="rId12"/>
+    <p:sldId id="267" r:id="rId13"/>
+    <p:sldId id="268" r:id="rId14"/>
+    <p:sldId id="269" r:id="rId15"/>
+    <p:sldId id="270" r:id="rId16"/>
+    <p:sldId id="271" r:id="rId17"/>
+    <p:sldId id="272" r:id="rId18"/>
+    <p:sldId id="273" r:id="rId19"/>
+    <p:sldId id="274" r:id="rId20"/>
+    <p:sldId id="275" r:id="rId21"/>
+    <p:sldId id="276" r:id="rId22"/>
+    <p:sldId id="277" r:id="rId23"/>
+    <p:sldId id="278" r:id="rId24"/>
+    <p:sldId id="279" r:id="rId25"/>
   </p:sldIdLst>
   <p:sldSz cx="12192000" cy="6858000"/>
   <p:notesSz cx="6858000" cy="9144000"/>
@@ -260,7 +277,7 @@
           <a:p>
             <a:fld id="{2F746B3C-EF8E-4D23-A5C1-E193D2EAACC3}" type="datetimeFigureOut">
               <a:rPr kumimoji="1" lang="ja-JP" altLang="en-US" smtClean="0"/>
-              <a:t>2018/10/7</a:t>
+              <a:t>2018/10/8</a:t>
             </a:fld>
             <a:endParaRPr kumimoji="1" lang="ja-JP" altLang="en-US"/>
           </a:p>
@@ -462,7 +479,7 @@
           <a:p>
             <a:fld id="{2F746B3C-EF8E-4D23-A5C1-E193D2EAACC3}" type="datetimeFigureOut">
               <a:rPr kumimoji="1" lang="ja-JP" altLang="en-US" smtClean="0"/>
-              <a:t>2018/10/7</a:t>
+              <a:t>2018/10/8</a:t>
             </a:fld>
             <a:endParaRPr kumimoji="1" lang="ja-JP" altLang="en-US"/>
           </a:p>
@@ -674,7 +691,7 @@
           <a:p>
             <a:fld id="{2F746B3C-EF8E-4D23-A5C1-E193D2EAACC3}" type="datetimeFigureOut">
               <a:rPr kumimoji="1" lang="ja-JP" altLang="en-US" smtClean="0"/>
-              <a:t>2018/10/7</a:t>
+              <a:t>2018/10/8</a:t>
             </a:fld>
             <a:endParaRPr kumimoji="1" lang="ja-JP" altLang="en-US"/>
           </a:p>
@@ -876,7 +893,7 @@
           <a:p>
             <a:fld id="{2F746B3C-EF8E-4D23-A5C1-E193D2EAACC3}" type="datetimeFigureOut">
               <a:rPr kumimoji="1" lang="ja-JP" altLang="en-US" smtClean="0"/>
-              <a:t>2018/10/7</a:t>
+              <a:t>2018/10/8</a:t>
             </a:fld>
             <a:endParaRPr kumimoji="1" lang="ja-JP" altLang="en-US"/>
           </a:p>
@@ -1122,7 +1139,7 @@
           <a:p>
             <a:fld id="{2F746B3C-EF8E-4D23-A5C1-E193D2EAACC3}" type="datetimeFigureOut">
               <a:rPr kumimoji="1" lang="ja-JP" altLang="en-US" smtClean="0"/>
-              <a:t>2018/10/7</a:t>
+              <a:t>2018/10/8</a:t>
             </a:fld>
             <a:endParaRPr kumimoji="1" lang="ja-JP" altLang="en-US"/>
           </a:p>
@@ -1418,7 +1435,7 @@
           <a:p>
             <a:fld id="{2F746B3C-EF8E-4D23-A5C1-E193D2EAACC3}" type="datetimeFigureOut">
               <a:rPr kumimoji="1" lang="ja-JP" altLang="en-US" smtClean="0"/>
-              <a:t>2018/10/7</a:t>
+              <a:t>2018/10/8</a:t>
             </a:fld>
             <a:endParaRPr kumimoji="1" lang="ja-JP" altLang="en-US"/>
           </a:p>
@@ -1849,7 +1866,7 @@
           <a:p>
             <a:fld id="{2F746B3C-EF8E-4D23-A5C1-E193D2EAACC3}" type="datetimeFigureOut">
               <a:rPr kumimoji="1" lang="ja-JP" altLang="en-US" smtClean="0"/>
-              <a:t>2018/10/7</a:t>
+              <a:t>2018/10/8</a:t>
             </a:fld>
             <a:endParaRPr kumimoji="1" lang="ja-JP" altLang="en-US"/>
           </a:p>
@@ -1967,7 +1984,7 @@
           <a:p>
             <a:fld id="{2F746B3C-EF8E-4D23-A5C1-E193D2EAACC3}" type="datetimeFigureOut">
               <a:rPr kumimoji="1" lang="ja-JP" altLang="en-US" smtClean="0"/>
-              <a:t>2018/10/7</a:t>
+              <a:t>2018/10/8</a:t>
             </a:fld>
             <a:endParaRPr kumimoji="1" lang="ja-JP" altLang="en-US"/>
           </a:p>
@@ -2062,7 +2079,7 @@
           <a:p>
             <a:fld id="{2F746B3C-EF8E-4D23-A5C1-E193D2EAACC3}" type="datetimeFigureOut">
               <a:rPr kumimoji="1" lang="ja-JP" altLang="en-US" smtClean="0"/>
-              <a:t>2018/10/7</a:t>
+              <a:t>2018/10/8</a:t>
             </a:fld>
             <a:endParaRPr kumimoji="1" lang="ja-JP" altLang="en-US"/>
           </a:p>
@@ -2371,7 +2388,7 @@
           <a:p>
             <a:fld id="{2F746B3C-EF8E-4D23-A5C1-E193D2EAACC3}" type="datetimeFigureOut">
               <a:rPr kumimoji="1" lang="ja-JP" altLang="en-US" smtClean="0"/>
-              <a:t>2018/10/7</a:t>
+              <a:t>2018/10/8</a:t>
             </a:fld>
             <a:endParaRPr kumimoji="1" lang="ja-JP" altLang="en-US"/>
           </a:p>
@@ -2624,7 +2641,7 @@
           <a:p>
             <a:fld id="{2F746B3C-EF8E-4D23-A5C1-E193D2EAACC3}" type="datetimeFigureOut">
               <a:rPr kumimoji="1" lang="ja-JP" altLang="en-US" smtClean="0"/>
-              <a:t>2018/10/7</a:t>
+              <a:t>2018/10/8</a:t>
             </a:fld>
             <a:endParaRPr kumimoji="1" lang="ja-JP" altLang="en-US"/>
           </a:p>
@@ -2869,7 +2886,7 @@
           <a:p>
             <a:fld id="{2F746B3C-EF8E-4D23-A5C1-E193D2EAACC3}" type="datetimeFigureOut">
               <a:rPr kumimoji="1" lang="ja-JP" altLang="en-US" smtClean="0"/>
-              <a:t>2018/10/7</a:t>
+              <a:t>2018/10/8</a:t>
             </a:fld>
             <a:endParaRPr kumimoji="1" lang="ja-JP" altLang="en-US"/>
           </a:p>
@@ -3501,11 +3518,11 @@
                 <a:avLst/>
               </a:prstGeom>
               <a:solidFill>
-                <a:srgbClr val="232ED1">
-                  <a:alpha val="63137"/>
+                <a:srgbClr val="59D2FE">
+                  <a:alpha val="29020"/>
                 </a:srgbClr>
               </a:solidFill>
-              <a:ln w="57150">
+              <a:ln w="19050">
                 <a:solidFill>
                   <a:srgbClr val="0A2463"/>
                 </a:solidFill>
@@ -3551,11 +3568,11 @@
                 <a:avLst/>
               </a:prstGeom>
               <a:solidFill>
-                <a:srgbClr val="232ED1">
-                  <a:alpha val="63137"/>
+                <a:srgbClr val="59D2FE">
+                  <a:alpha val="29020"/>
                 </a:srgbClr>
               </a:solidFill>
-              <a:ln w="57150">
+              <a:ln w="19050">
                 <a:solidFill>
                   <a:srgbClr val="0A2463"/>
                 </a:solidFill>
@@ -3601,11 +3618,11 @@
                 <a:avLst/>
               </a:prstGeom>
               <a:solidFill>
-                <a:srgbClr val="232ED1">
-                  <a:alpha val="63137"/>
+                <a:srgbClr val="59D2FE">
+                  <a:alpha val="29020"/>
                 </a:srgbClr>
               </a:solidFill>
-              <a:ln w="57150">
+              <a:ln w="19050">
                 <a:solidFill>
                   <a:srgbClr val="0A2463"/>
                 </a:solidFill>
@@ -3651,11 +3668,11 @@
                 <a:avLst/>
               </a:prstGeom>
               <a:solidFill>
-                <a:srgbClr val="232ED1">
-                  <a:alpha val="63137"/>
+                <a:srgbClr val="59D2FE">
+                  <a:alpha val="29020"/>
                 </a:srgbClr>
               </a:solidFill>
-              <a:ln w="57150">
+              <a:ln w="19050">
                 <a:solidFill>
                   <a:srgbClr val="0A2463"/>
                 </a:solidFill>
@@ -3701,11 +3718,11 @@
                 <a:avLst/>
               </a:prstGeom>
               <a:solidFill>
-                <a:srgbClr val="232ED1">
-                  <a:alpha val="63137"/>
+                <a:srgbClr val="59D2FE">
+                  <a:alpha val="29020"/>
                 </a:srgbClr>
               </a:solidFill>
-              <a:ln w="57150">
+              <a:ln w="19050">
                 <a:solidFill>
                   <a:srgbClr val="0A2463"/>
                 </a:solidFill>
@@ -3751,11 +3768,11 @@
                 <a:avLst/>
               </a:prstGeom>
               <a:solidFill>
-                <a:srgbClr val="232ED1">
-                  <a:alpha val="63137"/>
+                <a:srgbClr val="59D2FE">
+                  <a:alpha val="29020"/>
                 </a:srgbClr>
               </a:solidFill>
-              <a:ln w="57150">
+              <a:ln w="19050">
                 <a:solidFill>
                   <a:srgbClr val="0A2463"/>
                 </a:solidFill>
@@ -3812,14 +3829,14 @@
                 <a:r>
                   <a:rPr kumimoji="1" lang="en-US" altLang="ja-JP" sz="5500" dirty="0" smtClean="0">
                     <a:solidFill>
-                      <a:srgbClr val="FEFEFE"/>
+                      <a:srgbClr val="0A2463"/>
                     </a:solidFill>
                   </a:rPr>
                   <a:t>A</a:t>
                 </a:r>
                 <a:endParaRPr kumimoji="1" lang="ja-JP" altLang="en-US" sz="5500" dirty="0">
                   <a:solidFill>
-                    <a:srgbClr val="FEFEFE"/>
+                    <a:srgbClr val="0A2463"/>
                   </a:solidFill>
                 </a:endParaRPr>
               </a:p>
@@ -3851,14 +3868,14 @@
                 <a:r>
                   <a:rPr lang="en-US" altLang="ja-JP" sz="5500" dirty="0">
                     <a:solidFill>
-                      <a:srgbClr val="FEFEFE"/>
+                      <a:srgbClr val="0A2463"/>
                     </a:solidFill>
                   </a:rPr>
                   <a:t>B</a:t>
                 </a:r>
                 <a:endParaRPr kumimoji="1" lang="ja-JP" altLang="en-US" sz="5500" dirty="0">
                   <a:solidFill>
-                    <a:srgbClr val="FEFEFE"/>
+                    <a:srgbClr val="0A2463"/>
                   </a:solidFill>
                 </a:endParaRPr>
               </a:p>
@@ -3890,14 +3907,14 @@
                 <a:r>
                   <a:rPr lang="en-US" altLang="ja-JP" sz="5500" dirty="0" smtClean="0">
                     <a:solidFill>
-                      <a:srgbClr val="FEFEFE"/>
+                      <a:srgbClr val="0A2463"/>
                     </a:solidFill>
                   </a:rPr>
                   <a:t>C</a:t>
                 </a:r>
                 <a:endParaRPr kumimoji="1" lang="ja-JP" altLang="en-US" sz="5500" dirty="0">
                   <a:solidFill>
-                    <a:srgbClr val="FEFEFE"/>
+                    <a:srgbClr val="0A2463"/>
                   </a:solidFill>
                 </a:endParaRPr>
               </a:p>
@@ -3929,14 +3946,14 @@
                 <a:r>
                   <a:rPr lang="en-US" altLang="ja-JP" sz="5500" dirty="0" smtClean="0">
                     <a:solidFill>
-                      <a:srgbClr val="FEFEFE"/>
+                      <a:srgbClr val="0A2463"/>
                     </a:solidFill>
                   </a:rPr>
                   <a:t>D</a:t>
                 </a:r>
                 <a:endParaRPr kumimoji="1" lang="ja-JP" altLang="en-US" sz="5500" dirty="0">
                   <a:solidFill>
-                    <a:srgbClr val="FEFEFE"/>
+                    <a:srgbClr val="0A2463"/>
                   </a:solidFill>
                 </a:endParaRPr>
               </a:p>
@@ -3968,14 +3985,14 @@
                 <a:r>
                   <a:rPr lang="en-US" altLang="ja-JP" sz="5500" dirty="0" smtClean="0">
                     <a:solidFill>
-                      <a:srgbClr val="FEFEFE"/>
+                      <a:srgbClr val="0A2463"/>
                     </a:solidFill>
                   </a:rPr>
                   <a:t>F</a:t>
                 </a:r>
                 <a:endParaRPr kumimoji="1" lang="ja-JP" altLang="en-US" sz="5500" dirty="0">
                   <a:solidFill>
-                    <a:srgbClr val="FEFEFE"/>
+                    <a:srgbClr val="0A2463"/>
                   </a:solidFill>
                 </a:endParaRPr>
               </a:p>
@@ -4007,14 +4024,14 @@
                 <a:r>
                   <a:rPr lang="en-US" altLang="ja-JP" sz="5500" dirty="0" smtClean="0">
                     <a:solidFill>
-                      <a:srgbClr val="FEFEFE"/>
+                      <a:srgbClr val="0A2463"/>
                     </a:solidFill>
                   </a:rPr>
                   <a:t>E</a:t>
                 </a:r>
                 <a:endParaRPr kumimoji="1" lang="ja-JP" altLang="en-US" sz="5500" dirty="0">
                   <a:solidFill>
-                    <a:srgbClr val="FEFEFE"/>
+                    <a:srgbClr val="0A2463"/>
                   </a:solidFill>
                 </a:endParaRPr>
               </a:p>
@@ -4074,7 +4091,7 @@
         </p:blipFill>
         <p:spPr bwMode="auto">
           <a:xfrm>
-            <a:off x="6262231" y="-5342955"/>
+            <a:off x="8728984" y="-4787126"/>
             <a:ext cx="7620000" cy="4762500"/>
           </a:xfrm>
           <a:prstGeom prst="rect">
@@ -4133,10 +4150,621 @@
           </a:extLst>
         </p:spPr>
       </p:pic>
+      <p:pic>
+        <p:nvPicPr>
+          <p:cNvPr id="24" name="Picture 4" descr="https://coolors.co/export/png/6564db-232ed1-59d2fe-4a8fe7-5c7aff"/>
+          <p:cNvPicPr>
+            <a:picLocks noChangeAspect="1" noChangeArrowheads="1"/>
+          </p:cNvPicPr>
+          <p:nvPr/>
+        </p:nvPicPr>
+        <p:blipFill>
+          <a:blip r:embed="rId3">
+            <a:extLst>
+              <a:ext uri="{28A0092B-C50C-407E-A947-70E740481C1C}">
+                <a14:useLocalDpi xmlns:a14="http://schemas.microsoft.com/office/drawing/2010/main" val="0"/>
+              </a:ext>
+            </a:extLst>
+          </a:blip>
+          <a:srcRect/>
+          <a:stretch>
+            <a:fillRect/>
+          </a:stretch>
+        </p:blipFill>
+        <p:spPr bwMode="auto">
+          <a:xfrm>
+            <a:off x="13882231" y="493794"/>
+            <a:ext cx="7620000" cy="4762500"/>
+          </a:xfrm>
+          <a:prstGeom prst="rect">
+            <a:avLst/>
+          </a:prstGeom>
+          <a:noFill/>
+          <a:extLst>
+            <a:ext uri="{909E8E84-426E-40DD-AFC4-6F175D3DCCD1}">
+              <a14:hiddenFill xmlns:a14="http://schemas.microsoft.com/office/drawing/2010/main">
+                <a:solidFill>
+                  <a:srgbClr val="FFFFFF"/>
+                </a:solidFill>
+              </a14:hiddenFill>
+            </a:ext>
+          </a:extLst>
+        </p:spPr>
+      </p:pic>
     </p:spTree>
     <p:extLst>
       <p:ext uri="{BB962C8B-B14F-4D97-AF65-F5344CB8AC3E}">
         <p14:creationId xmlns:p14="http://schemas.microsoft.com/office/powerpoint/2010/main" val="3084009930"/>
+      </p:ext>
+    </p:extLst>
+  </p:cSld>
+  <p:clrMapOvr>
+    <a:masterClrMapping/>
+  </p:clrMapOvr>
+</p:sld>
+</file>
+
+<file path=ppt/slides/slide10.xml><?xml version="1.0" encoding="utf-8"?>
+<p:sld xmlns:a="http://schemas.openxmlformats.org/drawingml/2006/main" xmlns:r="http://schemas.openxmlformats.org/officeDocument/2006/relationships" xmlns:p="http://schemas.openxmlformats.org/presentationml/2006/main">
+  <p:cSld>
+    <p:spTree>
+      <p:nvGrpSpPr>
+        <p:cNvPr id="1" name=""/>
+        <p:cNvGrpSpPr/>
+        <p:nvPr/>
+      </p:nvGrpSpPr>
+      <p:grpSpPr>
+        <a:xfrm>
+          <a:off x="0" y="0"/>
+          <a:ext cx="0" cy="0"/>
+          <a:chOff x="0" y="0"/>
+          <a:chExt cx="0" cy="0"/>
+        </a:xfrm>
+      </p:grpSpPr>
+      <p:pic>
+        <p:nvPicPr>
+          <p:cNvPr id="2" name="図 1"/>
+          <p:cNvPicPr>
+            <a:picLocks noChangeAspect="1"/>
+          </p:cNvPicPr>
+          <p:nvPr/>
+        </p:nvPicPr>
+        <p:blipFill>
+          <a:blip r:embed="rId2">
+            <a:extLst>
+              <a:ext uri="{28A0092B-C50C-407E-A947-70E740481C1C}">
+                <a14:useLocalDpi xmlns:a14="http://schemas.microsoft.com/office/drawing/2010/main" val="0"/>
+              </a:ext>
+            </a:extLst>
+          </a:blip>
+          <a:stretch>
+            <a:fillRect/>
+          </a:stretch>
+        </p:blipFill>
+        <p:spPr>
+          <a:xfrm>
+            <a:off x="0" y="110018"/>
+            <a:ext cx="12192000" cy="6637963"/>
+          </a:xfrm>
+          <a:prstGeom prst="rect">
+            <a:avLst/>
+          </a:prstGeom>
+        </p:spPr>
+      </p:pic>
+    </p:spTree>
+    <p:extLst>
+      <p:ext uri="{BB962C8B-B14F-4D97-AF65-F5344CB8AC3E}">
+        <p14:creationId xmlns:p14="http://schemas.microsoft.com/office/powerpoint/2010/main" val="3812882102"/>
+      </p:ext>
+    </p:extLst>
+  </p:cSld>
+  <p:clrMapOvr>
+    <a:masterClrMapping/>
+  </p:clrMapOvr>
+</p:sld>
+</file>
+
+<file path=ppt/slides/slide11.xml><?xml version="1.0" encoding="utf-8"?>
+<p:sld xmlns:a="http://schemas.openxmlformats.org/drawingml/2006/main" xmlns:r="http://schemas.openxmlformats.org/officeDocument/2006/relationships" xmlns:p="http://schemas.openxmlformats.org/presentationml/2006/main">
+  <p:cSld>
+    <p:spTree>
+      <p:nvGrpSpPr>
+        <p:cNvPr id="1" name=""/>
+        <p:cNvGrpSpPr/>
+        <p:nvPr/>
+      </p:nvGrpSpPr>
+      <p:grpSpPr>
+        <a:xfrm>
+          <a:off x="0" y="0"/>
+          <a:ext cx="0" cy="0"/>
+          <a:chOff x="0" y="0"/>
+          <a:chExt cx="0" cy="0"/>
+        </a:xfrm>
+      </p:grpSpPr>
+      <p:pic>
+        <p:nvPicPr>
+          <p:cNvPr id="2" name="図 1"/>
+          <p:cNvPicPr>
+            <a:picLocks noChangeAspect="1"/>
+          </p:cNvPicPr>
+          <p:nvPr/>
+        </p:nvPicPr>
+        <p:blipFill>
+          <a:blip r:embed="rId2">
+            <a:extLst>
+              <a:ext uri="{28A0092B-C50C-407E-A947-70E740481C1C}">
+                <a14:useLocalDpi xmlns:a14="http://schemas.microsoft.com/office/drawing/2010/main" val="0"/>
+              </a:ext>
+            </a:extLst>
+          </a:blip>
+          <a:stretch>
+            <a:fillRect/>
+          </a:stretch>
+        </p:blipFill>
+        <p:spPr>
+          <a:xfrm>
+            <a:off x="0" y="110018"/>
+            <a:ext cx="12192000" cy="6637963"/>
+          </a:xfrm>
+          <a:prstGeom prst="rect">
+            <a:avLst/>
+          </a:prstGeom>
+        </p:spPr>
+      </p:pic>
+    </p:spTree>
+    <p:extLst>
+      <p:ext uri="{BB962C8B-B14F-4D97-AF65-F5344CB8AC3E}">
+        <p14:creationId xmlns:p14="http://schemas.microsoft.com/office/powerpoint/2010/main" val="1925780472"/>
+      </p:ext>
+    </p:extLst>
+  </p:cSld>
+  <p:clrMapOvr>
+    <a:masterClrMapping/>
+  </p:clrMapOvr>
+</p:sld>
+</file>
+
+<file path=ppt/slides/slide12.xml><?xml version="1.0" encoding="utf-8"?>
+<p:sld xmlns:a="http://schemas.openxmlformats.org/drawingml/2006/main" xmlns:r="http://schemas.openxmlformats.org/officeDocument/2006/relationships" xmlns:p="http://schemas.openxmlformats.org/presentationml/2006/main">
+  <p:cSld>
+    <p:spTree>
+      <p:nvGrpSpPr>
+        <p:cNvPr id="1" name=""/>
+        <p:cNvGrpSpPr/>
+        <p:nvPr/>
+      </p:nvGrpSpPr>
+      <p:grpSpPr>
+        <a:xfrm>
+          <a:off x="0" y="0"/>
+          <a:ext cx="0" cy="0"/>
+          <a:chOff x="0" y="0"/>
+          <a:chExt cx="0" cy="0"/>
+        </a:xfrm>
+      </p:grpSpPr>
+      <p:pic>
+        <p:nvPicPr>
+          <p:cNvPr id="2" name="図 1"/>
+          <p:cNvPicPr>
+            <a:picLocks noChangeAspect="1"/>
+          </p:cNvPicPr>
+          <p:nvPr/>
+        </p:nvPicPr>
+        <p:blipFill>
+          <a:blip r:embed="rId2">
+            <a:extLst>
+              <a:ext uri="{28A0092B-C50C-407E-A947-70E740481C1C}">
+                <a14:useLocalDpi xmlns:a14="http://schemas.microsoft.com/office/drawing/2010/main" val="0"/>
+              </a:ext>
+            </a:extLst>
+          </a:blip>
+          <a:stretch>
+            <a:fillRect/>
+          </a:stretch>
+        </p:blipFill>
+        <p:spPr>
+          <a:xfrm>
+            <a:off x="0" y="110018"/>
+            <a:ext cx="12192000" cy="6637963"/>
+          </a:xfrm>
+          <a:prstGeom prst="rect">
+            <a:avLst/>
+          </a:prstGeom>
+        </p:spPr>
+      </p:pic>
+    </p:spTree>
+    <p:extLst>
+      <p:ext uri="{BB962C8B-B14F-4D97-AF65-F5344CB8AC3E}">
+        <p14:creationId xmlns:p14="http://schemas.microsoft.com/office/powerpoint/2010/main" val="1068045110"/>
+      </p:ext>
+    </p:extLst>
+  </p:cSld>
+  <p:clrMapOvr>
+    <a:masterClrMapping/>
+  </p:clrMapOvr>
+</p:sld>
+</file>
+
+<file path=ppt/slides/slide13.xml><?xml version="1.0" encoding="utf-8"?>
+<p:sld xmlns:a="http://schemas.openxmlformats.org/drawingml/2006/main" xmlns:r="http://schemas.openxmlformats.org/officeDocument/2006/relationships" xmlns:p="http://schemas.openxmlformats.org/presentationml/2006/main">
+  <p:cSld>
+    <p:spTree>
+      <p:nvGrpSpPr>
+        <p:cNvPr id="1" name=""/>
+        <p:cNvGrpSpPr/>
+        <p:nvPr/>
+      </p:nvGrpSpPr>
+      <p:grpSpPr>
+        <a:xfrm>
+          <a:off x="0" y="0"/>
+          <a:ext cx="0" cy="0"/>
+          <a:chOff x="0" y="0"/>
+          <a:chExt cx="0" cy="0"/>
+        </a:xfrm>
+      </p:grpSpPr>
+      <p:pic>
+        <p:nvPicPr>
+          <p:cNvPr id="2" name="図 1"/>
+          <p:cNvPicPr>
+            <a:picLocks noChangeAspect="1"/>
+          </p:cNvPicPr>
+          <p:nvPr/>
+        </p:nvPicPr>
+        <p:blipFill>
+          <a:blip r:embed="rId2">
+            <a:extLst>
+              <a:ext uri="{28A0092B-C50C-407E-A947-70E740481C1C}">
+                <a14:useLocalDpi xmlns:a14="http://schemas.microsoft.com/office/drawing/2010/main" val="0"/>
+              </a:ext>
+            </a:extLst>
+          </a:blip>
+          <a:stretch>
+            <a:fillRect/>
+          </a:stretch>
+        </p:blipFill>
+        <p:spPr>
+          <a:xfrm>
+            <a:off x="0" y="110018"/>
+            <a:ext cx="12192000" cy="6637963"/>
+          </a:xfrm>
+          <a:prstGeom prst="rect">
+            <a:avLst/>
+          </a:prstGeom>
+        </p:spPr>
+      </p:pic>
+    </p:spTree>
+    <p:extLst>
+      <p:ext uri="{BB962C8B-B14F-4D97-AF65-F5344CB8AC3E}">
+        <p14:creationId xmlns:p14="http://schemas.microsoft.com/office/powerpoint/2010/main" val="3928437161"/>
+      </p:ext>
+    </p:extLst>
+  </p:cSld>
+  <p:clrMapOvr>
+    <a:masterClrMapping/>
+  </p:clrMapOvr>
+</p:sld>
+</file>
+
+<file path=ppt/slides/slide14.xml><?xml version="1.0" encoding="utf-8"?>
+<p:sld xmlns:a="http://schemas.openxmlformats.org/drawingml/2006/main" xmlns:r="http://schemas.openxmlformats.org/officeDocument/2006/relationships" xmlns:p="http://schemas.openxmlformats.org/presentationml/2006/main">
+  <p:cSld>
+    <p:spTree>
+      <p:nvGrpSpPr>
+        <p:cNvPr id="1" name=""/>
+        <p:cNvGrpSpPr/>
+        <p:nvPr/>
+      </p:nvGrpSpPr>
+      <p:grpSpPr>
+        <a:xfrm>
+          <a:off x="0" y="0"/>
+          <a:ext cx="0" cy="0"/>
+          <a:chOff x="0" y="0"/>
+          <a:chExt cx="0" cy="0"/>
+        </a:xfrm>
+      </p:grpSpPr>
+      <p:pic>
+        <p:nvPicPr>
+          <p:cNvPr id="2" name="図 1"/>
+          <p:cNvPicPr>
+            <a:picLocks noChangeAspect="1"/>
+          </p:cNvPicPr>
+          <p:nvPr/>
+        </p:nvPicPr>
+        <p:blipFill>
+          <a:blip r:embed="rId2">
+            <a:extLst>
+              <a:ext uri="{28A0092B-C50C-407E-A947-70E740481C1C}">
+                <a14:useLocalDpi xmlns:a14="http://schemas.microsoft.com/office/drawing/2010/main" val="0"/>
+              </a:ext>
+            </a:extLst>
+          </a:blip>
+          <a:stretch>
+            <a:fillRect/>
+          </a:stretch>
+        </p:blipFill>
+        <p:spPr>
+          <a:xfrm>
+            <a:off x="0" y="110018"/>
+            <a:ext cx="12192000" cy="6637963"/>
+          </a:xfrm>
+          <a:prstGeom prst="rect">
+            <a:avLst/>
+          </a:prstGeom>
+        </p:spPr>
+      </p:pic>
+    </p:spTree>
+    <p:extLst>
+      <p:ext uri="{BB962C8B-B14F-4D97-AF65-F5344CB8AC3E}">
+        <p14:creationId xmlns:p14="http://schemas.microsoft.com/office/powerpoint/2010/main" val="3157256719"/>
+      </p:ext>
+    </p:extLst>
+  </p:cSld>
+  <p:clrMapOvr>
+    <a:masterClrMapping/>
+  </p:clrMapOvr>
+</p:sld>
+</file>
+
+<file path=ppt/slides/slide15.xml><?xml version="1.0" encoding="utf-8"?>
+<p:sld xmlns:a="http://schemas.openxmlformats.org/drawingml/2006/main" xmlns:r="http://schemas.openxmlformats.org/officeDocument/2006/relationships" xmlns:p="http://schemas.openxmlformats.org/presentationml/2006/main">
+  <p:cSld>
+    <p:spTree>
+      <p:nvGrpSpPr>
+        <p:cNvPr id="1" name=""/>
+        <p:cNvGrpSpPr/>
+        <p:nvPr/>
+      </p:nvGrpSpPr>
+      <p:grpSpPr>
+        <a:xfrm>
+          <a:off x="0" y="0"/>
+          <a:ext cx="0" cy="0"/>
+          <a:chOff x="0" y="0"/>
+          <a:chExt cx="0" cy="0"/>
+        </a:xfrm>
+      </p:grpSpPr>
+      <p:pic>
+        <p:nvPicPr>
+          <p:cNvPr id="2" name="図 1"/>
+          <p:cNvPicPr>
+            <a:picLocks noChangeAspect="1"/>
+          </p:cNvPicPr>
+          <p:nvPr/>
+        </p:nvPicPr>
+        <p:blipFill>
+          <a:blip r:embed="rId2">
+            <a:extLst>
+              <a:ext uri="{28A0092B-C50C-407E-A947-70E740481C1C}">
+                <a14:useLocalDpi xmlns:a14="http://schemas.microsoft.com/office/drawing/2010/main" val="0"/>
+              </a:ext>
+            </a:extLst>
+          </a:blip>
+          <a:stretch>
+            <a:fillRect/>
+          </a:stretch>
+        </p:blipFill>
+        <p:spPr>
+          <a:xfrm>
+            <a:off x="0" y="110018"/>
+            <a:ext cx="12192000" cy="6637963"/>
+          </a:xfrm>
+          <a:prstGeom prst="rect">
+            <a:avLst/>
+          </a:prstGeom>
+        </p:spPr>
+      </p:pic>
+    </p:spTree>
+    <p:extLst>
+      <p:ext uri="{BB962C8B-B14F-4D97-AF65-F5344CB8AC3E}">
+        <p14:creationId xmlns:p14="http://schemas.microsoft.com/office/powerpoint/2010/main" val="1252239874"/>
+      </p:ext>
+    </p:extLst>
+  </p:cSld>
+  <p:clrMapOvr>
+    <a:masterClrMapping/>
+  </p:clrMapOvr>
+</p:sld>
+</file>
+
+<file path=ppt/slides/slide16.xml><?xml version="1.0" encoding="utf-8"?>
+<p:sld xmlns:a="http://schemas.openxmlformats.org/drawingml/2006/main" xmlns:r="http://schemas.openxmlformats.org/officeDocument/2006/relationships" xmlns:p="http://schemas.openxmlformats.org/presentationml/2006/main">
+  <p:cSld>
+    <p:spTree>
+      <p:nvGrpSpPr>
+        <p:cNvPr id="1" name=""/>
+        <p:cNvGrpSpPr/>
+        <p:nvPr/>
+      </p:nvGrpSpPr>
+      <p:grpSpPr>
+        <a:xfrm>
+          <a:off x="0" y="0"/>
+          <a:ext cx="0" cy="0"/>
+          <a:chOff x="0" y="0"/>
+          <a:chExt cx="0" cy="0"/>
+        </a:xfrm>
+      </p:grpSpPr>
+      <p:pic>
+        <p:nvPicPr>
+          <p:cNvPr id="2" name="図 1"/>
+          <p:cNvPicPr>
+            <a:picLocks noChangeAspect="1"/>
+          </p:cNvPicPr>
+          <p:nvPr/>
+        </p:nvPicPr>
+        <p:blipFill>
+          <a:blip r:embed="rId2">
+            <a:extLst>
+              <a:ext uri="{28A0092B-C50C-407E-A947-70E740481C1C}">
+                <a14:useLocalDpi xmlns:a14="http://schemas.microsoft.com/office/drawing/2010/main" val="0"/>
+              </a:ext>
+            </a:extLst>
+          </a:blip>
+          <a:stretch>
+            <a:fillRect/>
+          </a:stretch>
+        </p:blipFill>
+        <p:spPr>
+          <a:xfrm>
+            <a:off x="0" y="110018"/>
+            <a:ext cx="12192000" cy="6637963"/>
+          </a:xfrm>
+          <a:prstGeom prst="rect">
+            <a:avLst/>
+          </a:prstGeom>
+        </p:spPr>
+      </p:pic>
+    </p:spTree>
+    <p:extLst>
+      <p:ext uri="{BB962C8B-B14F-4D97-AF65-F5344CB8AC3E}">
+        <p14:creationId xmlns:p14="http://schemas.microsoft.com/office/powerpoint/2010/main" val="3804515892"/>
+      </p:ext>
+    </p:extLst>
+  </p:cSld>
+  <p:clrMapOvr>
+    <a:masterClrMapping/>
+  </p:clrMapOvr>
+</p:sld>
+</file>
+
+<file path=ppt/slides/slide17.xml><?xml version="1.0" encoding="utf-8"?>
+<p:sld xmlns:a="http://schemas.openxmlformats.org/drawingml/2006/main" xmlns:r="http://schemas.openxmlformats.org/officeDocument/2006/relationships" xmlns:p="http://schemas.openxmlformats.org/presentationml/2006/main">
+  <p:cSld>
+    <p:spTree>
+      <p:nvGrpSpPr>
+        <p:cNvPr id="1" name=""/>
+        <p:cNvGrpSpPr/>
+        <p:nvPr/>
+      </p:nvGrpSpPr>
+      <p:grpSpPr>
+        <a:xfrm>
+          <a:off x="0" y="0"/>
+          <a:ext cx="0" cy="0"/>
+          <a:chOff x="0" y="0"/>
+          <a:chExt cx="0" cy="0"/>
+        </a:xfrm>
+      </p:grpSpPr>
+      <p:pic>
+        <p:nvPicPr>
+          <p:cNvPr id="10" name="図 9"/>
+          <p:cNvPicPr>
+            <a:picLocks noChangeAspect="1"/>
+          </p:cNvPicPr>
+          <p:nvPr/>
+        </p:nvPicPr>
+        <p:blipFill>
+          <a:blip r:embed="rId2" cstate="print">
+            <a:extLst>
+              <a:ext uri="{28A0092B-C50C-407E-A947-70E740481C1C}">
+                <a14:useLocalDpi xmlns:a14="http://schemas.microsoft.com/office/drawing/2010/main" val="0"/>
+              </a:ext>
+            </a:extLst>
+          </a:blip>
+          <a:stretch>
+            <a:fillRect/>
+          </a:stretch>
+        </p:blipFill>
+        <p:spPr>
+          <a:xfrm>
+            <a:off x="0" y="508000"/>
+            <a:ext cx="12192000" cy="6096000"/>
+          </a:xfrm>
+          <a:prstGeom prst="rect">
+            <a:avLst/>
+          </a:prstGeom>
+        </p:spPr>
+      </p:pic>
+      <p:pic>
+        <p:nvPicPr>
+          <p:cNvPr id="11" name="図 10"/>
+          <p:cNvPicPr>
+            <a:picLocks noChangeAspect="1"/>
+          </p:cNvPicPr>
+          <p:nvPr/>
+        </p:nvPicPr>
+        <p:blipFill>
+          <a:blip r:embed="rId2" cstate="print">
+            <a:extLst>
+              <a:ext uri="{28A0092B-C50C-407E-A947-70E740481C1C}">
+                <a14:useLocalDpi xmlns:a14="http://schemas.microsoft.com/office/drawing/2010/main" val="0"/>
+              </a:ext>
+            </a:extLst>
+          </a:blip>
+          <a:stretch>
+            <a:fillRect/>
+          </a:stretch>
+        </p:blipFill>
+        <p:spPr>
+          <a:xfrm>
+            <a:off x="4571997" y="2666998"/>
+            <a:ext cx="3048006" cy="1524003"/>
+          </a:xfrm>
+          <a:prstGeom prst="rect">
+            <a:avLst/>
+          </a:prstGeom>
+        </p:spPr>
+      </p:pic>
+    </p:spTree>
+    <p:extLst>
+      <p:ext uri="{BB962C8B-B14F-4D97-AF65-F5344CB8AC3E}">
+        <p14:creationId xmlns:p14="http://schemas.microsoft.com/office/powerpoint/2010/main" val="1172851160"/>
+      </p:ext>
+    </p:extLst>
+  </p:cSld>
+  <p:clrMapOvr>
+    <a:masterClrMapping/>
+  </p:clrMapOvr>
+</p:sld>
+</file>
+
+<file path=ppt/slides/slide18.xml><?xml version="1.0" encoding="utf-8"?>
+<p:sld xmlns:a="http://schemas.openxmlformats.org/drawingml/2006/main" xmlns:r="http://schemas.openxmlformats.org/officeDocument/2006/relationships" xmlns:p="http://schemas.openxmlformats.org/presentationml/2006/main">
+  <p:cSld>
+    <p:spTree>
+      <p:nvGrpSpPr>
+        <p:cNvPr id="1" name=""/>
+        <p:cNvGrpSpPr/>
+        <p:nvPr/>
+      </p:nvGrpSpPr>
+      <p:grpSpPr>
+        <a:xfrm>
+          <a:off x="0" y="0"/>
+          <a:ext cx="0" cy="0"/>
+          <a:chOff x="0" y="0"/>
+          <a:chExt cx="0" cy="0"/>
+        </a:xfrm>
+      </p:grpSpPr>
+    </p:spTree>
+    <p:extLst>
+      <p:ext uri="{BB962C8B-B14F-4D97-AF65-F5344CB8AC3E}">
+        <p14:creationId xmlns:p14="http://schemas.microsoft.com/office/powerpoint/2010/main" val="3818991278"/>
+      </p:ext>
+    </p:extLst>
+  </p:cSld>
+  <p:clrMapOvr>
+    <a:masterClrMapping/>
+  </p:clrMapOvr>
+</p:sld>
+</file>
+
+<file path=ppt/slides/slide19.xml><?xml version="1.0" encoding="utf-8"?>
+<p:sld xmlns:a="http://schemas.openxmlformats.org/drawingml/2006/main" xmlns:r="http://schemas.openxmlformats.org/officeDocument/2006/relationships" xmlns:p="http://schemas.openxmlformats.org/presentationml/2006/main">
+  <p:cSld>
+    <p:spTree>
+      <p:nvGrpSpPr>
+        <p:cNvPr id="1" name=""/>
+        <p:cNvGrpSpPr/>
+        <p:nvPr/>
+      </p:nvGrpSpPr>
+      <p:grpSpPr>
+        <a:xfrm>
+          <a:off x="0" y="0"/>
+          <a:ext cx="0" cy="0"/>
+          <a:chOff x="0" y="0"/>
+          <a:chExt cx="0" cy="0"/>
+        </a:xfrm>
+      </p:grpSpPr>
+    </p:spTree>
+    <p:extLst>
+      <p:ext uri="{BB962C8B-B14F-4D97-AF65-F5344CB8AC3E}">
+        <p14:creationId xmlns:p14="http://schemas.microsoft.com/office/powerpoint/2010/main" val="3780770274"/>
       </p:ext>
     </p:extLst>
   </p:cSld>
@@ -5007,6 +5635,156 @@
     <p:extLst>
       <p:ext uri="{BB962C8B-B14F-4D97-AF65-F5344CB8AC3E}">
         <p14:creationId xmlns:p14="http://schemas.microsoft.com/office/powerpoint/2010/main" val="1793442632"/>
+      </p:ext>
+    </p:extLst>
+  </p:cSld>
+  <p:clrMapOvr>
+    <a:masterClrMapping/>
+  </p:clrMapOvr>
+</p:sld>
+</file>
+
+<file path=ppt/slides/slide20.xml><?xml version="1.0" encoding="utf-8"?>
+<p:sld xmlns:a="http://schemas.openxmlformats.org/drawingml/2006/main" xmlns:r="http://schemas.openxmlformats.org/officeDocument/2006/relationships" xmlns:p="http://schemas.openxmlformats.org/presentationml/2006/main">
+  <p:cSld>
+    <p:spTree>
+      <p:nvGrpSpPr>
+        <p:cNvPr id="1" name=""/>
+        <p:cNvGrpSpPr/>
+        <p:nvPr/>
+      </p:nvGrpSpPr>
+      <p:grpSpPr>
+        <a:xfrm>
+          <a:off x="0" y="0"/>
+          <a:ext cx="0" cy="0"/>
+          <a:chOff x="0" y="0"/>
+          <a:chExt cx="0" cy="0"/>
+        </a:xfrm>
+      </p:grpSpPr>
+    </p:spTree>
+    <p:extLst>
+      <p:ext uri="{BB962C8B-B14F-4D97-AF65-F5344CB8AC3E}">
+        <p14:creationId xmlns:p14="http://schemas.microsoft.com/office/powerpoint/2010/main" val="790557897"/>
+      </p:ext>
+    </p:extLst>
+  </p:cSld>
+  <p:clrMapOvr>
+    <a:masterClrMapping/>
+  </p:clrMapOvr>
+</p:sld>
+</file>
+
+<file path=ppt/slides/slide21.xml><?xml version="1.0" encoding="utf-8"?>
+<p:sld xmlns:a="http://schemas.openxmlformats.org/drawingml/2006/main" xmlns:r="http://schemas.openxmlformats.org/officeDocument/2006/relationships" xmlns:p="http://schemas.openxmlformats.org/presentationml/2006/main">
+  <p:cSld>
+    <p:spTree>
+      <p:nvGrpSpPr>
+        <p:cNvPr id="1" name=""/>
+        <p:cNvGrpSpPr/>
+        <p:nvPr/>
+      </p:nvGrpSpPr>
+      <p:grpSpPr>
+        <a:xfrm>
+          <a:off x="0" y="0"/>
+          <a:ext cx="0" cy="0"/>
+          <a:chOff x="0" y="0"/>
+          <a:chExt cx="0" cy="0"/>
+        </a:xfrm>
+      </p:grpSpPr>
+    </p:spTree>
+    <p:extLst>
+      <p:ext uri="{BB962C8B-B14F-4D97-AF65-F5344CB8AC3E}">
+        <p14:creationId xmlns:p14="http://schemas.microsoft.com/office/powerpoint/2010/main" val="1093942390"/>
+      </p:ext>
+    </p:extLst>
+  </p:cSld>
+  <p:clrMapOvr>
+    <a:masterClrMapping/>
+  </p:clrMapOvr>
+</p:sld>
+</file>
+
+<file path=ppt/slides/slide22.xml><?xml version="1.0" encoding="utf-8"?>
+<p:sld xmlns:a="http://schemas.openxmlformats.org/drawingml/2006/main" xmlns:r="http://schemas.openxmlformats.org/officeDocument/2006/relationships" xmlns:p="http://schemas.openxmlformats.org/presentationml/2006/main">
+  <p:cSld>
+    <p:spTree>
+      <p:nvGrpSpPr>
+        <p:cNvPr id="1" name=""/>
+        <p:cNvGrpSpPr/>
+        <p:nvPr/>
+      </p:nvGrpSpPr>
+      <p:grpSpPr>
+        <a:xfrm>
+          <a:off x="0" y="0"/>
+          <a:ext cx="0" cy="0"/>
+          <a:chOff x="0" y="0"/>
+          <a:chExt cx="0" cy="0"/>
+        </a:xfrm>
+      </p:grpSpPr>
+    </p:spTree>
+    <p:extLst>
+      <p:ext uri="{BB962C8B-B14F-4D97-AF65-F5344CB8AC3E}">
+        <p14:creationId xmlns:p14="http://schemas.microsoft.com/office/powerpoint/2010/main" val="596520221"/>
+      </p:ext>
+    </p:extLst>
+  </p:cSld>
+  <p:clrMapOvr>
+    <a:masterClrMapping/>
+  </p:clrMapOvr>
+</p:sld>
+</file>
+
+<file path=ppt/slides/slide23.xml><?xml version="1.0" encoding="utf-8"?>
+<p:sld xmlns:a="http://schemas.openxmlformats.org/drawingml/2006/main" xmlns:r="http://schemas.openxmlformats.org/officeDocument/2006/relationships" xmlns:p="http://schemas.openxmlformats.org/presentationml/2006/main">
+  <p:cSld>
+    <p:spTree>
+      <p:nvGrpSpPr>
+        <p:cNvPr id="1" name=""/>
+        <p:cNvGrpSpPr/>
+        <p:nvPr/>
+      </p:nvGrpSpPr>
+      <p:grpSpPr>
+        <a:xfrm>
+          <a:off x="0" y="0"/>
+          <a:ext cx="0" cy="0"/>
+          <a:chOff x="0" y="0"/>
+          <a:chExt cx="0" cy="0"/>
+        </a:xfrm>
+      </p:grpSpPr>
+    </p:spTree>
+    <p:extLst>
+      <p:ext uri="{BB962C8B-B14F-4D97-AF65-F5344CB8AC3E}">
+        <p14:creationId xmlns:p14="http://schemas.microsoft.com/office/powerpoint/2010/main" val="1799883782"/>
+      </p:ext>
+    </p:extLst>
+  </p:cSld>
+  <p:clrMapOvr>
+    <a:masterClrMapping/>
+  </p:clrMapOvr>
+</p:sld>
+</file>
+
+<file path=ppt/slides/slide24.xml><?xml version="1.0" encoding="utf-8"?>
+<p:sld xmlns:a="http://schemas.openxmlformats.org/drawingml/2006/main" xmlns:r="http://schemas.openxmlformats.org/officeDocument/2006/relationships" xmlns:p="http://schemas.openxmlformats.org/presentationml/2006/main">
+  <p:cSld>
+    <p:spTree>
+      <p:nvGrpSpPr>
+        <p:cNvPr id="1" name=""/>
+        <p:cNvGrpSpPr/>
+        <p:nvPr/>
+      </p:nvGrpSpPr>
+      <p:grpSpPr>
+        <a:xfrm>
+          <a:off x="0" y="0"/>
+          <a:ext cx="0" cy="0"/>
+          <a:chOff x="0" y="0"/>
+          <a:chExt cx="0" cy="0"/>
+        </a:xfrm>
+      </p:grpSpPr>
+    </p:spTree>
+    <p:extLst>
+      <p:ext uri="{BB962C8B-B14F-4D97-AF65-F5344CB8AC3E}">
+        <p14:creationId xmlns:p14="http://schemas.microsoft.com/office/powerpoint/2010/main" val="316675942"/>
       </p:ext>
     </p:extLst>
   </p:cSld>
@@ -8500,6 +9278,155 @@
 </p:sld>
 </file>
 
+<file path=ppt/slides/slide8.xml><?xml version="1.0" encoding="utf-8"?>
+<p:sld xmlns:a="http://schemas.openxmlformats.org/drawingml/2006/main" xmlns:r="http://schemas.openxmlformats.org/officeDocument/2006/relationships" xmlns:p="http://schemas.openxmlformats.org/presentationml/2006/main">
+  <p:cSld>
+    <p:spTree>
+      <p:nvGrpSpPr>
+        <p:cNvPr id="1" name=""/>
+        <p:cNvGrpSpPr/>
+        <p:nvPr/>
+      </p:nvGrpSpPr>
+      <p:grpSpPr>
+        <a:xfrm>
+          <a:off x="0" y="0"/>
+          <a:ext cx="0" cy="0"/>
+          <a:chOff x="0" y="0"/>
+          <a:chExt cx="0" cy="0"/>
+        </a:xfrm>
+      </p:grpSpPr>
+      <p:pic>
+        <p:nvPicPr>
+          <p:cNvPr id="3" name="図 2"/>
+          <p:cNvPicPr>
+            <a:picLocks noChangeAspect="1"/>
+          </p:cNvPicPr>
+          <p:nvPr/>
+        </p:nvPicPr>
+        <p:blipFill>
+          <a:blip r:embed="rId2">
+            <a:extLst>
+              <a:ext uri="{28A0092B-C50C-407E-A947-70E740481C1C}">
+                <a14:useLocalDpi xmlns:a14="http://schemas.microsoft.com/office/drawing/2010/main" val="0"/>
+              </a:ext>
+            </a:extLst>
+          </a:blip>
+          <a:stretch>
+            <a:fillRect/>
+          </a:stretch>
+        </p:blipFill>
+        <p:spPr>
+          <a:xfrm>
+            <a:off x="0" y="120064"/>
+            <a:ext cx="12192000" cy="6617872"/>
+          </a:xfrm>
+          <a:prstGeom prst="rect">
+            <a:avLst/>
+          </a:prstGeom>
+        </p:spPr>
+      </p:pic>
+      <p:pic>
+        <p:nvPicPr>
+          <p:cNvPr id="4" name="図 3"/>
+          <p:cNvPicPr>
+            <a:picLocks noChangeAspect="1"/>
+          </p:cNvPicPr>
+          <p:nvPr/>
+        </p:nvPicPr>
+        <p:blipFill rotWithShape="1">
+          <a:blip r:embed="rId3" cstate="print">
+            <a:extLst>
+              <a:ext uri="{28A0092B-C50C-407E-A947-70E740481C1C}">
+                <a14:useLocalDpi xmlns:a14="http://schemas.microsoft.com/office/drawing/2010/main" val="0"/>
+              </a:ext>
+            </a:extLst>
+          </a:blip>
+          <a:srcRect l="3126" t="23750" r="7812" b="23750"/>
+          <a:stretch/>
+        </p:blipFill>
+        <p:spPr>
+          <a:xfrm>
+            <a:off x="266700" y="276226"/>
+            <a:ext cx="2714626" cy="800100"/>
+          </a:xfrm>
+          <a:prstGeom prst="rect">
+            <a:avLst/>
+          </a:prstGeom>
+        </p:spPr>
+      </p:pic>
+    </p:spTree>
+    <p:extLst>
+      <p:ext uri="{BB962C8B-B14F-4D97-AF65-F5344CB8AC3E}">
+        <p14:creationId xmlns:p14="http://schemas.microsoft.com/office/powerpoint/2010/main" val="2132153318"/>
+      </p:ext>
+    </p:extLst>
+  </p:cSld>
+  <p:clrMapOvr>
+    <a:masterClrMapping/>
+  </p:clrMapOvr>
+</p:sld>
+</file>
+
+<file path=ppt/slides/slide9.xml><?xml version="1.0" encoding="utf-8"?>
+<p:sld xmlns:a="http://schemas.openxmlformats.org/drawingml/2006/main" xmlns:r="http://schemas.openxmlformats.org/officeDocument/2006/relationships" xmlns:p="http://schemas.openxmlformats.org/presentationml/2006/main">
+  <p:cSld>
+    <p:spTree>
+      <p:nvGrpSpPr>
+        <p:cNvPr id="1" name=""/>
+        <p:cNvGrpSpPr/>
+        <p:nvPr/>
+      </p:nvGrpSpPr>
+      <p:grpSpPr>
+        <a:xfrm>
+          <a:off x="0" y="0"/>
+          <a:ext cx="0" cy="0"/>
+          <a:chOff x="0" y="0"/>
+          <a:chExt cx="0" cy="0"/>
+        </a:xfrm>
+      </p:grpSpPr>
+      <p:pic>
+        <p:nvPicPr>
+          <p:cNvPr id="2" name="図 1"/>
+          <p:cNvPicPr>
+            <a:picLocks noChangeAspect="1"/>
+          </p:cNvPicPr>
+          <p:nvPr/>
+        </p:nvPicPr>
+        <p:blipFill>
+          <a:blip r:embed="rId2">
+            <a:extLst>
+              <a:ext uri="{28A0092B-C50C-407E-A947-70E740481C1C}">
+                <a14:useLocalDpi xmlns:a14="http://schemas.microsoft.com/office/drawing/2010/main" val="0"/>
+              </a:ext>
+            </a:extLst>
+          </a:blip>
+          <a:stretch>
+            <a:fillRect/>
+          </a:stretch>
+        </p:blipFill>
+        <p:spPr>
+          <a:xfrm>
+            <a:off x="0" y="110018"/>
+            <a:ext cx="12192000" cy="6637963"/>
+          </a:xfrm>
+          <a:prstGeom prst="rect">
+            <a:avLst/>
+          </a:prstGeom>
+        </p:spPr>
+      </p:pic>
+    </p:spTree>
+    <p:extLst>
+      <p:ext uri="{BB962C8B-B14F-4D97-AF65-F5344CB8AC3E}">
+        <p14:creationId xmlns:p14="http://schemas.microsoft.com/office/powerpoint/2010/main" val="3839276557"/>
+      </p:ext>
+    </p:extLst>
+  </p:cSld>
+  <p:clrMapOvr>
+    <a:masterClrMapping/>
+  </p:clrMapOvr>
+</p:sld>
+</file>
+
 <file path=ppt/theme/theme1.xml><?xml version="1.0" encoding="utf-8"?>
 <a:theme xmlns:a="http://schemas.openxmlformats.org/drawingml/2006/main" name="Office テーマ">
   <a:themeElements>

--- a/api-server/routes/linebot_mapImg/マップ画像編集用.pptx
+++ b/api-server/routes/linebot_mapImg/マップ画像編集用.pptx
@@ -188,10 +188,9 @@
           </a:lstStyle>
           <a:p>
             <a:r>
-              <a:rPr kumimoji="1" lang="ja-JP" altLang="en-US" smtClean="0"/>
+              <a:rPr kumimoji="1" lang="ja-JP" altLang="en-US"/>
               <a:t>マスター タイトルの書式設定</a:t>
             </a:r>
-            <a:endParaRPr kumimoji="1" lang="ja-JP" altLang="en-US"/>
           </a:p>
         </p:txBody>
       </p:sp>
@@ -253,10 +252,9 @@
           </a:lstStyle>
           <a:p>
             <a:r>
-              <a:rPr kumimoji="1" lang="ja-JP" altLang="en-US" smtClean="0"/>
+              <a:rPr kumimoji="1" lang="ja-JP" altLang="en-US"/>
               <a:t>マスター サブタイトルの書式設定</a:t>
             </a:r>
-            <a:endParaRPr kumimoji="1" lang="ja-JP" altLang="en-US"/>
           </a:p>
         </p:txBody>
       </p:sp>
@@ -277,7 +275,7 @@
           <a:p>
             <a:fld id="{2F746B3C-EF8E-4D23-A5C1-E193D2EAACC3}" type="datetimeFigureOut">
               <a:rPr kumimoji="1" lang="ja-JP" altLang="en-US" smtClean="0"/>
-              <a:t>2018/10/8</a:t>
+              <a:t>2018/10/9</a:t>
             </a:fld>
             <a:endParaRPr kumimoji="1" lang="ja-JP" altLang="en-US"/>
           </a:p>
@@ -371,10 +369,9 @@
           <a:lstStyle/>
           <a:p>
             <a:r>
-              <a:rPr kumimoji="1" lang="ja-JP" altLang="en-US" smtClean="0"/>
+              <a:rPr kumimoji="1" lang="ja-JP" altLang="en-US"/>
               <a:t>マスター タイトルの書式設定</a:t>
             </a:r>
-            <a:endParaRPr kumimoji="1" lang="ja-JP" altLang="en-US"/>
           </a:p>
         </p:txBody>
       </p:sp>
@@ -395,70 +392,69 @@
           <a:p>
             <a:pPr lvl="0"/>
             <a:r>
-              <a:rPr kumimoji="1" lang="ja-JP" altLang="en-US" smtClean="0"/>
+              <a:rPr kumimoji="1" lang="ja-JP" altLang="en-US"/>
               <a:t>マスター テキストの書式設定</a:t>
             </a:r>
           </a:p>
           <a:p>
             <a:pPr lvl="1"/>
             <a:r>
-              <a:rPr kumimoji="1" lang="ja-JP" altLang="en-US" smtClean="0"/>
+              <a:rPr kumimoji="1" lang="ja-JP" altLang="en-US"/>
               <a:t>第 </a:t>
             </a:r>
             <a:r>
-              <a:rPr kumimoji="1" lang="en-US" altLang="ja-JP" smtClean="0"/>
+              <a:rPr kumimoji="1" lang="en-US" altLang="ja-JP"/>
               <a:t>2 </a:t>
             </a:r>
             <a:r>
-              <a:rPr kumimoji="1" lang="ja-JP" altLang="en-US" smtClean="0"/>
+              <a:rPr kumimoji="1" lang="ja-JP" altLang="en-US"/>
               <a:t>レベル</a:t>
             </a:r>
           </a:p>
           <a:p>
             <a:pPr lvl="2"/>
             <a:r>
-              <a:rPr kumimoji="1" lang="ja-JP" altLang="en-US" smtClean="0"/>
+              <a:rPr kumimoji="1" lang="ja-JP" altLang="en-US"/>
               <a:t>第 </a:t>
             </a:r>
             <a:r>
-              <a:rPr kumimoji="1" lang="en-US" altLang="ja-JP" smtClean="0"/>
+              <a:rPr kumimoji="1" lang="en-US" altLang="ja-JP"/>
               <a:t>3 </a:t>
             </a:r>
             <a:r>
-              <a:rPr kumimoji="1" lang="ja-JP" altLang="en-US" smtClean="0"/>
+              <a:rPr kumimoji="1" lang="ja-JP" altLang="en-US"/>
               <a:t>レベル</a:t>
             </a:r>
           </a:p>
           <a:p>
             <a:pPr lvl="3"/>
             <a:r>
-              <a:rPr kumimoji="1" lang="ja-JP" altLang="en-US" smtClean="0"/>
+              <a:rPr kumimoji="1" lang="ja-JP" altLang="en-US"/>
               <a:t>第 </a:t>
             </a:r>
             <a:r>
-              <a:rPr kumimoji="1" lang="en-US" altLang="ja-JP" smtClean="0"/>
+              <a:rPr kumimoji="1" lang="en-US" altLang="ja-JP"/>
               <a:t>4 </a:t>
             </a:r>
             <a:r>
-              <a:rPr kumimoji="1" lang="ja-JP" altLang="en-US" smtClean="0"/>
+              <a:rPr kumimoji="1" lang="ja-JP" altLang="en-US"/>
               <a:t>レベル</a:t>
             </a:r>
           </a:p>
           <a:p>
             <a:pPr lvl="4"/>
             <a:r>
-              <a:rPr kumimoji="1" lang="ja-JP" altLang="en-US" smtClean="0"/>
+              <a:rPr kumimoji="1" lang="ja-JP" altLang="en-US"/>
               <a:t>第 </a:t>
             </a:r>
             <a:r>
-              <a:rPr kumimoji="1" lang="en-US" altLang="ja-JP" smtClean="0"/>
+              <a:rPr kumimoji="1" lang="en-US" altLang="ja-JP"/>
               <a:t>5 </a:t>
             </a:r>
             <a:r>
-              <a:rPr kumimoji="1" lang="ja-JP" altLang="en-US" smtClean="0"/>
+              <a:rPr kumimoji="1" lang="ja-JP" altLang="en-US"/>
               <a:t>レベル</a:t>
             </a:r>
-            <a:endParaRPr kumimoji="1" lang="ja-JP" altLang="en-US"/>
           </a:p>
         </p:txBody>
       </p:sp>
@@ -479,7 +475,7 @@
           <a:p>
             <a:fld id="{2F746B3C-EF8E-4D23-A5C1-E193D2EAACC3}" type="datetimeFigureOut">
               <a:rPr kumimoji="1" lang="ja-JP" altLang="en-US" smtClean="0"/>
-              <a:t>2018/10/8</a:t>
+              <a:t>2018/10/9</a:t>
             </a:fld>
             <a:endParaRPr kumimoji="1" lang="ja-JP" altLang="en-US"/>
           </a:p>
@@ -578,10 +574,9 @@
           <a:lstStyle/>
           <a:p>
             <a:r>
-              <a:rPr kumimoji="1" lang="ja-JP" altLang="en-US" smtClean="0"/>
+              <a:rPr kumimoji="1" lang="ja-JP" altLang="en-US"/>
               <a:t>マスター タイトルの書式設定</a:t>
             </a:r>
-            <a:endParaRPr kumimoji="1" lang="ja-JP" altLang="en-US"/>
           </a:p>
         </p:txBody>
       </p:sp>
@@ -607,70 +602,69 @@
           <a:p>
             <a:pPr lvl="0"/>
             <a:r>
-              <a:rPr kumimoji="1" lang="ja-JP" altLang="en-US" smtClean="0"/>
+              <a:rPr kumimoji="1" lang="ja-JP" altLang="en-US"/>
               <a:t>マスター テキストの書式設定</a:t>
             </a:r>
           </a:p>
           <a:p>
             <a:pPr lvl="1"/>
             <a:r>
-              <a:rPr kumimoji="1" lang="ja-JP" altLang="en-US" smtClean="0"/>
+              <a:rPr kumimoji="1" lang="ja-JP" altLang="en-US"/>
               <a:t>第 </a:t>
             </a:r>
             <a:r>
-              <a:rPr kumimoji="1" lang="en-US" altLang="ja-JP" smtClean="0"/>
+              <a:rPr kumimoji="1" lang="en-US" altLang="ja-JP"/>
               <a:t>2 </a:t>
             </a:r>
             <a:r>
-              <a:rPr kumimoji="1" lang="ja-JP" altLang="en-US" smtClean="0"/>
+              <a:rPr kumimoji="1" lang="ja-JP" altLang="en-US"/>
               <a:t>レベル</a:t>
             </a:r>
           </a:p>
           <a:p>
             <a:pPr lvl="2"/>
             <a:r>
-              <a:rPr kumimoji="1" lang="ja-JP" altLang="en-US" smtClean="0"/>
+              <a:rPr kumimoji="1" lang="ja-JP" altLang="en-US"/>
               <a:t>第 </a:t>
             </a:r>
             <a:r>
-              <a:rPr kumimoji="1" lang="en-US" altLang="ja-JP" smtClean="0"/>
+              <a:rPr kumimoji="1" lang="en-US" altLang="ja-JP"/>
               <a:t>3 </a:t>
             </a:r>
             <a:r>
-              <a:rPr kumimoji="1" lang="ja-JP" altLang="en-US" smtClean="0"/>
+              <a:rPr kumimoji="1" lang="ja-JP" altLang="en-US"/>
               <a:t>レベル</a:t>
             </a:r>
           </a:p>
           <a:p>
             <a:pPr lvl="3"/>
             <a:r>
-              <a:rPr kumimoji="1" lang="ja-JP" altLang="en-US" smtClean="0"/>
+              <a:rPr kumimoji="1" lang="ja-JP" altLang="en-US"/>
               <a:t>第 </a:t>
             </a:r>
             <a:r>
-              <a:rPr kumimoji="1" lang="en-US" altLang="ja-JP" smtClean="0"/>
+              <a:rPr kumimoji="1" lang="en-US" altLang="ja-JP"/>
               <a:t>4 </a:t>
             </a:r>
             <a:r>
-              <a:rPr kumimoji="1" lang="ja-JP" altLang="en-US" smtClean="0"/>
+              <a:rPr kumimoji="1" lang="ja-JP" altLang="en-US"/>
               <a:t>レベル</a:t>
             </a:r>
           </a:p>
           <a:p>
             <a:pPr lvl="4"/>
             <a:r>
-              <a:rPr kumimoji="1" lang="ja-JP" altLang="en-US" smtClean="0"/>
+              <a:rPr kumimoji="1" lang="ja-JP" altLang="en-US"/>
               <a:t>第 </a:t>
             </a:r>
             <a:r>
-              <a:rPr kumimoji="1" lang="en-US" altLang="ja-JP" smtClean="0"/>
+              <a:rPr kumimoji="1" lang="en-US" altLang="ja-JP"/>
               <a:t>5 </a:t>
             </a:r>
             <a:r>
-              <a:rPr kumimoji="1" lang="ja-JP" altLang="en-US" smtClean="0"/>
+              <a:rPr kumimoji="1" lang="ja-JP" altLang="en-US"/>
               <a:t>レベル</a:t>
             </a:r>
-            <a:endParaRPr kumimoji="1" lang="ja-JP" altLang="en-US"/>
           </a:p>
         </p:txBody>
       </p:sp>
@@ -691,7 +685,7 @@
           <a:p>
             <a:fld id="{2F746B3C-EF8E-4D23-A5C1-E193D2EAACC3}" type="datetimeFigureOut">
               <a:rPr kumimoji="1" lang="ja-JP" altLang="en-US" smtClean="0"/>
-              <a:t>2018/10/8</a:t>
+              <a:t>2018/10/9</a:t>
             </a:fld>
             <a:endParaRPr kumimoji="1" lang="ja-JP" altLang="en-US"/>
           </a:p>
@@ -785,10 +779,9 @@
           <a:lstStyle/>
           <a:p>
             <a:r>
-              <a:rPr kumimoji="1" lang="ja-JP" altLang="en-US" smtClean="0"/>
+              <a:rPr kumimoji="1" lang="ja-JP" altLang="en-US"/>
               <a:t>マスター タイトルの書式設定</a:t>
             </a:r>
-            <a:endParaRPr kumimoji="1" lang="ja-JP" altLang="en-US"/>
           </a:p>
         </p:txBody>
       </p:sp>
@@ -809,70 +802,69 @@
           <a:p>
             <a:pPr lvl="0"/>
             <a:r>
-              <a:rPr kumimoji="1" lang="ja-JP" altLang="en-US" smtClean="0"/>
+              <a:rPr kumimoji="1" lang="ja-JP" altLang="en-US"/>
               <a:t>マスター テキストの書式設定</a:t>
             </a:r>
           </a:p>
           <a:p>
             <a:pPr lvl="1"/>
             <a:r>
-              <a:rPr kumimoji="1" lang="ja-JP" altLang="en-US" smtClean="0"/>
+              <a:rPr kumimoji="1" lang="ja-JP" altLang="en-US"/>
               <a:t>第 </a:t>
             </a:r>
             <a:r>
-              <a:rPr kumimoji="1" lang="en-US" altLang="ja-JP" smtClean="0"/>
+              <a:rPr kumimoji="1" lang="en-US" altLang="ja-JP"/>
               <a:t>2 </a:t>
             </a:r>
             <a:r>
-              <a:rPr kumimoji="1" lang="ja-JP" altLang="en-US" smtClean="0"/>
+              <a:rPr kumimoji="1" lang="ja-JP" altLang="en-US"/>
               <a:t>レベル</a:t>
             </a:r>
           </a:p>
           <a:p>
             <a:pPr lvl="2"/>
             <a:r>
-              <a:rPr kumimoji="1" lang="ja-JP" altLang="en-US" smtClean="0"/>
+              <a:rPr kumimoji="1" lang="ja-JP" altLang="en-US"/>
               <a:t>第 </a:t>
             </a:r>
             <a:r>
-              <a:rPr kumimoji="1" lang="en-US" altLang="ja-JP" smtClean="0"/>
+              <a:rPr kumimoji="1" lang="en-US" altLang="ja-JP"/>
               <a:t>3 </a:t>
             </a:r>
             <a:r>
-              <a:rPr kumimoji="1" lang="ja-JP" altLang="en-US" smtClean="0"/>
+              <a:rPr kumimoji="1" lang="ja-JP" altLang="en-US"/>
               <a:t>レベル</a:t>
             </a:r>
           </a:p>
           <a:p>
             <a:pPr lvl="3"/>
             <a:r>
-              <a:rPr kumimoji="1" lang="ja-JP" altLang="en-US" smtClean="0"/>
+              <a:rPr kumimoji="1" lang="ja-JP" altLang="en-US"/>
               <a:t>第 </a:t>
             </a:r>
             <a:r>
-              <a:rPr kumimoji="1" lang="en-US" altLang="ja-JP" smtClean="0"/>
+              <a:rPr kumimoji="1" lang="en-US" altLang="ja-JP"/>
               <a:t>4 </a:t>
             </a:r>
             <a:r>
-              <a:rPr kumimoji="1" lang="ja-JP" altLang="en-US" smtClean="0"/>
+              <a:rPr kumimoji="1" lang="ja-JP" altLang="en-US"/>
               <a:t>レベル</a:t>
             </a:r>
           </a:p>
           <a:p>
             <a:pPr lvl="4"/>
             <a:r>
-              <a:rPr kumimoji="1" lang="ja-JP" altLang="en-US" smtClean="0"/>
+              <a:rPr kumimoji="1" lang="ja-JP" altLang="en-US"/>
               <a:t>第 </a:t>
             </a:r>
             <a:r>
-              <a:rPr kumimoji="1" lang="en-US" altLang="ja-JP" smtClean="0"/>
+              <a:rPr kumimoji="1" lang="en-US" altLang="ja-JP"/>
               <a:t>5 </a:t>
             </a:r>
             <a:r>
-              <a:rPr kumimoji="1" lang="ja-JP" altLang="en-US" smtClean="0"/>
+              <a:rPr kumimoji="1" lang="ja-JP" altLang="en-US"/>
               <a:t>レベル</a:t>
             </a:r>
-            <a:endParaRPr kumimoji="1" lang="ja-JP" altLang="en-US"/>
           </a:p>
         </p:txBody>
       </p:sp>
@@ -893,7 +885,7 @@
           <a:p>
             <a:fld id="{2F746B3C-EF8E-4D23-A5C1-E193D2EAACC3}" type="datetimeFigureOut">
               <a:rPr kumimoji="1" lang="ja-JP" altLang="en-US" smtClean="0"/>
-              <a:t>2018/10/8</a:t>
+              <a:t>2018/10/9</a:t>
             </a:fld>
             <a:endParaRPr kumimoji="1" lang="ja-JP" altLang="en-US"/>
           </a:p>
@@ -996,10 +988,9 @@
           </a:lstStyle>
           <a:p>
             <a:r>
-              <a:rPr kumimoji="1" lang="ja-JP" altLang="en-US" smtClean="0"/>
+              <a:rPr kumimoji="1" lang="ja-JP" altLang="en-US"/>
               <a:t>マスター タイトルの書式設定</a:t>
             </a:r>
-            <a:endParaRPr kumimoji="1" lang="ja-JP" altLang="en-US"/>
           </a:p>
         </p:txBody>
       </p:sp>
@@ -1116,7 +1107,7 @@
           <a:p>
             <a:pPr lvl="0"/>
             <a:r>
-              <a:rPr kumimoji="1" lang="ja-JP" altLang="en-US" smtClean="0"/>
+              <a:rPr kumimoji="1" lang="ja-JP" altLang="en-US"/>
               <a:t>マスター テキストの書式設定</a:t>
             </a:r>
           </a:p>
@@ -1139,7 +1130,7 @@
           <a:p>
             <a:fld id="{2F746B3C-EF8E-4D23-A5C1-E193D2EAACC3}" type="datetimeFigureOut">
               <a:rPr kumimoji="1" lang="ja-JP" altLang="en-US" smtClean="0"/>
-              <a:t>2018/10/8</a:t>
+              <a:t>2018/10/9</a:t>
             </a:fld>
             <a:endParaRPr kumimoji="1" lang="ja-JP" altLang="en-US"/>
           </a:p>
@@ -1233,10 +1224,9 @@
           <a:lstStyle/>
           <a:p>
             <a:r>
-              <a:rPr kumimoji="1" lang="ja-JP" altLang="en-US" smtClean="0"/>
+              <a:rPr kumimoji="1" lang="ja-JP" altLang="en-US"/>
               <a:t>マスター タイトルの書式設定</a:t>
             </a:r>
-            <a:endParaRPr kumimoji="1" lang="ja-JP" altLang="en-US"/>
           </a:p>
         </p:txBody>
       </p:sp>
@@ -1262,70 +1252,69 @@
           <a:p>
             <a:pPr lvl="0"/>
             <a:r>
-              <a:rPr kumimoji="1" lang="ja-JP" altLang="en-US" smtClean="0"/>
+              <a:rPr kumimoji="1" lang="ja-JP" altLang="en-US"/>
               <a:t>マスター テキストの書式設定</a:t>
             </a:r>
           </a:p>
           <a:p>
             <a:pPr lvl="1"/>
             <a:r>
-              <a:rPr kumimoji="1" lang="ja-JP" altLang="en-US" smtClean="0"/>
+              <a:rPr kumimoji="1" lang="ja-JP" altLang="en-US"/>
               <a:t>第 </a:t>
             </a:r>
             <a:r>
-              <a:rPr kumimoji="1" lang="en-US" altLang="ja-JP" smtClean="0"/>
+              <a:rPr kumimoji="1" lang="en-US" altLang="ja-JP"/>
               <a:t>2 </a:t>
             </a:r>
             <a:r>
-              <a:rPr kumimoji="1" lang="ja-JP" altLang="en-US" smtClean="0"/>
+              <a:rPr kumimoji="1" lang="ja-JP" altLang="en-US"/>
               <a:t>レベル</a:t>
             </a:r>
           </a:p>
           <a:p>
             <a:pPr lvl="2"/>
             <a:r>
-              <a:rPr kumimoji="1" lang="ja-JP" altLang="en-US" smtClean="0"/>
+              <a:rPr kumimoji="1" lang="ja-JP" altLang="en-US"/>
               <a:t>第 </a:t>
             </a:r>
             <a:r>
-              <a:rPr kumimoji="1" lang="en-US" altLang="ja-JP" smtClean="0"/>
+              <a:rPr kumimoji="1" lang="en-US" altLang="ja-JP"/>
               <a:t>3 </a:t>
             </a:r>
             <a:r>
-              <a:rPr kumimoji="1" lang="ja-JP" altLang="en-US" smtClean="0"/>
+              <a:rPr kumimoji="1" lang="ja-JP" altLang="en-US"/>
               <a:t>レベル</a:t>
             </a:r>
           </a:p>
           <a:p>
             <a:pPr lvl="3"/>
             <a:r>
-              <a:rPr kumimoji="1" lang="ja-JP" altLang="en-US" smtClean="0"/>
+              <a:rPr kumimoji="1" lang="ja-JP" altLang="en-US"/>
               <a:t>第 </a:t>
             </a:r>
             <a:r>
-              <a:rPr kumimoji="1" lang="en-US" altLang="ja-JP" smtClean="0"/>
+              <a:rPr kumimoji="1" lang="en-US" altLang="ja-JP"/>
               <a:t>4 </a:t>
             </a:r>
             <a:r>
-              <a:rPr kumimoji="1" lang="ja-JP" altLang="en-US" smtClean="0"/>
+              <a:rPr kumimoji="1" lang="ja-JP" altLang="en-US"/>
               <a:t>レベル</a:t>
             </a:r>
           </a:p>
           <a:p>
             <a:pPr lvl="4"/>
             <a:r>
-              <a:rPr kumimoji="1" lang="ja-JP" altLang="en-US" smtClean="0"/>
+              <a:rPr kumimoji="1" lang="ja-JP" altLang="en-US"/>
               <a:t>第 </a:t>
             </a:r>
             <a:r>
-              <a:rPr kumimoji="1" lang="en-US" altLang="ja-JP" smtClean="0"/>
+              <a:rPr kumimoji="1" lang="en-US" altLang="ja-JP"/>
               <a:t>5 </a:t>
             </a:r>
             <a:r>
-              <a:rPr kumimoji="1" lang="ja-JP" altLang="en-US" smtClean="0"/>
+              <a:rPr kumimoji="1" lang="ja-JP" altLang="en-US"/>
               <a:t>レベル</a:t>
             </a:r>
-            <a:endParaRPr kumimoji="1" lang="ja-JP" altLang="en-US"/>
           </a:p>
         </p:txBody>
       </p:sp>
@@ -1351,70 +1340,69 @@
           <a:p>
             <a:pPr lvl="0"/>
             <a:r>
-              <a:rPr kumimoji="1" lang="ja-JP" altLang="en-US" smtClean="0"/>
+              <a:rPr kumimoji="1" lang="ja-JP" altLang="en-US"/>
               <a:t>マスター テキストの書式設定</a:t>
             </a:r>
           </a:p>
           <a:p>
             <a:pPr lvl="1"/>
             <a:r>
-              <a:rPr kumimoji="1" lang="ja-JP" altLang="en-US" smtClean="0"/>
+              <a:rPr kumimoji="1" lang="ja-JP" altLang="en-US"/>
               <a:t>第 </a:t>
             </a:r>
             <a:r>
-              <a:rPr kumimoji="1" lang="en-US" altLang="ja-JP" smtClean="0"/>
+              <a:rPr kumimoji="1" lang="en-US" altLang="ja-JP"/>
               <a:t>2 </a:t>
             </a:r>
             <a:r>
-              <a:rPr kumimoji="1" lang="ja-JP" altLang="en-US" smtClean="0"/>
+              <a:rPr kumimoji="1" lang="ja-JP" altLang="en-US"/>
               <a:t>レベル</a:t>
             </a:r>
           </a:p>
           <a:p>
             <a:pPr lvl="2"/>
             <a:r>
-              <a:rPr kumimoji="1" lang="ja-JP" altLang="en-US" smtClean="0"/>
+              <a:rPr kumimoji="1" lang="ja-JP" altLang="en-US"/>
               <a:t>第 </a:t>
             </a:r>
             <a:r>
-              <a:rPr kumimoji="1" lang="en-US" altLang="ja-JP" smtClean="0"/>
+              <a:rPr kumimoji="1" lang="en-US" altLang="ja-JP"/>
               <a:t>3 </a:t>
             </a:r>
             <a:r>
-              <a:rPr kumimoji="1" lang="ja-JP" altLang="en-US" smtClean="0"/>
+              <a:rPr kumimoji="1" lang="ja-JP" altLang="en-US"/>
               <a:t>レベル</a:t>
             </a:r>
           </a:p>
           <a:p>
             <a:pPr lvl="3"/>
             <a:r>
-              <a:rPr kumimoji="1" lang="ja-JP" altLang="en-US" smtClean="0"/>
+              <a:rPr kumimoji="1" lang="ja-JP" altLang="en-US"/>
               <a:t>第 </a:t>
             </a:r>
             <a:r>
-              <a:rPr kumimoji="1" lang="en-US" altLang="ja-JP" smtClean="0"/>
+              <a:rPr kumimoji="1" lang="en-US" altLang="ja-JP"/>
               <a:t>4 </a:t>
             </a:r>
             <a:r>
-              <a:rPr kumimoji="1" lang="ja-JP" altLang="en-US" smtClean="0"/>
+              <a:rPr kumimoji="1" lang="ja-JP" altLang="en-US"/>
               <a:t>レベル</a:t>
             </a:r>
           </a:p>
           <a:p>
             <a:pPr lvl="4"/>
             <a:r>
-              <a:rPr kumimoji="1" lang="ja-JP" altLang="en-US" smtClean="0"/>
+              <a:rPr kumimoji="1" lang="ja-JP" altLang="en-US"/>
               <a:t>第 </a:t>
             </a:r>
             <a:r>
-              <a:rPr kumimoji="1" lang="en-US" altLang="ja-JP" smtClean="0"/>
+              <a:rPr kumimoji="1" lang="en-US" altLang="ja-JP"/>
               <a:t>5 </a:t>
             </a:r>
             <a:r>
-              <a:rPr kumimoji="1" lang="ja-JP" altLang="en-US" smtClean="0"/>
+              <a:rPr kumimoji="1" lang="ja-JP" altLang="en-US"/>
               <a:t>レベル</a:t>
             </a:r>
-            <a:endParaRPr kumimoji="1" lang="ja-JP" altLang="en-US"/>
           </a:p>
         </p:txBody>
       </p:sp>
@@ -1435,7 +1423,7 @@
           <a:p>
             <a:fld id="{2F746B3C-EF8E-4D23-A5C1-E193D2EAACC3}" type="datetimeFigureOut">
               <a:rPr kumimoji="1" lang="ja-JP" altLang="en-US" smtClean="0"/>
-              <a:t>2018/10/8</a:t>
+              <a:t>2018/10/9</a:t>
             </a:fld>
             <a:endParaRPr kumimoji="1" lang="ja-JP" altLang="en-US"/>
           </a:p>
@@ -1534,10 +1522,9 @@
           <a:lstStyle/>
           <a:p>
             <a:r>
-              <a:rPr kumimoji="1" lang="ja-JP" altLang="en-US" smtClean="0"/>
+              <a:rPr kumimoji="1" lang="ja-JP" altLang="en-US"/>
               <a:t>マスター タイトルの書式設定</a:t>
             </a:r>
-            <a:endParaRPr kumimoji="1" lang="ja-JP" altLang="en-US"/>
           </a:p>
         </p:txBody>
       </p:sp>
@@ -1600,7 +1587,7 @@
           <a:p>
             <a:pPr lvl="0"/>
             <a:r>
-              <a:rPr kumimoji="1" lang="ja-JP" altLang="en-US" smtClean="0"/>
+              <a:rPr kumimoji="1" lang="ja-JP" altLang="en-US"/>
               <a:t>マスター テキストの書式設定</a:t>
             </a:r>
           </a:p>
@@ -1628,70 +1615,69 @@
           <a:p>
             <a:pPr lvl="0"/>
             <a:r>
-              <a:rPr kumimoji="1" lang="ja-JP" altLang="en-US" smtClean="0"/>
+              <a:rPr kumimoji="1" lang="ja-JP" altLang="en-US"/>
               <a:t>マスター テキストの書式設定</a:t>
             </a:r>
           </a:p>
           <a:p>
             <a:pPr lvl="1"/>
             <a:r>
-              <a:rPr kumimoji="1" lang="ja-JP" altLang="en-US" smtClean="0"/>
+              <a:rPr kumimoji="1" lang="ja-JP" altLang="en-US"/>
               <a:t>第 </a:t>
             </a:r>
             <a:r>
-              <a:rPr kumimoji="1" lang="en-US" altLang="ja-JP" smtClean="0"/>
+              <a:rPr kumimoji="1" lang="en-US" altLang="ja-JP"/>
               <a:t>2 </a:t>
             </a:r>
             <a:r>
-              <a:rPr kumimoji="1" lang="ja-JP" altLang="en-US" smtClean="0"/>
+              <a:rPr kumimoji="1" lang="ja-JP" altLang="en-US"/>
               <a:t>レベル</a:t>
             </a:r>
           </a:p>
           <a:p>
             <a:pPr lvl="2"/>
             <a:r>
-              <a:rPr kumimoji="1" lang="ja-JP" altLang="en-US" smtClean="0"/>
+              <a:rPr kumimoji="1" lang="ja-JP" altLang="en-US"/>
               <a:t>第 </a:t>
             </a:r>
             <a:r>
-              <a:rPr kumimoji="1" lang="en-US" altLang="ja-JP" smtClean="0"/>
+              <a:rPr kumimoji="1" lang="en-US" altLang="ja-JP"/>
               <a:t>3 </a:t>
             </a:r>
             <a:r>
-              <a:rPr kumimoji="1" lang="ja-JP" altLang="en-US" smtClean="0"/>
+              <a:rPr kumimoji="1" lang="ja-JP" altLang="en-US"/>
               <a:t>レベル</a:t>
             </a:r>
           </a:p>
           <a:p>
             <a:pPr lvl="3"/>
             <a:r>
-              <a:rPr kumimoji="1" lang="ja-JP" altLang="en-US" smtClean="0"/>
+              <a:rPr kumimoji="1" lang="ja-JP" altLang="en-US"/>
               <a:t>第 </a:t>
             </a:r>
             <a:r>
-              <a:rPr kumimoji="1" lang="en-US" altLang="ja-JP" smtClean="0"/>
+              <a:rPr kumimoji="1" lang="en-US" altLang="ja-JP"/>
               <a:t>4 </a:t>
             </a:r>
             <a:r>
-              <a:rPr kumimoji="1" lang="ja-JP" altLang="en-US" smtClean="0"/>
+              <a:rPr kumimoji="1" lang="ja-JP" altLang="en-US"/>
               <a:t>レベル</a:t>
             </a:r>
           </a:p>
           <a:p>
             <a:pPr lvl="4"/>
             <a:r>
-              <a:rPr kumimoji="1" lang="ja-JP" altLang="en-US" smtClean="0"/>
+              <a:rPr kumimoji="1" lang="ja-JP" altLang="en-US"/>
               <a:t>第 </a:t>
             </a:r>
             <a:r>
-              <a:rPr kumimoji="1" lang="en-US" altLang="ja-JP" smtClean="0"/>
+              <a:rPr kumimoji="1" lang="en-US" altLang="ja-JP"/>
               <a:t>5 </a:t>
             </a:r>
             <a:r>
-              <a:rPr kumimoji="1" lang="ja-JP" altLang="en-US" smtClean="0"/>
+              <a:rPr kumimoji="1" lang="ja-JP" altLang="en-US"/>
               <a:t>レベル</a:t>
             </a:r>
-            <a:endParaRPr kumimoji="1" lang="ja-JP" altLang="en-US"/>
           </a:p>
         </p:txBody>
       </p:sp>
@@ -1754,7 +1740,7 @@
           <a:p>
             <a:pPr lvl="0"/>
             <a:r>
-              <a:rPr kumimoji="1" lang="ja-JP" altLang="en-US" smtClean="0"/>
+              <a:rPr kumimoji="1" lang="ja-JP" altLang="en-US"/>
               <a:t>マスター テキストの書式設定</a:t>
             </a:r>
           </a:p>
@@ -1782,70 +1768,69 @@
           <a:p>
             <a:pPr lvl="0"/>
             <a:r>
-              <a:rPr kumimoji="1" lang="ja-JP" altLang="en-US" smtClean="0"/>
+              <a:rPr kumimoji="1" lang="ja-JP" altLang="en-US"/>
               <a:t>マスター テキストの書式設定</a:t>
             </a:r>
           </a:p>
           <a:p>
             <a:pPr lvl="1"/>
             <a:r>
-              <a:rPr kumimoji="1" lang="ja-JP" altLang="en-US" smtClean="0"/>
+              <a:rPr kumimoji="1" lang="ja-JP" altLang="en-US"/>
               <a:t>第 </a:t>
             </a:r>
             <a:r>
-              <a:rPr kumimoji="1" lang="en-US" altLang="ja-JP" smtClean="0"/>
+              <a:rPr kumimoji="1" lang="en-US" altLang="ja-JP"/>
               <a:t>2 </a:t>
             </a:r>
             <a:r>
-              <a:rPr kumimoji="1" lang="ja-JP" altLang="en-US" smtClean="0"/>
+              <a:rPr kumimoji="1" lang="ja-JP" altLang="en-US"/>
               <a:t>レベル</a:t>
             </a:r>
           </a:p>
           <a:p>
             <a:pPr lvl="2"/>
             <a:r>
-              <a:rPr kumimoji="1" lang="ja-JP" altLang="en-US" smtClean="0"/>
+              <a:rPr kumimoji="1" lang="ja-JP" altLang="en-US"/>
               <a:t>第 </a:t>
             </a:r>
             <a:r>
-              <a:rPr kumimoji="1" lang="en-US" altLang="ja-JP" smtClean="0"/>
+              <a:rPr kumimoji="1" lang="en-US" altLang="ja-JP"/>
               <a:t>3 </a:t>
             </a:r>
             <a:r>
-              <a:rPr kumimoji="1" lang="ja-JP" altLang="en-US" smtClean="0"/>
+              <a:rPr kumimoji="1" lang="ja-JP" altLang="en-US"/>
               <a:t>レベル</a:t>
             </a:r>
           </a:p>
           <a:p>
             <a:pPr lvl="3"/>
             <a:r>
-              <a:rPr kumimoji="1" lang="ja-JP" altLang="en-US" smtClean="0"/>
+              <a:rPr kumimoji="1" lang="ja-JP" altLang="en-US"/>
               <a:t>第 </a:t>
             </a:r>
             <a:r>
-              <a:rPr kumimoji="1" lang="en-US" altLang="ja-JP" smtClean="0"/>
+              <a:rPr kumimoji="1" lang="en-US" altLang="ja-JP"/>
               <a:t>4 </a:t>
             </a:r>
             <a:r>
-              <a:rPr kumimoji="1" lang="ja-JP" altLang="en-US" smtClean="0"/>
+              <a:rPr kumimoji="1" lang="ja-JP" altLang="en-US"/>
               <a:t>レベル</a:t>
             </a:r>
           </a:p>
           <a:p>
             <a:pPr lvl="4"/>
             <a:r>
-              <a:rPr kumimoji="1" lang="ja-JP" altLang="en-US" smtClean="0"/>
+              <a:rPr kumimoji="1" lang="ja-JP" altLang="en-US"/>
               <a:t>第 </a:t>
             </a:r>
             <a:r>
-              <a:rPr kumimoji="1" lang="en-US" altLang="ja-JP" smtClean="0"/>
+              <a:rPr kumimoji="1" lang="en-US" altLang="ja-JP"/>
               <a:t>5 </a:t>
             </a:r>
             <a:r>
-              <a:rPr kumimoji="1" lang="ja-JP" altLang="en-US" smtClean="0"/>
+              <a:rPr kumimoji="1" lang="ja-JP" altLang="en-US"/>
               <a:t>レベル</a:t>
             </a:r>
-            <a:endParaRPr kumimoji="1" lang="ja-JP" altLang="en-US"/>
           </a:p>
         </p:txBody>
       </p:sp>
@@ -1866,7 +1851,7 @@
           <a:p>
             <a:fld id="{2F746B3C-EF8E-4D23-A5C1-E193D2EAACC3}" type="datetimeFigureOut">
               <a:rPr kumimoji="1" lang="ja-JP" altLang="en-US" smtClean="0"/>
-              <a:t>2018/10/8</a:t>
+              <a:t>2018/10/9</a:t>
             </a:fld>
             <a:endParaRPr kumimoji="1" lang="ja-JP" altLang="en-US"/>
           </a:p>
@@ -1960,10 +1945,9 @@
           <a:lstStyle/>
           <a:p>
             <a:r>
-              <a:rPr kumimoji="1" lang="ja-JP" altLang="en-US" smtClean="0"/>
+              <a:rPr kumimoji="1" lang="ja-JP" altLang="en-US"/>
               <a:t>マスター タイトルの書式設定</a:t>
             </a:r>
-            <a:endParaRPr kumimoji="1" lang="ja-JP" altLang="en-US"/>
           </a:p>
         </p:txBody>
       </p:sp>
@@ -1984,7 +1968,7 @@
           <a:p>
             <a:fld id="{2F746B3C-EF8E-4D23-A5C1-E193D2EAACC3}" type="datetimeFigureOut">
               <a:rPr kumimoji="1" lang="ja-JP" altLang="en-US" smtClean="0"/>
-              <a:t>2018/10/8</a:t>
+              <a:t>2018/10/9</a:t>
             </a:fld>
             <a:endParaRPr kumimoji="1" lang="ja-JP" altLang="en-US"/>
           </a:p>
@@ -2079,7 +2063,7 @@
           <a:p>
             <a:fld id="{2F746B3C-EF8E-4D23-A5C1-E193D2EAACC3}" type="datetimeFigureOut">
               <a:rPr kumimoji="1" lang="ja-JP" altLang="en-US" smtClean="0"/>
-              <a:t>2018/10/8</a:t>
+              <a:t>2018/10/9</a:t>
             </a:fld>
             <a:endParaRPr kumimoji="1" lang="ja-JP" altLang="en-US"/>
           </a:p>
@@ -2182,10 +2166,9 @@
           </a:lstStyle>
           <a:p>
             <a:r>
-              <a:rPr kumimoji="1" lang="ja-JP" altLang="en-US" smtClean="0"/>
+              <a:rPr kumimoji="1" lang="ja-JP" altLang="en-US"/>
               <a:t>マスター タイトルの書式設定</a:t>
             </a:r>
-            <a:endParaRPr kumimoji="1" lang="ja-JP" altLang="en-US"/>
           </a:p>
         </p:txBody>
       </p:sp>
@@ -2239,70 +2222,69 @@
           <a:p>
             <a:pPr lvl="0"/>
             <a:r>
-              <a:rPr kumimoji="1" lang="ja-JP" altLang="en-US" smtClean="0"/>
+              <a:rPr kumimoji="1" lang="ja-JP" altLang="en-US"/>
               <a:t>マスター テキストの書式設定</a:t>
             </a:r>
           </a:p>
           <a:p>
             <a:pPr lvl="1"/>
             <a:r>
-              <a:rPr kumimoji="1" lang="ja-JP" altLang="en-US" smtClean="0"/>
+              <a:rPr kumimoji="1" lang="ja-JP" altLang="en-US"/>
               <a:t>第 </a:t>
             </a:r>
             <a:r>
-              <a:rPr kumimoji="1" lang="en-US" altLang="ja-JP" smtClean="0"/>
+              <a:rPr kumimoji="1" lang="en-US" altLang="ja-JP"/>
               <a:t>2 </a:t>
             </a:r>
             <a:r>
-              <a:rPr kumimoji="1" lang="ja-JP" altLang="en-US" smtClean="0"/>
+              <a:rPr kumimoji="1" lang="ja-JP" altLang="en-US"/>
               <a:t>レベル</a:t>
             </a:r>
           </a:p>
           <a:p>
             <a:pPr lvl="2"/>
             <a:r>
-              <a:rPr kumimoji="1" lang="ja-JP" altLang="en-US" smtClean="0"/>
+              <a:rPr kumimoji="1" lang="ja-JP" altLang="en-US"/>
               <a:t>第 </a:t>
             </a:r>
             <a:r>
-              <a:rPr kumimoji="1" lang="en-US" altLang="ja-JP" smtClean="0"/>
+              <a:rPr kumimoji="1" lang="en-US" altLang="ja-JP"/>
               <a:t>3 </a:t>
             </a:r>
             <a:r>
-              <a:rPr kumimoji="1" lang="ja-JP" altLang="en-US" smtClean="0"/>
+              <a:rPr kumimoji="1" lang="ja-JP" altLang="en-US"/>
               <a:t>レベル</a:t>
             </a:r>
           </a:p>
           <a:p>
             <a:pPr lvl="3"/>
             <a:r>
-              <a:rPr kumimoji="1" lang="ja-JP" altLang="en-US" smtClean="0"/>
+              <a:rPr kumimoji="1" lang="ja-JP" altLang="en-US"/>
               <a:t>第 </a:t>
             </a:r>
             <a:r>
-              <a:rPr kumimoji="1" lang="en-US" altLang="ja-JP" smtClean="0"/>
+              <a:rPr kumimoji="1" lang="en-US" altLang="ja-JP"/>
               <a:t>4 </a:t>
             </a:r>
             <a:r>
-              <a:rPr kumimoji="1" lang="ja-JP" altLang="en-US" smtClean="0"/>
+              <a:rPr kumimoji="1" lang="ja-JP" altLang="en-US"/>
               <a:t>レベル</a:t>
             </a:r>
           </a:p>
           <a:p>
             <a:pPr lvl="4"/>
             <a:r>
-              <a:rPr kumimoji="1" lang="ja-JP" altLang="en-US" smtClean="0"/>
+              <a:rPr kumimoji="1" lang="ja-JP" altLang="en-US"/>
               <a:t>第 </a:t>
             </a:r>
             <a:r>
-              <a:rPr kumimoji="1" lang="en-US" altLang="ja-JP" smtClean="0"/>
+              <a:rPr kumimoji="1" lang="en-US" altLang="ja-JP"/>
               <a:t>5 </a:t>
             </a:r>
             <a:r>
-              <a:rPr kumimoji="1" lang="ja-JP" altLang="en-US" smtClean="0"/>
+              <a:rPr kumimoji="1" lang="ja-JP" altLang="en-US"/>
               <a:t>レベル</a:t>
             </a:r>
-            <a:endParaRPr kumimoji="1" lang="ja-JP" altLang="en-US"/>
           </a:p>
         </p:txBody>
       </p:sp>
@@ -2365,7 +2347,7 @@
           <a:p>
             <a:pPr lvl="0"/>
             <a:r>
-              <a:rPr kumimoji="1" lang="ja-JP" altLang="en-US" smtClean="0"/>
+              <a:rPr kumimoji="1" lang="ja-JP" altLang="en-US"/>
               <a:t>マスター テキストの書式設定</a:t>
             </a:r>
           </a:p>
@@ -2388,7 +2370,7 @@
           <a:p>
             <a:fld id="{2F746B3C-EF8E-4D23-A5C1-E193D2EAACC3}" type="datetimeFigureOut">
               <a:rPr kumimoji="1" lang="ja-JP" altLang="en-US" smtClean="0"/>
-              <a:t>2018/10/8</a:t>
+              <a:t>2018/10/9</a:t>
             </a:fld>
             <a:endParaRPr kumimoji="1" lang="ja-JP" altLang="en-US"/>
           </a:p>
@@ -2491,10 +2473,9 @@
           </a:lstStyle>
           <a:p>
             <a:r>
-              <a:rPr kumimoji="1" lang="ja-JP" altLang="en-US" smtClean="0"/>
+              <a:rPr kumimoji="1" lang="ja-JP" altLang="en-US"/>
               <a:t>マスター タイトルの書式設定</a:t>
             </a:r>
-            <a:endParaRPr kumimoji="1" lang="ja-JP" altLang="en-US"/>
           </a:p>
         </p:txBody>
       </p:sp>
@@ -2618,7 +2599,7 @@
           <a:p>
             <a:pPr lvl="0"/>
             <a:r>
-              <a:rPr kumimoji="1" lang="ja-JP" altLang="en-US" smtClean="0"/>
+              <a:rPr kumimoji="1" lang="ja-JP" altLang="en-US"/>
               <a:t>マスター テキストの書式設定</a:t>
             </a:r>
           </a:p>
@@ -2641,7 +2622,7 @@
           <a:p>
             <a:fld id="{2F746B3C-EF8E-4D23-A5C1-E193D2EAACC3}" type="datetimeFigureOut">
               <a:rPr kumimoji="1" lang="ja-JP" altLang="en-US" smtClean="0"/>
-              <a:t>2018/10/8</a:t>
+              <a:t>2018/10/9</a:t>
             </a:fld>
             <a:endParaRPr kumimoji="1" lang="ja-JP" altLang="en-US"/>
           </a:p>
@@ -2750,10 +2731,9 @@
           <a:lstStyle/>
           <a:p>
             <a:r>
-              <a:rPr kumimoji="1" lang="ja-JP" altLang="en-US" smtClean="0"/>
+              <a:rPr kumimoji="1" lang="ja-JP" altLang="en-US"/>
               <a:t>マスター タイトルの書式設定</a:t>
             </a:r>
-            <a:endParaRPr kumimoji="1" lang="ja-JP" altLang="en-US"/>
           </a:p>
         </p:txBody>
       </p:sp>
@@ -2784,70 +2764,69 @@
           <a:p>
             <a:pPr lvl="0"/>
             <a:r>
-              <a:rPr kumimoji="1" lang="ja-JP" altLang="en-US" smtClean="0"/>
+              <a:rPr kumimoji="1" lang="ja-JP" altLang="en-US"/>
               <a:t>マスター テキストの書式設定</a:t>
             </a:r>
           </a:p>
           <a:p>
             <a:pPr lvl="1"/>
             <a:r>
-              <a:rPr kumimoji="1" lang="ja-JP" altLang="en-US" smtClean="0"/>
+              <a:rPr kumimoji="1" lang="ja-JP" altLang="en-US"/>
               <a:t>第 </a:t>
             </a:r>
             <a:r>
-              <a:rPr kumimoji="1" lang="en-US" altLang="ja-JP" smtClean="0"/>
+              <a:rPr kumimoji="1" lang="en-US" altLang="ja-JP"/>
               <a:t>2 </a:t>
             </a:r>
             <a:r>
-              <a:rPr kumimoji="1" lang="ja-JP" altLang="en-US" smtClean="0"/>
+              <a:rPr kumimoji="1" lang="ja-JP" altLang="en-US"/>
               <a:t>レベル</a:t>
             </a:r>
           </a:p>
           <a:p>
             <a:pPr lvl="2"/>
             <a:r>
-              <a:rPr kumimoji="1" lang="ja-JP" altLang="en-US" smtClean="0"/>
+              <a:rPr kumimoji="1" lang="ja-JP" altLang="en-US"/>
               <a:t>第 </a:t>
             </a:r>
             <a:r>
-              <a:rPr kumimoji="1" lang="en-US" altLang="ja-JP" smtClean="0"/>
+              <a:rPr kumimoji="1" lang="en-US" altLang="ja-JP"/>
               <a:t>3 </a:t>
             </a:r>
             <a:r>
-              <a:rPr kumimoji="1" lang="ja-JP" altLang="en-US" smtClean="0"/>
+              <a:rPr kumimoji="1" lang="ja-JP" altLang="en-US"/>
               <a:t>レベル</a:t>
             </a:r>
           </a:p>
           <a:p>
             <a:pPr lvl="3"/>
             <a:r>
-              <a:rPr kumimoji="1" lang="ja-JP" altLang="en-US" smtClean="0"/>
+              <a:rPr kumimoji="1" lang="ja-JP" altLang="en-US"/>
               <a:t>第 </a:t>
             </a:r>
             <a:r>
-              <a:rPr kumimoji="1" lang="en-US" altLang="ja-JP" smtClean="0"/>
+              <a:rPr kumimoji="1" lang="en-US" altLang="ja-JP"/>
               <a:t>4 </a:t>
             </a:r>
             <a:r>
-              <a:rPr kumimoji="1" lang="ja-JP" altLang="en-US" smtClean="0"/>
+              <a:rPr kumimoji="1" lang="ja-JP" altLang="en-US"/>
               <a:t>レベル</a:t>
             </a:r>
           </a:p>
           <a:p>
             <a:pPr lvl="4"/>
             <a:r>
-              <a:rPr kumimoji="1" lang="ja-JP" altLang="en-US" smtClean="0"/>
+              <a:rPr kumimoji="1" lang="ja-JP" altLang="en-US"/>
               <a:t>第 </a:t>
             </a:r>
             <a:r>
-              <a:rPr kumimoji="1" lang="en-US" altLang="ja-JP" smtClean="0"/>
+              <a:rPr kumimoji="1" lang="en-US" altLang="ja-JP"/>
               <a:t>5 </a:t>
             </a:r>
             <a:r>
-              <a:rPr kumimoji="1" lang="ja-JP" altLang="en-US" smtClean="0"/>
+              <a:rPr kumimoji="1" lang="ja-JP" altLang="en-US"/>
               <a:t>レベル</a:t>
             </a:r>
-            <a:endParaRPr kumimoji="1" lang="ja-JP" altLang="en-US"/>
           </a:p>
         </p:txBody>
       </p:sp>
@@ -2886,7 +2865,7 @@
           <a:p>
             <a:fld id="{2F746B3C-EF8E-4D23-A5C1-E193D2EAACC3}" type="datetimeFigureOut">
               <a:rPr kumimoji="1" lang="ja-JP" altLang="en-US" smtClean="0"/>
-              <a:t>2018/10/8</a:t>
+              <a:t>2018/10/9</a:t>
             </a:fld>
             <a:endParaRPr kumimoji="1" lang="ja-JP" altLang="en-US"/>
           </a:p>
@@ -3356,7 +3335,7 @@
         </p:blipFill>
         <p:spPr>
           <a:xfrm>
-            <a:off x="-4151087" y="-2773525"/>
+            <a:off x="-4250193" y="-3059692"/>
             <a:ext cx="11611429" cy="2623457"/>
           </a:xfrm>
           <a:prstGeom prst="rect">
@@ -3454,7 +3433,7 @@
         </p:nvGrpSpPr>
         <p:grpSpPr>
           <a:xfrm>
-            <a:off x="0" y="886772"/>
+            <a:off x="0" y="562706"/>
             <a:ext cx="12192000" cy="5488628"/>
             <a:chOff x="1" y="546094"/>
             <a:chExt cx="12192000" cy="5488628"/>
@@ -3827,7 +3806,7 @@
               <a:p>
                 <a:pPr algn="ctr"/>
                 <a:r>
-                  <a:rPr kumimoji="1" lang="en-US" altLang="ja-JP" sz="5500" dirty="0" smtClean="0">
+                  <a:rPr kumimoji="1" lang="en-US" altLang="ja-JP" sz="5500" dirty="0">
                     <a:solidFill>
                       <a:srgbClr val="0A2463"/>
                     </a:solidFill>
@@ -3905,7 +3884,7 @@
               <a:p>
                 <a:pPr algn="ctr"/>
                 <a:r>
-                  <a:rPr lang="en-US" altLang="ja-JP" sz="5500" dirty="0" smtClean="0">
+                  <a:rPr lang="en-US" altLang="ja-JP" sz="5500" dirty="0">
                     <a:solidFill>
                       <a:srgbClr val="0A2463"/>
                     </a:solidFill>
@@ -3944,7 +3923,7 @@
               <a:p>
                 <a:pPr algn="ctr"/>
                 <a:r>
-                  <a:rPr lang="en-US" altLang="ja-JP" sz="5500" dirty="0" smtClean="0">
+                  <a:rPr lang="en-US" altLang="ja-JP" sz="5500" dirty="0">
                     <a:solidFill>
                       <a:srgbClr val="0A2463"/>
                     </a:solidFill>
@@ -3983,7 +3962,7 @@
               <a:p>
                 <a:pPr algn="ctr"/>
                 <a:r>
-                  <a:rPr lang="en-US" altLang="ja-JP" sz="5500" dirty="0" smtClean="0">
+                  <a:rPr lang="en-US" altLang="ja-JP" sz="5500" dirty="0">
                     <a:solidFill>
                       <a:srgbClr val="0A2463"/>
                     </a:solidFill>
@@ -4022,7 +4001,7 @@
               <a:p>
                 <a:pPr algn="ctr"/>
                 <a:r>
-                  <a:rPr lang="en-US" altLang="ja-JP" sz="5500" dirty="0" smtClean="0">
+                  <a:rPr lang="en-US" altLang="ja-JP" sz="5500" dirty="0">
                     <a:solidFill>
                       <a:srgbClr val="0A2463"/>
                     </a:solidFill>
@@ -4221,36 +4200,506 @@
           <a:chExt cx="0" cy="0"/>
         </a:xfrm>
       </p:grpSpPr>
-      <p:pic>
-        <p:nvPicPr>
-          <p:cNvPr id="2" name="図 1"/>
-          <p:cNvPicPr>
-            <a:picLocks noChangeAspect="1"/>
-          </p:cNvPicPr>
-          <p:nvPr/>
-        </p:nvPicPr>
-        <p:blipFill>
-          <a:blip r:embed="rId2">
+      <p:grpSp>
+        <p:nvGrpSpPr>
+          <p:cNvPr id="26" name="グループ化 25">
             <a:extLst>
-              <a:ext uri="{28A0092B-C50C-407E-A947-70E740481C1C}">
-                <a14:useLocalDpi xmlns:a14="http://schemas.microsoft.com/office/drawing/2010/main" val="0"/>
+              <a:ext uri="{FF2B5EF4-FFF2-40B4-BE49-F238E27FC236}">
+                <a16:creationId xmlns:a16="http://schemas.microsoft.com/office/drawing/2014/main" id="{A54F8BA0-FA57-4038-A0F1-F16AA9E3051B}"/>
               </a:ext>
             </a:extLst>
-          </a:blip>
-          <a:stretch>
-            <a:fillRect/>
-          </a:stretch>
-        </p:blipFill>
-        <p:spPr>
+          </p:cNvPr>
+          <p:cNvGrpSpPr/>
+          <p:nvPr/>
+        </p:nvGrpSpPr>
+        <p:grpSpPr>
           <a:xfrm>
             <a:off x="0" y="110018"/>
             <a:ext cx="12192000" cy="6637963"/>
+            <a:chOff x="0" y="110018"/>
+            <a:chExt cx="12192000" cy="6637963"/>
           </a:xfrm>
-          <a:prstGeom prst="rect">
-            <a:avLst/>
-          </a:prstGeom>
-        </p:spPr>
-      </p:pic>
+        </p:grpSpPr>
+        <p:pic>
+          <p:nvPicPr>
+            <p:cNvPr id="2" name="図 1"/>
+            <p:cNvPicPr>
+              <a:picLocks noChangeAspect="1"/>
+            </p:cNvPicPr>
+            <p:nvPr/>
+          </p:nvPicPr>
+          <p:blipFill>
+            <a:blip r:embed="rId2">
+              <a:extLst>
+                <a:ext uri="{28A0092B-C50C-407E-A947-70E740481C1C}">
+                  <a14:useLocalDpi xmlns:a14="http://schemas.microsoft.com/office/drawing/2010/main" val="0"/>
+                </a:ext>
+              </a:extLst>
+            </a:blip>
+            <a:stretch>
+              <a:fillRect/>
+            </a:stretch>
+          </p:blipFill>
+          <p:spPr>
+            <a:xfrm>
+              <a:off x="0" y="110018"/>
+              <a:ext cx="12192000" cy="6637963"/>
+            </a:xfrm>
+            <a:prstGeom prst="rect">
+              <a:avLst/>
+            </a:prstGeom>
+          </p:spPr>
+        </p:pic>
+        <p:grpSp>
+          <p:nvGrpSpPr>
+            <p:cNvPr id="13" name="グループ化 12">
+              <a:extLst>
+                <a:ext uri="{FF2B5EF4-FFF2-40B4-BE49-F238E27FC236}">
+                  <a16:creationId xmlns:a16="http://schemas.microsoft.com/office/drawing/2014/main" id="{77F290C3-A82A-42AA-ADF9-38E447650312}"/>
+                </a:ext>
+              </a:extLst>
+            </p:cNvPr>
+            <p:cNvGrpSpPr/>
+            <p:nvPr/>
+          </p:nvGrpSpPr>
+          <p:grpSpPr>
+            <a:xfrm>
+              <a:off x="8840645" y="2293454"/>
+              <a:ext cx="1262742" cy="1379655"/>
+              <a:chOff x="7291470" y="-3228423"/>
+              <a:chExt cx="1262742" cy="1379655"/>
+            </a:xfrm>
+          </p:grpSpPr>
+          <p:grpSp>
+            <p:nvGrpSpPr>
+              <p:cNvPr id="14" name="グループ化 13">
+                <a:extLst>
+                  <a:ext uri="{FF2B5EF4-FFF2-40B4-BE49-F238E27FC236}">
+                    <a16:creationId xmlns:a16="http://schemas.microsoft.com/office/drawing/2014/main" id="{0F4C1AEA-5344-4330-AD34-377F9D38D2AE}"/>
+                  </a:ext>
+                </a:extLst>
+              </p:cNvPr>
+              <p:cNvGrpSpPr/>
+              <p:nvPr/>
+            </p:nvGrpSpPr>
+            <p:grpSpPr>
+              <a:xfrm>
+                <a:off x="7291470" y="-3111510"/>
+                <a:ext cx="1262742" cy="1262742"/>
+                <a:chOff x="7291470" y="-3111510"/>
+                <a:chExt cx="1262742" cy="1262742"/>
+              </a:xfrm>
+            </p:grpSpPr>
+            <p:pic>
+              <p:nvPicPr>
+                <p:cNvPr id="16" name="図 15">
+                  <a:extLst>
+                    <a:ext uri="{FF2B5EF4-FFF2-40B4-BE49-F238E27FC236}">
+                      <a16:creationId xmlns:a16="http://schemas.microsoft.com/office/drawing/2014/main" id="{14DC7602-1F30-49BD-B42E-917D6AD9F3A5}"/>
+                    </a:ext>
+                  </a:extLst>
+                </p:cNvPr>
+                <p:cNvPicPr>
+                  <a:picLocks noChangeAspect="1"/>
+                </p:cNvPicPr>
+                <p:nvPr/>
+              </p:nvPicPr>
+              <p:blipFill>
+                <a:blip r:embed="rId3">
+                  <a:extLst>
+                    <a:ext uri="{28A0092B-C50C-407E-A947-70E740481C1C}">
+                      <a14:useLocalDpi xmlns:a14="http://schemas.microsoft.com/office/drawing/2010/main" val="0"/>
+                    </a:ext>
+                  </a:extLst>
+                </a:blip>
+                <a:stretch>
+                  <a:fillRect/>
+                </a:stretch>
+              </p:blipFill>
+              <p:spPr>
+                <a:xfrm>
+                  <a:off x="7291470" y="-3111510"/>
+                  <a:ext cx="1262742" cy="1262742"/>
+                </a:xfrm>
+                <a:prstGeom prst="rect">
+                  <a:avLst/>
+                </a:prstGeom>
+              </p:spPr>
+            </p:pic>
+            <p:sp>
+              <p:nvSpPr>
+                <p:cNvPr id="17" name="円/楕円 23">
+                  <a:extLst>
+                    <a:ext uri="{FF2B5EF4-FFF2-40B4-BE49-F238E27FC236}">
+                      <a16:creationId xmlns:a16="http://schemas.microsoft.com/office/drawing/2014/main" id="{588A43FE-781E-4B26-B489-A382286A1AF7}"/>
+                    </a:ext>
+                  </a:extLst>
+                </p:cNvPr>
+                <p:cNvSpPr/>
+                <p:nvPr/>
+              </p:nvSpPr>
+              <p:spPr>
+                <a:xfrm>
+                  <a:off x="7596269" y="-3010480"/>
+                  <a:ext cx="653143" cy="653143"/>
+                </a:xfrm>
+                <a:prstGeom prst="ellipse">
+                  <a:avLst/>
+                </a:prstGeom>
+                <a:solidFill>
+                  <a:schemeClr val="bg1"/>
+                </a:solidFill>
+                <a:ln>
+                  <a:noFill/>
+                </a:ln>
+              </p:spPr>
+              <p:style>
+                <a:lnRef idx="2">
+                  <a:schemeClr val="accent1">
+                    <a:shade val="50000"/>
+                  </a:schemeClr>
+                </a:lnRef>
+                <a:fillRef idx="1">
+                  <a:schemeClr val="accent1"/>
+                </a:fillRef>
+                <a:effectRef idx="0">
+                  <a:schemeClr val="accent1"/>
+                </a:effectRef>
+                <a:fontRef idx="minor">
+                  <a:schemeClr val="lt1"/>
+                </a:fontRef>
+              </p:style>
+              <p:txBody>
+                <a:bodyPr rtlCol="0" anchor="ctr"/>
+                <a:lstStyle/>
+                <a:p>
+                  <a:pPr algn="ctr"/>
+                  <a:endParaRPr kumimoji="1" lang="ja-JP" altLang="en-US"/>
+                </a:p>
+              </p:txBody>
+            </p:sp>
+          </p:grpSp>
+          <p:sp>
+            <p:nvSpPr>
+              <p:cNvPr id="15" name="テキスト ボックス 14">
+                <a:extLst>
+                  <a:ext uri="{FF2B5EF4-FFF2-40B4-BE49-F238E27FC236}">
+                    <a16:creationId xmlns:a16="http://schemas.microsoft.com/office/drawing/2014/main" id="{8447A75E-79D5-4852-8A72-A4793C6CB9E8}"/>
+                  </a:ext>
+                </a:extLst>
+              </p:cNvPr>
+              <p:cNvSpPr txBox="1"/>
+              <p:nvPr/>
+            </p:nvSpPr>
+            <p:spPr>
+              <a:xfrm>
+                <a:off x="7421986" y="-3228423"/>
+                <a:ext cx="1001485" cy="1015663"/>
+              </a:xfrm>
+              <a:prstGeom prst="rect">
+                <a:avLst/>
+              </a:prstGeom>
+              <a:noFill/>
+            </p:spPr>
+            <p:txBody>
+              <a:bodyPr wrap="square" rtlCol="0">
+                <a:spAutoFit/>
+              </a:bodyPr>
+              <a:lstStyle/>
+              <a:p>
+                <a:pPr algn="ctr"/>
+                <a:r>
+                  <a:rPr kumimoji="1" lang="en-US" altLang="ja-JP" sz="6000" dirty="0">
+                    <a:solidFill>
+                      <a:srgbClr val="274060"/>
+                    </a:solidFill>
+                    <a:latin typeface="French Script MT" panose="03020402040607040605" pitchFamily="66" charset="0"/>
+                  </a:rPr>
+                  <a:t>1 </a:t>
+                </a:r>
+              </a:p>
+            </p:txBody>
+          </p:sp>
+        </p:grpSp>
+        <p:grpSp>
+          <p:nvGrpSpPr>
+            <p:cNvPr id="18" name="グループ化 17">
+              <a:extLst>
+                <a:ext uri="{FF2B5EF4-FFF2-40B4-BE49-F238E27FC236}">
+                  <a16:creationId xmlns:a16="http://schemas.microsoft.com/office/drawing/2014/main" id="{0DEE45DC-AA27-43C8-8B35-07F3C8622B06}"/>
+                </a:ext>
+              </a:extLst>
+            </p:cNvPr>
+            <p:cNvGrpSpPr/>
+            <p:nvPr/>
+          </p:nvGrpSpPr>
+          <p:grpSpPr>
+            <a:xfrm>
+              <a:off x="10417429" y="2331544"/>
+              <a:ext cx="1262742" cy="1379655"/>
+              <a:chOff x="7291470" y="-3228423"/>
+              <a:chExt cx="1262742" cy="1379655"/>
+            </a:xfrm>
+          </p:grpSpPr>
+          <p:grpSp>
+            <p:nvGrpSpPr>
+              <p:cNvPr id="19" name="グループ化 18">
+                <a:extLst>
+                  <a:ext uri="{FF2B5EF4-FFF2-40B4-BE49-F238E27FC236}">
+                    <a16:creationId xmlns:a16="http://schemas.microsoft.com/office/drawing/2014/main" id="{34B24A48-B610-430E-BBC3-93202AC3B578}"/>
+                  </a:ext>
+                </a:extLst>
+              </p:cNvPr>
+              <p:cNvGrpSpPr/>
+              <p:nvPr/>
+            </p:nvGrpSpPr>
+            <p:grpSpPr>
+              <a:xfrm>
+                <a:off x="7291470" y="-3111510"/>
+                <a:ext cx="1262742" cy="1262742"/>
+                <a:chOff x="7291470" y="-3111510"/>
+                <a:chExt cx="1262742" cy="1262742"/>
+              </a:xfrm>
+            </p:grpSpPr>
+            <p:pic>
+              <p:nvPicPr>
+                <p:cNvPr id="21" name="図 20">
+                  <a:extLst>
+                    <a:ext uri="{FF2B5EF4-FFF2-40B4-BE49-F238E27FC236}">
+                      <a16:creationId xmlns:a16="http://schemas.microsoft.com/office/drawing/2014/main" id="{30B7D489-B106-4796-95A1-050465062E80}"/>
+                    </a:ext>
+                  </a:extLst>
+                </p:cNvPr>
+                <p:cNvPicPr>
+                  <a:picLocks noChangeAspect="1"/>
+                </p:cNvPicPr>
+                <p:nvPr/>
+              </p:nvPicPr>
+              <p:blipFill>
+                <a:blip r:embed="rId3">
+                  <a:extLst>
+                    <a:ext uri="{28A0092B-C50C-407E-A947-70E740481C1C}">
+                      <a14:useLocalDpi xmlns:a14="http://schemas.microsoft.com/office/drawing/2010/main" val="0"/>
+                    </a:ext>
+                  </a:extLst>
+                </a:blip>
+                <a:stretch>
+                  <a:fillRect/>
+                </a:stretch>
+              </p:blipFill>
+              <p:spPr>
+                <a:xfrm>
+                  <a:off x="7291470" y="-3111510"/>
+                  <a:ext cx="1262742" cy="1262742"/>
+                </a:xfrm>
+                <a:prstGeom prst="rect">
+                  <a:avLst/>
+                </a:prstGeom>
+              </p:spPr>
+            </p:pic>
+            <p:sp>
+              <p:nvSpPr>
+                <p:cNvPr id="22" name="円/楕円 23">
+                  <a:extLst>
+                    <a:ext uri="{FF2B5EF4-FFF2-40B4-BE49-F238E27FC236}">
+                      <a16:creationId xmlns:a16="http://schemas.microsoft.com/office/drawing/2014/main" id="{FB7DCE74-7544-4695-BDCF-4B26516417B8}"/>
+                    </a:ext>
+                  </a:extLst>
+                </p:cNvPr>
+                <p:cNvSpPr/>
+                <p:nvPr/>
+              </p:nvSpPr>
+              <p:spPr>
+                <a:xfrm>
+                  <a:off x="7596269" y="-3010480"/>
+                  <a:ext cx="653143" cy="653143"/>
+                </a:xfrm>
+                <a:prstGeom prst="ellipse">
+                  <a:avLst/>
+                </a:prstGeom>
+                <a:solidFill>
+                  <a:schemeClr val="bg1"/>
+                </a:solidFill>
+                <a:ln>
+                  <a:noFill/>
+                </a:ln>
+              </p:spPr>
+              <p:style>
+                <a:lnRef idx="2">
+                  <a:schemeClr val="accent1">
+                    <a:shade val="50000"/>
+                  </a:schemeClr>
+                </a:lnRef>
+                <a:fillRef idx="1">
+                  <a:schemeClr val="accent1"/>
+                </a:fillRef>
+                <a:effectRef idx="0">
+                  <a:schemeClr val="accent1"/>
+                </a:effectRef>
+                <a:fontRef idx="minor">
+                  <a:schemeClr val="lt1"/>
+                </a:fontRef>
+              </p:style>
+              <p:txBody>
+                <a:bodyPr rtlCol="0" anchor="ctr"/>
+                <a:lstStyle/>
+                <a:p>
+                  <a:pPr algn="ctr"/>
+                  <a:endParaRPr kumimoji="1" lang="ja-JP" altLang="en-US"/>
+                </a:p>
+              </p:txBody>
+            </p:sp>
+          </p:grpSp>
+          <p:sp>
+            <p:nvSpPr>
+              <p:cNvPr id="20" name="テキスト ボックス 19">
+                <a:extLst>
+                  <a:ext uri="{FF2B5EF4-FFF2-40B4-BE49-F238E27FC236}">
+                    <a16:creationId xmlns:a16="http://schemas.microsoft.com/office/drawing/2014/main" id="{3D4FC63B-F1B8-4C1F-B76D-E2A4F8C83905}"/>
+                  </a:ext>
+                </a:extLst>
+              </p:cNvPr>
+              <p:cNvSpPr txBox="1"/>
+              <p:nvPr/>
+            </p:nvSpPr>
+            <p:spPr>
+              <a:xfrm>
+                <a:off x="7421986" y="-3228423"/>
+                <a:ext cx="1001485" cy="1015663"/>
+              </a:xfrm>
+              <a:prstGeom prst="rect">
+                <a:avLst/>
+              </a:prstGeom>
+              <a:noFill/>
+            </p:spPr>
+            <p:txBody>
+              <a:bodyPr wrap="square" rtlCol="0">
+                <a:spAutoFit/>
+              </a:bodyPr>
+              <a:lstStyle/>
+              <a:p>
+                <a:pPr algn="ctr"/>
+                <a:r>
+                  <a:rPr kumimoji="1" lang="en-US" altLang="ja-JP" sz="6000" dirty="0">
+                    <a:solidFill>
+                      <a:srgbClr val="274060"/>
+                    </a:solidFill>
+                    <a:latin typeface="French Script MT" panose="03020402040607040605" pitchFamily="66" charset="0"/>
+                  </a:rPr>
+                  <a:t>2 </a:t>
+                </a:r>
+              </a:p>
+            </p:txBody>
+          </p:sp>
+        </p:grpSp>
+        <p:pic>
+          <p:nvPicPr>
+            <p:cNvPr id="23" name="図 22">
+              <a:extLst>
+                <a:ext uri="{FF2B5EF4-FFF2-40B4-BE49-F238E27FC236}">
+                  <a16:creationId xmlns:a16="http://schemas.microsoft.com/office/drawing/2014/main" id="{46F0ADD9-E382-4138-ABD8-55C2A897CFA2}"/>
+                </a:ext>
+              </a:extLst>
+            </p:cNvPr>
+            <p:cNvPicPr>
+              <a:picLocks noChangeAspect="1"/>
+            </p:cNvPicPr>
+            <p:nvPr/>
+          </p:nvPicPr>
+          <p:blipFill rotWithShape="1">
+            <a:blip r:embed="rId4" cstate="print">
+              <a:extLst>
+                <a:ext uri="{28A0092B-C50C-407E-A947-70E740481C1C}">
+                  <a14:useLocalDpi xmlns:a14="http://schemas.microsoft.com/office/drawing/2010/main" val="0"/>
+                </a:ext>
+              </a:extLst>
+            </a:blip>
+            <a:srcRect l="5372" t="22314" r="4546" b="25619"/>
+            <a:stretch/>
+          </p:blipFill>
+          <p:spPr>
+            <a:xfrm>
+              <a:off x="203201" y="173506"/>
+              <a:ext cx="2768600" cy="800100"/>
+            </a:xfrm>
+            <a:prstGeom prst="rect">
+              <a:avLst/>
+            </a:prstGeom>
+          </p:spPr>
+        </p:pic>
+        <p:pic>
+          <p:nvPicPr>
+            <p:cNvPr id="24" name="図 23">
+              <a:extLst>
+                <a:ext uri="{FF2B5EF4-FFF2-40B4-BE49-F238E27FC236}">
+                  <a16:creationId xmlns:a16="http://schemas.microsoft.com/office/drawing/2014/main" id="{5BBCFC1A-F46D-424F-9CBA-813F08482BBE}"/>
+                </a:ext>
+              </a:extLst>
+            </p:cNvPr>
+            <p:cNvPicPr>
+              <a:picLocks noChangeAspect="1"/>
+            </p:cNvPicPr>
+            <p:nvPr/>
+          </p:nvPicPr>
+          <p:blipFill>
+            <a:blip r:embed="rId5" cstate="print">
+              <a:extLst>
+                <a:ext uri="{28A0092B-C50C-407E-A947-70E740481C1C}">
+                  <a14:useLocalDpi xmlns:a14="http://schemas.microsoft.com/office/drawing/2010/main" val="0"/>
+                </a:ext>
+              </a:extLst>
+            </a:blip>
+            <a:stretch>
+              <a:fillRect/>
+            </a:stretch>
+          </p:blipFill>
+          <p:spPr>
+            <a:xfrm>
+              <a:off x="7166168" y="4456205"/>
+              <a:ext cx="3048006" cy="1524003"/>
+            </a:xfrm>
+            <a:prstGeom prst="rect">
+              <a:avLst/>
+            </a:prstGeom>
+          </p:spPr>
+        </p:pic>
+        <p:pic>
+          <p:nvPicPr>
+            <p:cNvPr id="25" name="図 24">
+              <a:extLst>
+                <a:ext uri="{FF2B5EF4-FFF2-40B4-BE49-F238E27FC236}">
+                  <a16:creationId xmlns:a16="http://schemas.microsoft.com/office/drawing/2014/main" id="{A381C055-6B97-4327-A8A8-B97F6DF4CDF2}"/>
+                </a:ext>
+              </a:extLst>
+            </p:cNvPr>
+            <p:cNvPicPr>
+              <a:picLocks noChangeAspect="1"/>
+            </p:cNvPicPr>
+            <p:nvPr/>
+          </p:nvPicPr>
+          <p:blipFill>
+            <a:blip r:embed="rId6" cstate="print">
+              <a:extLst>
+                <a:ext uri="{28A0092B-C50C-407E-A947-70E740481C1C}">
+                  <a14:useLocalDpi xmlns:a14="http://schemas.microsoft.com/office/drawing/2010/main" val="0"/>
+                </a:ext>
+              </a:extLst>
+            </a:blip>
+            <a:stretch>
+              <a:fillRect/>
+            </a:stretch>
+          </p:blipFill>
+          <p:spPr>
+            <a:xfrm>
+              <a:off x="7137397" y="173506"/>
+              <a:ext cx="3048006" cy="1524003"/>
+            </a:xfrm>
+            <a:prstGeom prst="rect">
+              <a:avLst/>
+            </a:prstGeom>
+          </p:spPr>
+        </p:pic>
+      </p:grpSp>
     </p:spTree>
     <p:extLst>
       <p:ext uri="{BB962C8B-B14F-4D97-AF65-F5344CB8AC3E}">
@@ -4281,36 +4730,1028 @@
           <a:chExt cx="0" cy="0"/>
         </a:xfrm>
       </p:grpSpPr>
-      <p:pic>
-        <p:nvPicPr>
-          <p:cNvPr id="2" name="図 1"/>
-          <p:cNvPicPr>
-            <a:picLocks noChangeAspect="1"/>
-          </p:cNvPicPr>
-          <p:nvPr/>
-        </p:nvPicPr>
-        <p:blipFill>
-          <a:blip r:embed="rId2">
+      <p:grpSp>
+        <p:nvGrpSpPr>
+          <p:cNvPr id="31" name="グループ化 30">
             <a:extLst>
-              <a:ext uri="{28A0092B-C50C-407E-A947-70E740481C1C}">
-                <a14:useLocalDpi xmlns:a14="http://schemas.microsoft.com/office/drawing/2010/main" val="0"/>
+              <a:ext uri="{FF2B5EF4-FFF2-40B4-BE49-F238E27FC236}">
+                <a16:creationId xmlns:a16="http://schemas.microsoft.com/office/drawing/2014/main" id="{C213BE62-984D-4367-9C10-F331D36B3396}"/>
               </a:ext>
             </a:extLst>
-          </a:blip>
-          <a:stretch>
-            <a:fillRect/>
-          </a:stretch>
-        </p:blipFill>
-        <p:spPr>
+          </p:cNvPr>
+          <p:cNvGrpSpPr/>
+          <p:nvPr/>
+        </p:nvGrpSpPr>
+        <p:grpSpPr>
           <a:xfrm>
             <a:off x="0" y="110018"/>
             <a:ext cx="12192000" cy="6637963"/>
+            <a:chOff x="0" y="110018"/>
+            <a:chExt cx="12192000" cy="6637963"/>
           </a:xfrm>
-          <a:prstGeom prst="rect">
-            <a:avLst/>
-          </a:prstGeom>
-        </p:spPr>
-      </p:pic>
+        </p:grpSpPr>
+        <p:pic>
+          <p:nvPicPr>
+            <p:cNvPr id="2" name="図 1"/>
+            <p:cNvPicPr>
+              <a:picLocks noChangeAspect="1"/>
+            </p:cNvPicPr>
+            <p:nvPr/>
+          </p:nvPicPr>
+          <p:blipFill>
+            <a:blip r:embed="rId2">
+              <a:extLst>
+                <a:ext uri="{28A0092B-C50C-407E-A947-70E740481C1C}">
+                  <a14:useLocalDpi xmlns:a14="http://schemas.microsoft.com/office/drawing/2010/main" val="0"/>
+                </a:ext>
+              </a:extLst>
+            </a:blip>
+            <a:stretch>
+              <a:fillRect/>
+            </a:stretch>
+          </p:blipFill>
+          <p:spPr>
+            <a:xfrm>
+              <a:off x="0" y="110018"/>
+              <a:ext cx="12192000" cy="6637963"/>
+            </a:xfrm>
+            <a:prstGeom prst="rect">
+              <a:avLst/>
+            </a:prstGeom>
+          </p:spPr>
+        </p:pic>
+        <p:grpSp>
+          <p:nvGrpSpPr>
+            <p:cNvPr id="3" name="グループ化 2">
+              <a:extLst>
+                <a:ext uri="{FF2B5EF4-FFF2-40B4-BE49-F238E27FC236}">
+                  <a16:creationId xmlns:a16="http://schemas.microsoft.com/office/drawing/2014/main" id="{890F5878-306F-4668-94BE-BA1CEA0BA95B}"/>
+                </a:ext>
+              </a:extLst>
+            </p:cNvPr>
+            <p:cNvGrpSpPr/>
+            <p:nvPr/>
+          </p:nvGrpSpPr>
+          <p:grpSpPr>
+            <a:xfrm>
+              <a:off x="5716670" y="2308777"/>
+              <a:ext cx="1262742" cy="1379655"/>
+              <a:chOff x="7291470" y="-3228423"/>
+              <a:chExt cx="1262742" cy="1379655"/>
+            </a:xfrm>
+          </p:grpSpPr>
+          <p:grpSp>
+            <p:nvGrpSpPr>
+              <p:cNvPr id="4" name="グループ化 3">
+                <a:extLst>
+                  <a:ext uri="{FF2B5EF4-FFF2-40B4-BE49-F238E27FC236}">
+                    <a16:creationId xmlns:a16="http://schemas.microsoft.com/office/drawing/2014/main" id="{A5DCA946-4744-473A-AA8A-474B569B8BF4}"/>
+                  </a:ext>
+                </a:extLst>
+              </p:cNvPr>
+              <p:cNvGrpSpPr/>
+              <p:nvPr/>
+            </p:nvGrpSpPr>
+            <p:grpSpPr>
+              <a:xfrm>
+                <a:off x="7291470" y="-3111510"/>
+                <a:ext cx="1262742" cy="1262742"/>
+                <a:chOff x="7291470" y="-3111510"/>
+                <a:chExt cx="1262742" cy="1262742"/>
+              </a:xfrm>
+            </p:grpSpPr>
+            <p:pic>
+              <p:nvPicPr>
+                <p:cNvPr id="6" name="図 5">
+                  <a:extLst>
+                    <a:ext uri="{FF2B5EF4-FFF2-40B4-BE49-F238E27FC236}">
+                      <a16:creationId xmlns:a16="http://schemas.microsoft.com/office/drawing/2014/main" id="{8DAEF59E-9E3A-439E-8477-98E8F90C1322}"/>
+                    </a:ext>
+                  </a:extLst>
+                </p:cNvPr>
+                <p:cNvPicPr>
+                  <a:picLocks noChangeAspect="1"/>
+                </p:cNvPicPr>
+                <p:nvPr/>
+              </p:nvPicPr>
+              <p:blipFill>
+                <a:blip r:embed="rId3">
+                  <a:extLst>
+                    <a:ext uri="{28A0092B-C50C-407E-A947-70E740481C1C}">
+                      <a14:useLocalDpi xmlns:a14="http://schemas.microsoft.com/office/drawing/2010/main" val="0"/>
+                    </a:ext>
+                  </a:extLst>
+                </a:blip>
+                <a:stretch>
+                  <a:fillRect/>
+                </a:stretch>
+              </p:blipFill>
+              <p:spPr>
+                <a:xfrm>
+                  <a:off x="7291470" y="-3111510"/>
+                  <a:ext cx="1262742" cy="1262742"/>
+                </a:xfrm>
+                <a:prstGeom prst="rect">
+                  <a:avLst/>
+                </a:prstGeom>
+              </p:spPr>
+            </p:pic>
+            <p:sp>
+              <p:nvSpPr>
+                <p:cNvPr id="7" name="円/楕円 23">
+                  <a:extLst>
+                    <a:ext uri="{FF2B5EF4-FFF2-40B4-BE49-F238E27FC236}">
+                      <a16:creationId xmlns:a16="http://schemas.microsoft.com/office/drawing/2014/main" id="{0B09405D-BAA8-42EB-972F-BFCB052CD22D}"/>
+                    </a:ext>
+                  </a:extLst>
+                </p:cNvPr>
+                <p:cNvSpPr/>
+                <p:nvPr/>
+              </p:nvSpPr>
+              <p:spPr>
+                <a:xfrm>
+                  <a:off x="7596269" y="-3010480"/>
+                  <a:ext cx="653143" cy="653143"/>
+                </a:xfrm>
+                <a:prstGeom prst="ellipse">
+                  <a:avLst/>
+                </a:prstGeom>
+                <a:solidFill>
+                  <a:schemeClr val="bg1"/>
+                </a:solidFill>
+                <a:ln>
+                  <a:noFill/>
+                </a:ln>
+              </p:spPr>
+              <p:style>
+                <a:lnRef idx="2">
+                  <a:schemeClr val="accent1">
+                    <a:shade val="50000"/>
+                  </a:schemeClr>
+                </a:lnRef>
+                <a:fillRef idx="1">
+                  <a:schemeClr val="accent1"/>
+                </a:fillRef>
+                <a:effectRef idx="0">
+                  <a:schemeClr val="accent1"/>
+                </a:effectRef>
+                <a:fontRef idx="minor">
+                  <a:schemeClr val="lt1"/>
+                </a:fontRef>
+              </p:style>
+              <p:txBody>
+                <a:bodyPr rtlCol="0" anchor="ctr"/>
+                <a:lstStyle/>
+                <a:p>
+                  <a:pPr algn="ctr"/>
+                  <a:endParaRPr kumimoji="1" lang="ja-JP" altLang="en-US"/>
+                </a:p>
+              </p:txBody>
+            </p:sp>
+          </p:grpSp>
+          <p:sp>
+            <p:nvSpPr>
+              <p:cNvPr id="5" name="テキスト ボックス 4">
+                <a:extLst>
+                  <a:ext uri="{FF2B5EF4-FFF2-40B4-BE49-F238E27FC236}">
+                    <a16:creationId xmlns:a16="http://schemas.microsoft.com/office/drawing/2014/main" id="{2FDA7762-FD45-4A31-A89C-CFC61DEBFB72}"/>
+                  </a:ext>
+                </a:extLst>
+              </p:cNvPr>
+              <p:cNvSpPr txBox="1"/>
+              <p:nvPr/>
+            </p:nvSpPr>
+            <p:spPr>
+              <a:xfrm>
+                <a:off x="7421986" y="-3228423"/>
+                <a:ext cx="1001485" cy="1015663"/>
+              </a:xfrm>
+              <a:prstGeom prst="rect">
+                <a:avLst/>
+              </a:prstGeom>
+              <a:noFill/>
+            </p:spPr>
+            <p:txBody>
+              <a:bodyPr wrap="square" rtlCol="0">
+                <a:spAutoFit/>
+              </a:bodyPr>
+              <a:lstStyle/>
+              <a:p>
+                <a:pPr algn="ctr"/>
+                <a:r>
+                  <a:rPr lang="en-US" altLang="ja-JP" sz="6000" dirty="0">
+                    <a:solidFill>
+                      <a:srgbClr val="274060"/>
+                    </a:solidFill>
+                    <a:latin typeface="French Script MT" panose="03020402040607040605" pitchFamily="66" charset="0"/>
+                  </a:rPr>
+                  <a:t>2</a:t>
+                </a:r>
+                <a:r>
+                  <a:rPr kumimoji="1" lang="en-US" altLang="ja-JP" sz="6000" dirty="0">
+                    <a:solidFill>
+                      <a:srgbClr val="274060"/>
+                    </a:solidFill>
+                    <a:latin typeface="French Script MT" panose="03020402040607040605" pitchFamily="66" charset="0"/>
+                  </a:rPr>
+                  <a:t> </a:t>
+                </a:r>
+              </a:p>
+            </p:txBody>
+          </p:sp>
+        </p:grpSp>
+        <p:grpSp>
+          <p:nvGrpSpPr>
+            <p:cNvPr id="8" name="グループ化 7">
+              <a:extLst>
+                <a:ext uri="{FF2B5EF4-FFF2-40B4-BE49-F238E27FC236}">
+                  <a16:creationId xmlns:a16="http://schemas.microsoft.com/office/drawing/2014/main" id="{26F1E988-A00A-42D5-90FC-C0A7EAD873FC}"/>
+                </a:ext>
+              </a:extLst>
+            </p:cNvPr>
+            <p:cNvGrpSpPr/>
+            <p:nvPr/>
+          </p:nvGrpSpPr>
+          <p:grpSpPr>
+            <a:xfrm>
+              <a:off x="7278770" y="2308777"/>
+              <a:ext cx="1262742" cy="1379655"/>
+              <a:chOff x="7291470" y="-3228423"/>
+              <a:chExt cx="1262742" cy="1379655"/>
+            </a:xfrm>
+          </p:grpSpPr>
+          <p:grpSp>
+            <p:nvGrpSpPr>
+              <p:cNvPr id="9" name="グループ化 8">
+                <a:extLst>
+                  <a:ext uri="{FF2B5EF4-FFF2-40B4-BE49-F238E27FC236}">
+                    <a16:creationId xmlns:a16="http://schemas.microsoft.com/office/drawing/2014/main" id="{8507BE19-D83F-4759-B801-FF258348B22C}"/>
+                  </a:ext>
+                </a:extLst>
+              </p:cNvPr>
+              <p:cNvGrpSpPr/>
+              <p:nvPr/>
+            </p:nvGrpSpPr>
+            <p:grpSpPr>
+              <a:xfrm>
+                <a:off x="7291470" y="-3111510"/>
+                <a:ext cx="1262742" cy="1262742"/>
+                <a:chOff x="7291470" y="-3111510"/>
+                <a:chExt cx="1262742" cy="1262742"/>
+              </a:xfrm>
+            </p:grpSpPr>
+            <p:pic>
+              <p:nvPicPr>
+                <p:cNvPr id="11" name="図 10">
+                  <a:extLst>
+                    <a:ext uri="{FF2B5EF4-FFF2-40B4-BE49-F238E27FC236}">
+                      <a16:creationId xmlns:a16="http://schemas.microsoft.com/office/drawing/2014/main" id="{406795B7-0A3D-4F5B-9992-410021224F6E}"/>
+                    </a:ext>
+                  </a:extLst>
+                </p:cNvPr>
+                <p:cNvPicPr>
+                  <a:picLocks noChangeAspect="1"/>
+                </p:cNvPicPr>
+                <p:nvPr/>
+              </p:nvPicPr>
+              <p:blipFill>
+                <a:blip r:embed="rId3">
+                  <a:extLst>
+                    <a:ext uri="{28A0092B-C50C-407E-A947-70E740481C1C}">
+                      <a14:useLocalDpi xmlns:a14="http://schemas.microsoft.com/office/drawing/2010/main" val="0"/>
+                    </a:ext>
+                  </a:extLst>
+                </a:blip>
+                <a:stretch>
+                  <a:fillRect/>
+                </a:stretch>
+              </p:blipFill>
+              <p:spPr>
+                <a:xfrm>
+                  <a:off x="7291470" y="-3111510"/>
+                  <a:ext cx="1262742" cy="1262742"/>
+                </a:xfrm>
+                <a:prstGeom prst="rect">
+                  <a:avLst/>
+                </a:prstGeom>
+              </p:spPr>
+            </p:pic>
+            <p:sp>
+              <p:nvSpPr>
+                <p:cNvPr id="12" name="円/楕円 23">
+                  <a:extLst>
+                    <a:ext uri="{FF2B5EF4-FFF2-40B4-BE49-F238E27FC236}">
+                      <a16:creationId xmlns:a16="http://schemas.microsoft.com/office/drawing/2014/main" id="{E46635BC-5C4B-4DD9-8A95-56C0ED503F9A}"/>
+                    </a:ext>
+                  </a:extLst>
+                </p:cNvPr>
+                <p:cNvSpPr/>
+                <p:nvPr/>
+              </p:nvSpPr>
+              <p:spPr>
+                <a:xfrm>
+                  <a:off x="7596269" y="-3010480"/>
+                  <a:ext cx="653143" cy="653143"/>
+                </a:xfrm>
+                <a:prstGeom prst="ellipse">
+                  <a:avLst/>
+                </a:prstGeom>
+                <a:solidFill>
+                  <a:schemeClr val="bg1"/>
+                </a:solidFill>
+                <a:ln>
+                  <a:noFill/>
+                </a:ln>
+              </p:spPr>
+              <p:style>
+                <a:lnRef idx="2">
+                  <a:schemeClr val="accent1">
+                    <a:shade val="50000"/>
+                  </a:schemeClr>
+                </a:lnRef>
+                <a:fillRef idx="1">
+                  <a:schemeClr val="accent1"/>
+                </a:fillRef>
+                <a:effectRef idx="0">
+                  <a:schemeClr val="accent1"/>
+                </a:effectRef>
+                <a:fontRef idx="minor">
+                  <a:schemeClr val="lt1"/>
+                </a:fontRef>
+              </p:style>
+              <p:txBody>
+                <a:bodyPr rtlCol="0" anchor="ctr"/>
+                <a:lstStyle/>
+                <a:p>
+                  <a:pPr algn="ctr"/>
+                  <a:endParaRPr kumimoji="1" lang="ja-JP" altLang="en-US"/>
+                </a:p>
+              </p:txBody>
+            </p:sp>
+          </p:grpSp>
+          <p:sp>
+            <p:nvSpPr>
+              <p:cNvPr id="10" name="テキスト ボックス 9">
+                <a:extLst>
+                  <a:ext uri="{FF2B5EF4-FFF2-40B4-BE49-F238E27FC236}">
+                    <a16:creationId xmlns:a16="http://schemas.microsoft.com/office/drawing/2014/main" id="{ACFB7262-669A-4627-9562-DCDF75182E84}"/>
+                  </a:ext>
+                </a:extLst>
+              </p:cNvPr>
+              <p:cNvSpPr txBox="1"/>
+              <p:nvPr/>
+            </p:nvSpPr>
+            <p:spPr>
+              <a:xfrm>
+                <a:off x="7421986" y="-3228423"/>
+                <a:ext cx="1001485" cy="1015663"/>
+              </a:xfrm>
+              <a:prstGeom prst="rect">
+                <a:avLst/>
+              </a:prstGeom>
+              <a:noFill/>
+            </p:spPr>
+            <p:txBody>
+              <a:bodyPr wrap="square" rtlCol="0">
+                <a:spAutoFit/>
+              </a:bodyPr>
+              <a:lstStyle/>
+              <a:p>
+                <a:pPr algn="ctr"/>
+                <a:r>
+                  <a:rPr kumimoji="1" lang="en-US" altLang="ja-JP" sz="6000" dirty="0">
+                    <a:solidFill>
+                      <a:srgbClr val="274060"/>
+                    </a:solidFill>
+                    <a:latin typeface="French Script MT" panose="03020402040607040605" pitchFamily="66" charset="0"/>
+                  </a:rPr>
+                  <a:t>3 </a:t>
+                </a:r>
+              </a:p>
+            </p:txBody>
+          </p:sp>
+        </p:grpSp>
+        <p:grpSp>
+          <p:nvGrpSpPr>
+            <p:cNvPr id="13" name="グループ化 12">
+              <a:extLst>
+                <a:ext uri="{FF2B5EF4-FFF2-40B4-BE49-F238E27FC236}">
+                  <a16:creationId xmlns:a16="http://schemas.microsoft.com/office/drawing/2014/main" id="{4C0A18CA-2017-4C47-AE8E-676DA5286749}"/>
+                </a:ext>
+              </a:extLst>
+            </p:cNvPr>
+            <p:cNvGrpSpPr/>
+            <p:nvPr/>
+          </p:nvGrpSpPr>
+          <p:grpSpPr>
+            <a:xfrm>
+              <a:off x="8840645" y="2293454"/>
+              <a:ext cx="1262742" cy="1379655"/>
+              <a:chOff x="7291470" y="-3228423"/>
+              <a:chExt cx="1262742" cy="1379655"/>
+            </a:xfrm>
+          </p:grpSpPr>
+          <p:grpSp>
+            <p:nvGrpSpPr>
+              <p:cNvPr id="14" name="グループ化 13">
+                <a:extLst>
+                  <a:ext uri="{FF2B5EF4-FFF2-40B4-BE49-F238E27FC236}">
+                    <a16:creationId xmlns:a16="http://schemas.microsoft.com/office/drawing/2014/main" id="{E433ADC6-14FD-4AC8-B04B-792948355A61}"/>
+                  </a:ext>
+                </a:extLst>
+              </p:cNvPr>
+              <p:cNvGrpSpPr/>
+              <p:nvPr/>
+            </p:nvGrpSpPr>
+            <p:grpSpPr>
+              <a:xfrm>
+                <a:off x="7291470" y="-3111510"/>
+                <a:ext cx="1262742" cy="1262742"/>
+                <a:chOff x="7291470" y="-3111510"/>
+                <a:chExt cx="1262742" cy="1262742"/>
+              </a:xfrm>
+            </p:grpSpPr>
+            <p:pic>
+              <p:nvPicPr>
+                <p:cNvPr id="16" name="図 15">
+                  <a:extLst>
+                    <a:ext uri="{FF2B5EF4-FFF2-40B4-BE49-F238E27FC236}">
+                      <a16:creationId xmlns:a16="http://schemas.microsoft.com/office/drawing/2014/main" id="{C8B79793-2363-40AD-A427-B8EA6E31DA2E}"/>
+                    </a:ext>
+                  </a:extLst>
+                </p:cNvPr>
+                <p:cNvPicPr>
+                  <a:picLocks noChangeAspect="1"/>
+                </p:cNvPicPr>
+                <p:nvPr/>
+              </p:nvPicPr>
+              <p:blipFill>
+                <a:blip r:embed="rId3">
+                  <a:extLst>
+                    <a:ext uri="{28A0092B-C50C-407E-A947-70E740481C1C}">
+                      <a14:useLocalDpi xmlns:a14="http://schemas.microsoft.com/office/drawing/2010/main" val="0"/>
+                    </a:ext>
+                  </a:extLst>
+                </a:blip>
+                <a:stretch>
+                  <a:fillRect/>
+                </a:stretch>
+              </p:blipFill>
+              <p:spPr>
+                <a:xfrm>
+                  <a:off x="7291470" y="-3111510"/>
+                  <a:ext cx="1262742" cy="1262742"/>
+                </a:xfrm>
+                <a:prstGeom prst="rect">
+                  <a:avLst/>
+                </a:prstGeom>
+              </p:spPr>
+            </p:pic>
+            <p:sp>
+              <p:nvSpPr>
+                <p:cNvPr id="17" name="円/楕円 23">
+                  <a:extLst>
+                    <a:ext uri="{FF2B5EF4-FFF2-40B4-BE49-F238E27FC236}">
+                      <a16:creationId xmlns:a16="http://schemas.microsoft.com/office/drawing/2014/main" id="{E7E4D7AE-FA21-4ABB-BA9A-8EE8E1FB4C2E}"/>
+                    </a:ext>
+                  </a:extLst>
+                </p:cNvPr>
+                <p:cNvSpPr/>
+                <p:nvPr/>
+              </p:nvSpPr>
+              <p:spPr>
+                <a:xfrm>
+                  <a:off x="7596269" y="-3010480"/>
+                  <a:ext cx="653143" cy="653143"/>
+                </a:xfrm>
+                <a:prstGeom prst="ellipse">
+                  <a:avLst/>
+                </a:prstGeom>
+                <a:solidFill>
+                  <a:schemeClr val="bg1"/>
+                </a:solidFill>
+                <a:ln>
+                  <a:noFill/>
+                </a:ln>
+              </p:spPr>
+              <p:style>
+                <a:lnRef idx="2">
+                  <a:schemeClr val="accent1">
+                    <a:shade val="50000"/>
+                  </a:schemeClr>
+                </a:lnRef>
+                <a:fillRef idx="1">
+                  <a:schemeClr val="accent1"/>
+                </a:fillRef>
+                <a:effectRef idx="0">
+                  <a:schemeClr val="accent1"/>
+                </a:effectRef>
+                <a:fontRef idx="minor">
+                  <a:schemeClr val="lt1"/>
+                </a:fontRef>
+              </p:style>
+              <p:txBody>
+                <a:bodyPr rtlCol="0" anchor="ctr"/>
+                <a:lstStyle/>
+                <a:p>
+                  <a:pPr algn="ctr"/>
+                  <a:endParaRPr kumimoji="1" lang="ja-JP" altLang="en-US"/>
+                </a:p>
+              </p:txBody>
+            </p:sp>
+          </p:grpSp>
+          <p:sp>
+            <p:nvSpPr>
+              <p:cNvPr id="15" name="テキスト ボックス 14">
+                <a:extLst>
+                  <a:ext uri="{FF2B5EF4-FFF2-40B4-BE49-F238E27FC236}">
+                    <a16:creationId xmlns:a16="http://schemas.microsoft.com/office/drawing/2014/main" id="{99DFA851-30C1-4770-864A-5167A36C4C32}"/>
+                  </a:ext>
+                </a:extLst>
+              </p:cNvPr>
+              <p:cNvSpPr txBox="1"/>
+              <p:nvPr/>
+            </p:nvSpPr>
+            <p:spPr>
+              <a:xfrm>
+                <a:off x="7421986" y="-3228423"/>
+                <a:ext cx="1001485" cy="1015663"/>
+              </a:xfrm>
+              <a:prstGeom prst="rect">
+                <a:avLst/>
+              </a:prstGeom>
+              <a:noFill/>
+            </p:spPr>
+            <p:txBody>
+              <a:bodyPr wrap="square" rtlCol="0">
+                <a:spAutoFit/>
+              </a:bodyPr>
+              <a:lstStyle/>
+              <a:p>
+                <a:pPr algn="ctr"/>
+                <a:r>
+                  <a:rPr kumimoji="1" lang="en-US" altLang="ja-JP" sz="6000" dirty="0">
+                    <a:solidFill>
+                      <a:srgbClr val="274060"/>
+                    </a:solidFill>
+                    <a:latin typeface="French Script MT" panose="03020402040607040605" pitchFamily="66" charset="0"/>
+                  </a:rPr>
+                  <a:t>4 </a:t>
+                </a:r>
+              </a:p>
+            </p:txBody>
+          </p:sp>
+        </p:grpSp>
+        <p:grpSp>
+          <p:nvGrpSpPr>
+            <p:cNvPr id="18" name="グループ化 17">
+              <a:extLst>
+                <a:ext uri="{FF2B5EF4-FFF2-40B4-BE49-F238E27FC236}">
+                  <a16:creationId xmlns:a16="http://schemas.microsoft.com/office/drawing/2014/main" id="{5DCB1F6C-EDAB-4793-8BFE-EE7533886162}"/>
+                </a:ext>
+              </a:extLst>
+            </p:cNvPr>
+            <p:cNvGrpSpPr/>
+            <p:nvPr/>
+          </p:nvGrpSpPr>
+          <p:grpSpPr>
+            <a:xfrm>
+              <a:off x="10417429" y="2331544"/>
+              <a:ext cx="1262742" cy="1379655"/>
+              <a:chOff x="7291470" y="-3228423"/>
+              <a:chExt cx="1262742" cy="1379655"/>
+            </a:xfrm>
+          </p:grpSpPr>
+          <p:grpSp>
+            <p:nvGrpSpPr>
+              <p:cNvPr id="19" name="グループ化 18">
+                <a:extLst>
+                  <a:ext uri="{FF2B5EF4-FFF2-40B4-BE49-F238E27FC236}">
+                    <a16:creationId xmlns:a16="http://schemas.microsoft.com/office/drawing/2014/main" id="{67102705-B0CA-43AC-BF99-9E5D648E13EC}"/>
+                  </a:ext>
+                </a:extLst>
+              </p:cNvPr>
+              <p:cNvGrpSpPr/>
+              <p:nvPr/>
+            </p:nvGrpSpPr>
+            <p:grpSpPr>
+              <a:xfrm>
+                <a:off x="7291470" y="-3111510"/>
+                <a:ext cx="1262742" cy="1262742"/>
+                <a:chOff x="7291470" y="-3111510"/>
+                <a:chExt cx="1262742" cy="1262742"/>
+              </a:xfrm>
+            </p:grpSpPr>
+            <p:pic>
+              <p:nvPicPr>
+                <p:cNvPr id="21" name="図 20">
+                  <a:extLst>
+                    <a:ext uri="{FF2B5EF4-FFF2-40B4-BE49-F238E27FC236}">
+                      <a16:creationId xmlns:a16="http://schemas.microsoft.com/office/drawing/2014/main" id="{8AF87902-CAE5-45E0-A034-006263E9B9D0}"/>
+                    </a:ext>
+                  </a:extLst>
+                </p:cNvPr>
+                <p:cNvPicPr>
+                  <a:picLocks noChangeAspect="1"/>
+                </p:cNvPicPr>
+                <p:nvPr/>
+              </p:nvPicPr>
+              <p:blipFill>
+                <a:blip r:embed="rId3">
+                  <a:extLst>
+                    <a:ext uri="{28A0092B-C50C-407E-A947-70E740481C1C}">
+                      <a14:useLocalDpi xmlns:a14="http://schemas.microsoft.com/office/drawing/2010/main" val="0"/>
+                    </a:ext>
+                  </a:extLst>
+                </a:blip>
+                <a:stretch>
+                  <a:fillRect/>
+                </a:stretch>
+              </p:blipFill>
+              <p:spPr>
+                <a:xfrm>
+                  <a:off x="7291470" y="-3111510"/>
+                  <a:ext cx="1262742" cy="1262742"/>
+                </a:xfrm>
+                <a:prstGeom prst="rect">
+                  <a:avLst/>
+                </a:prstGeom>
+              </p:spPr>
+            </p:pic>
+            <p:sp>
+              <p:nvSpPr>
+                <p:cNvPr id="22" name="円/楕円 23">
+                  <a:extLst>
+                    <a:ext uri="{FF2B5EF4-FFF2-40B4-BE49-F238E27FC236}">
+                      <a16:creationId xmlns:a16="http://schemas.microsoft.com/office/drawing/2014/main" id="{51FB1462-48CE-4150-9DFA-52F62560A167}"/>
+                    </a:ext>
+                  </a:extLst>
+                </p:cNvPr>
+                <p:cNvSpPr/>
+                <p:nvPr/>
+              </p:nvSpPr>
+              <p:spPr>
+                <a:xfrm>
+                  <a:off x="7596269" y="-3010480"/>
+                  <a:ext cx="653143" cy="653143"/>
+                </a:xfrm>
+                <a:prstGeom prst="ellipse">
+                  <a:avLst/>
+                </a:prstGeom>
+                <a:solidFill>
+                  <a:schemeClr val="bg1"/>
+                </a:solidFill>
+                <a:ln>
+                  <a:noFill/>
+                </a:ln>
+              </p:spPr>
+              <p:style>
+                <a:lnRef idx="2">
+                  <a:schemeClr val="accent1">
+                    <a:shade val="50000"/>
+                  </a:schemeClr>
+                </a:lnRef>
+                <a:fillRef idx="1">
+                  <a:schemeClr val="accent1"/>
+                </a:fillRef>
+                <a:effectRef idx="0">
+                  <a:schemeClr val="accent1"/>
+                </a:effectRef>
+                <a:fontRef idx="minor">
+                  <a:schemeClr val="lt1"/>
+                </a:fontRef>
+              </p:style>
+              <p:txBody>
+                <a:bodyPr rtlCol="0" anchor="ctr"/>
+                <a:lstStyle/>
+                <a:p>
+                  <a:pPr algn="ctr"/>
+                  <a:endParaRPr kumimoji="1" lang="ja-JP" altLang="en-US"/>
+                </a:p>
+              </p:txBody>
+            </p:sp>
+          </p:grpSp>
+          <p:sp>
+            <p:nvSpPr>
+              <p:cNvPr id="20" name="テキスト ボックス 19">
+                <a:extLst>
+                  <a:ext uri="{FF2B5EF4-FFF2-40B4-BE49-F238E27FC236}">
+                    <a16:creationId xmlns:a16="http://schemas.microsoft.com/office/drawing/2014/main" id="{9E5650D4-5037-4A37-9995-DA1EB599C2CA}"/>
+                  </a:ext>
+                </a:extLst>
+              </p:cNvPr>
+              <p:cNvSpPr txBox="1"/>
+              <p:nvPr/>
+            </p:nvSpPr>
+            <p:spPr>
+              <a:xfrm>
+                <a:off x="7421986" y="-3228423"/>
+                <a:ext cx="1001485" cy="1015663"/>
+              </a:xfrm>
+              <a:prstGeom prst="rect">
+                <a:avLst/>
+              </a:prstGeom>
+              <a:noFill/>
+            </p:spPr>
+            <p:txBody>
+              <a:bodyPr wrap="square" rtlCol="0">
+                <a:spAutoFit/>
+              </a:bodyPr>
+              <a:lstStyle/>
+              <a:p>
+                <a:pPr algn="ctr"/>
+                <a:r>
+                  <a:rPr kumimoji="1" lang="en-US" altLang="ja-JP" sz="6000" dirty="0">
+                    <a:solidFill>
+                      <a:srgbClr val="274060"/>
+                    </a:solidFill>
+                    <a:latin typeface="French Script MT" panose="03020402040607040605" pitchFamily="66" charset="0"/>
+                  </a:rPr>
+                  <a:t>5 </a:t>
+                </a:r>
+              </a:p>
+            </p:txBody>
+          </p:sp>
+        </p:grpSp>
+        <p:grpSp>
+          <p:nvGrpSpPr>
+            <p:cNvPr id="23" name="グループ化 22">
+              <a:extLst>
+                <a:ext uri="{FF2B5EF4-FFF2-40B4-BE49-F238E27FC236}">
+                  <a16:creationId xmlns:a16="http://schemas.microsoft.com/office/drawing/2014/main" id="{F6961F8D-1E21-4363-B306-9AC0F33914E0}"/>
+                </a:ext>
+              </a:extLst>
+            </p:cNvPr>
+            <p:cNvGrpSpPr/>
+            <p:nvPr/>
+          </p:nvGrpSpPr>
+          <p:grpSpPr>
+            <a:xfrm>
+              <a:off x="4191679" y="2308777"/>
+              <a:ext cx="1262742" cy="1379655"/>
+              <a:chOff x="7291470" y="-3228423"/>
+              <a:chExt cx="1262742" cy="1379655"/>
+            </a:xfrm>
+          </p:grpSpPr>
+          <p:grpSp>
+            <p:nvGrpSpPr>
+              <p:cNvPr id="24" name="グループ化 23">
+                <a:extLst>
+                  <a:ext uri="{FF2B5EF4-FFF2-40B4-BE49-F238E27FC236}">
+                    <a16:creationId xmlns:a16="http://schemas.microsoft.com/office/drawing/2014/main" id="{C2CCDD5B-B8B3-4D87-AFC9-ED4AB7B1C389}"/>
+                  </a:ext>
+                </a:extLst>
+              </p:cNvPr>
+              <p:cNvGrpSpPr/>
+              <p:nvPr/>
+            </p:nvGrpSpPr>
+            <p:grpSpPr>
+              <a:xfrm>
+                <a:off x="7291470" y="-3111510"/>
+                <a:ext cx="1262742" cy="1262742"/>
+                <a:chOff x="7291470" y="-3111510"/>
+                <a:chExt cx="1262742" cy="1262742"/>
+              </a:xfrm>
+            </p:grpSpPr>
+            <p:pic>
+              <p:nvPicPr>
+                <p:cNvPr id="26" name="図 25">
+                  <a:extLst>
+                    <a:ext uri="{FF2B5EF4-FFF2-40B4-BE49-F238E27FC236}">
+                      <a16:creationId xmlns:a16="http://schemas.microsoft.com/office/drawing/2014/main" id="{38C02253-D33A-4ED4-A99C-76822C533FE4}"/>
+                    </a:ext>
+                  </a:extLst>
+                </p:cNvPr>
+                <p:cNvPicPr>
+                  <a:picLocks noChangeAspect="1"/>
+                </p:cNvPicPr>
+                <p:nvPr/>
+              </p:nvPicPr>
+              <p:blipFill>
+                <a:blip r:embed="rId3">
+                  <a:extLst>
+                    <a:ext uri="{28A0092B-C50C-407E-A947-70E740481C1C}">
+                      <a14:useLocalDpi xmlns:a14="http://schemas.microsoft.com/office/drawing/2010/main" val="0"/>
+                    </a:ext>
+                  </a:extLst>
+                </a:blip>
+                <a:stretch>
+                  <a:fillRect/>
+                </a:stretch>
+              </p:blipFill>
+              <p:spPr>
+                <a:xfrm>
+                  <a:off x="7291470" y="-3111510"/>
+                  <a:ext cx="1262742" cy="1262742"/>
+                </a:xfrm>
+                <a:prstGeom prst="rect">
+                  <a:avLst/>
+                </a:prstGeom>
+              </p:spPr>
+            </p:pic>
+            <p:sp>
+              <p:nvSpPr>
+                <p:cNvPr id="27" name="円/楕円 23">
+                  <a:extLst>
+                    <a:ext uri="{FF2B5EF4-FFF2-40B4-BE49-F238E27FC236}">
+                      <a16:creationId xmlns:a16="http://schemas.microsoft.com/office/drawing/2014/main" id="{8C6E84E3-6E6A-47DB-A1AF-69AE16B7AB64}"/>
+                    </a:ext>
+                  </a:extLst>
+                </p:cNvPr>
+                <p:cNvSpPr/>
+                <p:nvPr/>
+              </p:nvSpPr>
+              <p:spPr>
+                <a:xfrm>
+                  <a:off x="7596269" y="-3010480"/>
+                  <a:ext cx="653143" cy="653143"/>
+                </a:xfrm>
+                <a:prstGeom prst="ellipse">
+                  <a:avLst/>
+                </a:prstGeom>
+                <a:solidFill>
+                  <a:schemeClr val="bg1"/>
+                </a:solidFill>
+                <a:ln>
+                  <a:noFill/>
+                </a:ln>
+              </p:spPr>
+              <p:style>
+                <a:lnRef idx="2">
+                  <a:schemeClr val="accent1">
+                    <a:shade val="50000"/>
+                  </a:schemeClr>
+                </a:lnRef>
+                <a:fillRef idx="1">
+                  <a:schemeClr val="accent1"/>
+                </a:fillRef>
+                <a:effectRef idx="0">
+                  <a:schemeClr val="accent1"/>
+                </a:effectRef>
+                <a:fontRef idx="minor">
+                  <a:schemeClr val="lt1"/>
+                </a:fontRef>
+              </p:style>
+              <p:txBody>
+                <a:bodyPr rtlCol="0" anchor="ctr"/>
+                <a:lstStyle/>
+                <a:p>
+                  <a:pPr algn="ctr"/>
+                  <a:endParaRPr kumimoji="1" lang="ja-JP" altLang="en-US"/>
+                </a:p>
+              </p:txBody>
+            </p:sp>
+          </p:grpSp>
+          <p:sp>
+            <p:nvSpPr>
+              <p:cNvPr id="25" name="テキスト ボックス 24">
+                <a:extLst>
+                  <a:ext uri="{FF2B5EF4-FFF2-40B4-BE49-F238E27FC236}">
+                    <a16:creationId xmlns:a16="http://schemas.microsoft.com/office/drawing/2014/main" id="{096EA11D-E9AF-4F38-BC77-D45AB12E17AB}"/>
+                  </a:ext>
+                </a:extLst>
+              </p:cNvPr>
+              <p:cNvSpPr txBox="1"/>
+              <p:nvPr/>
+            </p:nvSpPr>
+            <p:spPr>
+              <a:xfrm>
+                <a:off x="7421986" y="-3228423"/>
+                <a:ext cx="1001485" cy="1015663"/>
+              </a:xfrm>
+              <a:prstGeom prst="rect">
+                <a:avLst/>
+              </a:prstGeom>
+              <a:noFill/>
+            </p:spPr>
+            <p:txBody>
+              <a:bodyPr wrap="square" rtlCol="0">
+                <a:spAutoFit/>
+              </a:bodyPr>
+              <a:lstStyle/>
+              <a:p>
+                <a:pPr algn="ctr"/>
+                <a:r>
+                  <a:rPr kumimoji="1" lang="en-US" altLang="ja-JP" sz="6000" dirty="0">
+                    <a:solidFill>
+                      <a:srgbClr val="274060"/>
+                    </a:solidFill>
+                    <a:latin typeface="French Script MT" panose="03020402040607040605" pitchFamily="66" charset="0"/>
+                  </a:rPr>
+                  <a:t>1 </a:t>
+                </a:r>
+              </a:p>
+            </p:txBody>
+          </p:sp>
+        </p:grpSp>
+        <p:pic>
+          <p:nvPicPr>
+            <p:cNvPr id="28" name="図 27">
+              <a:extLst>
+                <a:ext uri="{FF2B5EF4-FFF2-40B4-BE49-F238E27FC236}">
+                  <a16:creationId xmlns:a16="http://schemas.microsoft.com/office/drawing/2014/main" id="{D6B418E3-510D-4692-BEB8-42A5B5BA6207}"/>
+                </a:ext>
+              </a:extLst>
+            </p:cNvPr>
+            <p:cNvPicPr>
+              <a:picLocks noChangeAspect="1"/>
+            </p:cNvPicPr>
+            <p:nvPr/>
+          </p:nvPicPr>
+          <p:blipFill rotWithShape="1">
+            <a:blip r:embed="rId4" cstate="print">
+              <a:extLst>
+                <a:ext uri="{28A0092B-C50C-407E-A947-70E740481C1C}">
+                  <a14:useLocalDpi xmlns:a14="http://schemas.microsoft.com/office/drawing/2010/main" val="0"/>
+                </a:ext>
+              </a:extLst>
+            </a:blip>
+            <a:srcRect l="5372" t="22314" r="4546" b="25619"/>
+            <a:stretch/>
+          </p:blipFill>
+          <p:spPr>
+            <a:xfrm>
+              <a:off x="482601" y="304800"/>
+              <a:ext cx="2768600" cy="800100"/>
+            </a:xfrm>
+            <a:prstGeom prst="rect">
+              <a:avLst/>
+            </a:prstGeom>
+          </p:spPr>
+        </p:pic>
+        <p:pic>
+          <p:nvPicPr>
+            <p:cNvPr id="29" name="図 28">
+              <a:extLst>
+                <a:ext uri="{FF2B5EF4-FFF2-40B4-BE49-F238E27FC236}">
+                  <a16:creationId xmlns:a16="http://schemas.microsoft.com/office/drawing/2014/main" id="{DA73D3CB-DB4F-4EA2-82D2-022D62FBB5F9}"/>
+                </a:ext>
+              </a:extLst>
+            </p:cNvPr>
+            <p:cNvPicPr>
+              <a:picLocks noChangeAspect="1"/>
+            </p:cNvPicPr>
+            <p:nvPr/>
+          </p:nvPicPr>
+          <p:blipFill>
+            <a:blip r:embed="rId5" cstate="print">
+              <a:extLst>
+                <a:ext uri="{28A0092B-C50C-407E-A947-70E740481C1C}">
+                  <a14:useLocalDpi xmlns:a14="http://schemas.microsoft.com/office/drawing/2010/main" val="0"/>
+                </a:ext>
+              </a:extLst>
+            </a:blip>
+            <a:stretch>
+              <a:fillRect/>
+            </a:stretch>
+          </p:blipFill>
+          <p:spPr>
+            <a:xfrm>
+              <a:off x="7166168" y="4456205"/>
+              <a:ext cx="3048006" cy="1524003"/>
+            </a:xfrm>
+            <a:prstGeom prst="rect">
+              <a:avLst/>
+            </a:prstGeom>
+          </p:spPr>
+        </p:pic>
+        <p:pic>
+          <p:nvPicPr>
+            <p:cNvPr id="30" name="図 29">
+              <a:extLst>
+                <a:ext uri="{FF2B5EF4-FFF2-40B4-BE49-F238E27FC236}">
+                  <a16:creationId xmlns:a16="http://schemas.microsoft.com/office/drawing/2014/main" id="{F89C06FF-496E-4C4A-AB60-699876CD8D60}"/>
+                </a:ext>
+              </a:extLst>
+            </p:cNvPr>
+            <p:cNvPicPr>
+              <a:picLocks noChangeAspect="1"/>
+            </p:cNvPicPr>
+            <p:nvPr/>
+          </p:nvPicPr>
+          <p:blipFill>
+            <a:blip r:embed="rId6" cstate="print">
+              <a:extLst>
+                <a:ext uri="{28A0092B-C50C-407E-A947-70E740481C1C}">
+                  <a14:useLocalDpi xmlns:a14="http://schemas.microsoft.com/office/drawing/2010/main" val="0"/>
+                </a:ext>
+              </a:extLst>
+            </a:blip>
+            <a:stretch>
+              <a:fillRect/>
+            </a:stretch>
+          </p:blipFill>
+          <p:spPr>
+            <a:xfrm>
+              <a:off x="7137397" y="173506"/>
+              <a:ext cx="3048006" cy="1524003"/>
+            </a:xfrm>
+            <a:prstGeom prst="rect">
+              <a:avLst/>
+            </a:prstGeom>
+          </p:spPr>
+        </p:pic>
+      </p:grpSp>
     </p:spTree>
     <p:extLst>
       <p:ext uri="{BB962C8B-B14F-4D97-AF65-F5344CB8AC3E}">
@@ -4341,36 +5782,128 @@
           <a:chExt cx="0" cy="0"/>
         </a:xfrm>
       </p:grpSpPr>
-      <p:pic>
-        <p:nvPicPr>
-          <p:cNvPr id="2" name="図 1"/>
-          <p:cNvPicPr>
-            <a:picLocks noChangeAspect="1"/>
-          </p:cNvPicPr>
-          <p:nvPr/>
-        </p:nvPicPr>
-        <p:blipFill>
-          <a:blip r:embed="rId2">
+      <p:grpSp>
+        <p:nvGrpSpPr>
+          <p:cNvPr id="26" name="グループ化 25">
             <a:extLst>
-              <a:ext uri="{28A0092B-C50C-407E-A947-70E740481C1C}">
-                <a14:useLocalDpi xmlns:a14="http://schemas.microsoft.com/office/drawing/2010/main" val="0"/>
+              <a:ext uri="{FF2B5EF4-FFF2-40B4-BE49-F238E27FC236}">
+                <a16:creationId xmlns:a16="http://schemas.microsoft.com/office/drawing/2014/main" id="{62EA709E-1ECF-4D83-8681-3DA4B824EC78}"/>
               </a:ext>
             </a:extLst>
-          </a:blip>
-          <a:stretch>
-            <a:fillRect/>
-          </a:stretch>
-        </p:blipFill>
-        <p:spPr>
+          </p:cNvPr>
+          <p:cNvGrpSpPr/>
+          <p:nvPr/>
+        </p:nvGrpSpPr>
+        <p:grpSpPr>
           <a:xfrm>
             <a:off x="0" y="110018"/>
             <a:ext cx="12192000" cy="6637963"/>
+            <a:chOff x="0" y="110018"/>
+            <a:chExt cx="12192000" cy="6637963"/>
           </a:xfrm>
-          <a:prstGeom prst="rect">
-            <a:avLst/>
-          </a:prstGeom>
-        </p:spPr>
-      </p:pic>
+        </p:grpSpPr>
+        <p:pic>
+          <p:nvPicPr>
+            <p:cNvPr id="2" name="図 1"/>
+            <p:cNvPicPr>
+              <a:picLocks noChangeAspect="1"/>
+            </p:cNvPicPr>
+            <p:nvPr/>
+          </p:nvPicPr>
+          <p:blipFill>
+            <a:blip r:embed="rId2">
+              <a:extLst>
+                <a:ext uri="{28A0092B-C50C-407E-A947-70E740481C1C}">
+                  <a14:useLocalDpi xmlns:a14="http://schemas.microsoft.com/office/drawing/2010/main" val="0"/>
+                </a:ext>
+              </a:extLst>
+            </a:blip>
+            <a:stretch>
+              <a:fillRect/>
+            </a:stretch>
+          </p:blipFill>
+          <p:spPr>
+            <a:xfrm>
+              <a:off x="0" y="110018"/>
+              <a:ext cx="12192000" cy="6637963"/>
+            </a:xfrm>
+            <a:prstGeom prst="rect">
+              <a:avLst/>
+            </a:prstGeom>
+          </p:spPr>
+        </p:pic>
+        <p:pic>
+          <p:nvPicPr>
+            <p:cNvPr id="23" name="図 22">
+              <a:extLst>
+                <a:ext uri="{FF2B5EF4-FFF2-40B4-BE49-F238E27FC236}">
+                  <a16:creationId xmlns:a16="http://schemas.microsoft.com/office/drawing/2014/main" id="{998FF863-EBD3-473C-8472-A8E4B4B108DA}"/>
+                </a:ext>
+              </a:extLst>
+            </p:cNvPr>
+            <p:cNvPicPr>
+              <a:picLocks noChangeAspect="1"/>
+            </p:cNvPicPr>
+            <p:nvPr/>
+          </p:nvPicPr>
+          <p:blipFill rotWithShape="1">
+            <a:blip r:embed="rId3" cstate="print">
+              <a:extLst>
+                <a:ext uri="{28A0092B-C50C-407E-A947-70E740481C1C}">
+                  <a14:useLocalDpi xmlns:a14="http://schemas.microsoft.com/office/drawing/2010/main" val="0"/>
+                </a:ext>
+              </a:extLst>
+            </a:blip>
+            <a:srcRect l="5372" t="22314" r="4546" b="25619"/>
+            <a:stretch/>
+          </p:blipFill>
+          <p:spPr>
+            <a:xfrm>
+              <a:off x="482601" y="304800"/>
+              <a:ext cx="2768600" cy="800100"/>
+            </a:xfrm>
+            <a:prstGeom prst="rect">
+              <a:avLst/>
+            </a:prstGeom>
+          </p:spPr>
+        </p:pic>
+        <p:pic>
+          <p:nvPicPr>
+            <p:cNvPr id="24" name="図 23">
+              <a:extLst>
+                <a:ext uri="{FF2B5EF4-FFF2-40B4-BE49-F238E27FC236}">
+                  <a16:creationId xmlns:a16="http://schemas.microsoft.com/office/drawing/2014/main" id="{C5C781A1-AA35-45B9-B209-A3C80A1D6B9F}"/>
+                </a:ext>
+              </a:extLst>
+            </p:cNvPr>
+            <p:cNvPicPr>
+              <a:picLocks noChangeAspect="1"/>
+            </p:cNvPicPr>
+            <p:nvPr/>
+          </p:nvPicPr>
+          <p:blipFill>
+            <a:blip r:embed="rId4" cstate="print">
+              <a:extLst>
+                <a:ext uri="{28A0092B-C50C-407E-A947-70E740481C1C}">
+                  <a14:useLocalDpi xmlns:a14="http://schemas.microsoft.com/office/drawing/2010/main" val="0"/>
+                </a:ext>
+              </a:extLst>
+            </a:blip>
+            <a:stretch>
+              <a:fillRect/>
+            </a:stretch>
+          </p:blipFill>
+          <p:spPr>
+            <a:xfrm>
+              <a:off x="7166168" y="4456205"/>
+              <a:ext cx="3048006" cy="1524003"/>
+            </a:xfrm>
+            <a:prstGeom prst="rect">
+              <a:avLst/>
+            </a:prstGeom>
+          </p:spPr>
+        </p:pic>
+      </p:grpSp>
     </p:spTree>
     <p:extLst>
       <p:ext uri="{BB962C8B-B14F-4D97-AF65-F5344CB8AC3E}">
@@ -4401,36 +5934,164 @@
           <a:chExt cx="0" cy="0"/>
         </a:xfrm>
       </p:grpSpPr>
-      <p:pic>
-        <p:nvPicPr>
-          <p:cNvPr id="2" name="図 1"/>
-          <p:cNvPicPr>
-            <a:picLocks noChangeAspect="1"/>
-          </p:cNvPicPr>
-          <p:nvPr/>
-        </p:nvPicPr>
-        <p:blipFill>
-          <a:blip r:embed="rId2">
+      <p:grpSp>
+        <p:nvGrpSpPr>
+          <p:cNvPr id="6" name="グループ化 5">
             <a:extLst>
-              <a:ext uri="{28A0092B-C50C-407E-A947-70E740481C1C}">
-                <a14:useLocalDpi xmlns:a14="http://schemas.microsoft.com/office/drawing/2010/main" val="0"/>
+              <a:ext uri="{FF2B5EF4-FFF2-40B4-BE49-F238E27FC236}">
+                <a16:creationId xmlns:a16="http://schemas.microsoft.com/office/drawing/2014/main" id="{38A89C8E-638B-418F-98FE-4D38C01B5D63}"/>
               </a:ext>
             </a:extLst>
-          </a:blip>
-          <a:stretch>
-            <a:fillRect/>
-          </a:stretch>
-        </p:blipFill>
-        <p:spPr>
+          </p:cNvPr>
+          <p:cNvGrpSpPr/>
+          <p:nvPr/>
+        </p:nvGrpSpPr>
+        <p:grpSpPr>
           <a:xfrm>
             <a:off x="0" y="110018"/>
             <a:ext cx="12192000" cy="6637963"/>
+            <a:chOff x="0" y="110018"/>
+            <a:chExt cx="12192000" cy="6637963"/>
           </a:xfrm>
-          <a:prstGeom prst="rect">
-            <a:avLst/>
-          </a:prstGeom>
-        </p:spPr>
-      </p:pic>
+        </p:grpSpPr>
+        <p:pic>
+          <p:nvPicPr>
+            <p:cNvPr id="2" name="図 1"/>
+            <p:cNvPicPr>
+              <a:picLocks noChangeAspect="1"/>
+            </p:cNvPicPr>
+            <p:nvPr/>
+          </p:nvPicPr>
+          <p:blipFill>
+            <a:blip r:embed="rId2">
+              <a:extLst>
+                <a:ext uri="{28A0092B-C50C-407E-A947-70E740481C1C}">
+                  <a14:useLocalDpi xmlns:a14="http://schemas.microsoft.com/office/drawing/2010/main" val="0"/>
+                </a:ext>
+              </a:extLst>
+            </a:blip>
+            <a:stretch>
+              <a:fillRect/>
+            </a:stretch>
+          </p:blipFill>
+          <p:spPr>
+            <a:xfrm>
+              <a:off x="0" y="110018"/>
+              <a:ext cx="12192000" cy="6637963"/>
+            </a:xfrm>
+            <a:prstGeom prst="rect">
+              <a:avLst/>
+            </a:prstGeom>
+          </p:spPr>
+        </p:pic>
+        <p:pic>
+          <p:nvPicPr>
+            <p:cNvPr id="3" name="図 2">
+              <a:extLst>
+                <a:ext uri="{FF2B5EF4-FFF2-40B4-BE49-F238E27FC236}">
+                  <a16:creationId xmlns:a16="http://schemas.microsoft.com/office/drawing/2014/main" id="{7A7F37E7-4C68-40EC-8590-97DAA584CD68}"/>
+                </a:ext>
+              </a:extLst>
+            </p:cNvPr>
+            <p:cNvPicPr>
+              <a:picLocks noChangeAspect="1"/>
+            </p:cNvPicPr>
+            <p:nvPr/>
+          </p:nvPicPr>
+          <p:blipFill rotWithShape="1">
+            <a:blip r:embed="rId3" cstate="print">
+              <a:extLst>
+                <a:ext uri="{28A0092B-C50C-407E-A947-70E740481C1C}">
+                  <a14:useLocalDpi xmlns:a14="http://schemas.microsoft.com/office/drawing/2010/main" val="0"/>
+                </a:ext>
+              </a:extLst>
+            </a:blip>
+            <a:srcRect l="5372" t="22314" r="4546" b="25619"/>
+            <a:stretch/>
+          </p:blipFill>
+          <p:spPr>
+            <a:xfrm>
+              <a:off x="482601" y="304800"/>
+              <a:ext cx="2768600" cy="800100"/>
+            </a:xfrm>
+            <a:prstGeom prst="rect">
+              <a:avLst/>
+            </a:prstGeom>
+          </p:spPr>
+        </p:pic>
+        <p:pic>
+          <p:nvPicPr>
+            <p:cNvPr id="4" name="図 3">
+              <a:extLst>
+                <a:ext uri="{FF2B5EF4-FFF2-40B4-BE49-F238E27FC236}">
+                  <a16:creationId xmlns:a16="http://schemas.microsoft.com/office/drawing/2014/main" id="{EA3351E6-B465-4A72-9D1F-641186584762}"/>
+                </a:ext>
+              </a:extLst>
+            </p:cNvPr>
+            <p:cNvPicPr>
+              <a:picLocks noChangeAspect="1"/>
+            </p:cNvPicPr>
+            <p:nvPr/>
+          </p:nvPicPr>
+          <p:blipFill>
+            <a:blip r:embed="rId4" cstate="print">
+              <a:extLst>
+                <a:ext uri="{28A0092B-C50C-407E-A947-70E740481C1C}">
+                  <a14:useLocalDpi xmlns:a14="http://schemas.microsoft.com/office/drawing/2010/main" val="0"/>
+                </a:ext>
+              </a:extLst>
+            </a:blip>
+            <a:stretch>
+              <a:fillRect/>
+            </a:stretch>
+          </p:blipFill>
+          <p:spPr>
+            <a:xfrm>
+              <a:off x="7166168" y="4456205"/>
+              <a:ext cx="3048006" cy="1524003"/>
+            </a:xfrm>
+            <a:prstGeom prst="rect">
+              <a:avLst/>
+            </a:prstGeom>
+          </p:spPr>
+        </p:pic>
+        <p:pic>
+          <p:nvPicPr>
+            <p:cNvPr id="5" name="図 4">
+              <a:extLst>
+                <a:ext uri="{FF2B5EF4-FFF2-40B4-BE49-F238E27FC236}">
+                  <a16:creationId xmlns:a16="http://schemas.microsoft.com/office/drawing/2014/main" id="{48AF67B7-FD01-4644-A3D2-DEE7A46FD752}"/>
+                </a:ext>
+              </a:extLst>
+            </p:cNvPr>
+            <p:cNvPicPr>
+              <a:picLocks noChangeAspect="1"/>
+            </p:cNvPicPr>
+            <p:nvPr/>
+          </p:nvPicPr>
+          <p:blipFill>
+            <a:blip r:embed="rId5" cstate="print">
+              <a:extLst>
+                <a:ext uri="{28A0092B-C50C-407E-A947-70E740481C1C}">
+                  <a14:useLocalDpi xmlns:a14="http://schemas.microsoft.com/office/drawing/2010/main" val="0"/>
+                </a:ext>
+              </a:extLst>
+            </a:blip>
+            <a:stretch>
+              <a:fillRect/>
+            </a:stretch>
+          </p:blipFill>
+          <p:spPr>
+            <a:xfrm>
+              <a:off x="7137397" y="173506"/>
+              <a:ext cx="3048006" cy="1524003"/>
+            </a:xfrm>
+            <a:prstGeom prst="rect">
+              <a:avLst/>
+            </a:prstGeom>
+          </p:spPr>
+        </p:pic>
+      </p:grpSp>
     </p:spTree>
     <p:extLst>
       <p:ext uri="{BB962C8B-B14F-4D97-AF65-F5344CB8AC3E}">
@@ -4485,6 +6146,113 @@
           <a:xfrm>
             <a:off x="0" y="110018"/>
             <a:ext cx="12192000" cy="6637963"/>
+          </a:xfrm>
+          <a:prstGeom prst="rect">
+            <a:avLst/>
+          </a:prstGeom>
+        </p:spPr>
+      </p:pic>
+      <p:pic>
+        <p:nvPicPr>
+          <p:cNvPr id="3" name="図 2">
+            <a:extLst>
+              <a:ext uri="{FF2B5EF4-FFF2-40B4-BE49-F238E27FC236}">
+                <a16:creationId xmlns:a16="http://schemas.microsoft.com/office/drawing/2014/main" id="{11D1F9B1-61F8-4EFC-BD25-FD9269E78D3C}"/>
+              </a:ext>
+            </a:extLst>
+          </p:cNvPr>
+          <p:cNvPicPr>
+            <a:picLocks noChangeAspect="1"/>
+          </p:cNvPicPr>
+          <p:nvPr/>
+        </p:nvPicPr>
+        <p:blipFill rotWithShape="1">
+          <a:blip r:embed="rId3" cstate="print">
+            <a:extLst>
+              <a:ext uri="{28A0092B-C50C-407E-A947-70E740481C1C}">
+                <a14:useLocalDpi xmlns:a14="http://schemas.microsoft.com/office/drawing/2010/main" val="0"/>
+              </a:ext>
+            </a:extLst>
+          </a:blip>
+          <a:srcRect l="5372" t="22314" r="4546" b="25619"/>
+          <a:stretch/>
+        </p:blipFill>
+        <p:spPr>
+          <a:xfrm>
+            <a:off x="482601" y="304800"/>
+            <a:ext cx="2768600" cy="800100"/>
+          </a:xfrm>
+          <a:prstGeom prst="rect">
+            <a:avLst/>
+          </a:prstGeom>
+        </p:spPr>
+      </p:pic>
+      <p:pic>
+        <p:nvPicPr>
+          <p:cNvPr id="4" name="図 3">
+            <a:extLst>
+              <a:ext uri="{FF2B5EF4-FFF2-40B4-BE49-F238E27FC236}">
+                <a16:creationId xmlns:a16="http://schemas.microsoft.com/office/drawing/2014/main" id="{EFB92BCB-EBBD-48F2-9359-E9593C0A6B56}"/>
+              </a:ext>
+            </a:extLst>
+          </p:cNvPr>
+          <p:cNvPicPr>
+            <a:picLocks noChangeAspect="1"/>
+          </p:cNvPicPr>
+          <p:nvPr/>
+        </p:nvPicPr>
+        <p:blipFill>
+          <a:blip r:embed="rId4" cstate="print">
+            <a:extLst>
+              <a:ext uri="{28A0092B-C50C-407E-A947-70E740481C1C}">
+                <a14:useLocalDpi xmlns:a14="http://schemas.microsoft.com/office/drawing/2010/main" val="0"/>
+              </a:ext>
+            </a:extLst>
+          </a:blip>
+          <a:stretch>
+            <a:fillRect/>
+          </a:stretch>
+        </p:blipFill>
+        <p:spPr>
+          <a:xfrm>
+            <a:off x="7166168" y="4456205"/>
+            <a:ext cx="3048006" cy="1524003"/>
+          </a:xfrm>
+          <a:prstGeom prst="rect">
+            <a:avLst/>
+          </a:prstGeom>
+        </p:spPr>
+      </p:pic>
+      <p:pic>
+        <p:nvPicPr>
+          <p:cNvPr id="5" name="図 4">
+            <a:extLst>
+              <a:ext uri="{FF2B5EF4-FFF2-40B4-BE49-F238E27FC236}">
+                <a16:creationId xmlns:a16="http://schemas.microsoft.com/office/drawing/2014/main" id="{D9C7807F-FDAE-4EAC-9A27-A2DC448096A3}"/>
+              </a:ext>
+            </a:extLst>
+          </p:cNvPr>
+          <p:cNvPicPr>
+            <a:picLocks noChangeAspect="1"/>
+          </p:cNvPicPr>
+          <p:nvPr/>
+        </p:nvPicPr>
+        <p:blipFill>
+          <a:blip r:embed="rId5" cstate="print">
+            <a:extLst>
+              <a:ext uri="{28A0092B-C50C-407E-A947-70E740481C1C}">
+                <a14:useLocalDpi xmlns:a14="http://schemas.microsoft.com/office/drawing/2010/main" val="0"/>
+              </a:ext>
+            </a:extLst>
+          </a:blip>
+          <a:stretch>
+            <a:fillRect/>
+          </a:stretch>
+        </p:blipFill>
+        <p:spPr>
+          <a:xfrm>
+            <a:off x="7137397" y="173506"/>
+            <a:ext cx="3048006" cy="1524003"/>
           </a:xfrm>
           <a:prstGeom prst="rect">
             <a:avLst/>
@@ -4551,6 +6319,113 @@
           </a:prstGeom>
         </p:spPr>
       </p:pic>
+      <p:pic>
+        <p:nvPicPr>
+          <p:cNvPr id="3" name="図 2">
+            <a:extLst>
+              <a:ext uri="{FF2B5EF4-FFF2-40B4-BE49-F238E27FC236}">
+                <a16:creationId xmlns:a16="http://schemas.microsoft.com/office/drawing/2014/main" id="{FF75AFC1-83B5-43EE-8705-AEFE489B7040}"/>
+              </a:ext>
+            </a:extLst>
+          </p:cNvPr>
+          <p:cNvPicPr>
+            <a:picLocks noChangeAspect="1"/>
+          </p:cNvPicPr>
+          <p:nvPr/>
+        </p:nvPicPr>
+        <p:blipFill rotWithShape="1">
+          <a:blip r:embed="rId3" cstate="print">
+            <a:extLst>
+              <a:ext uri="{28A0092B-C50C-407E-A947-70E740481C1C}">
+                <a14:useLocalDpi xmlns:a14="http://schemas.microsoft.com/office/drawing/2010/main" val="0"/>
+              </a:ext>
+            </a:extLst>
+          </a:blip>
+          <a:srcRect l="5372" t="22314" r="4546" b="25619"/>
+          <a:stretch/>
+        </p:blipFill>
+        <p:spPr>
+          <a:xfrm>
+            <a:off x="482601" y="304800"/>
+            <a:ext cx="2768600" cy="800100"/>
+          </a:xfrm>
+          <a:prstGeom prst="rect">
+            <a:avLst/>
+          </a:prstGeom>
+        </p:spPr>
+      </p:pic>
+      <p:pic>
+        <p:nvPicPr>
+          <p:cNvPr id="4" name="図 3">
+            <a:extLst>
+              <a:ext uri="{FF2B5EF4-FFF2-40B4-BE49-F238E27FC236}">
+                <a16:creationId xmlns:a16="http://schemas.microsoft.com/office/drawing/2014/main" id="{07A9904A-3ADF-4311-971E-DA97678F4C72}"/>
+              </a:ext>
+            </a:extLst>
+          </p:cNvPr>
+          <p:cNvPicPr>
+            <a:picLocks noChangeAspect="1"/>
+          </p:cNvPicPr>
+          <p:nvPr/>
+        </p:nvPicPr>
+        <p:blipFill>
+          <a:blip r:embed="rId4" cstate="print">
+            <a:extLst>
+              <a:ext uri="{28A0092B-C50C-407E-A947-70E740481C1C}">
+                <a14:useLocalDpi xmlns:a14="http://schemas.microsoft.com/office/drawing/2010/main" val="0"/>
+              </a:ext>
+            </a:extLst>
+          </a:blip>
+          <a:stretch>
+            <a:fillRect/>
+          </a:stretch>
+        </p:blipFill>
+        <p:spPr>
+          <a:xfrm>
+            <a:off x="7166168" y="4456205"/>
+            <a:ext cx="3048006" cy="1524003"/>
+          </a:xfrm>
+          <a:prstGeom prst="rect">
+            <a:avLst/>
+          </a:prstGeom>
+        </p:spPr>
+      </p:pic>
+      <p:pic>
+        <p:nvPicPr>
+          <p:cNvPr id="5" name="図 4">
+            <a:extLst>
+              <a:ext uri="{FF2B5EF4-FFF2-40B4-BE49-F238E27FC236}">
+                <a16:creationId xmlns:a16="http://schemas.microsoft.com/office/drawing/2014/main" id="{9D2D46E6-1879-4F96-9EF9-6F3FCAF72A0A}"/>
+              </a:ext>
+            </a:extLst>
+          </p:cNvPr>
+          <p:cNvPicPr>
+            <a:picLocks noChangeAspect="1"/>
+          </p:cNvPicPr>
+          <p:nvPr/>
+        </p:nvPicPr>
+        <p:blipFill>
+          <a:blip r:embed="rId5" cstate="print">
+            <a:extLst>
+              <a:ext uri="{28A0092B-C50C-407E-A947-70E740481C1C}">
+                <a14:useLocalDpi xmlns:a14="http://schemas.microsoft.com/office/drawing/2010/main" val="0"/>
+              </a:ext>
+            </a:extLst>
+          </a:blip>
+          <a:stretch>
+            <a:fillRect/>
+          </a:stretch>
+        </p:blipFill>
+        <p:spPr>
+          <a:xfrm>
+            <a:off x="7137397" y="173506"/>
+            <a:ext cx="3048006" cy="1524003"/>
+          </a:xfrm>
+          <a:prstGeom prst="rect">
+            <a:avLst/>
+          </a:prstGeom>
+        </p:spPr>
+      </p:pic>
     </p:spTree>
     <p:extLst>
       <p:ext uri="{BB962C8B-B14F-4D97-AF65-F5344CB8AC3E}">
@@ -4605,6 +6480,113 @@
           <a:xfrm>
             <a:off x="0" y="110018"/>
             <a:ext cx="12192000" cy="6637963"/>
+          </a:xfrm>
+          <a:prstGeom prst="rect">
+            <a:avLst/>
+          </a:prstGeom>
+        </p:spPr>
+      </p:pic>
+      <p:pic>
+        <p:nvPicPr>
+          <p:cNvPr id="3" name="図 2">
+            <a:extLst>
+              <a:ext uri="{FF2B5EF4-FFF2-40B4-BE49-F238E27FC236}">
+                <a16:creationId xmlns:a16="http://schemas.microsoft.com/office/drawing/2014/main" id="{0E7E783F-5F2C-48DD-BDAF-6C9493382A8E}"/>
+              </a:ext>
+            </a:extLst>
+          </p:cNvPr>
+          <p:cNvPicPr>
+            <a:picLocks noChangeAspect="1"/>
+          </p:cNvPicPr>
+          <p:nvPr/>
+        </p:nvPicPr>
+        <p:blipFill rotWithShape="1">
+          <a:blip r:embed="rId3" cstate="print">
+            <a:extLst>
+              <a:ext uri="{28A0092B-C50C-407E-A947-70E740481C1C}">
+                <a14:useLocalDpi xmlns:a14="http://schemas.microsoft.com/office/drawing/2010/main" val="0"/>
+              </a:ext>
+            </a:extLst>
+          </a:blip>
+          <a:srcRect l="5372" t="22314" r="4546" b="25619"/>
+          <a:stretch/>
+        </p:blipFill>
+        <p:spPr>
+          <a:xfrm>
+            <a:off x="482601" y="304800"/>
+            <a:ext cx="2768600" cy="800100"/>
+          </a:xfrm>
+          <a:prstGeom prst="rect">
+            <a:avLst/>
+          </a:prstGeom>
+        </p:spPr>
+      </p:pic>
+      <p:pic>
+        <p:nvPicPr>
+          <p:cNvPr id="4" name="図 3">
+            <a:extLst>
+              <a:ext uri="{FF2B5EF4-FFF2-40B4-BE49-F238E27FC236}">
+                <a16:creationId xmlns:a16="http://schemas.microsoft.com/office/drawing/2014/main" id="{ECE8455F-6A80-419C-B1AE-BA44C93CDAC7}"/>
+              </a:ext>
+            </a:extLst>
+          </p:cNvPr>
+          <p:cNvPicPr>
+            <a:picLocks noChangeAspect="1"/>
+          </p:cNvPicPr>
+          <p:nvPr/>
+        </p:nvPicPr>
+        <p:blipFill>
+          <a:blip r:embed="rId4" cstate="print">
+            <a:extLst>
+              <a:ext uri="{28A0092B-C50C-407E-A947-70E740481C1C}">
+                <a14:useLocalDpi xmlns:a14="http://schemas.microsoft.com/office/drawing/2010/main" val="0"/>
+              </a:ext>
+            </a:extLst>
+          </a:blip>
+          <a:stretch>
+            <a:fillRect/>
+          </a:stretch>
+        </p:blipFill>
+        <p:spPr>
+          <a:xfrm>
+            <a:off x="7166168" y="4456205"/>
+            <a:ext cx="3048006" cy="1524003"/>
+          </a:xfrm>
+          <a:prstGeom prst="rect">
+            <a:avLst/>
+          </a:prstGeom>
+        </p:spPr>
+      </p:pic>
+      <p:pic>
+        <p:nvPicPr>
+          <p:cNvPr id="5" name="図 4">
+            <a:extLst>
+              <a:ext uri="{FF2B5EF4-FFF2-40B4-BE49-F238E27FC236}">
+                <a16:creationId xmlns:a16="http://schemas.microsoft.com/office/drawing/2014/main" id="{50FBB6EB-7622-4914-BA0A-1FBB2B5F1054}"/>
+              </a:ext>
+            </a:extLst>
+          </p:cNvPr>
+          <p:cNvPicPr>
+            <a:picLocks noChangeAspect="1"/>
+          </p:cNvPicPr>
+          <p:nvPr/>
+        </p:nvPicPr>
+        <p:blipFill>
+          <a:blip r:embed="rId5" cstate="print">
+            <a:extLst>
+              <a:ext uri="{28A0092B-C50C-407E-A947-70E740481C1C}">
+                <a14:useLocalDpi xmlns:a14="http://schemas.microsoft.com/office/drawing/2010/main" val="0"/>
+              </a:ext>
+            </a:extLst>
+          </a:blip>
+          <a:stretch>
+            <a:fillRect/>
+          </a:stretch>
+        </p:blipFill>
+        <p:spPr>
+          <a:xfrm>
+            <a:off x="7137397" y="173506"/>
+            <a:ext cx="3048006" cy="1524003"/>
           </a:xfrm>
           <a:prstGeom prst="rect">
             <a:avLst/>
@@ -4815,7 +6797,7 @@
           <a:p>
             <a:pPr algn="ctr"/>
             <a:r>
-              <a:rPr kumimoji="1" lang="en-US" altLang="ja-JP" sz="4400" dirty="0" smtClean="0">
+              <a:rPr kumimoji="1" lang="en-US" altLang="ja-JP" sz="4400" dirty="0">
                 <a:solidFill>
                   <a:srgbClr val="274060"/>
                 </a:solidFill>
@@ -4833,7 +6815,7 @@
         </p:nvGrpSpPr>
         <p:grpSpPr>
           <a:xfrm>
-            <a:off x="134725" y="0"/>
+            <a:off x="134725" y="-139959"/>
             <a:ext cx="11922549" cy="6858000"/>
             <a:chOff x="134725" y="0"/>
             <a:chExt cx="11922549" cy="6858000"/>
@@ -4906,10 +6888,10 @@
           </p:nvGrpSpPr>
           <p:grpSpPr>
             <a:xfrm>
-              <a:off x="1770057" y="816092"/>
-              <a:ext cx="1262742" cy="1375228"/>
-              <a:chOff x="2832269" y="714829"/>
-              <a:chExt cx="1262742" cy="1375228"/>
+              <a:off x="1770057" y="816091"/>
+              <a:ext cx="1262742" cy="1375229"/>
+              <a:chOff x="2832269" y="714828"/>
+              <a:chExt cx="1262742" cy="1375229"/>
             </a:xfrm>
           </p:grpSpPr>
           <p:grpSp>
@@ -4965,7 +6947,7 @@
               <p:spPr>
                 <a:xfrm>
                   <a:off x="7454044" y="-376341"/>
-                  <a:ext cx="1261243" cy="1261243"/>
+                  <a:ext cx="1261243" cy="1261242"/>
                 </a:xfrm>
                 <a:prstGeom prst="ellipse">
                   <a:avLst/>
@@ -5011,7 +6993,7 @@
             </p:nvSpPr>
             <p:spPr>
               <a:xfrm>
-                <a:off x="2962897" y="714829"/>
+                <a:off x="2965926" y="714828"/>
                 <a:ext cx="1001485" cy="1015663"/>
               </a:xfrm>
               <a:prstGeom prst="rect">
@@ -5027,7 +7009,7 @@
               <a:p>
                 <a:pPr algn="ctr"/>
                 <a:r>
-                  <a:rPr kumimoji="1" lang="en-US" altLang="ja-JP" sz="6000" dirty="0" smtClean="0">
+                  <a:rPr kumimoji="1" lang="en-US" altLang="ja-JP" sz="6000" dirty="0">
                     <a:solidFill>
                       <a:srgbClr val="274060"/>
                     </a:solidFill>
@@ -5177,7 +7159,7 @@
                   <a:t>2</a:t>
                 </a:r>
                 <a:r>
-                  <a:rPr kumimoji="1" lang="en-US" altLang="ja-JP" sz="6000" dirty="0" smtClean="0">
+                  <a:rPr kumimoji="1" lang="en-US" altLang="ja-JP" sz="6000" dirty="0">
                     <a:solidFill>
                       <a:srgbClr val="274060"/>
                     </a:solidFill>
@@ -5318,7 +7300,7 @@
               <a:p>
                 <a:pPr algn="ctr"/>
                 <a:r>
-                  <a:rPr lang="en-US" altLang="ja-JP" sz="6000" dirty="0" smtClean="0">
+                  <a:rPr lang="en-US" altLang="ja-JP" sz="6000" dirty="0">
                     <a:solidFill>
                       <a:srgbClr val="274060"/>
                     </a:solidFill>
@@ -5327,7 +7309,7 @@
                   <a:t>3</a:t>
                 </a:r>
                 <a:r>
-                  <a:rPr kumimoji="1" lang="en-US" altLang="ja-JP" sz="6000" dirty="0" smtClean="0">
+                  <a:rPr kumimoji="1" lang="en-US" altLang="ja-JP" sz="6000" dirty="0">
                     <a:solidFill>
                       <a:srgbClr val="274060"/>
                     </a:solidFill>
@@ -5468,7 +7450,7 @@
               <a:p>
                 <a:pPr algn="ctr"/>
                 <a:r>
-                  <a:rPr kumimoji="1" lang="en-US" altLang="ja-JP" sz="6000" dirty="0" smtClean="0">
+                  <a:rPr kumimoji="1" lang="en-US" altLang="ja-JP" sz="6000" dirty="0">
                     <a:solidFill>
                       <a:srgbClr val="274060"/>
                     </a:solidFill>
@@ -5618,7 +7600,7 @@
                   <a:t>5</a:t>
                 </a:r>
                 <a:r>
-                  <a:rPr kumimoji="1" lang="en-US" altLang="ja-JP" sz="6000" dirty="0" smtClean="0">
+                  <a:rPr kumimoji="1" lang="en-US" altLang="ja-JP" sz="6000" dirty="0">
                     <a:solidFill>
                       <a:srgbClr val="274060"/>
                     </a:solidFill>
@@ -5630,6 +7612,177 @@
             </p:txBody>
           </p:sp>
         </p:grpSp>
+      </p:grpSp>
+      <p:grpSp>
+        <p:nvGrpSpPr>
+          <p:cNvPr id="5" name="グループ化 4">
+            <a:extLst>
+              <a:ext uri="{FF2B5EF4-FFF2-40B4-BE49-F238E27FC236}">
+                <a16:creationId xmlns:a16="http://schemas.microsoft.com/office/drawing/2014/main" id="{96054625-4DEB-455E-9C9A-4B7EEC79C071}"/>
+              </a:ext>
+            </a:extLst>
+          </p:cNvPr>
+          <p:cNvGrpSpPr/>
+          <p:nvPr/>
+        </p:nvGrpSpPr>
+        <p:grpSpPr>
+          <a:xfrm>
+            <a:off x="7291470" y="-3228423"/>
+            <a:ext cx="1262742" cy="1379655"/>
+            <a:chOff x="7291470" y="-3228423"/>
+            <a:chExt cx="1262742" cy="1379655"/>
+          </a:xfrm>
+        </p:grpSpPr>
+        <p:grpSp>
+          <p:nvGrpSpPr>
+            <p:cNvPr id="4" name="グループ化 3">
+              <a:extLst>
+                <a:ext uri="{FF2B5EF4-FFF2-40B4-BE49-F238E27FC236}">
+                  <a16:creationId xmlns:a16="http://schemas.microsoft.com/office/drawing/2014/main" id="{2B90E40E-FF9D-461B-BCC9-D75A173B87E1}"/>
+                </a:ext>
+              </a:extLst>
+            </p:cNvPr>
+            <p:cNvGrpSpPr/>
+            <p:nvPr/>
+          </p:nvGrpSpPr>
+          <p:grpSpPr>
+            <a:xfrm>
+              <a:off x="7291470" y="-3111510"/>
+              <a:ext cx="1262742" cy="1262742"/>
+              <a:chOff x="7291470" y="-3111510"/>
+              <a:chExt cx="1262742" cy="1262742"/>
+            </a:xfrm>
+          </p:grpSpPr>
+          <p:pic>
+            <p:nvPicPr>
+              <p:cNvPr id="48" name="図 47">
+                <a:extLst>
+                  <a:ext uri="{FF2B5EF4-FFF2-40B4-BE49-F238E27FC236}">
+                    <a16:creationId xmlns:a16="http://schemas.microsoft.com/office/drawing/2014/main" id="{3523ACD7-568A-40F1-8B84-AFDB92116495}"/>
+                  </a:ext>
+                </a:extLst>
+              </p:cNvPr>
+              <p:cNvPicPr>
+                <a:picLocks noChangeAspect="1"/>
+              </p:cNvPicPr>
+              <p:nvPr/>
+            </p:nvPicPr>
+            <p:blipFill>
+              <a:blip r:embed="rId4">
+                <a:extLst>
+                  <a:ext uri="{28A0092B-C50C-407E-A947-70E740481C1C}">
+                    <a14:useLocalDpi xmlns:a14="http://schemas.microsoft.com/office/drawing/2010/main" val="0"/>
+                  </a:ext>
+                </a:extLst>
+              </a:blip>
+              <a:stretch>
+                <a:fillRect/>
+              </a:stretch>
+            </p:blipFill>
+            <p:spPr>
+              <a:xfrm>
+                <a:off x="7291470" y="-3111510"/>
+                <a:ext cx="1262742" cy="1262742"/>
+              </a:xfrm>
+              <a:prstGeom prst="rect">
+                <a:avLst/>
+              </a:prstGeom>
+            </p:spPr>
+          </p:pic>
+          <p:sp>
+            <p:nvSpPr>
+              <p:cNvPr id="52" name="円/楕円 23">
+                <a:extLst>
+                  <a:ext uri="{FF2B5EF4-FFF2-40B4-BE49-F238E27FC236}">
+                    <a16:creationId xmlns:a16="http://schemas.microsoft.com/office/drawing/2014/main" id="{C85DF49D-16B7-41DD-A3D2-276DEC09A269}"/>
+                  </a:ext>
+                </a:extLst>
+              </p:cNvPr>
+              <p:cNvSpPr/>
+              <p:nvPr/>
+            </p:nvSpPr>
+            <p:spPr>
+              <a:xfrm>
+                <a:off x="7596269" y="-3010480"/>
+                <a:ext cx="653143" cy="653143"/>
+              </a:xfrm>
+              <a:prstGeom prst="ellipse">
+                <a:avLst/>
+              </a:prstGeom>
+              <a:solidFill>
+                <a:schemeClr val="bg1"/>
+              </a:solidFill>
+              <a:ln>
+                <a:noFill/>
+              </a:ln>
+            </p:spPr>
+            <p:style>
+              <a:lnRef idx="2">
+                <a:schemeClr val="accent1">
+                  <a:shade val="50000"/>
+                </a:schemeClr>
+              </a:lnRef>
+              <a:fillRef idx="1">
+                <a:schemeClr val="accent1"/>
+              </a:fillRef>
+              <a:effectRef idx="0">
+                <a:schemeClr val="accent1"/>
+              </a:effectRef>
+              <a:fontRef idx="minor">
+                <a:schemeClr val="lt1"/>
+              </a:fontRef>
+            </p:style>
+            <p:txBody>
+              <a:bodyPr rtlCol="0" anchor="ctr"/>
+              <a:lstStyle/>
+              <a:p>
+                <a:pPr algn="ctr"/>
+                <a:endParaRPr kumimoji="1" lang="ja-JP" altLang="en-US"/>
+              </a:p>
+            </p:txBody>
+          </p:sp>
+        </p:grpSp>
+        <p:sp>
+          <p:nvSpPr>
+            <p:cNvPr id="50" name="テキスト ボックス 49">
+              <a:extLst>
+                <a:ext uri="{FF2B5EF4-FFF2-40B4-BE49-F238E27FC236}">
+                  <a16:creationId xmlns:a16="http://schemas.microsoft.com/office/drawing/2014/main" id="{EC80A4E5-A68B-40EB-A5BC-670831AD9E49}"/>
+                </a:ext>
+              </a:extLst>
+            </p:cNvPr>
+            <p:cNvSpPr txBox="1"/>
+            <p:nvPr/>
+          </p:nvSpPr>
+          <p:spPr>
+            <a:xfrm>
+              <a:off x="7421986" y="-3228423"/>
+              <a:ext cx="1001485" cy="1015663"/>
+            </a:xfrm>
+            <a:prstGeom prst="rect">
+              <a:avLst/>
+            </a:prstGeom>
+            <a:noFill/>
+          </p:spPr>
+          <p:txBody>
+            <a:bodyPr wrap="square" rtlCol="0">
+              <a:spAutoFit/>
+            </a:bodyPr>
+            <a:lstStyle/>
+            <a:p>
+              <a:pPr algn="ctr"/>
+              <a:r>
+                <a:rPr kumimoji="1" lang="en-US" altLang="ja-JP" sz="6000" dirty="0">
+                  <a:solidFill>
+                    <a:srgbClr val="274060"/>
+                  </a:solidFill>
+                  <a:latin typeface="French Script MT" panose="03020402040607040605" pitchFamily="66" charset="0"/>
+                </a:rPr>
+                <a:t>1 </a:t>
+              </a:r>
+            </a:p>
+          </p:txBody>
+        </p:sp>
       </p:grpSp>
     </p:spTree>
     <p:extLst>
@@ -5984,7 +8137,7 @@
               <a:p>
                 <a:pPr algn="ctr"/>
                 <a:r>
-                  <a:rPr kumimoji="1" lang="en-US" altLang="ja-JP" sz="6000" dirty="0" smtClean="0">
+                  <a:rPr kumimoji="1" lang="en-US" altLang="ja-JP" sz="6000" dirty="0">
                     <a:solidFill>
                       <a:srgbClr val="274060"/>
                     </a:solidFill>
@@ -6134,7 +8287,7 @@
                   <a:t>2</a:t>
                 </a:r>
                 <a:r>
-                  <a:rPr kumimoji="1" lang="en-US" altLang="ja-JP" sz="6000" dirty="0" smtClean="0">
+                  <a:rPr kumimoji="1" lang="en-US" altLang="ja-JP" sz="6000" dirty="0">
                     <a:solidFill>
                       <a:srgbClr val="274060"/>
                     </a:solidFill>
@@ -6284,7 +8437,7 @@
                   <a:t>3</a:t>
                 </a:r>
                 <a:r>
-                  <a:rPr kumimoji="1" lang="en-US" altLang="ja-JP" sz="6000" dirty="0" smtClean="0">
+                  <a:rPr kumimoji="1" lang="en-US" altLang="ja-JP" sz="6000" dirty="0">
                     <a:solidFill>
                       <a:srgbClr val="274060"/>
                     </a:solidFill>
@@ -6434,7 +8587,7 @@
                   <a:t>4</a:t>
                 </a:r>
                 <a:r>
-                  <a:rPr kumimoji="1" lang="en-US" altLang="ja-JP" sz="6000" dirty="0" smtClean="0">
+                  <a:rPr kumimoji="1" lang="en-US" altLang="ja-JP" sz="6000" dirty="0">
                     <a:solidFill>
                       <a:srgbClr val="274060"/>
                     </a:solidFill>
@@ -6617,7 +8770,7 @@
               <a:p>
                 <a:pPr algn="ctr"/>
                 <a:r>
-                  <a:rPr kumimoji="1" lang="en-US" altLang="ja-JP" sz="6000" dirty="0" smtClean="0">
+                  <a:rPr kumimoji="1" lang="en-US" altLang="ja-JP" sz="6000" dirty="0">
                     <a:solidFill>
                       <a:srgbClr val="274060"/>
                     </a:solidFill>
@@ -6722,7 +8875,7 @@
                   <a:t>2</a:t>
                 </a:r>
                 <a:r>
-                  <a:rPr kumimoji="1" lang="en-US" altLang="ja-JP" sz="6000" dirty="0" smtClean="0">
+                  <a:rPr kumimoji="1" lang="en-US" altLang="ja-JP" sz="6000" dirty="0">
                     <a:solidFill>
                       <a:srgbClr val="274060"/>
                     </a:solidFill>
@@ -6902,7 +9055,7 @@
                   <a:t>1</a:t>
                 </a:r>
                 <a:r>
-                  <a:rPr kumimoji="1" lang="en-US" altLang="ja-JP" sz="6000" dirty="0" smtClean="0">
+                  <a:rPr kumimoji="1" lang="en-US" altLang="ja-JP" sz="6000" dirty="0">
                     <a:solidFill>
                       <a:srgbClr val="274060"/>
                     </a:solidFill>
@@ -7007,7 +9160,7 @@
                   <a:t>2</a:t>
                 </a:r>
                 <a:r>
-                  <a:rPr kumimoji="1" lang="en-US" altLang="ja-JP" sz="6000" dirty="0" smtClean="0">
+                  <a:rPr kumimoji="1" lang="en-US" altLang="ja-JP" sz="6000" dirty="0">
                     <a:solidFill>
                       <a:srgbClr val="274060"/>
                     </a:solidFill>
@@ -7112,7 +9265,7 @@
                   <a:t>3</a:t>
                 </a:r>
                 <a:r>
-                  <a:rPr kumimoji="1" lang="en-US" altLang="ja-JP" sz="6000" dirty="0" smtClean="0">
+                  <a:rPr kumimoji="1" lang="en-US" altLang="ja-JP" sz="6000" dirty="0">
                     <a:solidFill>
                       <a:srgbClr val="274060"/>
                     </a:solidFill>
@@ -7217,7 +9370,7 @@
                   <a:t>4</a:t>
                 </a:r>
                 <a:r>
-                  <a:rPr kumimoji="1" lang="en-US" altLang="ja-JP" sz="6000" dirty="0" smtClean="0">
+                  <a:rPr kumimoji="1" lang="en-US" altLang="ja-JP" sz="6000" dirty="0">
                     <a:solidFill>
                       <a:srgbClr val="274060"/>
                     </a:solidFill>
@@ -7313,7 +9466,7 @@
               <a:p>
                 <a:pPr algn="ctr"/>
                 <a:r>
-                  <a:rPr lang="en-US" altLang="ja-JP" sz="6000" dirty="0" smtClean="0">
+                  <a:rPr lang="en-US" altLang="ja-JP" sz="6000" dirty="0">
                     <a:solidFill>
                       <a:srgbClr val="274060"/>
                     </a:solidFill>
@@ -7322,7 +9475,7 @@
                   <a:t>5</a:t>
                 </a:r>
                 <a:r>
-                  <a:rPr kumimoji="1" lang="en-US" altLang="ja-JP" sz="6000" dirty="0" smtClean="0">
+                  <a:rPr kumimoji="1" lang="en-US" altLang="ja-JP" sz="6000" dirty="0">
                     <a:solidFill>
                       <a:srgbClr val="274060"/>
                     </a:solidFill>
@@ -7427,7 +9580,7 @@
                   <a:t>6</a:t>
                 </a:r>
                 <a:r>
-                  <a:rPr kumimoji="1" lang="en-US" altLang="ja-JP" sz="6000" dirty="0" smtClean="0">
+                  <a:rPr kumimoji="1" lang="en-US" altLang="ja-JP" sz="6000" dirty="0">
                     <a:solidFill>
                       <a:srgbClr val="274060"/>
                     </a:solidFill>
@@ -7523,7 +9676,7 @@
               <a:p>
                 <a:pPr algn="ctr"/>
                 <a:r>
-                  <a:rPr lang="en-US" altLang="ja-JP" sz="6000" dirty="0" smtClean="0">
+                  <a:rPr lang="en-US" altLang="ja-JP" sz="6000" dirty="0">
                     <a:solidFill>
                       <a:srgbClr val="274060"/>
                     </a:solidFill>
@@ -7532,7 +9685,7 @@
                   <a:t>7</a:t>
                 </a:r>
                 <a:r>
-                  <a:rPr kumimoji="1" lang="en-US" altLang="ja-JP" sz="6000" dirty="0" smtClean="0">
+                  <a:rPr kumimoji="1" lang="en-US" altLang="ja-JP" sz="6000" dirty="0">
                     <a:solidFill>
                       <a:srgbClr val="274060"/>
                     </a:solidFill>
@@ -7637,7 +9790,7 @@
                   <a:t>8</a:t>
                 </a:r>
                 <a:r>
-                  <a:rPr kumimoji="1" lang="en-US" altLang="ja-JP" sz="6000" dirty="0" smtClean="0">
+                  <a:rPr kumimoji="1" lang="en-US" altLang="ja-JP" sz="6000" dirty="0">
                     <a:solidFill>
                       <a:srgbClr val="274060"/>
                     </a:solidFill>
@@ -7928,7 +10081,7 @@
               <a:p>
                 <a:pPr algn="ctr"/>
                 <a:r>
-                  <a:rPr kumimoji="1" lang="en-US" altLang="ja-JP" sz="6000" dirty="0" smtClean="0">
+                  <a:rPr kumimoji="1" lang="en-US" altLang="ja-JP" sz="6000" dirty="0">
                     <a:solidFill>
                       <a:srgbClr val="274060"/>
                     </a:solidFill>
@@ -8078,7 +10231,7 @@
                   <a:t>2</a:t>
                 </a:r>
                 <a:r>
-                  <a:rPr kumimoji="1" lang="en-US" altLang="ja-JP" sz="6000" dirty="0" smtClean="0">
+                  <a:rPr kumimoji="1" lang="en-US" altLang="ja-JP" sz="6000" dirty="0">
                     <a:solidFill>
                       <a:srgbClr val="274060"/>
                     </a:solidFill>
@@ -8228,7 +10381,7 @@
                   <a:t>3</a:t>
                 </a:r>
                 <a:r>
-                  <a:rPr kumimoji="1" lang="en-US" altLang="ja-JP" sz="6000" dirty="0" smtClean="0">
+                  <a:rPr kumimoji="1" lang="en-US" altLang="ja-JP" sz="6000" dirty="0">
                     <a:solidFill>
                       <a:srgbClr val="274060"/>
                     </a:solidFill>
@@ -8378,7 +10531,7 @@
                   <a:t>4</a:t>
                 </a:r>
                 <a:r>
-                  <a:rPr kumimoji="1" lang="en-US" altLang="ja-JP" sz="6000" dirty="0" smtClean="0">
+                  <a:rPr kumimoji="1" lang="en-US" altLang="ja-JP" sz="6000" dirty="0">
                     <a:solidFill>
                       <a:srgbClr val="274060"/>
                     </a:solidFill>
@@ -8519,7 +10672,7 @@
               <a:p>
                 <a:pPr algn="ctr"/>
                 <a:r>
-                  <a:rPr lang="en-US" altLang="ja-JP" sz="6000" dirty="0" smtClean="0">
+                  <a:rPr lang="en-US" altLang="ja-JP" sz="6000" dirty="0">
                     <a:solidFill>
                       <a:srgbClr val="274060"/>
                     </a:solidFill>
@@ -8528,7 +10681,7 @@
                   <a:t>5</a:t>
                 </a:r>
                 <a:r>
-                  <a:rPr kumimoji="1" lang="en-US" altLang="ja-JP" sz="6000" dirty="0" smtClean="0">
+                  <a:rPr kumimoji="1" lang="en-US" altLang="ja-JP" sz="6000" dirty="0">
                     <a:solidFill>
                       <a:srgbClr val="274060"/>
                     </a:solidFill>
@@ -8669,7 +10822,7 @@
               <a:p>
                 <a:pPr algn="ctr"/>
                 <a:r>
-                  <a:rPr lang="en-US" altLang="ja-JP" sz="6000" dirty="0" smtClean="0">
+                  <a:rPr lang="en-US" altLang="ja-JP" sz="6000" dirty="0">
                     <a:solidFill>
                       <a:srgbClr val="274060"/>
                     </a:solidFill>
@@ -8678,7 +10831,7 @@
                   <a:t>6</a:t>
                 </a:r>
                 <a:r>
-                  <a:rPr kumimoji="1" lang="en-US" altLang="ja-JP" sz="6000" dirty="0" smtClean="0">
+                  <a:rPr kumimoji="1" lang="en-US" altLang="ja-JP" sz="6000" dirty="0">
                     <a:solidFill>
                       <a:srgbClr val="274060"/>
                     </a:solidFill>
@@ -8923,7 +11076,7 @@
               <a:p>
                 <a:pPr algn="ctr"/>
                 <a:r>
-                  <a:rPr kumimoji="1" lang="en-US" altLang="ja-JP" sz="6000" dirty="0" smtClean="0">
+                  <a:rPr kumimoji="1" lang="en-US" altLang="ja-JP" sz="6000" dirty="0">
                     <a:solidFill>
                       <a:srgbClr val="274060"/>
                     </a:solidFill>
@@ -9073,7 +11226,7 @@
                   <a:t>2</a:t>
                 </a:r>
                 <a:r>
-                  <a:rPr kumimoji="1" lang="en-US" altLang="ja-JP" sz="6000" dirty="0" smtClean="0">
+                  <a:rPr kumimoji="1" lang="en-US" altLang="ja-JP" sz="6000" dirty="0">
                     <a:solidFill>
                       <a:srgbClr val="274060"/>
                     </a:solidFill>
@@ -9223,7 +11376,7 @@
                   <a:t>3</a:t>
                 </a:r>
                 <a:r>
-                  <a:rPr kumimoji="1" lang="en-US" altLang="ja-JP" sz="6000" dirty="0" smtClean="0">
+                  <a:rPr kumimoji="1" lang="en-US" altLang="ja-JP" sz="6000" dirty="0">
                     <a:solidFill>
                       <a:srgbClr val="274060"/>
                     </a:solidFill>
@@ -9384,36 +11537,308 @@
           <a:chExt cx="0" cy="0"/>
         </a:xfrm>
       </p:grpSpPr>
-      <p:pic>
-        <p:nvPicPr>
-          <p:cNvPr id="2" name="図 1"/>
-          <p:cNvPicPr>
-            <a:picLocks noChangeAspect="1"/>
-          </p:cNvPicPr>
-          <p:nvPr/>
-        </p:nvPicPr>
-        <p:blipFill>
-          <a:blip r:embed="rId2">
+      <p:grpSp>
+        <p:nvGrpSpPr>
+          <p:cNvPr id="41" name="グループ化 40">
             <a:extLst>
-              <a:ext uri="{28A0092B-C50C-407E-A947-70E740481C1C}">
-                <a14:useLocalDpi xmlns:a14="http://schemas.microsoft.com/office/drawing/2010/main" val="0"/>
+              <a:ext uri="{FF2B5EF4-FFF2-40B4-BE49-F238E27FC236}">
+                <a16:creationId xmlns:a16="http://schemas.microsoft.com/office/drawing/2014/main" id="{EB655825-416E-4C88-AD60-47B7EB4A2220}"/>
               </a:ext>
             </a:extLst>
-          </a:blip>
-          <a:stretch>
-            <a:fillRect/>
-          </a:stretch>
-        </p:blipFill>
-        <p:spPr>
+          </p:cNvPr>
+          <p:cNvGrpSpPr/>
+          <p:nvPr/>
+        </p:nvGrpSpPr>
+        <p:grpSpPr>
           <a:xfrm>
             <a:off x="0" y="110018"/>
             <a:ext cx="12192000" cy="6637963"/>
+            <a:chOff x="0" y="110018"/>
+            <a:chExt cx="12192000" cy="6637963"/>
           </a:xfrm>
-          <a:prstGeom prst="rect">
-            <a:avLst/>
-          </a:prstGeom>
-        </p:spPr>
-      </p:pic>
+        </p:grpSpPr>
+        <p:pic>
+          <p:nvPicPr>
+            <p:cNvPr id="2" name="図 1"/>
+            <p:cNvPicPr>
+              <a:picLocks noChangeAspect="1"/>
+            </p:cNvPicPr>
+            <p:nvPr/>
+          </p:nvPicPr>
+          <p:blipFill>
+            <a:blip r:embed="rId2">
+              <a:extLst>
+                <a:ext uri="{28A0092B-C50C-407E-A947-70E740481C1C}">
+                  <a14:useLocalDpi xmlns:a14="http://schemas.microsoft.com/office/drawing/2010/main" val="0"/>
+                </a:ext>
+              </a:extLst>
+            </a:blip>
+            <a:stretch>
+              <a:fillRect/>
+            </a:stretch>
+          </p:blipFill>
+          <p:spPr>
+            <a:xfrm>
+              <a:off x="0" y="110018"/>
+              <a:ext cx="12192000" cy="6637963"/>
+            </a:xfrm>
+            <a:prstGeom prst="rect">
+              <a:avLst/>
+            </a:prstGeom>
+          </p:spPr>
+        </p:pic>
+        <p:grpSp>
+          <p:nvGrpSpPr>
+            <p:cNvPr id="18" name="グループ化 17">
+              <a:extLst>
+                <a:ext uri="{FF2B5EF4-FFF2-40B4-BE49-F238E27FC236}">
+                  <a16:creationId xmlns:a16="http://schemas.microsoft.com/office/drawing/2014/main" id="{7C4908FB-6148-4B2A-92F9-4239DC92C8E7}"/>
+                </a:ext>
+              </a:extLst>
+            </p:cNvPr>
+            <p:cNvGrpSpPr/>
+            <p:nvPr/>
+          </p:nvGrpSpPr>
+          <p:grpSpPr>
+            <a:xfrm>
+              <a:off x="7278770" y="2308777"/>
+              <a:ext cx="1262742" cy="1379655"/>
+              <a:chOff x="7291470" y="-3228423"/>
+              <a:chExt cx="1262742" cy="1379655"/>
+            </a:xfrm>
+          </p:grpSpPr>
+          <p:grpSp>
+            <p:nvGrpSpPr>
+              <p:cNvPr id="19" name="グループ化 18">
+                <a:extLst>
+                  <a:ext uri="{FF2B5EF4-FFF2-40B4-BE49-F238E27FC236}">
+                    <a16:creationId xmlns:a16="http://schemas.microsoft.com/office/drawing/2014/main" id="{CA5E7353-A1DB-478C-BAA6-6EDBA94AAE39}"/>
+                  </a:ext>
+                </a:extLst>
+              </p:cNvPr>
+              <p:cNvGrpSpPr/>
+              <p:nvPr/>
+            </p:nvGrpSpPr>
+            <p:grpSpPr>
+              <a:xfrm>
+                <a:off x="7291470" y="-3111510"/>
+                <a:ext cx="1262742" cy="1262742"/>
+                <a:chOff x="7291470" y="-3111510"/>
+                <a:chExt cx="1262742" cy="1262742"/>
+              </a:xfrm>
+            </p:grpSpPr>
+            <p:pic>
+              <p:nvPicPr>
+                <p:cNvPr id="21" name="図 20">
+                  <a:extLst>
+                    <a:ext uri="{FF2B5EF4-FFF2-40B4-BE49-F238E27FC236}">
+                      <a16:creationId xmlns:a16="http://schemas.microsoft.com/office/drawing/2014/main" id="{9D497456-53D9-442B-B2E0-90255DC8B634}"/>
+                    </a:ext>
+                  </a:extLst>
+                </p:cNvPr>
+                <p:cNvPicPr>
+                  <a:picLocks noChangeAspect="1"/>
+                </p:cNvPicPr>
+                <p:nvPr/>
+              </p:nvPicPr>
+              <p:blipFill>
+                <a:blip r:embed="rId3">
+                  <a:extLst>
+                    <a:ext uri="{28A0092B-C50C-407E-A947-70E740481C1C}">
+                      <a14:useLocalDpi xmlns:a14="http://schemas.microsoft.com/office/drawing/2010/main" val="0"/>
+                    </a:ext>
+                  </a:extLst>
+                </a:blip>
+                <a:stretch>
+                  <a:fillRect/>
+                </a:stretch>
+              </p:blipFill>
+              <p:spPr>
+                <a:xfrm>
+                  <a:off x="7291470" y="-3111510"/>
+                  <a:ext cx="1262742" cy="1262742"/>
+                </a:xfrm>
+                <a:prstGeom prst="rect">
+                  <a:avLst/>
+                </a:prstGeom>
+              </p:spPr>
+            </p:pic>
+            <p:sp>
+              <p:nvSpPr>
+                <p:cNvPr id="22" name="円/楕円 23">
+                  <a:extLst>
+                    <a:ext uri="{FF2B5EF4-FFF2-40B4-BE49-F238E27FC236}">
+                      <a16:creationId xmlns:a16="http://schemas.microsoft.com/office/drawing/2014/main" id="{21952FBA-BA47-420B-A99A-5FFBE2F87732}"/>
+                    </a:ext>
+                  </a:extLst>
+                </p:cNvPr>
+                <p:cNvSpPr/>
+                <p:nvPr/>
+              </p:nvSpPr>
+              <p:spPr>
+                <a:xfrm>
+                  <a:off x="7596269" y="-3010480"/>
+                  <a:ext cx="653143" cy="653143"/>
+                </a:xfrm>
+                <a:prstGeom prst="ellipse">
+                  <a:avLst/>
+                </a:prstGeom>
+                <a:solidFill>
+                  <a:schemeClr val="bg1"/>
+                </a:solidFill>
+                <a:ln>
+                  <a:noFill/>
+                </a:ln>
+              </p:spPr>
+              <p:style>
+                <a:lnRef idx="2">
+                  <a:schemeClr val="accent1">
+                    <a:shade val="50000"/>
+                  </a:schemeClr>
+                </a:lnRef>
+                <a:fillRef idx="1">
+                  <a:schemeClr val="accent1"/>
+                </a:fillRef>
+                <a:effectRef idx="0">
+                  <a:schemeClr val="accent1"/>
+                </a:effectRef>
+                <a:fontRef idx="minor">
+                  <a:schemeClr val="lt1"/>
+                </a:fontRef>
+              </p:style>
+              <p:txBody>
+                <a:bodyPr rtlCol="0" anchor="ctr"/>
+                <a:lstStyle/>
+                <a:p>
+                  <a:pPr algn="ctr"/>
+                  <a:endParaRPr kumimoji="1" lang="ja-JP" altLang="en-US"/>
+                </a:p>
+              </p:txBody>
+            </p:sp>
+          </p:grpSp>
+          <p:sp>
+            <p:nvSpPr>
+              <p:cNvPr id="20" name="テキスト ボックス 19">
+                <a:extLst>
+                  <a:ext uri="{FF2B5EF4-FFF2-40B4-BE49-F238E27FC236}">
+                    <a16:creationId xmlns:a16="http://schemas.microsoft.com/office/drawing/2014/main" id="{42BA66E6-CC78-4F18-A393-31ECE810EF88}"/>
+                  </a:ext>
+                </a:extLst>
+              </p:cNvPr>
+              <p:cNvSpPr txBox="1"/>
+              <p:nvPr/>
+            </p:nvSpPr>
+            <p:spPr>
+              <a:xfrm>
+                <a:off x="7421986" y="-3228423"/>
+                <a:ext cx="1001485" cy="1015663"/>
+              </a:xfrm>
+              <a:prstGeom prst="rect">
+                <a:avLst/>
+              </a:prstGeom>
+              <a:noFill/>
+            </p:spPr>
+            <p:txBody>
+              <a:bodyPr wrap="square" rtlCol="0">
+                <a:spAutoFit/>
+              </a:bodyPr>
+              <a:lstStyle/>
+              <a:p>
+                <a:pPr algn="ctr"/>
+                <a:r>
+                  <a:rPr lang="en-US" altLang="ja-JP" sz="6000" dirty="0">
+                    <a:solidFill>
+                      <a:srgbClr val="274060"/>
+                    </a:solidFill>
+                    <a:latin typeface="French Script MT" panose="03020402040607040605" pitchFamily="66" charset="0"/>
+                  </a:rPr>
+                  <a:t>1</a:t>
+                </a:r>
+                <a:r>
+                  <a:rPr kumimoji="1" lang="en-US" altLang="ja-JP" sz="6000" dirty="0">
+                    <a:solidFill>
+                      <a:srgbClr val="274060"/>
+                    </a:solidFill>
+                    <a:latin typeface="French Script MT" panose="03020402040607040605" pitchFamily="66" charset="0"/>
+                  </a:rPr>
+                  <a:t> </a:t>
+                </a:r>
+              </a:p>
+            </p:txBody>
+          </p:sp>
+        </p:grpSp>
+        <p:pic>
+          <p:nvPicPr>
+            <p:cNvPr id="34" name="図 33">
+              <a:extLst>
+                <a:ext uri="{FF2B5EF4-FFF2-40B4-BE49-F238E27FC236}">
+                  <a16:creationId xmlns:a16="http://schemas.microsoft.com/office/drawing/2014/main" id="{2F3E451A-8886-4FC8-8FD6-1C028A001DD7}"/>
+                </a:ext>
+              </a:extLst>
+            </p:cNvPr>
+            <p:cNvPicPr>
+              <a:picLocks noChangeAspect="1"/>
+            </p:cNvPicPr>
+            <p:nvPr/>
+          </p:nvPicPr>
+          <p:blipFill rotWithShape="1">
+            <a:blip r:embed="rId4" cstate="print">
+              <a:extLst>
+                <a:ext uri="{28A0092B-C50C-407E-A947-70E740481C1C}">
+                  <a14:useLocalDpi xmlns:a14="http://schemas.microsoft.com/office/drawing/2010/main" val="0"/>
+                </a:ext>
+              </a:extLst>
+            </a:blip>
+            <a:srcRect l="5372" t="22314" r="4546" b="25619"/>
+            <a:stretch/>
+          </p:blipFill>
+          <p:spPr>
+            <a:xfrm>
+              <a:off x="482601" y="304800"/>
+              <a:ext cx="2768600" cy="800100"/>
+            </a:xfrm>
+            <a:prstGeom prst="rect">
+              <a:avLst/>
+            </a:prstGeom>
+          </p:spPr>
+        </p:pic>
+        <p:pic>
+          <p:nvPicPr>
+            <p:cNvPr id="40" name="図 39">
+              <a:extLst>
+                <a:ext uri="{FF2B5EF4-FFF2-40B4-BE49-F238E27FC236}">
+                  <a16:creationId xmlns:a16="http://schemas.microsoft.com/office/drawing/2014/main" id="{BCAE5FE0-B3E4-4617-BABC-A385A63C9DA2}"/>
+                </a:ext>
+              </a:extLst>
+            </p:cNvPr>
+            <p:cNvPicPr>
+              <a:picLocks noChangeAspect="1"/>
+            </p:cNvPicPr>
+            <p:nvPr/>
+          </p:nvPicPr>
+          <p:blipFill>
+            <a:blip r:embed="rId5" cstate="print">
+              <a:extLst>
+                <a:ext uri="{28A0092B-C50C-407E-A947-70E740481C1C}">
+                  <a14:useLocalDpi xmlns:a14="http://schemas.microsoft.com/office/drawing/2010/main" val="0"/>
+                </a:ext>
+              </a:extLst>
+            </a:blip>
+            <a:stretch>
+              <a:fillRect/>
+            </a:stretch>
+          </p:blipFill>
+          <p:spPr>
+            <a:xfrm>
+              <a:off x="7137397" y="173506"/>
+              <a:ext cx="3048006" cy="1524003"/>
+            </a:xfrm>
+            <a:prstGeom prst="rect">
+              <a:avLst/>
+            </a:prstGeom>
+          </p:spPr>
+        </p:pic>
+      </p:grpSp>
     </p:spTree>
     <p:extLst>
       <p:ext uri="{BB962C8B-B14F-4D97-AF65-F5344CB8AC3E}">

--- a/api-server/routes/linebot_mapImg/マップ画像編集用.pptx
+++ b/api-server/routes/linebot_mapImg/マップ画像編集用.pptx
@@ -279,7 +279,7 @@
           <a:p>
             <a:fld id="{2F746B3C-EF8E-4D23-A5C1-E193D2EAACC3}" type="datetimeFigureOut">
               <a:rPr kumimoji="1" lang="ja-JP" altLang="en-US" smtClean="0"/>
-              <a:t>2018/10/10</a:t>
+              <a:t>2018/10/11</a:t>
             </a:fld>
             <a:endParaRPr kumimoji="1" lang="ja-JP" altLang="en-US"/>
           </a:p>
@@ -479,7 +479,7 @@
           <a:p>
             <a:fld id="{2F746B3C-EF8E-4D23-A5C1-E193D2EAACC3}" type="datetimeFigureOut">
               <a:rPr kumimoji="1" lang="ja-JP" altLang="en-US" smtClean="0"/>
-              <a:t>2018/10/10</a:t>
+              <a:t>2018/10/11</a:t>
             </a:fld>
             <a:endParaRPr kumimoji="1" lang="ja-JP" altLang="en-US"/>
           </a:p>
@@ -689,7 +689,7 @@
           <a:p>
             <a:fld id="{2F746B3C-EF8E-4D23-A5C1-E193D2EAACC3}" type="datetimeFigureOut">
               <a:rPr kumimoji="1" lang="ja-JP" altLang="en-US" smtClean="0"/>
-              <a:t>2018/10/10</a:t>
+              <a:t>2018/10/11</a:t>
             </a:fld>
             <a:endParaRPr kumimoji="1" lang="ja-JP" altLang="en-US"/>
           </a:p>
@@ -889,7 +889,7 @@
           <a:p>
             <a:fld id="{2F746B3C-EF8E-4D23-A5C1-E193D2EAACC3}" type="datetimeFigureOut">
               <a:rPr kumimoji="1" lang="ja-JP" altLang="en-US" smtClean="0"/>
-              <a:t>2018/10/10</a:t>
+              <a:t>2018/10/11</a:t>
             </a:fld>
             <a:endParaRPr kumimoji="1" lang="ja-JP" altLang="en-US"/>
           </a:p>
@@ -1134,7 +1134,7 @@
           <a:p>
             <a:fld id="{2F746B3C-EF8E-4D23-A5C1-E193D2EAACC3}" type="datetimeFigureOut">
               <a:rPr kumimoji="1" lang="ja-JP" altLang="en-US" smtClean="0"/>
-              <a:t>2018/10/10</a:t>
+              <a:t>2018/10/11</a:t>
             </a:fld>
             <a:endParaRPr kumimoji="1" lang="ja-JP" altLang="en-US"/>
           </a:p>
@@ -1427,7 +1427,7 @@
           <a:p>
             <a:fld id="{2F746B3C-EF8E-4D23-A5C1-E193D2EAACC3}" type="datetimeFigureOut">
               <a:rPr kumimoji="1" lang="ja-JP" altLang="en-US" smtClean="0"/>
-              <a:t>2018/10/10</a:t>
+              <a:t>2018/10/11</a:t>
             </a:fld>
             <a:endParaRPr kumimoji="1" lang="ja-JP" altLang="en-US"/>
           </a:p>
@@ -1855,7 +1855,7 @@
           <a:p>
             <a:fld id="{2F746B3C-EF8E-4D23-A5C1-E193D2EAACC3}" type="datetimeFigureOut">
               <a:rPr kumimoji="1" lang="ja-JP" altLang="en-US" smtClean="0"/>
-              <a:t>2018/10/10</a:t>
+              <a:t>2018/10/11</a:t>
             </a:fld>
             <a:endParaRPr kumimoji="1" lang="ja-JP" altLang="en-US"/>
           </a:p>
@@ -1972,7 +1972,7 @@
           <a:p>
             <a:fld id="{2F746B3C-EF8E-4D23-A5C1-E193D2EAACC3}" type="datetimeFigureOut">
               <a:rPr kumimoji="1" lang="ja-JP" altLang="en-US" smtClean="0"/>
-              <a:t>2018/10/10</a:t>
+              <a:t>2018/10/11</a:t>
             </a:fld>
             <a:endParaRPr kumimoji="1" lang="ja-JP" altLang="en-US"/>
           </a:p>
@@ -2067,7 +2067,7 @@
           <a:p>
             <a:fld id="{2F746B3C-EF8E-4D23-A5C1-E193D2EAACC3}" type="datetimeFigureOut">
               <a:rPr kumimoji="1" lang="ja-JP" altLang="en-US" smtClean="0"/>
-              <a:t>2018/10/10</a:t>
+              <a:t>2018/10/11</a:t>
             </a:fld>
             <a:endParaRPr kumimoji="1" lang="ja-JP" altLang="en-US"/>
           </a:p>
@@ -2374,7 +2374,7 @@
           <a:p>
             <a:fld id="{2F746B3C-EF8E-4D23-A5C1-E193D2EAACC3}" type="datetimeFigureOut">
               <a:rPr kumimoji="1" lang="ja-JP" altLang="en-US" smtClean="0"/>
-              <a:t>2018/10/10</a:t>
+              <a:t>2018/10/11</a:t>
             </a:fld>
             <a:endParaRPr kumimoji="1" lang="ja-JP" altLang="en-US"/>
           </a:p>
@@ -2626,7 +2626,7 @@
           <a:p>
             <a:fld id="{2F746B3C-EF8E-4D23-A5C1-E193D2EAACC3}" type="datetimeFigureOut">
               <a:rPr kumimoji="1" lang="ja-JP" altLang="en-US" smtClean="0"/>
-              <a:t>2018/10/10</a:t>
+              <a:t>2018/10/11</a:t>
             </a:fld>
             <a:endParaRPr kumimoji="1" lang="ja-JP" altLang="en-US"/>
           </a:p>
@@ -2869,7 +2869,7 @@
           <a:p>
             <a:fld id="{2F746B3C-EF8E-4D23-A5C1-E193D2EAACC3}" type="datetimeFigureOut">
               <a:rPr kumimoji="1" lang="ja-JP" altLang="en-US" smtClean="0"/>
-              <a:t>2018/10/10</a:t>
+              <a:t>2018/10/11</a:t>
             </a:fld>
             <a:endParaRPr kumimoji="1" lang="ja-JP" altLang="en-US"/>
           </a:p>
@@ -5868,7 +5868,7 @@
           <p:cNvPr id="18" name="グループ化 17">
             <a:extLst>
               <a:ext uri="{FF2B5EF4-FFF2-40B4-BE49-F238E27FC236}">
-                <a16:creationId xmlns:a16="http://schemas.microsoft.com/office/drawing/2014/main" xmlns="" id="{7C4908FB-6148-4B2A-92F9-4239DC92C8E7}"/>
+                <a16:creationId xmlns:a16="http://schemas.microsoft.com/office/drawing/2014/main" id="{7C4908FB-6148-4B2A-92F9-4239DC92C8E7}"/>
               </a:ext>
             </a:extLst>
           </p:cNvPr>
@@ -5888,7 +5888,7 @@
             <p:cNvPr id="19" name="グループ化 18">
               <a:extLst>
                 <a:ext uri="{FF2B5EF4-FFF2-40B4-BE49-F238E27FC236}">
-                  <a16:creationId xmlns:a16="http://schemas.microsoft.com/office/drawing/2014/main" xmlns="" id="{CA5E7353-A1DB-478C-BAA6-6EDBA94AAE39}"/>
+                  <a16:creationId xmlns:a16="http://schemas.microsoft.com/office/drawing/2014/main" id="{CA5E7353-A1DB-478C-BAA6-6EDBA94AAE39}"/>
                 </a:ext>
               </a:extLst>
             </p:cNvPr>
@@ -5908,7 +5908,7 @@
               <p:cNvPr id="21" name="図 20">
                 <a:extLst>
                   <a:ext uri="{FF2B5EF4-FFF2-40B4-BE49-F238E27FC236}">
-                    <a16:creationId xmlns:a16="http://schemas.microsoft.com/office/drawing/2014/main" xmlns="" id="{9D497456-53D9-442B-B2E0-90255DC8B634}"/>
+                    <a16:creationId xmlns:a16="http://schemas.microsoft.com/office/drawing/2014/main" id="{9D497456-53D9-442B-B2E0-90255DC8B634}"/>
                   </a:ext>
                 </a:extLst>
               </p:cNvPr>
@@ -5944,7 +5944,7 @@
               <p:cNvPr id="22" name="円/楕円 23">
                 <a:extLst>
                   <a:ext uri="{FF2B5EF4-FFF2-40B4-BE49-F238E27FC236}">
-                    <a16:creationId xmlns:a16="http://schemas.microsoft.com/office/drawing/2014/main" xmlns="" id="{21952FBA-BA47-420B-A99A-5FFBE2F87732}"/>
+                    <a16:creationId xmlns:a16="http://schemas.microsoft.com/office/drawing/2014/main" id="{21952FBA-BA47-420B-A99A-5FFBE2F87732}"/>
                   </a:ext>
                 </a:extLst>
               </p:cNvPr>
@@ -5997,7 +5997,7 @@
             <p:cNvPr id="20" name="テキスト ボックス 19">
               <a:extLst>
                 <a:ext uri="{FF2B5EF4-FFF2-40B4-BE49-F238E27FC236}">
-                  <a16:creationId xmlns:a16="http://schemas.microsoft.com/office/drawing/2014/main" xmlns="" id="{42BA66E6-CC78-4F18-A393-31ECE810EF88}"/>
+                  <a16:creationId xmlns:a16="http://schemas.microsoft.com/office/drawing/2014/main" id="{42BA66E6-CC78-4F18-A393-31ECE810EF88}"/>
                 </a:ext>
               </a:extLst>
             </p:cNvPr>
@@ -6048,7 +6048,7 @@
           <p:cNvPr id="40" name="図 39">
             <a:extLst>
               <a:ext uri="{FF2B5EF4-FFF2-40B4-BE49-F238E27FC236}">
-                <a16:creationId xmlns:a16="http://schemas.microsoft.com/office/drawing/2014/main" xmlns="" id="{BCAE5FE0-B3E4-4617-BABC-A385A63C9DA2}"/>
+                <a16:creationId xmlns:a16="http://schemas.microsoft.com/office/drawing/2014/main" id="{BCAE5FE0-B3E4-4617-BABC-A385A63C9DA2}"/>
               </a:ext>
             </a:extLst>
           </p:cNvPr>
@@ -6144,7 +6144,7 @@
           <p:cNvPr id="26" name="グループ化 25">
             <a:extLst>
               <a:ext uri="{FF2B5EF4-FFF2-40B4-BE49-F238E27FC236}">
-                <a16:creationId xmlns:a16="http://schemas.microsoft.com/office/drawing/2014/main" xmlns="" id="{A54F8BA0-FA57-4038-A0F1-F16AA9E3051B}"/>
+                <a16:creationId xmlns:a16="http://schemas.microsoft.com/office/drawing/2014/main" id="{A54F8BA0-FA57-4038-A0F1-F16AA9E3051B}"/>
               </a:ext>
             </a:extLst>
           </p:cNvPr>
@@ -6194,7 +6194,7 @@
             <p:cNvPr id="13" name="グループ化 12">
               <a:extLst>
                 <a:ext uri="{FF2B5EF4-FFF2-40B4-BE49-F238E27FC236}">
-                  <a16:creationId xmlns:a16="http://schemas.microsoft.com/office/drawing/2014/main" xmlns="" id="{77F290C3-A82A-42AA-ADF9-38E447650312}"/>
+                  <a16:creationId xmlns:a16="http://schemas.microsoft.com/office/drawing/2014/main" id="{77F290C3-A82A-42AA-ADF9-38E447650312}"/>
                 </a:ext>
               </a:extLst>
             </p:cNvPr>
@@ -6214,7 +6214,7 @@
               <p:cNvPr id="14" name="グループ化 13">
                 <a:extLst>
                   <a:ext uri="{FF2B5EF4-FFF2-40B4-BE49-F238E27FC236}">
-                    <a16:creationId xmlns:a16="http://schemas.microsoft.com/office/drawing/2014/main" xmlns="" id="{0F4C1AEA-5344-4330-AD34-377F9D38D2AE}"/>
+                    <a16:creationId xmlns:a16="http://schemas.microsoft.com/office/drawing/2014/main" id="{0F4C1AEA-5344-4330-AD34-377F9D38D2AE}"/>
                   </a:ext>
                 </a:extLst>
               </p:cNvPr>
@@ -6234,7 +6234,7 @@
                 <p:cNvPr id="16" name="図 15">
                   <a:extLst>
                     <a:ext uri="{FF2B5EF4-FFF2-40B4-BE49-F238E27FC236}">
-                      <a16:creationId xmlns:a16="http://schemas.microsoft.com/office/drawing/2014/main" xmlns="" id="{14DC7602-1F30-49BD-B42E-917D6AD9F3A5}"/>
+                      <a16:creationId xmlns:a16="http://schemas.microsoft.com/office/drawing/2014/main" id="{14DC7602-1F30-49BD-B42E-917D6AD9F3A5}"/>
                     </a:ext>
                   </a:extLst>
                 </p:cNvPr>
@@ -6270,7 +6270,7 @@
                 <p:cNvPr id="17" name="円/楕円 23">
                   <a:extLst>
                     <a:ext uri="{FF2B5EF4-FFF2-40B4-BE49-F238E27FC236}">
-                      <a16:creationId xmlns:a16="http://schemas.microsoft.com/office/drawing/2014/main" xmlns="" id="{588A43FE-781E-4B26-B489-A382286A1AF7}"/>
+                      <a16:creationId xmlns:a16="http://schemas.microsoft.com/office/drawing/2014/main" id="{588A43FE-781E-4B26-B489-A382286A1AF7}"/>
                     </a:ext>
                   </a:extLst>
                 </p:cNvPr>
@@ -6323,7 +6323,7 @@
               <p:cNvPr id="15" name="テキスト ボックス 14">
                 <a:extLst>
                   <a:ext uri="{FF2B5EF4-FFF2-40B4-BE49-F238E27FC236}">
-                    <a16:creationId xmlns:a16="http://schemas.microsoft.com/office/drawing/2014/main" xmlns="" id="{8447A75E-79D5-4852-8A72-A4793C6CB9E8}"/>
+                    <a16:creationId xmlns:a16="http://schemas.microsoft.com/office/drawing/2014/main" id="{8447A75E-79D5-4852-8A72-A4793C6CB9E8}"/>
                   </a:ext>
                 </a:extLst>
               </p:cNvPr>
@@ -6365,7 +6365,7 @@
             <p:cNvPr id="18" name="グループ化 17">
               <a:extLst>
                 <a:ext uri="{FF2B5EF4-FFF2-40B4-BE49-F238E27FC236}">
-                  <a16:creationId xmlns:a16="http://schemas.microsoft.com/office/drawing/2014/main" xmlns="" id="{0DEE45DC-AA27-43C8-8B35-07F3C8622B06}"/>
+                  <a16:creationId xmlns:a16="http://schemas.microsoft.com/office/drawing/2014/main" id="{0DEE45DC-AA27-43C8-8B35-07F3C8622B06}"/>
                 </a:ext>
               </a:extLst>
             </p:cNvPr>
@@ -6385,7 +6385,7 @@
               <p:cNvPr id="19" name="グループ化 18">
                 <a:extLst>
                   <a:ext uri="{FF2B5EF4-FFF2-40B4-BE49-F238E27FC236}">
-                    <a16:creationId xmlns:a16="http://schemas.microsoft.com/office/drawing/2014/main" xmlns="" id="{34B24A48-B610-430E-BBC3-93202AC3B578}"/>
+                    <a16:creationId xmlns:a16="http://schemas.microsoft.com/office/drawing/2014/main" id="{34B24A48-B610-430E-BBC3-93202AC3B578}"/>
                   </a:ext>
                 </a:extLst>
               </p:cNvPr>
@@ -6405,7 +6405,7 @@
                 <p:cNvPr id="21" name="図 20">
                   <a:extLst>
                     <a:ext uri="{FF2B5EF4-FFF2-40B4-BE49-F238E27FC236}">
-                      <a16:creationId xmlns:a16="http://schemas.microsoft.com/office/drawing/2014/main" xmlns="" id="{30B7D489-B106-4796-95A1-050465062E80}"/>
+                      <a16:creationId xmlns:a16="http://schemas.microsoft.com/office/drawing/2014/main" id="{30B7D489-B106-4796-95A1-050465062E80}"/>
                     </a:ext>
                   </a:extLst>
                 </p:cNvPr>
@@ -6441,7 +6441,7 @@
                 <p:cNvPr id="22" name="円/楕円 23">
                   <a:extLst>
                     <a:ext uri="{FF2B5EF4-FFF2-40B4-BE49-F238E27FC236}">
-                      <a16:creationId xmlns:a16="http://schemas.microsoft.com/office/drawing/2014/main" xmlns="" id="{FB7DCE74-7544-4695-BDCF-4B26516417B8}"/>
+                      <a16:creationId xmlns:a16="http://schemas.microsoft.com/office/drawing/2014/main" id="{FB7DCE74-7544-4695-BDCF-4B26516417B8}"/>
                     </a:ext>
                   </a:extLst>
                 </p:cNvPr>
@@ -6494,7 +6494,7 @@
               <p:cNvPr id="20" name="テキスト ボックス 19">
                 <a:extLst>
                   <a:ext uri="{FF2B5EF4-FFF2-40B4-BE49-F238E27FC236}">
-                    <a16:creationId xmlns:a16="http://schemas.microsoft.com/office/drawing/2014/main" xmlns="" id="{3D4FC63B-F1B8-4C1F-B76D-E2A4F8C83905}"/>
+                    <a16:creationId xmlns:a16="http://schemas.microsoft.com/office/drawing/2014/main" id="{3D4FC63B-F1B8-4C1F-B76D-E2A4F8C83905}"/>
                   </a:ext>
                 </a:extLst>
               </p:cNvPr>
@@ -6536,7 +6536,7 @@
             <p:cNvPr id="24" name="図 23">
               <a:extLst>
                 <a:ext uri="{FF2B5EF4-FFF2-40B4-BE49-F238E27FC236}">
-                  <a16:creationId xmlns:a16="http://schemas.microsoft.com/office/drawing/2014/main" xmlns="" id="{5BBCFC1A-F46D-424F-9CBA-813F08482BBE}"/>
+                  <a16:creationId xmlns:a16="http://schemas.microsoft.com/office/drawing/2014/main" id="{5BBCFC1A-F46D-424F-9CBA-813F08482BBE}"/>
                 </a:ext>
               </a:extLst>
             </p:cNvPr>
@@ -6572,7 +6572,7 @@
             <p:cNvPr id="25" name="図 24">
               <a:extLst>
                 <a:ext uri="{FF2B5EF4-FFF2-40B4-BE49-F238E27FC236}">
-                  <a16:creationId xmlns:a16="http://schemas.microsoft.com/office/drawing/2014/main" xmlns="" id="{A381C055-6B97-4327-A8A8-B97F6DF4CDF2}"/>
+                  <a16:creationId xmlns:a16="http://schemas.microsoft.com/office/drawing/2014/main" id="{A381C055-6B97-4327-A8A8-B97F6DF4CDF2}"/>
                 </a:ext>
               </a:extLst>
             </p:cNvPr>
@@ -6669,7 +6669,7 @@
           <p:cNvPr id="31" name="グループ化 30">
             <a:extLst>
               <a:ext uri="{FF2B5EF4-FFF2-40B4-BE49-F238E27FC236}">
-                <a16:creationId xmlns:a16="http://schemas.microsoft.com/office/drawing/2014/main" xmlns="" id="{C213BE62-984D-4367-9C10-F331D36B3396}"/>
+                <a16:creationId xmlns:a16="http://schemas.microsoft.com/office/drawing/2014/main" id="{C213BE62-984D-4367-9C10-F331D36B3396}"/>
               </a:ext>
             </a:extLst>
           </p:cNvPr>
@@ -6719,7 +6719,7 @@
             <p:cNvPr id="3" name="グループ化 2">
               <a:extLst>
                 <a:ext uri="{FF2B5EF4-FFF2-40B4-BE49-F238E27FC236}">
-                  <a16:creationId xmlns:a16="http://schemas.microsoft.com/office/drawing/2014/main" xmlns="" id="{890F5878-306F-4668-94BE-BA1CEA0BA95B}"/>
+                  <a16:creationId xmlns:a16="http://schemas.microsoft.com/office/drawing/2014/main" id="{890F5878-306F-4668-94BE-BA1CEA0BA95B}"/>
                 </a:ext>
               </a:extLst>
             </p:cNvPr>
@@ -6739,7 +6739,7 @@
               <p:cNvPr id="4" name="グループ化 3">
                 <a:extLst>
                   <a:ext uri="{FF2B5EF4-FFF2-40B4-BE49-F238E27FC236}">
-                    <a16:creationId xmlns:a16="http://schemas.microsoft.com/office/drawing/2014/main" xmlns="" id="{A5DCA946-4744-473A-AA8A-474B569B8BF4}"/>
+                    <a16:creationId xmlns:a16="http://schemas.microsoft.com/office/drawing/2014/main" id="{A5DCA946-4744-473A-AA8A-474B569B8BF4}"/>
                   </a:ext>
                 </a:extLst>
               </p:cNvPr>
@@ -6759,7 +6759,7 @@
                 <p:cNvPr id="6" name="図 5">
                   <a:extLst>
                     <a:ext uri="{FF2B5EF4-FFF2-40B4-BE49-F238E27FC236}">
-                      <a16:creationId xmlns:a16="http://schemas.microsoft.com/office/drawing/2014/main" xmlns="" id="{8DAEF59E-9E3A-439E-8477-98E8F90C1322}"/>
+                      <a16:creationId xmlns:a16="http://schemas.microsoft.com/office/drawing/2014/main" id="{8DAEF59E-9E3A-439E-8477-98E8F90C1322}"/>
                     </a:ext>
                   </a:extLst>
                 </p:cNvPr>
@@ -6795,7 +6795,7 @@
                 <p:cNvPr id="7" name="円/楕円 23">
                   <a:extLst>
                     <a:ext uri="{FF2B5EF4-FFF2-40B4-BE49-F238E27FC236}">
-                      <a16:creationId xmlns:a16="http://schemas.microsoft.com/office/drawing/2014/main" xmlns="" id="{0B09405D-BAA8-42EB-972F-BFCB052CD22D}"/>
+                      <a16:creationId xmlns:a16="http://schemas.microsoft.com/office/drawing/2014/main" id="{0B09405D-BAA8-42EB-972F-BFCB052CD22D}"/>
                     </a:ext>
                   </a:extLst>
                 </p:cNvPr>
@@ -6848,7 +6848,7 @@
               <p:cNvPr id="5" name="テキスト ボックス 4">
                 <a:extLst>
                   <a:ext uri="{FF2B5EF4-FFF2-40B4-BE49-F238E27FC236}">
-                    <a16:creationId xmlns:a16="http://schemas.microsoft.com/office/drawing/2014/main" xmlns="" id="{2FDA7762-FD45-4A31-A89C-CFC61DEBFB72}"/>
+                    <a16:creationId xmlns:a16="http://schemas.microsoft.com/office/drawing/2014/main" id="{2FDA7762-FD45-4A31-A89C-CFC61DEBFB72}"/>
                   </a:ext>
                 </a:extLst>
               </p:cNvPr>
@@ -6899,7 +6899,7 @@
             <p:cNvPr id="8" name="グループ化 7">
               <a:extLst>
                 <a:ext uri="{FF2B5EF4-FFF2-40B4-BE49-F238E27FC236}">
-                  <a16:creationId xmlns:a16="http://schemas.microsoft.com/office/drawing/2014/main" xmlns="" id="{26F1E988-A00A-42D5-90FC-C0A7EAD873FC}"/>
+                  <a16:creationId xmlns:a16="http://schemas.microsoft.com/office/drawing/2014/main" id="{26F1E988-A00A-42D5-90FC-C0A7EAD873FC}"/>
                 </a:ext>
               </a:extLst>
             </p:cNvPr>
@@ -6919,7 +6919,7 @@
               <p:cNvPr id="9" name="グループ化 8">
                 <a:extLst>
                   <a:ext uri="{FF2B5EF4-FFF2-40B4-BE49-F238E27FC236}">
-                    <a16:creationId xmlns:a16="http://schemas.microsoft.com/office/drawing/2014/main" xmlns="" id="{8507BE19-D83F-4759-B801-FF258348B22C}"/>
+                    <a16:creationId xmlns:a16="http://schemas.microsoft.com/office/drawing/2014/main" id="{8507BE19-D83F-4759-B801-FF258348B22C}"/>
                   </a:ext>
                 </a:extLst>
               </p:cNvPr>
@@ -6939,7 +6939,7 @@
                 <p:cNvPr id="11" name="図 10">
                   <a:extLst>
                     <a:ext uri="{FF2B5EF4-FFF2-40B4-BE49-F238E27FC236}">
-                      <a16:creationId xmlns:a16="http://schemas.microsoft.com/office/drawing/2014/main" xmlns="" id="{406795B7-0A3D-4F5B-9992-410021224F6E}"/>
+                      <a16:creationId xmlns:a16="http://schemas.microsoft.com/office/drawing/2014/main" id="{406795B7-0A3D-4F5B-9992-410021224F6E}"/>
                     </a:ext>
                   </a:extLst>
                 </p:cNvPr>
@@ -6975,7 +6975,7 @@
                 <p:cNvPr id="12" name="円/楕円 23">
                   <a:extLst>
                     <a:ext uri="{FF2B5EF4-FFF2-40B4-BE49-F238E27FC236}">
-                      <a16:creationId xmlns:a16="http://schemas.microsoft.com/office/drawing/2014/main" xmlns="" id="{E46635BC-5C4B-4DD9-8A95-56C0ED503F9A}"/>
+                      <a16:creationId xmlns:a16="http://schemas.microsoft.com/office/drawing/2014/main" id="{E46635BC-5C4B-4DD9-8A95-56C0ED503F9A}"/>
                     </a:ext>
                   </a:extLst>
                 </p:cNvPr>
@@ -7028,7 +7028,7 @@
               <p:cNvPr id="10" name="テキスト ボックス 9">
                 <a:extLst>
                   <a:ext uri="{FF2B5EF4-FFF2-40B4-BE49-F238E27FC236}">
-                    <a16:creationId xmlns:a16="http://schemas.microsoft.com/office/drawing/2014/main" xmlns="" id="{ACFB7262-669A-4627-9562-DCDF75182E84}"/>
+                    <a16:creationId xmlns:a16="http://schemas.microsoft.com/office/drawing/2014/main" id="{ACFB7262-669A-4627-9562-DCDF75182E84}"/>
                   </a:ext>
                 </a:extLst>
               </p:cNvPr>
@@ -7070,7 +7070,7 @@
             <p:cNvPr id="13" name="グループ化 12">
               <a:extLst>
                 <a:ext uri="{FF2B5EF4-FFF2-40B4-BE49-F238E27FC236}">
-                  <a16:creationId xmlns:a16="http://schemas.microsoft.com/office/drawing/2014/main" xmlns="" id="{4C0A18CA-2017-4C47-AE8E-676DA5286749}"/>
+                  <a16:creationId xmlns:a16="http://schemas.microsoft.com/office/drawing/2014/main" id="{4C0A18CA-2017-4C47-AE8E-676DA5286749}"/>
                 </a:ext>
               </a:extLst>
             </p:cNvPr>
@@ -7090,7 +7090,7 @@
               <p:cNvPr id="14" name="グループ化 13">
                 <a:extLst>
                   <a:ext uri="{FF2B5EF4-FFF2-40B4-BE49-F238E27FC236}">
-                    <a16:creationId xmlns:a16="http://schemas.microsoft.com/office/drawing/2014/main" xmlns="" id="{E433ADC6-14FD-4AC8-B04B-792948355A61}"/>
+                    <a16:creationId xmlns:a16="http://schemas.microsoft.com/office/drawing/2014/main" id="{E433ADC6-14FD-4AC8-B04B-792948355A61}"/>
                   </a:ext>
                 </a:extLst>
               </p:cNvPr>
@@ -7110,7 +7110,7 @@
                 <p:cNvPr id="16" name="図 15">
                   <a:extLst>
                     <a:ext uri="{FF2B5EF4-FFF2-40B4-BE49-F238E27FC236}">
-                      <a16:creationId xmlns:a16="http://schemas.microsoft.com/office/drawing/2014/main" xmlns="" id="{C8B79793-2363-40AD-A427-B8EA6E31DA2E}"/>
+                      <a16:creationId xmlns:a16="http://schemas.microsoft.com/office/drawing/2014/main" id="{C8B79793-2363-40AD-A427-B8EA6E31DA2E}"/>
                     </a:ext>
                   </a:extLst>
                 </p:cNvPr>
@@ -7146,7 +7146,7 @@
                 <p:cNvPr id="17" name="円/楕円 23">
                   <a:extLst>
                     <a:ext uri="{FF2B5EF4-FFF2-40B4-BE49-F238E27FC236}">
-                      <a16:creationId xmlns:a16="http://schemas.microsoft.com/office/drawing/2014/main" xmlns="" id="{E7E4D7AE-FA21-4ABB-BA9A-8EE8E1FB4C2E}"/>
+                      <a16:creationId xmlns:a16="http://schemas.microsoft.com/office/drawing/2014/main" id="{E7E4D7AE-FA21-4ABB-BA9A-8EE8E1FB4C2E}"/>
                     </a:ext>
                   </a:extLst>
                 </p:cNvPr>
@@ -7199,7 +7199,7 @@
               <p:cNvPr id="15" name="テキスト ボックス 14">
                 <a:extLst>
                   <a:ext uri="{FF2B5EF4-FFF2-40B4-BE49-F238E27FC236}">
-                    <a16:creationId xmlns:a16="http://schemas.microsoft.com/office/drawing/2014/main" xmlns="" id="{99DFA851-30C1-4770-864A-5167A36C4C32}"/>
+                    <a16:creationId xmlns:a16="http://schemas.microsoft.com/office/drawing/2014/main" id="{99DFA851-30C1-4770-864A-5167A36C4C32}"/>
                   </a:ext>
                 </a:extLst>
               </p:cNvPr>
@@ -7241,7 +7241,7 @@
             <p:cNvPr id="18" name="グループ化 17">
               <a:extLst>
                 <a:ext uri="{FF2B5EF4-FFF2-40B4-BE49-F238E27FC236}">
-                  <a16:creationId xmlns:a16="http://schemas.microsoft.com/office/drawing/2014/main" xmlns="" id="{5DCB1F6C-EDAB-4793-8BFE-EE7533886162}"/>
+                  <a16:creationId xmlns:a16="http://schemas.microsoft.com/office/drawing/2014/main" id="{5DCB1F6C-EDAB-4793-8BFE-EE7533886162}"/>
                 </a:ext>
               </a:extLst>
             </p:cNvPr>
@@ -7261,7 +7261,7 @@
               <p:cNvPr id="19" name="グループ化 18">
                 <a:extLst>
                   <a:ext uri="{FF2B5EF4-FFF2-40B4-BE49-F238E27FC236}">
-                    <a16:creationId xmlns:a16="http://schemas.microsoft.com/office/drawing/2014/main" xmlns="" id="{67102705-B0CA-43AC-BF99-9E5D648E13EC}"/>
+                    <a16:creationId xmlns:a16="http://schemas.microsoft.com/office/drawing/2014/main" id="{67102705-B0CA-43AC-BF99-9E5D648E13EC}"/>
                   </a:ext>
                 </a:extLst>
               </p:cNvPr>
@@ -7281,7 +7281,7 @@
                 <p:cNvPr id="21" name="図 20">
                   <a:extLst>
                     <a:ext uri="{FF2B5EF4-FFF2-40B4-BE49-F238E27FC236}">
-                      <a16:creationId xmlns:a16="http://schemas.microsoft.com/office/drawing/2014/main" xmlns="" id="{8AF87902-CAE5-45E0-A034-006263E9B9D0}"/>
+                      <a16:creationId xmlns:a16="http://schemas.microsoft.com/office/drawing/2014/main" id="{8AF87902-CAE5-45E0-A034-006263E9B9D0}"/>
                     </a:ext>
                   </a:extLst>
                 </p:cNvPr>
@@ -7317,7 +7317,7 @@
                 <p:cNvPr id="22" name="円/楕円 23">
                   <a:extLst>
                     <a:ext uri="{FF2B5EF4-FFF2-40B4-BE49-F238E27FC236}">
-                      <a16:creationId xmlns:a16="http://schemas.microsoft.com/office/drawing/2014/main" xmlns="" id="{51FB1462-48CE-4150-9DFA-52F62560A167}"/>
+                      <a16:creationId xmlns:a16="http://schemas.microsoft.com/office/drawing/2014/main" id="{51FB1462-48CE-4150-9DFA-52F62560A167}"/>
                     </a:ext>
                   </a:extLst>
                 </p:cNvPr>
@@ -7370,7 +7370,7 @@
               <p:cNvPr id="20" name="テキスト ボックス 19">
                 <a:extLst>
                   <a:ext uri="{FF2B5EF4-FFF2-40B4-BE49-F238E27FC236}">
-                    <a16:creationId xmlns:a16="http://schemas.microsoft.com/office/drawing/2014/main" xmlns="" id="{9E5650D4-5037-4A37-9995-DA1EB599C2CA}"/>
+                    <a16:creationId xmlns:a16="http://schemas.microsoft.com/office/drawing/2014/main" id="{9E5650D4-5037-4A37-9995-DA1EB599C2CA}"/>
                   </a:ext>
                 </a:extLst>
               </p:cNvPr>
@@ -7412,7 +7412,7 @@
             <p:cNvPr id="23" name="グループ化 22">
               <a:extLst>
                 <a:ext uri="{FF2B5EF4-FFF2-40B4-BE49-F238E27FC236}">
-                  <a16:creationId xmlns:a16="http://schemas.microsoft.com/office/drawing/2014/main" xmlns="" id="{F6961F8D-1E21-4363-B306-9AC0F33914E0}"/>
+                  <a16:creationId xmlns:a16="http://schemas.microsoft.com/office/drawing/2014/main" id="{F6961F8D-1E21-4363-B306-9AC0F33914E0}"/>
                 </a:ext>
               </a:extLst>
             </p:cNvPr>
@@ -7432,7 +7432,7 @@
               <p:cNvPr id="24" name="グループ化 23">
                 <a:extLst>
                   <a:ext uri="{FF2B5EF4-FFF2-40B4-BE49-F238E27FC236}">
-                    <a16:creationId xmlns:a16="http://schemas.microsoft.com/office/drawing/2014/main" xmlns="" id="{C2CCDD5B-B8B3-4D87-AFC9-ED4AB7B1C389}"/>
+                    <a16:creationId xmlns:a16="http://schemas.microsoft.com/office/drawing/2014/main" id="{C2CCDD5B-B8B3-4D87-AFC9-ED4AB7B1C389}"/>
                   </a:ext>
                 </a:extLst>
               </p:cNvPr>
@@ -7452,7 +7452,7 @@
                 <p:cNvPr id="26" name="図 25">
                   <a:extLst>
                     <a:ext uri="{FF2B5EF4-FFF2-40B4-BE49-F238E27FC236}">
-                      <a16:creationId xmlns:a16="http://schemas.microsoft.com/office/drawing/2014/main" xmlns="" id="{38C02253-D33A-4ED4-A99C-76822C533FE4}"/>
+                      <a16:creationId xmlns:a16="http://schemas.microsoft.com/office/drawing/2014/main" id="{38C02253-D33A-4ED4-A99C-76822C533FE4}"/>
                     </a:ext>
                   </a:extLst>
                 </p:cNvPr>
@@ -7488,7 +7488,7 @@
                 <p:cNvPr id="27" name="円/楕円 23">
                   <a:extLst>
                     <a:ext uri="{FF2B5EF4-FFF2-40B4-BE49-F238E27FC236}">
-                      <a16:creationId xmlns:a16="http://schemas.microsoft.com/office/drawing/2014/main" xmlns="" id="{8C6E84E3-6E6A-47DB-A1AF-69AE16B7AB64}"/>
+                      <a16:creationId xmlns:a16="http://schemas.microsoft.com/office/drawing/2014/main" id="{8C6E84E3-6E6A-47DB-A1AF-69AE16B7AB64}"/>
                     </a:ext>
                   </a:extLst>
                 </p:cNvPr>
@@ -7541,7 +7541,7 @@
               <p:cNvPr id="25" name="テキスト ボックス 24">
                 <a:extLst>
                   <a:ext uri="{FF2B5EF4-FFF2-40B4-BE49-F238E27FC236}">
-                    <a16:creationId xmlns:a16="http://schemas.microsoft.com/office/drawing/2014/main" xmlns="" id="{096EA11D-E9AF-4F38-BC77-D45AB12E17AB}"/>
+                    <a16:creationId xmlns:a16="http://schemas.microsoft.com/office/drawing/2014/main" id="{096EA11D-E9AF-4F38-BC77-D45AB12E17AB}"/>
                   </a:ext>
                 </a:extLst>
               </p:cNvPr>
@@ -7583,7 +7583,7 @@
             <p:cNvPr id="29" name="図 28">
               <a:extLst>
                 <a:ext uri="{FF2B5EF4-FFF2-40B4-BE49-F238E27FC236}">
-                  <a16:creationId xmlns:a16="http://schemas.microsoft.com/office/drawing/2014/main" xmlns="" id="{DA73D3CB-DB4F-4EA2-82D2-022D62FBB5F9}"/>
+                  <a16:creationId xmlns:a16="http://schemas.microsoft.com/office/drawing/2014/main" id="{DA73D3CB-DB4F-4EA2-82D2-022D62FBB5F9}"/>
                 </a:ext>
               </a:extLst>
             </p:cNvPr>
@@ -7619,7 +7619,7 @@
             <p:cNvPr id="30" name="図 29">
               <a:extLst>
                 <a:ext uri="{FF2B5EF4-FFF2-40B4-BE49-F238E27FC236}">
-                  <a16:creationId xmlns:a16="http://schemas.microsoft.com/office/drawing/2014/main" xmlns="" id="{F89C06FF-496E-4C4A-AB60-699876CD8D60}"/>
+                  <a16:creationId xmlns:a16="http://schemas.microsoft.com/office/drawing/2014/main" id="{F89C06FF-496E-4C4A-AB60-699876CD8D60}"/>
                 </a:ext>
               </a:extLst>
             </p:cNvPr>
@@ -7716,7 +7716,7 @@
           <p:cNvPr id="26" name="グループ化 25">
             <a:extLst>
               <a:ext uri="{FF2B5EF4-FFF2-40B4-BE49-F238E27FC236}">
-                <a16:creationId xmlns:a16="http://schemas.microsoft.com/office/drawing/2014/main" xmlns="" id="{62EA709E-1ECF-4D83-8681-3DA4B824EC78}"/>
+                <a16:creationId xmlns:a16="http://schemas.microsoft.com/office/drawing/2014/main" id="{62EA709E-1ECF-4D83-8681-3DA4B824EC78}"/>
               </a:ext>
             </a:extLst>
           </p:cNvPr>
@@ -7766,7 +7766,7 @@
             <p:cNvPr id="24" name="図 23">
               <a:extLst>
                 <a:ext uri="{FF2B5EF4-FFF2-40B4-BE49-F238E27FC236}">
-                  <a16:creationId xmlns:a16="http://schemas.microsoft.com/office/drawing/2014/main" xmlns="" id="{C5C781A1-AA35-45B9-B209-A3C80A1D6B9F}"/>
+                  <a16:creationId xmlns:a16="http://schemas.microsoft.com/office/drawing/2014/main" id="{C5C781A1-AA35-45B9-B209-A3C80A1D6B9F}"/>
                 </a:ext>
               </a:extLst>
             </p:cNvPr>
@@ -7863,7 +7863,7 @@
           <p:cNvPr id="6" name="グループ化 5">
             <a:extLst>
               <a:ext uri="{FF2B5EF4-FFF2-40B4-BE49-F238E27FC236}">
-                <a16:creationId xmlns:a16="http://schemas.microsoft.com/office/drawing/2014/main" xmlns="" id="{38A89C8E-638B-418F-98FE-4D38C01B5D63}"/>
+                <a16:creationId xmlns:a16="http://schemas.microsoft.com/office/drawing/2014/main" id="{38A89C8E-638B-418F-98FE-4D38C01B5D63}"/>
               </a:ext>
             </a:extLst>
           </p:cNvPr>
@@ -7913,7 +7913,7 @@
             <p:cNvPr id="4" name="図 3">
               <a:extLst>
                 <a:ext uri="{FF2B5EF4-FFF2-40B4-BE49-F238E27FC236}">
-                  <a16:creationId xmlns:a16="http://schemas.microsoft.com/office/drawing/2014/main" xmlns="" id="{EA3351E6-B465-4A72-9D1F-641186584762}"/>
+                  <a16:creationId xmlns:a16="http://schemas.microsoft.com/office/drawing/2014/main" id="{EA3351E6-B465-4A72-9D1F-641186584762}"/>
                 </a:ext>
               </a:extLst>
             </p:cNvPr>
@@ -7949,7 +7949,7 @@
             <p:cNvPr id="5" name="図 4">
               <a:extLst>
                 <a:ext uri="{FF2B5EF4-FFF2-40B4-BE49-F238E27FC236}">
-                  <a16:creationId xmlns:a16="http://schemas.microsoft.com/office/drawing/2014/main" xmlns="" id="{48AF67B7-FD01-4644-A3D2-DEE7A46FD752}"/>
+                  <a16:creationId xmlns:a16="http://schemas.microsoft.com/office/drawing/2014/main" id="{48AF67B7-FD01-4644-A3D2-DEE7A46FD752}"/>
                 </a:ext>
               </a:extLst>
             </p:cNvPr>
@@ -8011,6 +8011,324 @@
           </a:prstGeom>
         </p:spPr>
       </p:pic>
+      <p:grpSp>
+        <p:nvGrpSpPr>
+          <p:cNvPr id="3" name="グループ化 2">
+            <a:extLst>
+              <a:ext uri="{FF2B5EF4-FFF2-40B4-BE49-F238E27FC236}">
+                <a16:creationId xmlns:a16="http://schemas.microsoft.com/office/drawing/2014/main" id="{BB1983BE-7252-407C-A358-C710CC7E832A}"/>
+              </a:ext>
+            </a:extLst>
+          </p:cNvPr>
+          <p:cNvGrpSpPr/>
+          <p:nvPr/>
+        </p:nvGrpSpPr>
+        <p:grpSpPr>
+          <a:xfrm>
+            <a:off x="10732184" y="2548474"/>
+            <a:ext cx="1262742" cy="1379655"/>
+            <a:chOff x="10732184" y="2548474"/>
+            <a:chExt cx="1262742" cy="1379655"/>
+          </a:xfrm>
+        </p:grpSpPr>
+        <p:pic>
+          <p:nvPicPr>
+            <p:cNvPr id="8" name="図 7">
+              <a:extLst>
+                <a:ext uri="{FF2B5EF4-FFF2-40B4-BE49-F238E27FC236}">
+                  <a16:creationId xmlns:a16="http://schemas.microsoft.com/office/drawing/2014/main" id="{C151526E-B945-4F5C-A12F-F1740DB935F0}"/>
+                </a:ext>
+              </a:extLst>
+            </p:cNvPr>
+            <p:cNvPicPr>
+              <a:picLocks noChangeAspect="1"/>
+            </p:cNvPicPr>
+            <p:nvPr/>
+          </p:nvPicPr>
+          <p:blipFill>
+            <a:blip r:embed="rId6">
+              <a:extLst>
+                <a:ext uri="{28A0092B-C50C-407E-A947-70E740481C1C}">
+                  <a14:useLocalDpi xmlns:a14="http://schemas.microsoft.com/office/drawing/2010/main" val="0"/>
+                </a:ext>
+              </a:extLst>
+            </a:blip>
+            <a:stretch>
+              <a:fillRect/>
+            </a:stretch>
+          </p:blipFill>
+          <p:spPr>
+            <a:xfrm>
+              <a:off x="10732184" y="2665387"/>
+              <a:ext cx="1262742" cy="1262742"/>
+            </a:xfrm>
+            <a:prstGeom prst="rect">
+              <a:avLst/>
+            </a:prstGeom>
+          </p:spPr>
+        </p:pic>
+        <p:sp>
+          <p:nvSpPr>
+            <p:cNvPr id="9" name="円/楕円 23">
+              <a:extLst>
+                <a:ext uri="{FF2B5EF4-FFF2-40B4-BE49-F238E27FC236}">
+                  <a16:creationId xmlns:a16="http://schemas.microsoft.com/office/drawing/2014/main" id="{F5A1EC51-1A17-4C47-AD9A-2D2A0BBE8D92}"/>
+                </a:ext>
+              </a:extLst>
+            </p:cNvPr>
+            <p:cNvSpPr/>
+            <p:nvPr/>
+          </p:nvSpPr>
+          <p:spPr>
+            <a:xfrm>
+              <a:off x="11036983" y="2766417"/>
+              <a:ext cx="653143" cy="653143"/>
+            </a:xfrm>
+            <a:prstGeom prst="ellipse">
+              <a:avLst/>
+            </a:prstGeom>
+            <a:solidFill>
+              <a:schemeClr val="bg1"/>
+            </a:solidFill>
+            <a:ln>
+              <a:noFill/>
+            </a:ln>
+          </p:spPr>
+          <p:style>
+            <a:lnRef idx="2">
+              <a:schemeClr val="accent1">
+                <a:shade val="50000"/>
+              </a:schemeClr>
+            </a:lnRef>
+            <a:fillRef idx="1">
+              <a:schemeClr val="accent1"/>
+            </a:fillRef>
+            <a:effectRef idx="0">
+              <a:schemeClr val="accent1"/>
+            </a:effectRef>
+            <a:fontRef idx="minor">
+              <a:schemeClr val="lt1"/>
+            </a:fontRef>
+          </p:style>
+          <p:txBody>
+            <a:bodyPr rtlCol="0" anchor="ctr"/>
+            <a:lstStyle/>
+            <a:p>
+              <a:pPr algn="ctr"/>
+              <a:endParaRPr kumimoji="1" lang="ja-JP" altLang="en-US"/>
+            </a:p>
+          </p:txBody>
+        </p:sp>
+        <p:sp>
+          <p:nvSpPr>
+            <p:cNvPr id="10" name="テキスト ボックス 9">
+              <a:extLst>
+                <a:ext uri="{FF2B5EF4-FFF2-40B4-BE49-F238E27FC236}">
+                  <a16:creationId xmlns:a16="http://schemas.microsoft.com/office/drawing/2014/main" id="{2251AD46-271F-4422-B1D3-314A41B430CB}"/>
+                </a:ext>
+              </a:extLst>
+            </p:cNvPr>
+            <p:cNvSpPr txBox="1"/>
+            <p:nvPr/>
+          </p:nvSpPr>
+          <p:spPr>
+            <a:xfrm>
+              <a:off x="10862700" y="2548474"/>
+              <a:ext cx="1001485" cy="1015663"/>
+            </a:xfrm>
+            <a:prstGeom prst="rect">
+              <a:avLst/>
+            </a:prstGeom>
+            <a:noFill/>
+          </p:spPr>
+          <p:txBody>
+            <a:bodyPr wrap="square" rtlCol="0">
+              <a:spAutoFit/>
+            </a:bodyPr>
+            <a:lstStyle/>
+            <a:p>
+              <a:pPr algn="ctr"/>
+              <a:r>
+                <a:rPr lang="en-US" altLang="ja-JP" sz="6000" dirty="0">
+                  <a:solidFill>
+                    <a:srgbClr val="274060"/>
+                  </a:solidFill>
+                  <a:latin typeface="French Script MT" panose="03020402040607040605" pitchFamily="66" charset="0"/>
+                </a:rPr>
+                <a:t>2</a:t>
+              </a:r>
+              <a:r>
+                <a:rPr kumimoji="1" lang="en-US" altLang="ja-JP" sz="6000" dirty="0">
+                  <a:solidFill>
+                    <a:srgbClr val="274060"/>
+                  </a:solidFill>
+                  <a:latin typeface="French Script MT" panose="03020402040607040605" pitchFamily="66" charset="0"/>
+                </a:rPr>
+                <a:t> </a:t>
+              </a:r>
+            </a:p>
+          </p:txBody>
+        </p:sp>
+      </p:grpSp>
+      <p:grpSp>
+        <p:nvGrpSpPr>
+          <p:cNvPr id="11" name="グループ化 10">
+            <a:extLst>
+              <a:ext uri="{FF2B5EF4-FFF2-40B4-BE49-F238E27FC236}">
+                <a16:creationId xmlns:a16="http://schemas.microsoft.com/office/drawing/2014/main" id="{D439460E-8F1F-47C0-AE08-3F82BA74BE12}"/>
+              </a:ext>
+            </a:extLst>
+          </p:cNvPr>
+          <p:cNvGrpSpPr/>
+          <p:nvPr/>
+        </p:nvGrpSpPr>
+        <p:grpSpPr>
+          <a:xfrm>
+            <a:off x="9726867" y="3532917"/>
+            <a:ext cx="1262742" cy="1379655"/>
+            <a:chOff x="10732184" y="2548474"/>
+            <a:chExt cx="1262742" cy="1379655"/>
+          </a:xfrm>
+        </p:grpSpPr>
+        <p:pic>
+          <p:nvPicPr>
+            <p:cNvPr id="12" name="図 11">
+              <a:extLst>
+                <a:ext uri="{FF2B5EF4-FFF2-40B4-BE49-F238E27FC236}">
+                  <a16:creationId xmlns:a16="http://schemas.microsoft.com/office/drawing/2014/main" id="{3FD8FEF3-DC66-48B2-9E4C-C271C5619EE4}"/>
+                </a:ext>
+              </a:extLst>
+            </p:cNvPr>
+            <p:cNvPicPr>
+              <a:picLocks noChangeAspect="1"/>
+            </p:cNvPicPr>
+            <p:nvPr/>
+          </p:nvPicPr>
+          <p:blipFill>
+            <a:blip r:embed="rId6">
+              <a:extLst>
+                <a:ext uri="{28A0092B-C50C-407E-A947-70E740481C1C}">
+                  <a14:useLocalDpi xmlns:a14="http://schemas.microsoft.com/office/drawing/2010/main" val="0"/>
+                </a:ext>
+              </a:extLst>
+            </a:blip>
+            <a:stretch>
+              <a:fillRect/>
+            </a:stretch>
+          </p:blipFill>
+          <p:spPr>
+            <a:xfrm>
+              <a:off x="10732184" y="2665387"/>
+              <a:ext cx="1262742" cy="1262742"/>
+            </a:xfrm>
+            <a:prstGeom prst="rect">
+              <a:avLst/>
+            </a:prstGeom>
+          </p:spPr>
+        </p:pic>
+        <p:sp>
+          <p:nvSpPr>
+            <p:cNvPr id="13" name="円/楕円 23">
+              <a:extLst>
+                <a:ext uri="{FF2B5EF4-FFF2-40B4-BE49-F238E27FC236}">
+                  <a16:creationId xmlns:a16="http://schemas.microsoft.com/office/drawing/2014/main" id="{F4A1E556-5209-4FF5-8DA3-F3D9FB8D83DF}"/>
+                </a:ext>
+              </a:extLst>
+            </p:cNvPr>
+            <p:cNvSpPr/>
+            <p:nvPr/>
+          </p:nvSpPr>
+          <p:spPr>
+            <a:xfrm>
+              <a:off x="11036983" y="2766417"/>
+              <a:ext cx="653143" cy="653143"/>
+            </a:xfrm>
+            <a:prstGeom prst="ellipse">
+              <a:avLst/>
+            </a:prstGeom>
+            <a:solidFill>
+              <a:schemeClr val="bg1"/>
+            </a:solidFill>
+            <a:ln>
+              <a:noFill/>
+            </a:ln>
+          </p:spPr>
+          <p:style>
+            <a:lnRef idx="2">
+              <a:schemeClr val="accent1">
+                <a:shade val="50000"/>
+              </a:schemeClr>
+            </a:lnRef>
+            <a:fillRef idx="1">
+              <a:schemeClr val="accent1"/>
+            </a:fillRef>
+            <a:effectRef idx="0">
+              <a:schemeClr val="accent1"/>
+            </a:effectRef>
+            <a:fontRef idx="minor">
+              <a:schemeClr val="lt1"/>
+            </a:fontRef>
+          </p:style>
+          <p:txBody>
+            <a:bodyPr rtlCol="0" anchor="ctr"/>
+            <a:lstStyle/>
+            <a:p>
+              <a:pPr algn="ctr"/>
+              <a:endParaRPr kumimoji="1" lang="ja-JP" altLang="en-US"/>
+            </a:p>
+          </p:txBody>
+        </p:sp>
+        <p:sp>
+          <p:nvSpPr>
+            <p:cNvPr id="14" name="テキスト ボックス 13">
+              <a:extLst>
+                <a:ext uri="{FF2B5EF4-FFF2-40B4-BE49-F238E27FC236}">
+                  <a16:creationId xmlns:a16="http://schemas.microsoft.com/office/drawing/2014/main" id="{784BB07B-55D6-4FEB-BC3C-9D9D7BA18524}"/>
+                </a:ext>
+              </a:extLst>
+            </p:cNvPr>
+            <p:cNvSpPr txBox="1"/>
+            <p:nvPr/>
+          </p:nvSpPr>
+          <p:spPr>
+            <a:xfrm>
+              <a:off x="10862700" y="2548474"/>
+              <a:ext cx="1001485" cy="1015663"/>
+            </a:xfrm>
+            <a:prstGeom prst="rect">
+              <a:avLst/>
+            </a:prstGeom>
+            <a:noFill/>
+          </p:spPr>
+          <p:txBody>
+            <a:bodyPr wrap="square" rtlCol="0">
+              <a:spAutoFit/>
+            </a:bodyPr>
+            <a:lstStyle/>
+            <a:p>
+              <a:pPr algn="ctr"/>
+              <a:r>
+                <a:rPr lang="en-US" altLang="ja-JP" sz="6000" dirty="0">
+                  <a:solidFill>
+                    <a:srgbClr val="274060"/>
+                  </a:solidFill>
+                  <a:latin typeface="French Script MT" panose="03020402040607040605" pitchFamily="66" charset="0"/>
+                </a:rPr>
+                <a:t>1</a:t>
+              </a:r>
+              <a:r>
+                <a:rPr kumimoji="1" lang="en-US" altLang="ja-JP" sz="6000" dirty="0">
+                  <a:solidFill>
+                    <a:srgbClr val="274060"/>
+                  </a:solidFill>
+                  <a:latin typeface="French Script MT" panose="03020402040607040605" pitchFamily="66" charset="0"/>
+                </a:rPr>
+                <a:t> </a:t>
+              </a:r>
+            </a:p>
+          </p:txBody>
+        </p:sp>
+      </p:grpSp>
     </p:spTree>
     <p:extLst>
       <p:ext uri="{BB962C8B-B14F-4D97-AF65-F5344CB8AC3E}">
@@ -8076,7 +8394,7 @@
           <p:cNvPr id="4" name="図 3">
             <a:extLst>
               <a:ext uri="{FF2B5EF4-FFF2-40B4-BE49-F238E27FC236}">
-                <a16:creationId xmlns:a16="http://schemas.microsoft.com/office/drawing/2014/main" xmlns="" id="{EFB92BCB-EBBD-48F2-9359-E9593C0A6B56}"/>
+                <a16:creationId xmlns:a16="http://schemas.microsoft.com/office/drawing/2014/main" id="{EFB92BCB-EBBD-48F2-9359-E9593C0A6B56}"/>
               </a:ext>
             </a:extLst>
           </p:cNvPr>
@@ -8112,7 +8430,7 @@
           <p:cNvPr id="5" name="図 4">
             <a:extLst>
               <a:ext uri="{FF2B5EF4-FFF2-40B4-BE49-F238E27FC236}">
-                <a16:creationId xmlns:a16="http://schemas.microsoft.com/office/drawing/2014/main" xmlns="" id="{D9C7807F-FDAE-4EAC-9A27-A2DC448096A3}"/>
+                <a16:creationId xmlns:a16="http://schemas.microsoft.com/office/drawing/2014/main" id="{D9C7807F-FDAE-4EAC-9A27-A2DC448096A3}"/>
               </a:ext>
             </a:extLst>
           </p:cNvPr>
@@ -8173,6 +8491,474 @@
           </a:prstGeom>
         </p:spPr>
       </p:pic>
+      <p:grpSp>
+        <p:nvGrpSpPr>
+          <p:cNvPr id="8" name="グループ化 7">
+            <a:extLst>
+              <a:ext uri="{FF2B5EF4-FFF2-40B4-BE49-F238E27FC236}">
+                <a16:creationId xmlns:a16="http://schemas.microsoft.com/office/drawing/2014/main" id="{C1658E3F-6494-44C6-A096-A3EC345C716C}"/>
+              </a:ext>
+            </a:extLst>
+          </p:cNvPr>
+          <p:cNvGrpSpPr/>
+          <p:nvPr/>
+        </p:nvGrpSpPr>
+        <p:grpSpPr>
+          <a:xfrm>
+            <a:off x="10732184" y="2255511"/>
+            <a:ext cx="1262742" cy="1379655"/>
+            <a:chOff x="10732184" y="2548474"/>
+            <a:chExt cx="1262742" cy="1379655"/>
+          </a:xfrm>
+        </p:grpSpPr>
+        <p:pic>
+          <p:nvPicPr>
+            <p:cNvPr id="9" name="図 8">
+              <a:extLst>
+                <a:ext uri="{FF2B5EF4-FFF2-40B4-BE49-F238E27FC236}">
+                  <a16:creationId xmlns:a16="http://schemas.microsoft.com/office/drawing/2014/main" id="{684223BF-1108-4F62-8438-8FC48AF043F0}"/>
+                </a:ext>
+              </a:extLst>
+            </p:cNvPr>
+            <p:cNvPicPr>
+              <a:picLocks noChangeAspect="1"/>
+            </p:cNvPicPr>
+            <p:nvPr/>
+          </p:nvPicPr>
+          <p:blipFill>
+            <a:blip r:embed="rId6">
+              <a:extLst>
+                <a:ext uri="{28A0092B-C50C-407E-A947-70E740481C1C}">
+                  <a14:useLocalDpi xmlns:a14="http://schemas.microsoft.com/office/drawing/2010/main" val="0"/>
+                </a:ext>
+              </a:extLst>
+            </a:blip>
+            <a:stretch>
+              <a:fillRect/>
+            </a:stretch>
+          </p:blipFill>
+          <p:spPr>
+            <a:xfrm>
+              <a:off x="10732184" y="2665387"/>
+              <a:ext cx="1262742" cy="1262742"/>
+            </a:xfrm>
+            <a:prstGeom prst="rect">
+              <a:avLst/>
+            </a:prstGeom>
+          </p:spPr>
+        </p:pic>
+        <p:sp>
+          <p:nvSpPr>
+            <p:cNvPr id="10" name="円/楕円 23">
+              <a:extLst>
+                <a:ext uri="{FF2B5EF4-FFF2-40B4-BE49-F238E27FC236}">
+                  <a16:creationId xmlns:a16="http://schemas.microsoft.com/office/drawing/2014/main" id="{69EBE627-B17A-454D-A07C-46927550D62A}"/>
+                </a:ext>
+              </a:extLst>
+            </p:cNvPr>
+            <p:cNvSpPr/>
+            <p:nvPr/>
+          </p:nvSpPr>
+          <p:spPr>
+            <a:xfrm>
+              <a:off x="11036983" y="2766417"/>
+              <a:ext cx="653143" cy="653143"/>
+            </a:xfrm>
+            <a:prstGeom prst="ellipse">
+              <a:avLst/>
+            </a:prstGeom>
+            <a:solidFill>
+              <a:schemeClr val="bg1"/>
+            </a:solidFill>
+            <a:ln>
+              <a:noFill/>
+            </a:ln>
+          </p:spPr>
+          <p:style>
+            <a:lnRef idx="2">
+              <a:schemeClr val="accent1">
+                <a:shade val="50000"/>
+              </a:schemeClr>
+            </a:lnRef>
+            <a:fillRef idx="1">
+              <a:schemeClr val="accent1"/>
+            </a:fillRef>
+            <a:effectRef idx="0">
+              <a:schemeClr val="accent1"/>
+            </a:effectRef>
+            <a:fontRef idx="minor">
+              <a:schemeClr val="lt1"/>
+            </a:fontRef>
+          </p:style>
+          <p:txBody>
+            <a:bodyPr rtlCol="0" anchor="ctr"/>
+            <a:lstStyle/>
+            <a:p>
+              <a:pPr algn="ctr"/>
+              <a:endParaRPr kumimoji="1" lang="ja-JP" altLang="en-US"/>
+            </a:p>
+          </p:txBody>
+        </p:sp>
+        <p:sp>
+          <p:nvSpPr>
+            <p:cNvPr id="11" name="テキスト ボックス 10">
+              <a:extLst>
+                <a:ext uri="{FF2B5EF4-FFF2-40B4-BE49-F238E27FC236}">
+                  <a16:creationId xmlns:a16="http://schemas.microsoft.com/office/drawing/2014/main" id="{41C8A3B5-FF83-436E-A8EC-55DADE30FACD}"/>
+                </a:ext>
+              </a:extLst>
+            </p:cNvPr>
+            <p:cNvSpPr txBox="1"/>
+            <p:nvPr/>
+          </p:nvSpPr>
+          <p:spPr>
+            <a:xfrm>
+              <a:off x="10862700" y="2548474"/>
+              <a:ext cx="1001485" cy="1015663"/>
+            </a:xfrm>
+            <a:prstGeom prst="rect">
+              <a:avLst/>
+            </a:prstGeom>
+            <a:noFill/>
+          </p:spPr>
+          <p:txBody>
+            <a:bodyPr wrap="square" rtlCol="0">
+              <a:spAutoFit/>
+            </a:bodyPr>
+            <a:lstStyle/>
+            <a:p>
+              <a:pPr algn="ctr"/>
+              <a:r>
+                <a:rPr kumimoji="1" lang="en-US" altLang="ja-JP" sz="6000" dirty="0">
+                  <a:solidFill>
+                    <a:srgbClr val="274060"/>
+                  </a:solidFill>
+                  <a:latin typeface="French Script MT" panose="03020402040607040605" pitchFamily="66" charset="0"/>
+                </a:rPr>
+                <a:t>3 </a:t>
+              </a:r>
+            </a:p>
+          </p:txBody>
+        </p:sp>
+      </p:grpSp>
+      <p:grpSp>
+        <p:nvGrpSpPr>
+          <p:cNvPr id="12" name="グループ化 11">
+            <a:extLst>
+              <a:ext uri="{FF2B5EF4-FFF2-40B4-BE49-F238E27FC236}">
+                <a16:creationId xmlns:a16="http://schemas.microsoft.com/office/drawing/2014/main" id="{627191C2-768B-47EF-B474-2BAEEA821907}"/>
+              </a:ext>
+            </a:extLst>
+          </p:cNvPr>
+          <p:cNvGrpSpPr/>
+          <p:nvPr/>
+        </p:nvGrpSpPr>
+        <p:grpSpPr>
+          <a:xfrm>
+            <a:off x="4317803" y="1093799"/>
+            <a:ext cx="1262742" cy="1379655"/>
+            <a:chOff x="10732184" y="2548474"/>
+            <a:chExt cx="1262742" cy="1379655"/>
+          </a:xfrm>
+        </p:grpSpPr>
+        <p:pic>
+          <p:nvPicPr>
+            <p:cNvPr id="13" name="図 12">
+              <a:extLst>
+                <a:ext uri="{FF2B5EF4-FFF2-40B4-BE49-F238E27FC236}">
+                  <a16:creationId xmlns:a16="http://schemas.microsoft.com/office/drawing/2014/main" id="{DDDCAC80-5ECB-436C-8569-266CD77C0829}"/>
+                </a:ext>
+              </a:extLst>
+            </p:cNvPr>
+            <p:cNvPicPr>
+              <a:picLocks noChangeAspect="1"/>
+            </p:cNvPicPr>
+            <p:nvPr/>
+          </p:nvPicPr>
+          <p:blipFill>
+            <a:blip r:embed="rId6">
+              <a:extLst>
+                <a:ext uri="{28A0092B-C50C-407E-A947-70E740481C1C}">
+                  <a14:useLocalDpi xmlns:a14="http://schemas.microsoft.com/office/drawing/2010/main" val="0"/>
+                </a:ext>
+              </a:extLst>
+            </a:blip>
+            <a:stretch>
+              <a:fillRect/>
+            </a:stretch>
+          </p:blipFill>
+          <p:spPr>
+            <a:xfrm>
+              <a:off x="10732184" y="2665387"/>
+              <a:ext cx="1262742" cy="1262742"/>
+            </a:xfrm>
+            <a:prstGeom prst="rect">
+              <a:avLst/>
+            </a:prstGeom>
+          </p:spPr>
+        </p:pic>
+        <p:sp>
+          <p:nvSpPr>
+            <p:cNvPr id="14" name="円/楕円 23">
+              <a:extLst>
+                <a:ext uri="{FF2B5EF4-FFF2-40B4-BE49-F238E27FC236}">
+                  <a16:creationId xmlns:a16="http://schemas.microsoft.com/office/drawing/2014/main" id="{C3D27166-9D23-4EE8-B7A6-1569E889AF12}"/>
+                </a:ext>
+              </a:extLst>
+            </p:cNvPr>
+            <p:cNvSpPr/>
+            <p:nvPr/>
+          </p:nvSpPr>
+          <p:spPr>
+            <a:xfrm>
+              <a:off x="11036983" y="2766417"/>
+              <a:ext cx="653143" cy="653143"/>
+            </a:xfrm>
+            <a:prstGeom prst="ellipse">
+              <a:avLst/>
+            </a:prstGeom>
+            <a:solidFill>
+              <a:schemeClr val="bg1"/>
+            </a:solidFill>
+            <a:ln>
+              <a:noFill/>
+            </a:ln>
+          </p:spPr>
+          <p:style>
+            <a:lnRef idx="2">
+              <a:schemeClr val="accent1">
+                <a:shade val="50000"/>
+              </a:schemeClr>
+            </a:lnRef>
+            <a:fillRef idx="1">
+              <a:schemeClr val="accent1"/>
+            </a:fillRef>
+            <a:effectRef idx="0">
+              <a:schemeClr val="accent1"/>
+            </a:effectRef>
+            <a:fontRef idx="minor">
+              <a:schemeClr val="lt1"/>
+            </a:fontRef>
+          </p:style>
+          <p:txBody>
+            <a:bodyPr rtlCol="0" anchor="ctr"/>
+            <a:lstStyle/>
+            <a:p>
+              <a:pPr algn="ctr"/>
+              <a:endParaRPr kumimoji="1" lang="ja-JP" altLang="en-US"/>
+            </a:p>
+          </p:txBody>
+        </p:sp>
+        <p:sp>
+          <p:nvSpPr>
+            <p:cNvPr id="15" name="テキスト ボックス 14">
+              <a:extLst>
+                <a:ext uri="{FF2B5EF4-FFF2-40B4-BE49-F238E27FC236}">
+                  <a16:creationId xmlns:a16="http://schemas.microsoft.com/office/drawing/2014/main" id="{92CF8F3E-00B6-4F40-AF5F-0809B283959A}"/>
+                </a:ext>
+              </a:extLst>
+            </p:cNvPr>
+            <p:cNvSpPr txBox="1"/>
+            <p:nvPr/>
+          </p:nvSpPr>
+          <p:spPr>
+            <a:xfrm>
+              <a:off x="10862700" y="2548474"/>
+              <a:ext cx="1001485" cy="1015663"/>
+            </a:xfrm>
+            <a:prstGeom prst="rect">
+              <a:avLst/>
+            </a:prstGeom>
+            <a:noFill/>
+          </p:spPr>
+          <p:txBody>
+            <a:bodyPr wrap="square" rtlCol="0">
+              <a:spAutoFit/>
+            </a:bodyPr>
+            <a:lstStyle/>
+            <a:p>
+              <a:pPr algn="ctr"/>
+              <a:r>
+                <a:rPr lang="en-US" altLang="ja-JP" sz="6000" dirty="0">
+                  <a:solidFill>
+                    <a:srgbClr val="274060"/>
+                  </a:solidFill>
+                  <a:latin typeface="French Script MT" panose="03020402040607040605" pitchFamily="66" charset="0"/>
+                </a:rPr>
+                <a:t>1</a:t>
+              </a:r>
+              <a:r>
+                <a:rPr kumimoji="1" lang="en-US" altLang="ja-JP" sz="6000" dirty="0">
+                  <a:solidFill>
+                    <a:srgbClr val="274060"/>
+                  </a:solidFill>
+                  <a:latin typeface="French Script MT" panose="03020402040607040605" pitchFamily="66" charset="0"/>
+                </a:rPr>
+                <a:t> </a:t>
+              </a:r>
+            </a:p>
+          </p:txBody>
+        </p:sp>
+      </p:grpSp>
+      <p:grpSp>
+        <p:nvGrpSpPr>
+          <p:cNvPr id="16" name="グループ化 15">
+            <a:extLst>
+              <a:ext uri="{FF2B5EF4-FFF2-40B4-BE49-F238E27FC236}">
+                <a16:creationId xmlns:a16="http://schemas.microsoft.com/office/drawing/2014/main" id="{85EB684B-992E-4D67-9FF0-EF456DA186A3}"/>
+              </a:ext>
+            </a:extLst>
+          </p:cNvPr>
+          <p:cNvGrpSpPr/>
+          <p:nvPr/>
+        </p:nvGrpSpPr>
+        <p:grpSpPr>
+          <a:xfrm>
+            <a:off x="4318889" y="3271174"/>
+            <a:ext cx="1262742" cy="1379655"/>
+            <a:chOff x="10732184" y="2548474"/>
+            <a:chExt cx="1262742" cy="1379655"/>
+          </a:xfrm>
+        </p:grpSpPr>
+        <p:pic>
+          <p:nvPicPr>
+            <p:cNvPr id="17" name="図 16">
+              <a:extLst>
+                <a:ext uri="{FF2B5EF4-FFF2-40B4-BE49-F238E27FC236}">
+                  <a16:creationId xmlns:a16="http://schemas.microsoft.com/office/drawing/2014/main" id="{29797A6F-D971-4660-9F53-8066C731DA98}"/>
+                </a:ext>
+              </a:extLst>
+            </p:cNvPr>
+            <p:cNvPicPr>
+              <a:picLocks noChangeAspect="1"/>
+            </p:cNvPicPr>
+            <p:nvPr/>
+          </p:nvPicPr>
+          <p:blipFill>
+            <a:blip r:embed="rId6">
+              <a:extLst>
+                <a:ext uri="{28A0092B-C50C-407E-A947-70E740481C1C}">
+                  <a14:useLocalDpi xmlns:a14="http://schemas.microsoft.com/office/drawing/2010/main" val="0"/>
+                </a:ext>
+              </a:extLst>
+            </a:blip>
+            <a:stretch>
+              <a:fillRect/>
+            </a:stretch>
+          </p:blipFill>
+          <p:spPr>
+            <a:xfrm>
+              <a:off x="10732184" y="2665387"/>
+              <a:ext cx="1262742" cy="1262742"/>
+            </a:xfrm>
+            <a:prstGeom prst="rect">
+              <a:avLst/>
+            </a:prstGeom>
+          </p:spPr>
+        </p:pic>
+        <p:sp>
+          <p:nvSpPr>
+            <p:cNvPr id="18" name="円/楕円 23">
+              <a:extLst>
+                <a:ext uri="{FF2B5EF4-FFF2-40B4-BE49-F238E27FC236}">
+                  <a16:creationId xmlns:a16="http://schemas.microsoft.com/office/drawing/2014/main" id="{A136E75E-B664-4E67-93BE-CAE9E212383E}"/>
+                </a:ext>
+              </a:extLst>
+            </p:cNvPr>
+            <p:cNvSpPr/>
+            <p:nvPr/>
+          </p:nvSpPr>
+          <p:spPr>
+            <a:xfrm>
+              <a:off x="11036983" y="2766417"/>
+              <a:ext cx="653143" cy="653143"/>
+            </a:xfrm>
+            <a:prstGeom prst="ellipse">
+              <a:avLst/>
+            </a:prstGeom>
+            <a:solidFill>
+              <a:schemeClr val="bg1"/>
+            </a:solidFill>
+            <a:ln>
+              <a:noFill/>
+            </a:ln>
+          </p:spPr>
+          <p:style>
+            <a:lnRef idx="2">
+              <a:schemeClr val="accent1">
+                <a:shade val="50000"/>
+              </a:schemeClr>
+            </a:lnRef>
+            <a:fillRef idx="1">
+              <a:schemeClr val="accent1"/>
+            </a:fillRef>
+            <a:effectRef idx="0">
+              <a:schemeClr val="accent1"/>
+            </a:effectRef>
+            <a:fontRef idx="minor">
+              <a:schemeClr val="lt1"/>
+            </a:fontRef>
+          </p:style>
+          <p:txBody>
+            <a:bodyPr rtlCol="0" anchor="ctr"/>
+            <a:lstStyle/>
+            <a:p>
+              <a:pPr algn="ctr"/>
+              <a:endParaRPr kumimoji="1" lang="ja-JP" altLang="en-US"/>
+            </a:p>
+          </p:txBody>
+        </p:sp>
+        <p:sp>
+          <p:nvSpPr>
+            <p:cNvPr id="19" name="テキスト ボックス 18">
+              <a:extLst>
+                <a:ext uri="{FF2B5EF4-FFF2-40B4-BE49-F238E27FC236}">
+                  <a16:creationId xmlns:a16="http://schemas.microsoft.com/office/drawing/2014/main" id="{CFD942FD-55AE-4B9D-9F3F-EF3EB9BC77DC}"/>
+                </a:ext>
+              </a:extLst>
+            </p:cNvPr>
+            <p:cNvSpPr txBox="1"/>
+            <p:nvPr/>
+          </p:nvSpPr>
+          <p:spPr>
+            <a:xfrm>
+              <a:off x="10862700" y="2548474"/>
+              <a:ext cx="1001485" cy="1015663"/>
+            </a:xfrm>
+            <a:prstGeom prst="rect">
+              <a:avLst/>
+            </a:prstGeom>
+            <a:noFill/>
+          </p:spPr>
+          <p:txBody>
+            <a:bodyPr wrap="square" rtlCol="0">
+              <a:spAutoFit/>
+            </a:bodyPr>
+            <a:lstStyle/>
+            <a:p>
+              <a:pPr algn="ctr"/>
+              <a:r>
+                <a:rPr lang="en-US" altLang="ja-JP" sz="6000" dirty="0">
+                  <a:solidFill>
+                    <a:srgbClr val="274060"/>
+                  </a:solidFill>
+                  <a:latin typeface="French Script MT" panose="03020402040607040605" pitchFamily="66" charset="0"/>
+                </a:rPr>
+                <a:t>2</a:t>
+              </a:r>
+              <a:r>
+                <a:rPr kumimoji="1" lang="en-US" altLang="ja-JP" sz="6000" dirty="0">
+                  <a:solidFill>
+                    <a:srgbClr val="274060"/>
+                  </a:solidFill>
+                  <a:latin typeface="French Script MT" panose="03020402040607040605" pitchFamily="66" charset="0"/>
+                </a:rPr>
+                <a:t> </a:t>
+              </a:r>
+            </a:p>
+          </p:txBody>
+        </p:sp>
+      </p:grpSp>
     </p:spTree>
     <p:extLst>
       <p:ext uri="{BB962C8B-B14F-4D97-AF65-F5344CB8AC3E}">
@@ -8238,7 +9024,7 @@
           <p:cNvPr id="4" name="図 3">
             <a:extLst>
               <a:ext uri="{FF2B5EF4-FFF2-40B4-BE49-F238E27FC236}">
-                <a16:creationId xmlns:a16="http://schemas.microsoft.com/office/drawing/2014/main" xmlns="" id="{07A9904A-3ADF-4311-971E-DA97678F4C72}"/>
+                <a16:creationId xmlns:a16="http://schemas.microsoft.com/office/drawing/2014/main" id="{07A9904A-3ADF-4311-971E-DA97678F4C72}"/>
               </a:ext>
             </a:extLst>
           </p:cNvPr>
@@ -8274,7 +9060,7 @@
           <p:cNvPr id="5" name="図 4">
             <a:extLst>
               <a:ext uri="{FF2B5EF4-FFF2-40B4-BE49-F238E27FC236}">
-                <a16:creationId xmlns:a16="http://schemas.microsoft.com/office/drawing/2014/main" xmlns="" id="{9D2D46E6-1879-4F96-9EF9-6F3FCAF72A0A}"/>
+                <a16:creationId xmlns:a16="http://schemas.microsoft.com/office/drawing/2014/main" id="{9D2D46E6-1879-4F96-9EF9-6F3FCAF72A0A}"/>
               </a:ext>
             </a:extLst>
           </p:cNvPr>
@@ -8335,6 +9121,324 @@
           </a:prstGeom>
         </p:spPr>
       </p:pic>
+      <p:grpSp>
+        <p:nvGrpSpPr>
+          <p:cNvPr id="8" name="グループ化 7">
+            <a:extLst>
+              <a:ext uri="{FF2B5EF4-FFF2-40B4-BE49-F238E27FC236}">
+                <a16:creationId xmlns:a16="http://schemas.microsoft.com/office/drawing/2014/main" id="{92ADEABB-07AF-4E27-8182-490FDC8E6A21}"/>
+              </a:ext>
+            </a:extLst>
+          </p:cNvPr>
+          <p:cNvGrpSpPr/>
+          <p:nvPr/>
+        </p:nvGrpSpPr>
+        <p:grpSpPr>
+          <a:xfrm>
+            <a:off x="9809233" y="3150076"/>
+            <a:ext cx="1262742" cy="1379655"/>
+            <a:chOff x="10732184" y="2548474"/>
+            <a:chExt cx="1262742" cy="1379655"/>
+          </a:xfrm>
+        </p:grpSpPr>
+        <p:pic>
+          <p:nvPicPr>
+            <p:cNvPr id="9" name="図 8">
+              <a:extLst>
+                <a:ext uri="{FF2B5EF4-FFF2-40B4-BE49-F238E27FC236}">
+                  <a16:creationId xmlns:a16="http://schemas.microsoft.com/office/drawing/2014/main" id="{AB7B3E88-CB01-46D6-92A7-AF4A12FDC680}"/>
+                </a:ext>
+              </a:extLst>
+            </p:cNvPr>
+            <p:cNvPicPr>
+              <a:picLocks noChangeAspect="1"/>
+            </p:cNvPicPr>
+            <p:nvPr/>
+          </p:nvPicPr>
+          <p:blipFill>
+            <a:blip r:embed="rId6">
+              <a:extLst>
+                <a:ext uri="{28A0092B-C50C-407E-A947-70E740481C1C}">
+                  <a14:useLocalDpi xmlns:a14="http://schemas.microsoft.com/office/drawing/2010/main" val="0"/>
+                </a:ext>
+              </a:extLst>
+            </a:blip>
+            <a:stretch>
+              <a:fillRect/>
+            </a:stretch>
+          </p:blipFill>
+          <p:spPr>
+            <a:xfrm>
+              <a:off x="10732184" y="2665387"/>
+              <a:ext cx="1262742" cy="1262742"/>
+            </a:xfrm>
+            <a:prstGeom prst="rect">
+              <a:avLst/>
+            </a:prstGeom>
+          </p:spPr>
+        </p:pic>
+        <p:sp>
+          <p:nvSpPr>
+            <p:cNvPr id="10" name="円/楕円 23">
+              <a:extLst>
+                <a:ext uri="{FF2B5EF4-FFF2-40B4-BE49-F238E27FC236}">
+                  <a16:creationId xmlns:a16="http://schemas.microsoft.com/office/drawing/2014/main" id="{CACB6A2A-419B-49F6-99B0-D8140789FDDC}"/>
+                </a:ext>
+              </a:extLst>
+            </p:cNvPr>
+            <p:cNvSpPr/>
+            <p:nvPr/>
+          </p:nvSpPr>
+          <p:spPr>
+            <a:xfrm>
+              <a:off x="11036983" y="2766417"/>
+              <a:ext cx="653143" cy="653143"/>
+            </a:xfrm>
+            <a:prstGeom prst="ellipse">
+              <a:avLst/>
+            </a:prstGeom>
+            <a:solidFill>
+              <a:schemeClr val="bg1"/>
+            </a:solidFill>
+            <a:ln>
+              <a:noFill/>
+            </a:ln>
+          </p:spPr>
+          <p:style>
+            <a:lnRef idx="2">
+              <a:schemeClr val="accent1">
+                <a:shade val="50000"/>
+              </a:schemeClr>
+            </a:lnRef>
+            <a:fillRef idx="1">
+              <a:schemeClr val="accent1"/>
+            </a:fillRef>
+            <a:effectRef idx="0">
+              <a:schemeClr val="accent1"/>
+            </a:effectRef>
+            <a:fontRef idx="minor">
+              <a:schemeClr val="lt1"/>
+            </a:fontRef>
+          </p:style>
+          <p:txBody>
+            <a:bodyPr rtlCol="0" anchor="ctr"/>
+            <a:lstStyle/>
+            <a:p>
+              <a:pPr algn="ctr"/>
+              <a:endParaRPr kumimoji="1" lang="ja-JP" altLang="en-US"/>
+            </a:p>
+          </p:txBody>
+        </p:sp>
+        <p:sp>
+          <p:nvSpPr>
+            <p:cNvPr id="11" name="テキスト ボックス 10">
+              <a:extLst>
+                <a:ext uri="{FF2B5EF4-FFF2-40B4-BE49-F238E27FC236}">
+                  <a16:creationId xmlns:a16="http://schemas.microsoft.com/office/drawing/2014/main" id="{FFF9C13E-96F0-4973-AEA6-0B928DD96C25}"/>
+                </a:ext>
+              </a:extLst>
+            </p:cNvPr>
+            <p:cNvSpPr txBox="1"/>
+            <p:nvPr/>
+          </p:nvSpPr>
+          <p:spPr>
+            <a:xfrm>
+              <a:off x="10862700" y="2548474"/>
+              <a:ext cx="1001485" cy="1015663"/>
+            </a:xfrm>
+            <a:prstGeom prst="rect">
+              <a:avLst/>
+            </a:prstGeom>
+            <a:noFill/>
+          </p:spPr>
+          <p:txBody>
+            <a:bodyPr wrap="square" rtlCol="0">
+              <a:spAutoFit/>
+            </a:bodyPr>
+            <a:lstStyle/>
+            <a:p>
+              <a:pPr algn="ctr"/>
+              <a:r>
+                <a:rPr lang="en-US" altLang="ja-JP" sz="6000" dirty="0">
+                  <a:solidFill>
+                    <a:srgbClr val="274060"/>
+                  </a:solidFill>
+                  <a:latin typeface="French Script MT" panose="03020402040607040605" pitchFamily="66" charset="0"/>
+                </a:rPr>
+                <a:t>2</a:t>
+              </a:r>
+              <a:r>
+                <a:rPr kumimoji="1" lang="en-US" altLang="ja-JP" sz="6000" dirty="0">
+                  <a:solidFill>
+                    <a:srgbClr val="274060"/>
+                  </a:solidFill>
+                  <a:latin typeface="French Script MT" panose="03020402040607040605" pitchFamily="66" charset="0"/>
+                </a:rPr>
+                <a:t> </a:t>
+              </a:r>
+            </a:p>
+          </p:txBody>
+        </p:sp>
+      </p:grpSp>
+      <p:grpSp>
+        <p:nvGrpSpPr>
+          <p:cNvPr id="12" name="グループ化 11">
+            <a:extLst>
+              <a:ext uri="{FF2B5EF4-FFF2-40B4-BE49-F238E27FC236}">
+                <a16:creationId xmlns:a16="http://schemas.microsoft.com/office/drawing/2014/main" id="{1E93B351-7DD7-4759-9888-70F9487773F7}"/>
+              </a:ext>
+            </a:extLst>
+          </p:cNvPr>
+          <p:cNvGrpSpPr/>
+          <p:nvPr/>
+        </p:nvGrpSpPr>
+        <p:grpSpPr>
+          <a:xfrm>
+            <a:off x="7426467" y="3150076"/>
+            <a:ext cx="1262742" cy="1379655"/>
+            <a:chOff x="10732184" y="2548474"/>
+            <a:chExt cx="1262742" cy="1379655"/>
+          </a:xfrm>
+        </p:grpSpPr>
+        <p:pic>
+          <p:nvPicPr>
+            <p:cNvPr id="13" name="図 12">
+              <a:extLst>
+                <a:ext uri="{FF2B5EF4-FFF2-40B4-BE49-F238E27FC236}">
+                  <a16:creationId xmlns:a16="http://schemas.microsoft.com/office/drawing/2014/main" id="{0EE7B46C-2523-4670-AAB7-DB96DB379476}"/>
+                </a:ext>
+              </a:extLst>
+            </p:cNvPr>
+            <p:cNvPicPr>
+              <a:picLocks noChangeAspect="1"/>
+            </p:cNvPicPr>
+            <p:nvPr/>
+          </p:nvPicPr>
+          <p:blipFill>
+            <a:blip r:embed="rId6">
+              <a:extLst>
+                <a:ext uri="{28A0092B-C50C-407E-A947-70E740481C1C}">
+                  <a14:useLocalDpi xmlns:a14="http://schemas.microsoft.com/office/drawing/2010/main" val="0"/>
+                </a:ext>
+              </a:extLst>
+            </a:blip>
+            <a:stretch>
+              <a:fillRect/>
+            </a:stretch>
+          </p:blipFill>
+          <p:spPr>
+            <a:xfrm>
+              <a:off x="10732184" y="2665387"/>
+              <a:ext cx="1262742" cy="1262742"/>
+            </a:xfrm>
+            <a:prstGeom prst="rect">
+              <a:avLst/>
+            </a:prstGeom>
+          </p:spPr>
+        </p:pic>
+        <p:sp>
+          <p:nvSpPr>
+            <p:cNvPr id="14" name="円/楕円 23">
+              <a:extLst>
+                <a:ext uri="{FF2B5EF4-FFF2-40B4-BE49-F238E27FC236}">
+                  <a16:creationId xmlns:a16="http://schemas.microsoft.com/office/drawing/2014/main" id="{F1A4484B-7049-4073-BB2B-E9EBCAF68AAC}"/>
+                </a:ext>
+              </a:extLst>
+            </p:cNvPr>
+            <p:cNvSpPr/>
+            <p:nvPr/>
+          </p:nvSpPr>
+          <p:spPr>
+            <a:xfrm>
+              <a:off x="11036983" y="2766417"/>
+              <a:ext cx="653143" cy="653143"/>
+            </a:xfrm>
+            <a:prstGeom prst="ellipse">
+              <a:avLst/>
+            </a:prstGeom>
+            <a:solidFill>
+              <a:schemeClr val="bg1"/>
+            </a:solidFill>
+            <a:ln>
+              <a:noFill/>
+            </a:ln>
+          </p:spPr>
+          <p:style>
+            <a:lnRef idx="2">
+              <a:schemeClr val="accent1">
+                <a:shade val="50000"/>
+              </a:schemeClr>
+            </a:lnRef>
+            <a:fillRef idx="1">
+              <a:schemeClr val="accent1"/>
+            </a:fillRef>
+            <a:effectRef idx="0">
+              <a:schemeClr val="accent1"/>
+            </a:effectRef>
+            <a:fontRef idx="minor">
+              <a:schemeClr val="lt1"/>
+            </a:fontRef>
+          </p:style>
+          <p:txBody>
+            <a:bodyPr rtlCol="0" anchor="ctr"/>
+            <a:lstStyle/>
+            <a:p>
+              <a:pPr algn="ctr"/>
+              <a:endParaRPr kumimoji="1" lang="ja-JP" altLang="en-US"/>
+            </a:p>
+          </p:txBody>
+        </p:sp>
+        <p:sp>
+          <p:nvSpPr>
+            <p:cNvPr id="15" name="テキスト ボックス 14">
+              <a:extLst>
+                <a:ext uri="{FF2B5EF4-FFF2-40B4-BE49-F238E27FC236}">
+                  <a16:creationId xmlns:a16="http://schemas.microsoft.com/office/drawing/2014/main" id="{F16C9E57-5D74-469E-9DA0-58D51C0AC85E}"/>
+                </a:ext>
+              </a:extLst>
+            </p:cNvPr>
+            <p:cNvSpPr txBox="1"/>
+            <p:nvPr/>
+          </p:nvSpPr>
+          <p:spPr>
+            <a:xfrm>
+              <a:off x="10862700" y="2548474"/>
+              <a:ext cx="1001485" cy="1015663"/>
+            </a:xfrm>
+            <a:prstGeom prst="rect">
+              <a:avLst/>
+            </a:prstGeom>
+            <a:noFill/>
+          </p:spPr>
+          <p:txBody>
+            <a:bodyPr wrap="square" rtlCol="0">
+              <a:spAutoFit/>
+            </a:bodyPr>
+            <a:lstStyle/>
+            <a:p>
+              <a:pPr algn="ctr"/>
+              <a:r>
+                <a:rPr lang="en-US" altLang="ja-JP" sz="6000" dirty="0">
+                  <a:solidFill>
+                    <a:srgbClr val="274060"/>
+                  </a:solidFill>
+                  <a:latin typeface="French Script MT" panose="03020402040607040605" pitchFamily="66" charset="0"/>
+                </a:rPr>
+                <a:t>1</a:t>
+              </a:r>
+              <a:r>
+                <a:rPr kumimoji="1" lang="en-US" altLang="ja-JP" sz="6000" dirty="0">
+                  <a:solidFill>
+                    <a:srgbClr val="274060"/>
+                  </a:solidFill>
+                  <a:latin typeface="French Script MT" panose="03020402040607040605" pitchFamily="66" charset="0"/>
+                </a:rPr>
+                <a:t> </a:t>
+              </a:r>
+            </a:p>
+          </p:txBody>
+        </p:sp>
+      </p:grpSp>
     </p:spTree>
     <p:extLst>
       <p:ext uri="{BB962C8B-B14F-4D97-AF65-F5344CB8AC3E}">
@@ -9210,7 +10314,7 @@
           <p:cNvPr id="5" name="グループ化 4">
             <a:extLst>
               <a:ext uri="{FF2B5EF4-FFF2-40B4-BE49-F238E27FC236}">
-                <a16:creationId xmlns:a16="http://schemas.microsoft.com/office/drawing/2014/main" xmlns="" id="{96054625-4DEB-455E-9C9A-4B7EEC79C071}"/>
+                <a16:creationId xmlns:a16="http://schemas.microsoft.com/office/drawing/2014/main" id="{96054625-4DEB-455E-9C9A-4B7EEC79C071}"/>
               </a:ext>
             </a:extLst>
           </p:cNvPr>
@@ -9230,7 +10334,7 @@
             <p:cNvPr id="4" name="グループ化 3">
               <a:extLst>
                 <a:ext uri="{FF2B5EF4-FFF2-40B4-BE49-F238E27FC236}">
-                  <a16:creationId xmlns:a16="http://schemas.microsoft.com/office/drawing/2014/main" xmlns="" id="{2B90E40E-FF9D-461B-BCC9-D75A173B87E1}"/>
+                  <a16:creationId xmlns:a16="http://schemas.microsoft.com/office/drawing/2014/main" id="{2B90E40E-FF9D-461B-BCC9-D75A173B87E1}"/>
                 </a:ext>
               </a:extLst>
             </p:cNvPr>
@@ -9250,7 +10354,7 @@
               <p:cNvPr id="48" name="図 47">
                 <a:extLst>
                   <a:ext uri="{FF2B5EF4-FFF2-40B4-BE49-F238E27FC236}">
-                    <a16:creationId xmlns:a16="http://schemas.microsoft.com/office/drawing/2014/main" xmlns="" id="{3523ACD7-568A-40F1-8B84-AFDB92116495}"/>
+                    <a16:creationId xmlns:a16="http://schemas.microsoft.com/office/drawing/2014/main" id="{3523ACD7-568A-40F1-8B84-AFDB92116495}"/>
                   </a:ext>
                 </a:extLst>
               </p:cNvPr>
@@ -9286,7 +10390,7 @@
               <p:cNvPr id="52" name="円/楕円 23">
                 <a:extLst>
                   <a:ext uri="{FF2B5EF4-FFF2-40B4-BE49-F238E27FC236}">
-                    <a16:creationId xmlns:a16="http://schemas.microsoft.com/office/drawing/2014/main" xmlns="" id="{C85DF49D-16B7-41DD-A3D2-276DEC09A269}"/>
+                    <a16:creationId xmlns:a16="http://schemas.microsoft.com/office/drawing/2014/main" id="{C85DF49D-16B7-41DD-A3D2-276DEC09A269}"/>
                   </a:ext>
                 </a:extLst>
               </p:cNvPr>
@@ -9339,7 +10443,7 @@
             <p:cNvPr id="50" name="テキスト ボックス 49">
               <a:extLst>
                 <a:ext uri="{FF2B5EF4-FFF2-40B4-BE49-F238E27FC236}">
-                  <a16:creationId xmlns:a16="http://schemas.microsoft.com/office/drawing/2014/main" xmlns="" id="{EC80A4E5-A68B-40EB-A5BC-670831AD9E49}"/>
+                  <a16:creationId xmlns:a16="http://schemas.microsoft.com/office/drawing/2014/main" id="{EC80A4E5-A68B-40EB-A5BC-670831AD9E49}"/>
                 </a:ext>
               </a:extLst>
             </p:cNvPr>
@@ -9441,7 +10545,7 @@
           <p:cNvPr id="4" name="図 3">
             <a:extLst>
               <a:ext uri="{FF2B5EF4-FFF2-40B4-BE49-F238E27FC236}">
-                <a16:creationId xmlns:a16="http://schemas.microsoft.com/office/drawing/2014/main" xmlns="" id="{ECE8455F-6A80-419C-B1AE-BA44C93CDAC7}"/>
+                <a16:creationId xmlns:a16="http://schemas.microsoft.com/office/drawing/2014/main" id="{ECE8455F-6A80-419C-B1AE-BA44C93CDAC7}"/>
               </a:ext>
             </a:extLst>
           </p:cNvPr>
@@ -9477,7 +10581,7 @@
           <p:cNvPr id="5" name="図 4">
             <a:extLst>
               <a:ext uri="{FF2B5EF4-FFF2-40B4-BE49-F238E27FC236}">
-                <a16:creationId xmlns:a16="http://schemas.microsoft.com/office/drawing/2014/main" xmlns="" id="{50FBB6EB-7622-4914-BA0A-1FBB2B5F1054}"/>
+                <a16:creationId xmlns:a16="http://schemas.microsoft.com/office/drawing/2014/main" id="{50FBB6EB-7622-4914-BA0A-1FBB2B5F1054}"/>
               </a:ext>
             </a:extLst>
           </p:cNvPr>
@@ -9538,6 +10642,606 @@
           </a:prstGeom>
         </p:spPr>
       </p:pic>
+      <p:grpSp>
+        <p:nvGrpSpPr>
+          <p:cNvPr id="8" name="グループ化 7">
+            <a:extLst>
+              <a:ext uri="{FF2B5EF4-FFF2-40B4-BE49-F238E27FC236}">
+                <a16:creationId xmlns:a16="http://schemas.microsoft.com/office/drawing/2014/main" id="{3B5260CB-FC7B-4D69-BB97-0E3531060554}"/>
+              </a:ext>
+            </a:extLst>
+          </p:cNvPr>
+          <p:cNvGrpSpPr/>
+          <p:nvPr/>
+        </p:nvGrpSpPr>
+        <p:grpSpPr>
+          <a:xfrm>
+            <a:off x="7700195" y="3166352"/>
+            <a:ext cx="1262742" cy="1379655"/>
+            <a:chOff x="10732184" y="2548474"/>
+            <a:chExt cx="1262742" cy="1379655"/>
+          </a:xfrm>
+        </p:grpSpPr>
+        <p:pic>
+          <p:nvPicPr>
+            <p:cNvPr id="9" name="図 8">
+              <a:extLst>
+                <a:ext uri="{FF2B5EF4-FFF2-40B4-BE49-F238E27FC236}">
+                  <a16:creationId xmlns:a16="http://schemas.microsoft.com/office/drawing/2014/main" id="{9B4C6870-3E05-4136-926C-C1449E287805}"/>
+                </a:ext>
+              </a:extLst>
+            </p:cNvPr>
+            <p:cNvPicPr>
+              <a:picLocks noChangeAspect="1"/>
+            </p:cNvPicPr>
+            <p:nvPr/>
+          </p:nvPicPr>
+          <p:blipFill>
+            <a:blip r:embed="rId6">
+              <a:extLst>
+                <a:ext uri="{28A0092B-C50C-407E-A947-70E740481C1C}">
+                  <a14:useLocalDpi xmlns:a14="http://schemas.microsoft.com/office/drawing/2010/main" val="0"/>
+                </a:ext>
+              </a:extLst>
+            </a:blip>
+            <a:stretch>
+              <a:fillRect/>
+            </a:stretch>
+          </p:blipFill>
+          <p:spPr>
+            <a:xfrm>
+              <a:off x="10732184" y="2665387"/>
+              <a:ext cx="1262742" cy="1262742"/>
+            </a:xfrm>
+            <a:prstGeom prst="rect">
+              <a:avLst/>
+            </a:prstGeom>
+          </p:spPr>
+        </p:pic>
+        <p:sp>
+          <p:nvSpPr>
+            <p:cNvPr id="10" name="円/楕円 23">
+              <a:extLst>
+                <a:ext uri="{FF2B5EF4-FFF2-40B4-BE49-F238E27FC236}">
+                  <a16:creationId xmlns:a16="http://schemas.microsoft.com/office/drawing/2014/main" id="{EBBE3938-8090-4467-B0D3-842B18EED1D0}"/>
+                </a:ext>
+              </a:extLst>
+            </p:cNvPr>
+            <p:cNvSpPr/>
+            <p:nvPr/>
+          </p:nvSpPr>
+          <p:spPr>
+            <a:xfrm>
+              <a:off x="11036983" y="2766417"/>
+              <a:ext cx="653143" cy="653143"/>
+            </a:xfrm>
+            <a:prstGeom prst="ellipse">
+              <a:avLst/>
+            </a:prstGeom>
+            <a:solidFill>
+              <a:schemeClr val="bg1"/>
+            </a:solidFill>
+            <a:ln>
+              <a:noFill/>
+            </a:ln>
+          </p:spPr>
+          <p:style>
+            <a:lnRef idx="2">
+              <a:schemeClr val="accent1">
+                <a:shade val="50000"/>
+              </a:schemeClr>
+            </a:lnRef>
+            <a:fillRef idx="1">
+              <a:schemeClr val="accent1"/>
+            </a:fillRef>
+            <a:effectRef idx="0">
+              <a:schemeClr val="accent1"/>
+            </a:effectRef>
+            <a:fontRef idx="minor">
+              <a:schemeClr val="lt1"/>
+            </a:fontRef>
+          </p:style>
+          <p:txBody>
+            <a:bodyPr rtlCol="0" anchor="ctr"/>
+            <a:lstStyle/>
+            <a:p>
+              <a:pPr algn="ctr"/>
+              <a:endParaRPr kumimoji="1" lang="ja-JP" altLang="en-US"/>
+            </a:p>
+          </p:txBody>
+        </p:sp>
+        <p:sp>
+          <p:nvSpPr>
+            <p:cNvPr id="11" name="テキスト ボックス 10">
+              <a:extLst>
+                <a:ext uri="{FF2B5EF4-FFF2-40B4-BE49-F238E27FC236}">
+                  <a16:creationId xmlns:a16="http://schemas.microsoft.com/office/drawing/2014/main" id="{415B49D2-948A-4DC5-A91E-17B1ADA3157D}"/>
+                </a:ext>
+              </a:extLst>
+            </p:cNvPr>
+            <p:cNvSpPr txBox="1"/>
+            <p:nvPr/>
+          </p:nvSpPr>
+          <p:spPr>
+            <a:xfrm>
+              <a:off x="10862700" y="2548474"/>
+              <a:ext cx="1001485" cy="1015663"/>
+            </a:xfrm>
+            <a:prstGeom prst="rect">
+              <a:avLst/>
+            </a:prstGeom>
+            <a:noFill/>
+          </p:spPr>
+          <p:txBody>
+            <a:bodyPr wrap="square" rtlCol="0">
+              <a:spAutoFit/>
+            </a:bodyPr>
+            <a:lstStyle/>
+            <a:p>
+              <a:pPr algn="ctr"/>
+              <a:r>
+                <a:rPr kumimoji="1" lang="en-US" altLang="ja-JP" sz="6000" dirty="0">
+                  <a:solidFill>
+                    <a:srgbClr val="274060"/>
+                  </a:solidFill>
+                  <a:latin typeface="French Script MT" panose="03020402040607040605" pitchFamily="66" charset="0"/>
+                </a:rPr>
+                <a:t>4 </a:t>
+              </a:r>
+            </a:p>
+          </p:txBody>
+        </p:sp>
+      </p:grpSp>
+      <p:grpSp>
+        <p:nvGrpSpPr>
+          <p:cNvPr id="12" name="グループ化 11">
+            <a:extLst>
+              <a:ext uri="{FF2B5EF4-FFF2-40B4-BE49-F238E27FC236}">
+                <a16:creationId xmlns:a16="http://schemas.microsoft.com/office/drawing/2014/main" id="{A455F160-96D1-4A16-985B-D961CC64FAC2}"/>
+              </a:ext>
+            </a:extLst>
+          </p:cNvPr>
+          <p:cNvGrpSpPr/>
+          <p:nvPr/>
+        </p:nvGrpSpPr>
+        <p:grpSpPr>
+          <a:xfrm>
+            <a:off x="4123973" y="3166352"/>
+            <a:ext cx="1262742" cy="1379655"/>
+            <a:chOff x="10732184" y="2548474"/>
+            <a:chExt cx="1262742" cy="1379655"/>
+          </a:xfrm>
+        </p:grpSpPr>
+        <p:pic>
+          <p:nvPicPr>
+            <p:cNvPr id="13" name="図 12">
+              <a:extLst>
+                <a:ext uri="{FF2B5EF4-FFF2-40B4-BE49-F238E27FC236}">
+                  <a16:creationId xmlns:a16="http://schemas.microsoft.com/office/drawing/2014/main" id="{DE7046BC-8375-45C6-B711-B224031C9FF0}"/>
+                </a:ext>
+              </a:extLst>
+            </p:cNvPr>
+            <p:cNvPicPr>
+              <a:picLocks noChangeAspect="1"/>
+            </p:cNvPicPr>
+            <p:nvPr/>
+          </p:nvPicPr>
+          <p:blipFill>
+            <a:blip r:embed="rId6">
+              <a:extLst>
+                <a:ext uri="{28A0092B-C50C-407E-A947-70E740481C1C}">
+                  <a14:useLocalDpi xmlns:a14="http://schemas.microsoft.com/office/drawing/2010/main" val="0"/>
+                </a:ext>
+              </a:extLst>
+            </a:blip>
+            <a:stretch>
+              <a:fillRect/>
+            </a:stretch>
+          </p:blipFill>
+          <p:spPr>
+            <a:xfrm>
+              <a:off x="10732184" y="2665387"/>
+              <a:ext cx="1262742" cy="1262742"/>
+            </a:xfrm>
+            <a:prstGeom prst="rect">
+              <a:avLst/>
+            </a:prstGeom>
+          </p:spPr>
+        </p:pic>
+        <p:sp>
+          <p:nvSpPr>
+            <p:cNvPr id="14" name="円/楕円 23">
+              <a:extLst>
+                <a:ext uri="{FF2B5EF4-FFF2-40B4-BE49-F238E27FC236}">
+                  <a16:creationId xmlns:a16="http://schemas.microsoft.com/office/drawing/2014/main" id="{64568828-CB73-4AC8-894C-6960AB9033C5}"/>
+                </a:ext>
+              </a:extLst>
+            </p:cNvPr>
+            <p:cNvSpPr/>
+            <p:nvPr/>
+          </p:nvSpPr>
+          <p:spPr>
+            <a:xfrm>
+              <a:off x="11036983" y="2766417"/>
+              <a:ext cx="653143" cy="653143"/>
+            </a:xfrm>
+            <a:prstGeom prst="ellipse">
+              <a:avLst/>
+            </a:prstGeom>
+            <a:solidFill>
+              <a:schemeClr val="bg1"/>
+            </a:solidFill>
+            <a:ln>
+              <a:noFill/>
+            </a:ln>
+          </p:spPr>
+          <p:style>
+            <a:lnRef idx="2">
+              <a:schemeClr val="accent1">
+                <a:shade val="50000"/>
+              </a:schemeClr>
+            </a:lnRef>
+            <a:fillRef idx="1">
+              <a:schemeClr val="accent1"/>
+            </a:fillRef>
+            <a:effectRef idx="0">
+              <a:schemeClr val="accent1"/>
+            </a:effectRef>
+            <a:fontRef idx="minor">
+              <a:schemeClr val="lt1"/>
+            </a:fontRef>
+          </p:style>
+          <p:txBody>
+            <a:bodyPr rtlCol="0" anchor="ctr"/>
+            <a:lstStyle/>
+            <a:p>
+              <a:pPr algn="ctr"/>
+              <a:endParaRPr kumimoji="1" lang="ja-JP" altLang="en-US"/>
+            </a:p>
+          </p:txBody>
+        </p:sp>
+        <p:sp>
+          <p:nvSpPr>
+            <p:cNvPr id="15" name="テキスト ボックス 14">
+              <a:extLst>
+                <a:ext uri="{FF2B5EF4-FFF2-40B4-BE49-F238E27FC236}">
+                  <a16:creationId xmlns:a16="http://schemas.microsoft.com/office/drawing/2014/main" id="{AE92F573-C69F-4433-9AD1-A75A97FA4C15}"/>
+                </a:ext>
+              </a:extLst>
+            </p:cNvPr>
+            <p:cNvSpPr txBox="1"/>
+            <p:nvPr/>
+          </p:nvSpPr>
+          <p:spPr>
+            <a:xfrm>
+              <a:off x="10862700" y="2548474"/>
+              <a:ext cx="1001485" cy="1015663"/>
+            </a:xfrm>
+            <a:prstGeom prst="rect">
+              <a:avLst/>
+            </a:prstGeom>
+            <a:noFill/>
+          </p:spPr>
+          <p:txBody>
+            <a:bodyPr wrap="square" rtlCol="0">
+              <a:spAutoFit/>
+            </a:bodyPr>
+            <a:lstStyle/>
+            <a:p>
+              <a:pPr algn="ctr"/>
+              <a:r>
+                <a:rPr kumimoji="1" lang="en-US" altLang="ja-JP" sz="6000" dirty="0">
+                  <a:solidFill>
+                    <a:srgbClr val="274060"/>
+                  </a:solidFill>
+                  <a:latin typeface="French Script MT" panose="03020402040607040605" pitchFamily="66" charset="0"/>
+                </a:rPr>
+                <a:t>2 </a:t>
+              </a:r>
+            </a:p>
+          </p:txBody>
+        </p:sp>
+      </p:grpSp>
+      <p:grpSp>
+        <p:nvGrpSpPr>
+          <p:cNvPr id="16" name="グループ化 15">
+            <a:extLst>
+              <a:ext uri="{FF2B5EF4-FFF2-40B4-BE49-F238E27FC236}">
+                <a16:creationId xmlns:a16="http://schemas.microsoft.com/office/drawing/2014/main" id="{AD4C5576-492B-4A52-A777-BEECD9788B6E}"/>
+              </a:ext>
+            </a:extLst>
+          </p:cNvPr>
+          <p:cNvGrpSpPr/>
+          <p:nvPr/>
+        </p:nvGrpSpPr>
+        <p:grpSpPr>
+          <a:xfrm>
+            <a:off x="197620" y="2449890"/>
+            <a:ext cx="1262742" cy="1379655"/>
+            <a:chOff x="10732184" y="2548474"/>
+            <a:chExt cx="1262742" cy="1379655"/>
+          </a:xfrm>
+        </p:grpSpPr>
+        <p:pic>
+          <p:nvPicPr>
+            <p:cNvPr id="17" name="図 16">
+              <a:extLst>
+                <a:ext uri="{FF2B5EF4-FFF2-40B4-BE49-F238E27FC236}">
+                  <a16:creationId xmlns:a16="http://schemas.microsoft.com/office/drawing/2014/main" id="{A70DB5A9-8920-46D8-A960-0BB75A16E8C8}"/>
+                </a:ext>
+              </a:extLst>
+            </p:cNvPr>
+            <p:cNvPicPr>
+              <a:picLocks noChangeAspect="1"/>
+            </p:cNvPicPr>
+            <p:nvPr/>
+          </p:nvPicPr>
+          <p:blipFill>
+            <a:blip r:embed="rId6">
+              <a:extLst>
+                <a:ext uri="{28A0092B-C50C-407E-A947-70E740481C1C}">
+                  <a14:useLocalDpi xmlns:a14="http://schemas.microsoft.com/office/drawing/2010/main" val="0"/>
+                </a:ext>
+              </a:extLst>
+            </a:blip>
+            <a:stretch>
+              <a:fillRect/>
+            </a:stretch>
+          </p:blipFill>
+          <p:spPr>
+            <a:xfrm>
+              <a:off x="10732184" y="2665387"/>
+              <a:ext cx="1262742" cy="1262742"/>
+            </a:xfrm>
+            <a:prstGeom prst="rect">
+              <a:avLst/>
+            </a:prstGeom>
+          </p:spPr>
+        </p:pic>
+        <p:sp>
+          <p:nvSpPr>
+            <p:cNvPr id="18" name="円/楕円 23">
+              <a:extLst>
+                <a:ext uri="{FF2B5EF4-FFF2-40B4-BE49-F238E27FC236}">
+                  <a16:creationId xmlns:a16="http://schemas.microsoft.com/office/drawing/2014/main" id="{71DB6E04-AC93-4E4A-BB63-3B82A86FBACE}"/>
+                </a:ext>
+              </a:extLst>
+            </p:cNvPr>
+            <p:cNvSpPr/>
+            <p:nvPr/>
+          </p:nvSpPr>
+          <p:spPr>
+            <a:xfrm>
+              <a:off x="11036983" y="2766417"/>
+              <a:ext cx="653143" cy="653143"/>
+            </a:xfrm>
+            <a:prstGeom prst="ellipse">
+              <a:avLst/>
+            </a:prstGeom>
+            <a:solidFill>
+              <a:schemeClr val="bg1"/>
+            </a:solidFill>
+            <a:ln>
+              <a:noFill/>
+            </a:ln>
+          </p:spPr>
+          <p:style>
+            <a:lnRef idx="2">
+              <a:schemeClr val="accent1">
+                <a:shade val="50000"/>
+              </a:schemeClr>
+            </a:lnRef>
+            <a:fillRef idx="1">
+              <a:schemeClr val="accent1"/>
+            </a:fillRef>
+            <a:effectRef idx="0">
+              <a:schemeClr val="accent1"/>
+            </a:effectRef>
+            <a:fontRef idx="minor">
+              <a:schemeClr val="lt1"/>
+            </a:fontRef>
+          </p:style>
+          <p:txBody>
+            <a:bodyPr rtlCol="0" anchor="ctr"/>
+            <a:lstStyle/>
+            <a:p>
+              <a:pPr algn="ctr"/>
+              <a:endParaRPr kumimoji="1" lang="ja-JP" altLang="en-US"/>
+            </a:p>
+          </p:txBody>
+        </p:sp>
+        <p:sp>
+          <p:nvSpPr>
+            <p:cNvPr id="19" name="テキスト ボックス 18">
+              <a:extLst>
+                <a:ext uri="{FF2B5EF4-FFF2-40B4-BE49-F238E27FC236}">
+                  <a16:creationId xmlns:a16="http://schemas.microsoft.com/office/drawing/2014/main" id="{D2633493-C3C0-4C88-8928-CC32A0522B9A}"/>
+                </a:ext>
+              </a:extLst>
+            </p:cNvPr>
+            <p:cNvSpPr txBox="1"/>
+            <p:nvPr/>
+          </p:nvSpPr>
+          <p:spPr>
+            <a:xfrm>
+              <a:off x="10862700" y="2548474"/>
+              <a:ext cx="1001485" cy="1015663"/>
+            </a:xfrm>
+            <a:prstGeom prst="rect">
+              <a:avLst/>
+            </a:prstGeom>
+            <a:noFill/>
+          </p:spPr>
+          <p:txBody>
+            <a:bodyPr wrap="square" rtlCol="0">
+              <a:spAutoFit/>
+            </a:bodyPr>
+            <a:lstStyle/>
+            <a:p>
+              <a:pPr algn="ctr"/>
+              <a:r>
+                <a:rPr kumimoji="1" lang="en-US" altLang="ja-JP" sz="6000" dirty="0">
+                  <a:solidFill>
+                    <a:srgbClr val="274060"/>
+                  </a:solidFill>
+                  <a:latin typeface="French Script MT" panose="03020402040607040605" pitchFamily="66" charset="0"/>
+                </a:rPr>
+                <a:t>1 </a:t>
+              </a:r>
+            </a:p>
+          </p:txBody>
+        </p:sp>
+      </p:grpSp>
+      <p:grpSp>
+        <p:nvGrpSpPr>
+          <p:cNvPr id="20" name="グループ化 19">
+            <a:extLst>
+              <a:ext uri="{FF2B5EF4-FFF2-40B4-BE49-F238E27FC236}">
+                <a16:creationId xmlns:a16="http://schemas.microsoft.com/office/drawing/2014/main" id="{8EA60831-11B2-40EB-880B-03D7FD4FACD7}"/>
+              </a:ext>
+            </a:extLst>
+          </p:cNvPr>
+          <p:cNvGrpSpPr/>
+          <p:nvPr/>
+        </p:nvGrpSpPr>
+        <p:grpSpPr>
+          <a:xfrm>
+            <a:off x="5260173" y="806449"/>
+            <a:ext cx="1262742" cy="1379655"/>
+            <a:chOff x="10732184" y="2548474"/>
+            <a:chExt cx="1262742" cy="1379655"/>
+          </a:xfrm>
+        </p:grpSpPr>
+        <p:pic>
+          <p:nvPicPr>
+            <p:cNvPr id="21" name="図 20">
+              <a:extLst>
+                <a:ext uri="{FF2B5EF4-FFF2-40B4-BE49-F238E27FC236}">
+                  <a16:creationId xmlns:a16="http://schemas.microsoft.com/office/drawing/2014/main" id="{2738E703-F26D-4B43-9FBF-70BC883E1591}"/>
+                </a:ext>
+              </a:extLst>
+            </p:cNvPr>
+            <p:cNvPicPr>
+              <a:picLocks noChangeAspect="1"/>
+            </p:cNvPicPr>
+            <p:nvPr/>
+          </p:nvPicPr>
+          <p:blipFill>
+            <a:blip r:embed="rId6">
+              <a:extLst>
+                <a:ext uri="{28A0092B-C50C-407E-A947-70E740481C1C}">
+                  <a14:useLocalDpi xmlns:a14="http://schemas.microsoft.com/office/drawing/2010/main" val="0"/>
+                </a:ext>
+              </a:extLst>
+            </a:blip>
+            <a:stretch>
+              <a:fillRect/>
+            </a:stretch>
+          </p:blipFill>
+          <p:spPr>
+            <a:xfrm>
+              <a:off x="10732184" y="2665387"/>
+              <a:ext cx="1262742" cy="1262742"/>
+            </a:xfrm>
+            <a:prstGeom prst="rect">
+              <a:avLst/>
+            </a:prstGeom>
+          </p:spPr>
+        </p:pic>
+        <p:sp>
+          <p:nvSpPr>
+            <p:cNvPr id="22" name="円/楕円 23">
+              <a:extLst>
+                <a:ext uri="{FF2B5EF4-FFF2-40B4-BE49-F238E27FC236}">
+                  <a16:creationId xmlns:a16="http://schemas.microsoft.com/office/drawing/2014/main" id="{BF87DA3E-2616-4B04-AEC8-30CA2DA00B47}"/>
+                </a:ext>
+              </a:extLst>
+            </p:cNvPr>
+            <p:cNvSpPr/>
+            <p:nvPr/>
+          </p:nvSpPr>
+          <p:spPr>
+            <a:xfrm>
+              <a:off x="11036983" y="2766417"/>
+              <a:ext cx="653143" cy="653143"/>
+            </a:xfrm>
+            <a:prstGeom prst="ellipse">
+              <a:avLst/>
+            </a:prstGeom>
+            <a:solidFill>
+              <a:schemeClr val="bg1"/>
+            </a:solidFill>
+            <a:ln>
+              <a:noFill/>
+            </a:ln>
+          </p:spPr>
+          <p:style>
+            <a:lnRef idx="2">
+              <a:schemeClr val="accent1">
+                <a:shade val="50000"/>
+              </a:schemeClr>
+            </a:lnRef>
+            <a:fillRef idx="1">
+              <a:schemeClr val="accent1"/>
+            </a:fillRef>
+            <a:effectRef idx="0">
+              <a:schemeClr val="accent1"/>
+            </a:effectRef>
+            <a:fontRef idx="minor">
+              <a:schemeClr val="lt1"/>
+            </a:fontRef>
+          </p:style>
+          <p:txBody>
+            <a:bodyPr rtlCol="0" anchor="ctr"/>
+            <a:lstStyle/>
+            <a:p>
+              <a:pPr algn="ctr"/>
+              <a:endParaRPr kumimoji="1" lang="ja-JP" altLang="en-US"/>
+            </a:p>
+          </p:txBody>
+        </p:sp>
+        <p:sp>
+          <p:nvSpPr>
+            <p:cNvPr id="23" name="テキスト ボックス 22">
+              <a:extLst>
+                <a:ext uri="{FF2B5EF4-FFF2-40B4-BE49-F238E27FC236}">
+                  <a16:creationId xmlns:a16="http://schemas.microsoft.com/office/drawing/2014/main" id="{5DBCA667-925B-430C-A8F3-406282677B1D}"/>
+                </a:ext>
+              </a:extLst>
+            </p:cNvPr>
+            <p:cNvSpPr txBox="1"/>
+            <p:nvPr/>
+          </p:nvSpPr>
+          <p:spPr>
+            <a:xfrm>
+              <a:off x="10862700" y="2548474"/>
+              <a:ext cx="1001485" cy="1015663"/>
+            </a:xfrm>
+            <a:prstGeom prst="rect">
+              <a:avLst/>
+            </a:prstGeom>
+            <a:noFill/>
+          </p:spPr>
+          <p:txBody>
+            <a:bodyPr wrap="square" rtlCol="0">
+              <a:spAutoFit/>
+            </a:bodyPr>
+            <a:lstStyle/>
+            <a:p>
+              <a:pPr algn="ctr"/>
+              <a:r>
+                <a:rPr kumimoji="1" lang="en-US" altLang="ja-JP" sz="6000" dirty="0">
+                  <a:solidFill>
+                    <a:srgbClr val="274060"/>
+                  </a:solidFill>
+                  <a:latin typeface="French Script MT" panose="03020402040607040605" pitchFamily="66" charset="0"/>
+                </a:rPr>
+                <a:t>3 </a:t>
+              </a:r>
+            </a:p>
+          </p:txBody>
+        </p:sp>
+      </p:grpSp>
     </p:spTree>
     <p:extLst>
       <p:ext uri="{BB962C8B-B14F-4D97-AF65-F5344CB8AC3E}">
@@ -9717,6 +11421,165 @@
           </a:prstGeom>
         </p:spPr>
       </p:pic>
+      <p:grpSp>
+        <p:nvGrpSpPr>
+          <p:cNvPr id="5" name="グループ化 4">
+            <a:extLst>
+              <a:ext uri="{FF2B5EF4-FFF2-40B4-BE49-F238E27FC236}">
+                <a16:creationId xmlns:a16="http://schemas.microsoft.com/office/drawing/2014/main" id="{99841AE1-4360-41BA-B7A3-EFF6186F1D4C}"/>
+              </a:ext>
+            </a:extLst>
+          </p:cNvPr>
+          <p:cNvGrpSpPr/>
+          <p:nvPr/>
+        </p:nvGrpSpPr>
+        <p:grpSpPr>
+          <a:xfrm>
+            <a:off x="6679263" y="2739172"/>
+            <a:ext cx="1262742" cy="1379655"/>
+            <a:chOff x="10732184" y="2548474"/>
+            <a:chExt cx="1262742" cy="1379655"/>
+          </a:xfrm>
+        </p:grpSpPr>
+        <p:pic>
+          <p:nvPicPr>
+            <p:cNvPr id="6" name="図 5">
+              <a:extLst>
+                <a:ext uri="{FF2B5EF4-FFF2-40B4-BE49-F238E27FC236}">
+                  <a16:creationId xmlns:a16="http://schemas.microsoft.com/office/drawing/2014/main" id="{1CF16D79-CA90-41BB-9433-98C27F075CC6}"/>
+                </a:ext>
+              </a:extLst>
+            </p:cNvPr>
+            <p:cNvPicPr>
+              <a:picLocks noChangeAspect="1"/>
+            </p:cNvPicPr>
+            <p:nvPr/>
+          </p:nvPicPr>
+          <p:blipFill>
+            <a:blip r:embed="rId4">
+              <a:extLst>
+                <a:ext uri="{28A0092B-C50C-407E-A947-70E740481C1C}">
+                  <a14:useLocalDpi xmlns:a14="http://schemas.microsoft.com/office/drawing/2010/main" val="0"/>
+                </a:ext>
+              </a:extLst>
+            </a:blip>
+            <a:stretch>
+              <a:fillRect/>
+            </a:stretch>
+          </p:blipFill>
+          <p:spPr>
+            <a:xfrm>
+              <a:off x="10732184" y="2665387"/>
+              <a:ext cx="1262742" cy="1262742"/>
+            </a:xfrm>
+            <a:prstGeom prst="rect">
+              <a:avLst/>
+            </a:prstGeom>
+          </p:spPr>
+        </p:pic>
+        <p:sp>
+          <p:nvSpPr>
+            <p:cNvPr id="7" name="円/楕円 23">
+              <a:extLst>
+                <a:ext uri="{FF2B5EF4-FFF2-40B4-BE49-F238E27FC236}">
+                  <a16:creationId xmlns:a16="http://schemas.microsoft.com/office/drawing/2014/main" id="{CF99359D-A725-4101-9F4B-49D75085C8BF}"/>
+                </a:ext>
+              </a:extLst>
+            </p:cNvPr>
+            <p:cNvSpPr/>
+            <p:nvPr/>
+          </p:nvSpPr>
+          <p:spPr>
+            <a:xfrm>
+              <a:off x="11036983" y="2766417"/>
+              <a:ext cx="653143" cy="653143"/>
+            </a:xfrm>
+            <a:prstGeom prst="ellipse">
+              <a:avLst/>
+            </a:prstGeom>
+            <a:solidFill>
+              <a:schemeClr val="bg1"/>
+            </a:solidFill>
+            <a:ln>
+              <a:noFill/>
+            </a:ln>
+          </p:spPr>
+          <p:style>
+            <a:lnRef idx="2">
+              <a:schemeClr val="accent1">
+                <a:shade val="50000"/>
+              </a:schemeClr>
+            </a:lnRef>
+            <a:fillRef idx="1">
+              <a:schemeClr val="accent1"/>
+            </a:fillRef>
+            <a:effectRef idx="0">
+              <a:schemeClr val="accent1"/>
+            </a:effectRef>
+            <a:fontRef idx="minor">
+              <a:schemeClr val="lt1"/>
+            </a:fontRef>
+          </p:style>
+          <p:txBody>
+            <a:bodyPr rtlCol="0" anchor="ctr"/>
+            <a:lstStyle/>
+            <a:p>
+              <a:pPr algn="ctr"/>
+              <a:endParaRPr kumimoji="1" lang="ja-JP" altLang="en-US"/>
+            </a:p>
+          </p:txBody>
+        </p:sp>
+        <p:sp>
+          <p:nvSpPr>
+            <p:cNvPr id="8" name="テキスト ボックス 7">
+              <a:extLst>
+                <a:ext uri="{FF2B5EF4-FFF2-40B4-BE49-F238E27FC236}">
+                  <a16:creationId xmlns:a16="http://schemas.microsoft.com/office/drawing/2014/main" id="{7F6218EE-DFA5-44E0-9AE0-505CF1E10C84}"/>
+                </a:ext>
+              </a:extLst>
+            </p:cNvPr>
+            <p:cNvSpPr txBox="1"/>
+            <p:nvPr/>
+          </p:nvSpPr>
+          <p:spPr>
+            <a:xfrm>
+              <a:off x="10862700" y="2548474"/>
+              <a:ext cx="1001485" cy="1015663"/>
+            </a:xfrm>
+            <a:prstGeom prst="rect">
+              <a:avLst/>
+            </a:prstGeom>
+            <a:noFill/>
+          </p:spPr>
+          <p:txBody>
+            <a:bodyPr wrap="square" rtlCol="0">
+              <a:spAutoFit/>
+            </a:bodyPr>
+            <a:lstStyle/>
+            <a:p>
+              <a:pPr algn="ctr"/>
+              <a:r>
+                <a:rPr lang="en-US" altLang="ja-JP" sz="6000" dirty="0">
+                  <a:solidFill>
+                    <a:srgbClr val="274060"/>
+                  </a:solidFill>
+                  <a:latin typeface="French Script MT" panose="03020402040607040605" pitchFamily="66" charset="0"/>
+                </a:rPr>
+                <a:t>1</a:t>
+              </a:r>
+              <a:r>
+                <a:rPr kumimoji="1" lang="en-US" altLang="ja-JP" sz="6000" dirty="0">
+                  <a:solidFill>
+                    <a:srgbClr val="274060"/>
+                  </a:solidFill>
+                  <a:latin typeface="French Script MT" panose="03020402040607040605" pitchFamily="66" charset="0"/>
+                </a:rPr>
+                <a:t> </a:t>
+              </a:r>
+            </a:p>
+          </p:txBody>
+        </p:sp>
+      </p:grpSp>
     </p:spTree>
     <p:extLst>
       <p:ext uri="{BB962C8B-B14F-4D97-AF65-F5344CB8AC3E}">
@@ -9806,6 +11669,165 @@
           </a:prstGeom>
         </p:spPr>
       </p:pic>
+      <p:grpSp>
+        <p:nvGrpSpPr>
+          <p:cNvPr id="4" name="グループ化 3">
+            <a:extLst>
+              <a:ext uri="{FF2B5EF4-FFF2-40B4-BE49-F238E27FC236}">
+                <a16:creationId xmlns:a16="http://schemas.microsoft.com/office/drawing/2014/main" id="{EE6A1AF7-EE53-46F1-AAED-0155A6917E94}"/>
+              </a:ext>
+            </a:extLst>
+          </p:cNvPr>
+          <p:cNvGrpSpPr/>
+          <p:nvPr/>
+        </p:nvGrpSpPr>
+        <p:grpSpPr>
+          <a:xfrm>
+            <a:off x="4948117" y="4080752"/>
+            <a:ext cx="1262742" cy="1379655"/>
+            <a:chOff x="10732184" y="2548474"/>
+            <a:chExt cx="1262742" cy="1379655"/>
+          </a:xfrm>
+        </p:grpSpPr>
+        <p:pic>
+          <p:nvPicPr>
+            <p:cNvPr id="5" name="図 4">
+              <a:extLst>
+                <a:ext uri="{FF2B5EF4-FFF2-40B4-BE49-F238E27FC236}">
+                  <a16:creationId xmlns:a16="http://schemas.microsoft.com/office/drawing/2014/main" id="{3A4B0726-85C7-44C0-9596-7AF818CD1E8F}"/>
+                </a:ext>
+              </a:extLst>
+            </p:cNvPr>
+            <p:cNvPicPr>
+              <a:picLocks noChangeAspect="1"/>
+            </p:cNvPicPr>
+            <p:nvPr/>
+          </p:nvPicPr>
+          <p:blipFill>
+            <a:blip r:embed="rId4">
+              <a:extLst>
+                <a:ext uri="{28A0092B-C50C-407E-A947-70E740481C1C}">
+                  <a14:useLocalDpi xmlns:a14="http://schemas.microsoft.com/office/drawing/2010/main" val="0"/>
+                </a:ext>
+              </a:extLst>
+            </a:blip>
+            <a:stretch>
+              <a:fillRect/>
+            </a:stretch>
+          </p:blipFill>
+          <p:spPr>
+            <a:xfrm>
+              <a:off x="10732184" y="2665387"/>
+              <a:ext cx="1262742" cy="1262742"/>
+            </a:xfrm>
+            <a:prstGeom prst="rect">
+              <a:avLst/>
+            </a:prstGeom>
+          </p:spPr>
+        </p:pic>
+        <p:sp>
+          <p:nvSpPr>
+            <p:cNvPr id="6" name="円/楕円 23">
+              <a:extLst>
+                <a:ext uri="{FF2B5EF4-FFF2-40B4-BE49-F238E27FC236}">
+                  <a16:creationId xmlns:a16="http://schemas.microsoft.com/office/drawing/2014/main" id="{4554AE57-B024-4633-87DF-CB9B3FF6A892}"/>
+                </a:ext>
+              </a:extLst>
+            </p:cNvPr>
+            <p:cNvSpPr/>
+            <p:nvPr/>
+          </p:nvSpPr>
+          <p:spPr>
+            <a:xfrm>
+              <a:off x="11036983" y="2766417"/>
+              <a:ext cx="653143" cy="653143"/>
+            </a:xfrm>
+            <a:prstGeom prst="ellipse">
+              <a:avLst/>
+            </a:prstGeom>
+            <a:solidFill>
+              <a:schemeClr val="bg1"/>
+            </a:solidFill>
+            <a:ln>
+              <a:noFill/>
+            </a:ln>
+          </p:spPr>
+          <p:style>
+            <a:lnRef idx="2">
+              <a:schemeClr val="accent1">
+                <a:shade val="50000"/>
+              </a:schemeClr>
+            </a:lnRef>
+            <a:fillRef idx="1">
+              <a:schemeClr val="accent1"/>
+            </a:fillRef>
+            <a:effectRef idx="0">
+              <a:schemeClr val="accent1"/>
+            </a:effectRef>
+            <a:fontRef idx="minor">
+              <a:schemeClr val="lt1"/>
+            </a:fontRef>
+          </p:style>
+          <p:txBody>
+            <a:bodyPr rtlCol="0" anchor="ctr"/>
+            <a:lstStyle/>
+            <a:p>
+              <a:pPr algn="ctr"/>
+              <a:endParaRPr kumimoji="1" lang="ja-JP" altLang="en-US"/>
+            </a:p>
+          </p:txBody>
+        </p:sp>
+        <p:sp>
+          <p:nvSpPr>
+            <p:cNvPr id="7" name="テキスト ボックス 6">
+              <a:extLst>
+                <a:ext uri="{FF2B5EF4-FFF2-40B4-BE49-F238E27FC236}">
+                  <a16:creationId xmlns:a16="http://schemas.microsoft.com/office/drawing/2014/main" id="{F600D74A-718C-47D8-9CB5-EA1498283CE0}"/>
+                </a:ext>
+              </a:extLst>
+            </p:cNvPr>
+            <p:cNvSpPr txBox="1"/>
+            <p:nvPr/>
+          </p:nvSpPr>
+          <p:spPr>
+            <a:xfrm>
+              <a:off x="10862700" y="2548474"/>
+              <a:ext cx="1001485" cy="1015663"/>
+            </a:xfrm>
+            <a:prstGeom prst="rect">
+              <a:avLst/>
+            </a:prstGeom>
+            <a:noFill/>
+          </p:spPr>
+          <p:txBody>
+            <a:bodyPr wrap="square" rtlCol="0">
+              <a:spAutoFit/>
+            </a:bodyPr>
+            <a:lstStyle/>
+            <a:p>
+              <a:pPr algn="ctr"/>
+              <a:r>
+                <a:rPr lang="en-US" altLang="ja-JP" sz="6000" dirty="0">
+                  <a:solidFill>
+                    <a:srgbClr val="274060"/>
+                  </a:solidFill>
+                  <a:latin typeface="French Script MT" panose="03020402040607040605" pitchFamily="66" charset="0"/>
+                </a:rPr>
+                <a:t>1</a:t>
+              </a:r>
+              <a:r>
+                <a:rPr kumimoji="1" lang="en-US" altLang="ja-JP" sz="6000" dirty="0">
+                  <a:solidFill>
+                    <a:srgbClr val="274060"/>
+                  </a:solidFill>
+                  <a:latin typeface="French Script MT" panose="03020402040607040605" pitchFamily="66" charset="0"/>
+                </a:rPr>
+                <a:t> </a:t>
+              </a:r>
+            </a:p>
+          </p:txBody>
+        </p:sp>
+      </p:grpSp>
     </p:spTree>
     <p:extLst>
       <p:ext uri="{BB962C8B-B14F-4D97-AF65-F5344CB8AC3E}">
@@ -9895,6 +11917,165 @@
           </a:prstGeom>
         </p:spPr>
       </p:pic>
+      <p:grpSp>
+        <p:nvGrpSpPr>
+          <p:cNvPr id="4" name="グループ化 3">
+            <a:extLst>
+              <a:ext uri="{FF2B5EF4-FFF2-40B4-BE49-F238E27FC236}">
+                <a16:creationId xmlns:a16="http://schemas.microsoft.com/office/drawing/2014/main" id="{0661AE4F-E94B-4C6E-A392-E938BF66CCB9}"/>
+              </a:ext>
+            </a:extLst>
+          </p:cNvPr>
+          <p:cNvGrpSpPr/>
+          <p:nvPr/>
+        </p:nvGrpSpPr>
+        <p:grpSpPr>
+          <a:xfrm>
+            <a:off x="5615549" y="4071874"/>
+            <a:ext cx="1262742" cy="1379655"/>
+            <a:chOff x="10732184" y="2548474"/>
+            <a:chExt cx="1262742" cy="1379655"/>
+          </a:xfrm>
+        </p:grpSpPr>
+        <p:pic>
+          <p:nvPicPr>
+            <p:cNvPr id="5" name="図 4">
+              <a:extLst>
+                <a:ext uri="{FF2B5EF4-FFF2-40B4-BE49-F238E27FC236}">
+                  <a16:creationId xmlns:a16="http://schemas.microsoft.com/office/drawing/2014/main" id="{C57E69D2-A059-4ADF-BBEE-D17E183DAD91}"/>
+                </a:ext>
+              </a:extLst>
+            </p:cNvPr>
+            <p:cNvPicPr>
+              <a:picLocks noChangeAspect="1"/>
+            </p:cNvPicPr>
+            <p:nvPr/>
+          </p:nvPicPr>
+          <p:blipFill>
+            <a:blip r:embed="rId4">
+              <a:extLst>
+                <a:ext uri="{28A0092B-C50C-407E-A947-70E740481C1C}">
+                  <a14:useLocalDpi xmlns:a14="http://schemas.microsoft.com/office/drawing/2010/main" val="0"/>
+                </a:ext>
+              </a:extLst>
+            </a:blip>
+            <a:stretch>
+              <a:fillRect/>
+            </a:stretch>
+          </p:blipFill>
+          <p:spPr>
+            <a:xfrm>
+              <a:off x="10732184" y="2665387"/>
+              <a:ext cx="1262742" cy="1262742"/>
+            </a:xfrm>
+            <a:prstGeom prst="rect">
+              <a:avLst/>
+            </a:prstGeom>
+          </p:spPr>
+        </p:pic>
+        <p:sp>
+          <p:nvSpPr>
+            <p:cNvPr id="6" name="円/楕円 23">
+              <a:extLst>
+                <a:ext uri="{FF2B5EF4-FFF2-40B4-BE49-F238E27FC236}">
+                  <a16:creationId xmlns:a16="http://schemas.microsoft.com/office/drawing/2014/main" id="{BEA6F835-2B31-48E9-8CF0-DB1040215052}"/>
+                </a:ext>
+              </a:extLst>
+            </p:cNvPr>
+            <p:cNvSpPr/>
+            <p:nvPr/>
+          </p:nvSpPr>
+          <p:spPr>
+            <a:xfrm>
+              <a:off x="11036983" y="2766417"/>
+              <a:ext cx="653143" cy="653143"/>
+            </a:xfrm>
+            <a:prstGeom prst="ellipse">
+              <a:avLst/>
+            </a:prstGeom>
+            <a:solidFill>
+              <a:schemeClr val="bg1"/>
+            </a:solidFill>
+            <a:ln>
+              <a:noFill/>
+            </a:ln>
+          </p:spPr>
+          <p:style>
+            <a:lnRef idx="2">
+              <a:schemeClr val="accent1">
+                <a:shade val="50000"/>
+              </a:schemeClr>
+            </a:lnRef>
+            <a:fillRef idx="1">
+              <a:schemeClr val="accent1"/>
+            </a:fillRef>
+            <a:effectRef idx="0">
+              <a:schemeClr val="accent1"/>
+            </a:effectRef>
+            <a:fontRef idx="minor">
+              <a:schemeClr val="lt1"/>
+            </a:fontRef>
+          </p:style>
+          <p:txBody>
+            <a:bodyPr rtlCol="0" anchor="ctr"/>
+            <a:lstStyle/>
+            <a:p>
+              <a:pPr algn="ctr"/>
+              <a:endParaRPr kumimoji="1" lang="ja-JP" altLang="en-US"/>
+            </a:p>
+          </p:txBody>
+        </p:sp>
+        <p:sp>
+          <p:nvSpPr>
+            <p:cNvPr id="7" name="テキスト ボックス 6">
+              <a:extLst>
+                <a:ext uri="{FF2B5EF4-FFF2-40B4-BE49-F238E27FC236}">
+                  <a16:creationId xmlns:a16="http://schemas.microsoft.com/office/drawing/2014/main" id="{AC5859DE-D21E-4D85-8538-2B311F67654D}"/>
+                </a:ext>
+              </a:extLst>
+            </p:cNvPr>
+            <p:cNvSpPr txBox="1"/>
+            <p:nvPr/>
+          </p:nvSpPr>
+          <p:spPr>
+            <a:xfrm>
+              <a:off x="10862700" y="2548474"/>
+              <a:ext cx="1001485" cy="1015663"/>
+            </a:xfrm>
+            <a:prstGeom prst="rect">
+              <a:avLst/>
+            </a:prstGeom>
+            <a:noFill/>
+          </p:spPr>
+          <p:txBody>
+            <a:bodyPr wrap="square" rtlCol="0">
+              <a:spAutoFit/>
+            </a:bodyPr>
+            <a:lstStyle/>
+            <a:p>
+              <a:pPr algn="ctr"/>
+              <a:r>
+                <a:rPr lang="en-US" altLang="ja-JP" sz="6000" dirty="0">
+                  <a:solidFill>
+                    <a:srgbClr val="274060"/>
+                  </a:solidFill>
+                  <a:latin typeface="French Script MT" panose="03020402040607040605" pitchFamily="66" charset="0"/>
+                </a:rPr>
+                <a:t>1</a:t>
+              </a:r>
+              <a:r>
+                <a:rPr kumimoji="1" lang="en-US" altLang="ja-JP" sz="6000" dirty="0">
+                  <a:solidFill>
+                    <a:srgbClr val="274060"/>
+                  </a:solidFill>
+                  <a:latin typeface="French Script MT" panose="03020402040607040605" pitchFamily="66" charset="0"/>
+                </a:rPr>
+                <a:t> </a:t>
+              </a:r>
+            </a:p>
+          </p:txBody>
+        </p:sp>
+      </p:grpSp>
     </p:spTree>
     <p:extLst>
       <p:ext uri="{BB962C8B-B14F-4D97-AF65-F5344CB8AC3E}">
@@ -10874,7 +13055,7 @@
           <p:cNvPr id="5" name="グループ化 4">
             <a:extLst>
               <a:ext uri="{FF2B5EF4-FFF2-40B4-BE49-F238E27FC236}">
-                <a16:creationId xmlns:a16="http://schemas.microsoft.com/office/drawing/2014/main" xmlns="" id="{96054625-4DEB-455E-9C9A-4B7EEC79C071}"/>
+                <a16:creationId xmlns:a16="http://schemas.microsoft.com/office/drawing/2014/main" id="{96054625-4DEB-455E-9C9A-4B7EEC79C071}"/>
               </a:ext>
             </a:extLst>
           </p:cNvPr>
@@ -10894,7 +13075,7 @@
             <p:cNvPr id="4" name="グループ化 3">
               <a:extLst>
                 <a:ext uri="{FF2B5EF4-FFF2-40B4-BE49-F238E27FC236}">
-                  <a16:creationId xmlns:a16="http://schemas.microsoft.com/office/drawing/2014/main" xmlns="" id="{2B90E40E-FF9D-461B-BCC9-D75A173B87E1}"/>
+                  <a16:creationId xmlns:a16="http://schemas.microsoft.com/office/drawing/2014/main" id="{2B90E40E-FF9D-461B-BCC9-D75A173B87E1}"/>
                 </a:ext>
               </a:extLst>
             </p:cNvPr>
@@ -10914,7 +13095,7 @@
               <p:cNvPr id="48" name="図 47">
                 <a:extLst>
                   <a:ext uri="{FF2B5EF4-FFF2-40B4-BE49-F238E27FC236}">
-                    <a16:creationId xmlns:a16="http://schemas.microsoft.com/office/drawing/2014/main" xmlns="" id="{3523ACD7-568A-40F1-8B84-AFDB92116495}"/>
+                    <a16:creationId xmlns:a16="http://schemas.microsoft.com/office/drawing/2014/main" id="{3523ACD7-568A-40F1-8B84-AFDB92116495}"/>
                   </a:ext>
                 </a:extLst>
               </p:cNvPr>
@@ -10950,7 +13131,7 @@
               <p:cNvPr id="52" name="円/楕円 23">
                 <a:extLst>
                   <a:ext uri="{FF2B5EF4-FFF2-40B4-BE49-F238E27FC236}">
-                    <a16:creationId xmlns:a16="http://schemas.microsoft.com/office/drawing/2014/main" xmlns="" id="{C85DF49D-16B7-41DD-A3D2-276DEC09A269}"/>
+                    <a16:creationId xmlns:a16="http://schemas.microsoft.com/office/drawing/2014/main" id="{C85DF49D-16B7-41DD-A3D2-276DEC09A269}"/>
                   </a:ext>
                 </a:extLst>
               </p:cNvPr>
@@ -11003,7 +13184,7 @@
             <p:cNvPr id="50" name="テキスト ボックス 49">
               <a:extLst>
                 <a:ext uri="{FF2B5EF4-FFF2-40B4-BE49-F238E27FC236}">
-                  <a16:creationId xmlns:a16="http://schemas.microsoft.com/office/drawing/2014/main" xmlns="" id="{EC80A4E5-A68B-40EB-A5BC-670831AD9E49}"/>
+                  <a16:creationId xmlns:a16="http://schemas.microsoft.com/office/drawing/2014/main" id="{EC80A4E5-A68B-40EB-A5BC-670831AD9E49}"/>
                 </a:ext>
               </a:extLst>
             </p:cNvPr>

--- a/api-server/routes/linebot_mapImg/マップ画像編集用.pptx
+++ b/api-server/routes/linebot_mapImg/マップ画像編集用.pptx
@@ -17,22 +17,23 @@
     <p:sldId id="261" r:id="rId11"/>
     <p:sldId id="262" r:id="rId12"/>
     <p:sldId id="263" r:id="rId13"/>
-    <p:sldId id="264" r:id="rId14"/>
-    <p:sldId id="265" r:id="rId15"/>
-    <p:sldId id="266" r:id="rId16"/>
-    <p:sldId id="267" r:id="rId17"/>
-    <p:sldId id="268" r:id="rId18"/>
-    <p:sldId id="269" r:id="rId19"/>
-    <p:sldId id="270" r:id="rId20"/>
-    <p:sldId id="271" r:id="rId21"/>
-    <p:sldId id="272" r:id="rId22"/>
-    <p:sldId id="273" r:id="rId23"/>
-    <p:sldId id="274" r:id="rId24"/>
-    <p:sldId id="275" r:id="rId25"/>
-    <p:sldId id="276" r:id="rId26"/>
-    <p:sldId id="277" r:id="rId27"/>
-    <p:sldId id="278" r:id="rId28"/>
-    <p:sldId id="279" r:id="rId29"/>
+    <p:sldId id="284" r:id="rId14"/>
+    <p:sldId id="264" r:id="rId15"/>
+    <p:sldId id="265" r:id="rId16"/>
+    <p:sldId id="266" r:id="rId17"/>
+    <p:sldId id="267" r:id="rId18"/>
+    <p:sldId id="268" r:id="rId19"/>
+    <p:sldId id="269" r:id="rId20"/>
+    <p:sldId id="270" r:id="rId21"/>
+    <p:sldId id="271" r:id="rId22"/>
+    <p:sldId id="272" r:id="rId23"/>
+    <p:sldId id="273" r:id="rId24"/>
+    <p:sldId id="274" r:id="rId25"/>
+    <p:sldId id="275" r:id="rId26"/>
+    <p:sldId id="276" r:id="rId27"/>
+    <p:sldId id="277" r:id="rId28"/>
+    <p:sldId id="278" r:id="rId29"/>
+    <p:sldId id="279" r:id="rId30"/>
   </p:sldIdLst>
   <p:sldSz cx="12192000" cy="6858000"/>
   <p:notesSz cx="6858000" cy="9144000"/>
@@ -279,7 +280,7 @@
           <a:p>
             <a:fld id="{2F746B3C-EF8E-4D23-A5C1-E193D2EAACC3}" type="datetimeFigureOut">
               <a:rPr kumimoji="1" lang="ja-JP" altLang="en-US" smtClean="0"/>
-              <a:t>2018/10/14</a:t>
+              <a:t>2018/10/16</a:t>
             </a:fld>
             <a:endParaRPr kumimoji="1" lang="ja-JP" altLang="en-US"/>
           </a:p>
@@ -479,7 +480,7 @@
           <a:p>
             <a:fld id="{2F746B3C-EF8E-4D23-A5C1-E193D2EAACC3}" type="datetimeFigureOut">
               <a:rPr kumimoji="1" lang="ja-JP" altLang="en-US" smtClean="0"/>
-              <a:t>2018/10/14</a:t>
+              <a:t>2018/10/16</a:t>
             </a:fld>
             <a:endParaRPr kumimoji="1" lang="ja-JP" altLang="en-US"/>
           </a:p>
@@ -689,7 +690,7 @@
           <a:p>
             <a:fld id="{2F746B3C-EF8E-4D23-A5C1-E193D2EAACC3}" type="datetimeFigureOut">
               <a:rPr kumimoji="1" lang="ja-JP" altLang="en-US" smtClean="0"/>
-              <a:t>2018/10/14</a:t>
+              <a:t>2018/10/16</a:t>
             </a:fld>
             <a:endParaRPr kumimoji="1" lang="ja-JP" altLang="en-US"/>
           </a:p>
@@ -889,7 +890,7 @@
           <a:p>
             <a:fld id="{2F746B3C-EF8E-4D23-A5C1-E193D2EAACC3}" type="datetimeFigureOut">
               <a:rPr kumimoji="1" lang="ja-JP" altLang="en-US" smtClean="0"/>
-              <a:t>2018/10/14</a:t>
+              <a:t>2018/10/16</a:t>
             </a:fld>
             <a:endParaRPr kumimoji="1" lang="ja-JP" altLang="en-US"/>
           </a:p>
@@ -1134,7 +1135,7 @@
           <a:p>
             <a:fld id="{2F746B3C-EF8E-4D23-A5C1-E193D2EAACC3}" type="datetimeFigureOut">
               <a:rPr kumimoji="1" lang="ja-JP" altLang="en-US" smtClean="0"/>
-              <a:t>2018/10/14</a:t>
+              <a:t>2018/10/16</a:t>
             </a:fld>
             <a:endParaRPr kumimoji="1" lang="ja-JP" altLang="en-US"/>
           </a:p>
@@ -1427,7 +1428,7 @@
           <a:p>
             <a:fld id="{2F746B3C-EF8E-4D23-A5C1-E193D2EAACC3}" type="datetimeFigureOut">
               <a:rPr kumimoji="1" lang="ja-JP" altLang="en-US" smtClean="0"/>
-              <a:t>2018/10/14</a:t>
+              <a:t>2018/10/16</a:t>
             </a:fld>
             <a:endParaRPr kumimoji="1" lang="ja-JP" altLang="en-US"/>
           </a:p>
@@ -1855,7 +1856,7 @@
           <a:p>
             <a:fld id="{2F746B3C-EF8E-4D23-A5C1-E193D2EAACC3}" type="datetimeFigureOut">
               <a:rPr kumimoji="1" lang="ja-JP" altLang="en-US" smtClean="0"/>
-              <a:t>2018/10/14</a:t>
+              <a:t>2018/10/16</a:t>
             </a:fld>
             <a:endParaRPr kumimoji="1" lang="ja-JP" altLang="en-US"/>
           </a:p>
@@ -1972,7 +1973,7 @@
           <a:p>
             <a:fld id="{2F746B3C-EF8E-4D23-A5C1-E193D2EAACC3}" type="datetimeFigureOut">
               <a:rPr kumimoji="1" lang="ja-JP" altLang="en-US" smtClean="0"/>
-              <a:t>2018/10/14</a:t>
+              <a:t>2018/10/16</a:t>
             </a:fld>
             <a:endParaRPr kumimoji="1" lang="ja-JP" altLang="en-US"/>
           </a:p>
@@ -2067,7 +2068,7 @@
           <a:p>
             <a:fld id="{2F746B3C-EF8E-4D23-A5C1-E193D2EAACC3}" type="datetimeFigureOut">
               <a:rPr kumimoji="1" lang="ja-JP" altLang="en-US" smtClean="0"/>
-              <a:t>2018/10/14</a:t>
+              <a:t>2018/10/16</a:t>
             </a:fld>
             <a:endParaRPr kumimoji="1" lang="ja-JP" altLang="en-US"/>
           </a:p>
@@ -2374,7 +2375,7 @@
           <a:p>
             <a:fld id="{2F746B3C-EF8E-4D23-A5C1-E193D2EAACC3}" type="datetimeFigureOut">
               <a:rPr kumimoji="1" lang="ja-JP" altLang="en-US" smtClean="0"/>
-              <a:t>2018/10/14</a:t>
+              <a:t>2018/10/16</a:t>
             </a:fld>
             <a:endParaRPr kumimoji="1" lang="ja-JP" altLang="en-US"/>
           </a:p>
@@ -2626,7 +2627,7 @@
           <a:p>
             <a:fld id="{2F746B3C-EF8E-4D23-A5C1-E193D2EAACC3}" type="datetimeFigureOut">
               <a:rPr kumimoji="1" lang="ja-JP" altLang="en-US" smtClean="0"/>
-              <a:t>2018/10/14</a:t>
+              <a:t>2018/10/16</a:t>
             </a:fld>
             <a:endParaRPr kumimoji="1" lang="ja-JP" altLang="en-US"/>
           </a:p>
@@ -2869,7 +2870,7 @@
           <a:p>
             <a:fld id="{2F746B3C-EF8E-4D23-A5C1-E193D2EAACC3}" type="datetimeFigureOut">
               <a:rPr kumimoji="1" lang="ja-JP" altLang="en-US" smtClean="0"/>
-              <a:t>2018/10/14</a:t>
+              <a:t>2018/10/16</a:t>
             </a:fld>
             <a:endParaRPr kumimoji="1" lang="ja-JP" altLang="en-US"/>
           </a:p>
@@ -5766,7 +5767,7 @@
         </p:blipFill>
         <p:spPr>
           <a:xfrm>
-            <a:off x="0" y="120064"/>
+            <a:off x="0" y="94897"/>
             <a:ext cx="12192000" cy="6617872"/>
           </a:xfrm>
           <a:prstGeom prst="rect">
@@ -5835,6 +5836,128 @@
       </p:grpSpPr>
       <p:grpSp>
         <p:nvGrpSpPr>
+          <p:cNvPr id="8" name="グループ化 7">
+            <a:extLst>
+              <a:ext uri="{FF2B5EF4-FFF2-40B4-BE49-F238E27FC236}">
+                <a16:creationId xmlns:a16="http://schemas.microsoft.com/office/drawing/2014/main" id="{6B310715-7291-4388-BE88-02CD9E40E952}"/>
+              </a:ext>
+            </a:extLst>
+          </p:cNvPr>
+          <p:cNvGrpSpPr/>
+          <p:nvPr/>
+        </p:nvGrpSpPr>
+        <p:grpSpPr>
+          <a:xfrm>
+            <a:off x="0" y="121193"/>
+            <a:ext cx="12192000" cy="6615613"/>
+            <a:chOff x="0" y="121193"/>
+            <a:chExt cx="12192000" cy="6615613"/>
+          </a:xfrm>
+        </p:grpSpPr>
+        <p:pic>
+          <p:nvPicPr>
+            <p:cNvPr id="5" name="図 4" descr="スクリーンショット が含まれている画像&#10;&#10;非常に高い精度で生成された説明">
+              <a:extLst>
+                <a:ext uri="{FF2B5EF4-FFF2-40B4-BE49-F238E27FC236}">
+                  <a16:creationId xmlns:a16="http://schemas.microsoft.com/office/drawing/2014/main" id="{046C42DE-2926-4652-A564-6CD175CED41C}"/>
+                </a:ext>
+              </a:extLst>
+            </p:cNvPr>
+            <p:cNvPicPr>
+              <a:picLocks noChangeAspect="1"/>
+            </p:cNvPicPr>
+            <p:nvPr/>
+          </p:nvPicPr>
+          <p:blipFill>
+            <a:blip r:embed="rId2" cstate="print">
+              <a:extLst>
+                <a:ext uri="{28A0092B-C50C-407E-A947-70E740481C1C}">
+                  <a14:useLocalDpi xmlns:a14="http://schemas.microsoft.com/office/drawing/2010/main" val="0"/>
+                </a:ext>
+              </a:extLst>
+            </a:blip>
+            <a:stretch>
+              <a:fillRect/>
+            </a:stretch>
+          </p:blipFill>
+          <p:spPr>
+            <a:xfrm>
+              <a:off x="0" y="121193"/>
+              <a:ext cx="12192000" cy="6615613"/>
+            </a:xfrm>
+            <a:prstGeom prst="rect">
+              <a:avLst/>
+            </a:prstGeom>
+          </p:spPr>
+        </p:pic>
+        <p:pic>
+          <p:nvPicPr>
+            <p:cNvPr id="7" name="図 6">
+              <a:extLst>
+                <a:ext uri="{FF2B5EF4-FFF2-40B4-BE49-F238E27FC236}">
+                  <a16:creationId xmlns:a16="http://schemas.microsoft.com/office/drawing/2014/main" id="{C4ED9FB9-0E04-475E-B0BF-F2570E5BE8B5}"/>
+                </a:ext>
+              </a:extLst>
+            </p:cNvPr>
+            <p:cNvPicPr>
+              <a:picLocks noChangeAspect="1"/>
+            </p:cNvPicPr>
+            <p:nvPr/>
+          </p:nvPicPr>
+          <p:blipFill rotWithShape="1">
+            <a:blip r:embed="rId3" cstate="print">
+              <a:extLst>
+                <a:ext uri="{28A0092B-C50C-407E-A947-70E740481C1C}">
+                  <a14:useLocalDpi xmlns:a14="http://schemas.microsoft.com/office/drawing/2010/main" val="0"/>
+                </a:ext>
+              </a:extLst>
+            </a:blip>
+            <a:srcRect l="3126" t="23750" r="7812" b="23750"/>
+            <a:stretch/>
+          </p:blipFill>
+          <p:spPr>
+            <a:xfrm>
+              <a:off x="266700" y="309782"/>
+              <a:ext cx="2714626" cy="800100"/>
+            </a:xfrm>
+            <a:prstGeom prst="rect">
+              <a:avLst/>
+            </a:prstGeom>
+          </p:spPr>
+        </p:pic>
+      </p:grpSp>
+    </p:spTree>
+    <p:extLst>
+      <p:ext uri="{BB962C8B-B14F-4D97-AF65-F5344CB8AC3E}">
+        <p14:creationId xmlns:p14="http://schemas.microsoft.com/office/powerpoint/2010/main" val="2186364707"/>
+      </p:ext>
+    </p:extLst>
+  </p:cSld>
+  <p:clrMapOvr>
+    <a:masterClrMapping/>
+  </p:clrMapOvr>
+</p:sld>
+</file>
+
+<file path=ppt/slides/slide14.xml><?xml version="1.0" encoding="utf-8"?>
+<p:sld xmlns:a="http://schemas.openxmlformats.org/drawingml/2006/main" xmlns:r="http://schemas.openxmlformats.org/officeDocument/2006/relationships" xmlns:p="http://schemas.openxmlformats.org/presentationml/2006/main">
+  <p:cSld>
+    <p:spTree>
+      <p:nvGrpSpPr>
+        <p:cNvPr id="1" name=""/>
+        <p:cNvGrpSpPr/>
+        <p:nvPr/>
+      </p:nvGrpSpPr>
+      <p:grpSpPr>
+        <a:xfrm>
+          <a:off x="0" y="0"/>
+          <a:ext cx="0" cy="0"/>
+          <a:chOff x="0" y="0"/>
+          <a:chExt cx="0" cy="0"/>
+        </a:xfrm>
+      </p:grpSpPr>
+      <p:grpSp>
+        <p:nvGrpSpPr>
           <p:cNvPr id="3" name="グループ化 2"/>
           <p:cNvGrpSpPr/>
           <p:nvPr/>
@@ -5882,7 +6005,7 @@
             <p:cNvPr id="18" name="グループ化 17">
               <a:extLst>
                 <a:ext uri="{FF2B5EF4-FFF2-40B4-BE49-F238E27FC236}">
-                  <a16:creationId xmlns:a16="http://schemas.microsoft.com/office/drawing/2014/main" xmlns="" id="{7C4908FB-6148-4B2A-92F9-4239DC92C8E7}"/>
+                  <a16:creationId xmlns:a16="http://schemas.microsoft.com/office/drawing/2014/main" id="{7C4908FB-6148-4B2A-92F9-4239DC92C8E7}"/>
                 </a:ext>
               </a:extLst>
             </p:cNvPr>
@@ -5902,7 +6025,7 @@
               <p:cNvPr id="19" name="グループ化 18">
                 <a:extLst>
                   <a:ext uri="{FF2B5EF4-FFF2-40B4-BE49-F238E27FC236}">
-                    <a16:creationId xmlns:a16="http://schemas.microsoft.com/office/drawing/2014/main" xmlns="" id="{CA5E7353-A1DB-478C-BAA6-6EDBA94AAE39}"/>
+                    <a16:creationId xmlns:a16="http://schemas.microsoft.com/office/drawing/2014/main" id="{CA5E7353-A1DB-478C-BAA6-6EDBA94AAE39}"/>
                   </a:ext>
                 </a:extLst>
               </p:cNvPr>
@@ -5922,7 +6045,7 @@
                 <p:cNvPr id="21" name="図 20">
                   <a:extLst>
                     <a:ext uri="{FF2B5EF4-FFF2-40B4-BE49-F238E27FC236}">
-                      <a16:creationId xmlns:a16="http://schemas.microsoft.com/office/drawing/2014/main" xmlns="" id="{9D497456-53D9-442B-B2E0-90255DC8B634}"/>
+                      <a16:creationId xmlns:a16="http://schemas.microsoft.com/office/drawing/2014/main" id="{9D497456-53D9-442B-B2E0-90255DC8B634}"/>
                     </a:ext>
                   </a:extLst>
                 </p:cNvPr>
@@ -5958,7 +6081,7 @@
                 <p:cNvPr id="22" name="円/楕円 23">
                   <a:extLst>
                     <a:ext uri="{FF2B5EF4-FFF2-40B4-BE49-F238E27FC236}">
-                      <a16:creationId xmlns:a16="http://schemas.microsoft.com/office/drawing/2014/main" xmlns="" id="{21952FBA-BA47-420B-A99A-5FFBE2F87732}"/>
+                      <a16:creationId xmlns:a16="http://schemas.microsoft.com/office/drawing/2014/main" id="{21952FBA-BA47-420B-A99A-5FFBE2F87732}"/>
                     </a:ext>
                   </a:extLst>
                 </p:cNvPr>
@@ -6011,7 +6134,7 @@
               <p:cNvPr id="20" name="テキスト ボックス 19">
                 <a:extLst>
                   <a:ext uri="{FF2B5EF4-FFF2-40B4-BE49-F238E27FC236}">
-                    <a16:creationId xmlns:a16="http://schemas.microsoft.com/office/drawing/2014/main" xmlns="" id="{42BA66E6-CC78-4F18-A393-31ECE810EF88}"/>
+                    <a16:creationId xmlns:a16="http://schemas.microsoft.com/office/drawing/2014/main" id="{42BA66E6-CC78-4F18-A393-31ECE810EF88}"/>
                   </a:ext>
                 </a:extLst>
               </p:cNvPr>
@@ -6045,7 +6168,7 @@
                   <a:t>3</a:t>
                 </a:r>
                 <a:r>
-                  <a:rPr kumimoji="1" lang="en-US" altLang="ja-JP" sz="6000" dirty="0" smtClean="0">
+                  <a:rPr kumimoji="1" lang="en-US" altLang="ja-JP" sz="6000" dirty="0">
                     <a:solidFill>
                       <a:srgbClr val="274060"/>
                     </a:solidFill>
@@ -6053,12 +6176,6 @@
                   </a:rPr>
                   <a:t> </a:t>
                 </a:r>
-                <a:endParaRPr kumimoji="1" lang="en-US" altLang="ja-JP" sz="6000" dirty="0">
-                  <a:solidFill>
-                    <a:srgbClr val="274060"/>
-                  </a:solidFill>
-                  <a:latin typeface="French Script MT" panose="03020402040607040605" pitchFamily="66" charset="0"/>
-                </a:endParaRPr>
               </a:p>
             </p:txBody>
           </p:sp>
@@ -6068,7 +6185,7 @@
             <p:cNvPr id="40" name="図 39">
               <a:extLst>
                 <a:ext uri="{FF2B5EF4-FFF2-40B4-BE49-F238E27FC236}">
-                  <a16:creationId xmlns:a16="http://schemas.microsoft.com/office/drawing/2014/main" xmlns="" id="{BCAE5FE0-B3E4-4617-BABC-A385A63C9DA2}"/>
+                  <a16:creationId xmlns:a16="http://schemas.microsoft.com/office/drawing/2014/main" id="{BCAE5FE0-B3E4-4617-BABC-A385A63C9DA2}"/>
                 </a:ext>
               </a:extLst>
             </p:cNvPr>
@@ -6133,7 +6250,7 @@
             <p:cNvPr id="16" name="グループ化 15">
               <a:extLst>
                 <a:ext uri="{FF2B5EF4-FFF2-40B4-BE49-F238E27FC236}">
-                  <a16:creationId xmlns:a16="http://schemas.microsoft.com/office/drawing/2014/main" xmlns="" id="{7C4908FB-6148-4B2A-92F9-4239DC92C8E7}"/>
+                  <a16:creationId xmlns:a16="http://schemas.microsoft.com/office/drawing/2014/main" id="{7C4908FB-6148-4B2A-92F9-4239DC92C8E7}"/>
                 </a:ext>
               </a:extLst>
             </p:cNvPr>
@@ -6153,7 +6270,7 @@
               <p:cNvPr id="17" name="グループ化 16">
                 <a:extLst>
                   <a:ext uri="{FF2B5EF4-FFF2-40B4-BE49-F238E27FC236}">
-                    <a16:creationId xmlns:a16="http://schemas.microsoft.com/office/drawing/2014/main" xmlns="" id="{CA5E7353-A1DB-478C-BAA6-6EDBA94AAE39}"/>
+                    <a16:creationId xmlns:a16="http://schemas.microsoft.com/office/drawing/2014/main" id="{CA5E7353-A1DB-478C-BAA6-6EDBA94AAE39}"/>
                   </a:ext>
                 </a:extLst>
               </p:cNvPr>
@@ -6173,7 +6290,7 @@
                 <p:cNvPr id="24" name="図 23">
                   <a:extLst>
                     <a:ext uri="{FF2B5EF4-FFF2-40B4-BE49-F238E27FC236}">
-                      <a16:creationId xmlns:a16="http://schemas.microsoft.com/office/drawing/2014/main" xmlns="" id="{9D497456-53D9-442B-B2E0-90255DC8B634}"/>
+                      <a16:creationId xmlns:a16="http://schemas.microsoft.com/office/drawing/2014/main" id="{9D497456-53D9-442B-B2E0-90255DC8B634}"/>
                     </a:ext>
                   </a:extLst>
                 </p:cNvPr>
@@ -6209,7 +6326,7 @@
                 <p:cNvPr id="25" name="円/楕円 23">
                   <a:extLst>
                     <a:ext uri="{FF2B5EF4-FFF2-40B4-BE49-F238E27FC236}">
-                      <a16:creationId xmlns:a16="http://schemas.microsoft.com/office/drawing/2014/main" xmlns="" id="{21952FBA-BA47-420B-A99A-5FFBE2F87732}"/>
+                      <a16:creationId xmlns:a16="http://schemas.microsoft.com/office/drawing/2014/main" id="{21952FBA-BA47-420B-A99A-5FFBE2F87732}"/>
                     </a:ext>
                   </a:extLst>
                 </p:cNvPr>
@@ -6262,7 +6379,7 @@
               <p:cNvPr id="23" name="テキスト ボックス 22">
                 <a:extLst>
                   <a:ext uri="{FF2B5EF4-FFF2-40B4-BE49-F238E27FC236}">
-                    <a16:creationId xmlns:a16="http://schemas.microsoft.com/office/drawing/2014/main" xmlns="" id="{42BA66E6-CC78-4F18-A393-31ECE810EF88}"/>
+                    <a16:creationId xmlns:a16="http://schemas.microsoft.com/office/drawing/2014/main" id="{42BA66E6-CC78-4F18-A393-31ECE810EF88}"/>
                   </a:ext>
                 </a:extLst>
               </p:cNvPr>
@@ -6313,7 +6430,7 @@
             <p:cNvPr id="26" name="グループ化 25">
               <a:extLst>
                 <a:ext uri="{FF2B5EF4-FFF2-40B4-BE49-F238E27FC236}">
-                  <a16:creationId xmlns:a16="http://schemas.microsoft.com/office/drawing/2014/main" xmlns="" id="{7C4908FB-6148-4B2A-92F9-4239DC92C8E7}"/>
+                  <a16:creationId xmlns:a16="http://schemas.microsoft.com/office/drawing/2014/main" id="{7C4908FB-6148-4B2A-92F9-4239DC92C8E7}"/>
                 </a:ext>
               </a:extLst>
             </p:cNvPr>
@@ -6333,7 +6450,7 @@
               <p:cNvPr id="27" name="グループ化 26">
                 <a:extLst>
                   <a:ext uri="{FF2B5EF4-FFF2-40B4-BE49-F238E27FC236}">
-                    <a16:creationId xmlns:a16="http://schemas.microsoft.com/office/drawing/2014/main" xmlns="" id="{CA5E7353-A1DB-478C-BAA6-6EDBA94AAE39}"/>
+                    <a16:creationId xmlns:a16="http://schemas.microsoft.com/office/drawing/2014/main" id="{CA5E7353-A1DB-478C-BAA6-6EDBA94AAE39}"/>
                   </a:ext>
                 </a:extLst>
               </p:cNvPr>
@@ -6353,7 +6470,7 @@
                 <p:cNvPr id="29" name="図 28">
                   <a:extLst>
                     <a:ext uri="{FF2B5EF4-FFF2-40B4-BE49-F238E27FC236}">
-                      <a16:creationId xmlns:a16="http://schemas.microsoft.com/office/drawing/2014/main" xmlns="" id="{9D497456-53D9-442B-B2E0-90255DC8B634}"/>
+                      <a16:creationId xmlns:a16="http://schemas.microsoft.com/office/drawing/2014/main" id="{9D497456-53D9-442B-B2E0-90255DC8B634}"/>
                     </a:ext>
                   </a:extLst>
                 </p:cNvPr>
@@ -6389,7 +6506,7 @@
                 <p:cNvPr id="30" name="円/楕円 23">
                   <a:extLst>
                     <a:ext uri="{FF2B5EF4-FFF2-40B4-BE49-F238E27FC236}">
-                      <a16:creationId xmlns:a16="http://schemas.microsoft.com/office/drawing/2014/main" xmlns="" id="{21952FBA-BA47-420B-A99A-5FFBE2F87732}"/>
+                      <a16:creationId xmlns:a16="http://schemas.microsoft.com/office/drawing/2014/main" id="{21952FBA-BA47-420B-A99A-5FFBE2F87732}"/>
                     </a:ext>
                   </a:extLst>
                 </p:cNvPr>
@@ -6442,7 +6559,7 @@
               <p:cNvPr id="28" name="テキスト ボックス 27">
                 <a:extLst>
                   <a:ext uri="{FF2B5EF4-FFF2-40B4-BE49-F238E27FC236}">
-                    <a16:creationId xmlns:a16="http://schemas.microsoft.com/office/drawing/2014/main" xmlns="" id="{42BA66E6-CC78-4F18-A393-31ECE810EF88}"/>
+                    <a16:creationId xmlns:a16="http://schemas.microsoft.com/office/drawing/2014/main" id="{42BA66E6-CC78-4F18-A393-31ECE810EF88}"/>
                   </a:ext>
                 </a:extLst>
               </p:cNvPr>
@@ -6476,7 +6593,7 @@
                   <a:t>2</a:t>
                 </a:r>
                 <a:r>
-                  <a:rPr kumimoji="1" lang="en-US" altLang="ja-JP" sz="6000" dirty="0" smtClean="0">
+                  <a:rPr kumimoji="1" lang="en-US" altLang="ja-JP" sz="6000" dirty="0">
                     <a:solidFill>
                       <a:srgbClr val="274060"/>
                     </a:solidFill>
@@ -6484,12 +6601,6 @@
                   </a:rPr>
                   <a:t> </a:t>
                 </a:r>
-                <a:endParaRPr kumimoji="1" lang="en-US" altLang="ja-JP" sz="6000" dirty="0">
-                  <a:solidFill>
-                    <a:srgbClr val="274060"/>
-                  </a:solidFill>
-                  <a:latin typeface="French Script MT" panose="03020402040607040605" pitchFamily="66" charset="0"/>
-                </a:endParaRPr>
               </a:p>
             </p:txBody>
           </p:sp>
@@ -6508,7 +6619,7 @@
 </p:sld>
 </file>
 
-<file path=ppt/slides/slide14.xml><?xml version="1.0" encoding="utf-8"?>
+<file path=ppt/slides/slide15.xml><?xml version="1.0" encoding="utf-8"?>
 <p:sld xmlns:a="http://schemas.openxmlformats.org/drawingml/2006/main" xmlns:r="http://schemas.openxmlformats.org/officeDocument/2006/relationships" xmlns:p="http://schemas.openxmlformats.org/presentationml/2006/main">
   <p:cSld>
     <p:spTree>
@@ -6544,7 +6655,7 @@
             <p:cNvPr id="26" name="グループ化 25">
               <a:extLst>
                 <a:ext uri="{FF2B5EF4-FFF2-40B4-BE49-F238E27FC236}">
-                  <a16:creationId xmlns:a16="http://schemas.microsoft.com/office/drawing/2014/main" xmlns="" id="{A54F8BA0-FA57-4038-A0F1-F16AA9E3051B}"/>
+                  <a16:creationId xmlns:a16="http://schemas.microsoft.com/office/drawing/2014/main" id="{A54F8BA0-FA57-4038-A0F1-F16AA9E3051B}"/>
                 </a:ext>
               </a:extLst>
             </p:cNvPr>
@@ -6594,7 +6705,7 @@
               <p:cNvPr id="13" name="グループ化 12">
                 <a:extLst>
                   <a:ext uri="{FF2B5EF4-FFF2-40B4-BE49-F238E27FC236}">
-                    <a16:creationId xmlns:a16="http://schemas.microsoft.com/office/drawing/2014/main" xmlns="" id="{77F290C3-A82A-42AA-ADF9-38E447650312}"/>
+                    <a16:creationId xmlns:a16="http://schemas.microsoft.com/office/drawing/2014/main" id="{77F290C3-A82A-42AA-ADF9-38E447650312}"/>
                   </a:ext>
                 </a:extLst>
               </p:cNvPr>
@@ -6614,7 +6725,7 @@
                 <p:cNvPr id="14" name="グループ化 13">
                   <a:extLst>
                     <a:ext uri="{FF2B5EF4-FFF2-40B4-BE49-F238E27FC236}">
-                      <a16:creationId xmlns:a16="http://schemas.microsoft.com/office/drawing/2014/main" xmlns="" id="{0F4C1AEA-5344-4330-AD34-377F9D38D2AE}"/>
+                      <a16:creationId xmlns:a16="http://schemas.microsoft.com/office/drawing/2014/main" id="{0F4C1AEA-5344-4330-AD34-377F9D38D2AE}"/>
                     </a:ext>
                   </a:extLst>
                 </p:cNvPr>
@@ -6634,7 +6745,7 @@
                   <p:cNvPr id="16" name="図 15">
                     <a:extLst>
                       <a:ext uri="{FF2B5EF4-FFF2-40B4-BE49-F238E27FC236}">
-                        <a16:creationId xmlns:a16="http://schemas.microsoft.com/office/drawing/2014/main" xmlns="" id="{14DC7602-1F30-49BD-B42E-917D6AD9F3A5}"/>
+                        <a16:creationId xmlns:a16="http://schemas.microsoft.com/office/drawing/2014/main" id="{14DC7602-1F30-49BD-B42E-917D6AD9F3A5}"/>
                       </a:ext>
                     </a:extLst>
                   </p:cNvPr>
@@ -6670,7 +6781,7 @@
                   <p:cNvPr id="17" name="円/楕円 23">
                     <a:extLst>
                       <a:ext uri="{FF2B5EF4-FFF2-40B4-BE49-F238E27FC236}">
-                        <a16:creationId xmlns:a16="http://schemas.microsoft.com/office/drawing/2014/main" xmlns="" id="{588A43FE-781E-4B26-B489-A382286A1AF7}"/>
+                        <a16:creationId xmlns:a16="http://schemas.microsoft.com/office/drawing/2014/main" id="{588A43FE-781E-4B26-B489-A382286A1AF7}"/>
                       </a:ext>
                     </a:extLst>
                   </p:cNvPr>
@@ -6723,7 +6834,7 @@
                 <p:cNvPr id="15" name="テキスト ボックス 14">
                   <a:extLst>
                     <a:ext uri="{FF2B5EF4-FFF2-40B4-BE49-F238E27FC236}">
-                      <a16:creationId xmlns:a16="http://schemas.microsoft.com/office/drawing/2014/main" xmlns="" id="{8447A75E-79D5-4852-8A72-A4793C6CB9E8}"/>
+                      <a16:creationId xmlns:a16="http://schemas.microsoft.com/office/drawing/2014/main" id="{8447A75E-79D5-4852-8A72-A4793C6CB9E8}"/>
                     </a:ext>
                   </a:extLst>
                 </p:cNvPr>
@@ -6757,7 +6868,7 @@
                     <a:t>2</a:t>
                   </a:r>
                   <a:r>
-                    <a:rPr kumimoji="1" lang="en-US" altLang="ja-JP" sz="6000" dirty="0" smtClean="0">
+                    <a:rPr kumimoji="1" lang="en-US" altLang="ja-JP" sz="6000" dirty="0">
                       <a:solidFill>
                         <a:srgbClr val="274060"/>
                       </a:solidFill>
@@ -6765,12 +6876,6 @@
                     </a:rPr>
                     <a:t> </a:t>
                   </a:r>
-                  <a:endParaRPr kumimoji="1" lang="en-US" altLang="ja-JP" sz="6000" dirty="0">
-                    <a:solidFill>
-                      <a:srgbClr val="274060"/>
-                    </a:solidFill>
-                    <a:latin typeface="French Script MT" panose="03020402040607040605" pitchFamily="66" charset="0"/>
-                  </a:endParaRPr>
                 </a:p>
               </p:txBody>
             </p:sp>
@@ -6780,7 +6885,7 @@
               <p:cNvPr id="18" name="グループ化 17">
                 <a:extLst>
                   <a:ext uri="{FF2B5EF4-FFF2-40B4-BE49-F238E27FC236}">
-                    <a16:creationId xmlns:a16="http://schemas.microsoft.com/office/drawing/2014/main" xmlns="" id="{0DEE45DC-AA27-43C8-8B35-07F3C8622B06}"/>
+                    <a16:creationId xmlns:a16="http://schemas.microsoft.com/office/drawing/2014/main" id="{0DEE45DC-AA27-43C8-8B35-07F3C8622B06}"/>
                   </a:ext>
                 </a:extLst>
               </p:cNvPr>
@@ -6800,7 +6905,7 @@
                 <p:cNvPr id="19" name="グループ化 18">
                   <a:extLst>
                     <a:ext uri="{FF2B5EF4-FFF2-40B4-BE49-F238E27FC236}">
-                      <a16:creationId xmlns:a16="http://schemas.microsoft.com/office/drawing/2014/main" xmlns="" id="{34B24A48-B610-430E-BBC3-93202AC3B578}"/>
+                      <a16:creationId xmlns:a16="http://schemas.microsoft.com/office/drawing/2014/main" id="{34B24A48-B610-430E-BBC3-93202AC3B578}"/>
                     </a:ext>
                   </a:extLst>
                 </p:cNvPr>
@@ -6820,7 +6925,7 @@
                   <p:cNvPr id="21" name="図 20">
                     <a:extLst>
                       <a:ext uri="{FF2B5EF4-FFF2-40B4-BE49-F238E27FC236}">
-                        <a16:creationId xmlns:a16="http://schemas.microsoft.com/office/drawing/2014/main" xmlns="" id="{30B7D489-B106-4796-95A1-050465062E80}"/>
+                        <a16:creationId xmlns:a16="http://schemas.microsoft.com/office/drawing/2014/main" id="{30B7D489-B106-4796-95A1-050465062E80}"/>
                       </a:ext>
                     </a:extLst>
                   </p:cNvPr>
@@ -6856,7 +6961,7 @@
                   <p:cNvPr id="22" name="円/楕円 23">
                     <a:extLst>
                       <a:ext uri="{FF2B5EF4-FFF2-40B4-BE49-F238E27FC236}">
-                        <a16:creationId xmlns:a16="http://schemas.microsoft.com/office/drawing/2014/main" xmlns="" id="{FB7DCE74-7544-4695-BDCF-4B26516417B8}"/>
+                        <a16:creationId xmlns:a16="http://schemas.microsoft.com/office/drawing/2014/main" id="{FB7DCE74-7544-4695-BDCF-4B26516417B8}"/>
                       </a:ext>
                     </a:extLst>
                   </p:cNvPr>
@@ -6909,7 +7014,7 @@
                 <p:cNvPr id="20" name="テキスト ボックス 19">
                   <a:extLst>
                     <a:ext uri="{FF2B5EF4-FFF2-40B4-BE49-F238E27FC236}">
-                      <a16:creationId xmlns:a16="http://schemas.microsoft.com/office/drawing/2014/main" xmlns="" id="{3D4FC63B-F1B8-4C1F-B76D-E2A4F8C83905}"/>
+                      <a16:creationId xmlns:a16="http://schemas.microsoft.com/office/drawing/2014/main" id="{3D4FC63B-F1B8-4C1F-B76D-E2A4F8C83905}"/>
                     </a:ext>
                   </a:extLst>
                 </p:cNvPr>
@@ -6943,7 +7048,7 @@
                     <a:t>3</a:t>
                   </a:r>
                   <a:r>
-                    <a:rPr kumimoji="1" lang="en-US" altLang="ja-JP" sz="6000" dirty="0" smtClean="0">
+                    <a:rPr kumimoji="1" lang="en-US" altLang="ja-JP" sz="6000" dirty="0">
                       <a:solidFill>
                         <a:srgbClr val="274060"/>
                       </a:solidFill>
@@ -6951,12 +7056,6 @@
                     </a:rPr>
                     <a:t> </a:t>
                   </a:r>
-                  <a:endParaRPr kumimoji="1" lang="en-US" altLang="ja-JP" sz="6000" dirty="0">
-                    <a:solidFill>
-                      <a:srgbClr val="274060"/>
-                    </a:solidFill>
-                    <a:latin typeface="French Script MT" panose="03020402040607040605" pitchFamily="66" charset="0"/>
-                  </a:endParaRPr>
                 </a:p>
               </p:txBody>
             </p:sp>
@@ -6966,7 +7065,7 @@
               <p:cNvPr id="24" name="図 23">
                 <a:extLst>
                   <a:ext uri="{FF2B5EF4-FFF2-40B4-BE49-F238E27FC236}">
-                    <a16:creationId xmlns:a16="http://schemas.microsoft.com/office/drawing/2014/main" xmlns="" id="{5BBCFC1A-F46D-424F-9CBA-813F08482BBE}"/>
+                    <a16:creationId xmlns:a16="http://schemas.microsoft.com/office/drawing/2014/main" id="{5BBCFC1A-F46D-424F-9CBA-813F08482BBE}"/>
                   </a:ext>
                 </a:extLst>
               </p:cNvPr>
@@ -7002,7 +7101,7 @@
               <p:cNvPr id="25" name="図 24">
                 <a:extLst>
                   <a:ext uri="{FF2B5EF4-FFF2-40B4-BE49-F238E27FC236}">
-                    <a16:creationId xmlns:a16="http://schemas.microsoft.com/office/drawing/2014/main" xmlns="" id="{A381C055-6B97-4327-A8A8-B97F6DF4CDF2}"/>
+                    <a16:creationId xmlns:a16="http://schemas.microsoft.com/office/drawing/2014/main" id="{A381C055-6B97-4327-A8A8-B97F6DF4CDF2}"/>
                   </a:ext>
                 </a:extLst>
               </p:cNvPr>
@@ -7068,7 +7167,7 @@
             <p:cNvPr id="29" name="グループ化 28">
               <a:extLst>
                 <a:ext uri="{FF2B5EF4-FFF2-40B4-BE49-F238E27FC236}">
-                  <a16:creationId xmlns:a16="http://schemas.microsoft.com/office/drawing/2014/main" xmlns="" id="{7C4908FB-6148-4B2A-92F9-4239DC92C8E7}"/>
+                  <a16:creationId xmlns:a16="http://schemas.microsoft.com/office/drawing/2014/main" id="{7C4908FB-6148-4B2A-92F9-4239DC92C8E7}"/>
                 </a:ext>
               </a:extLst>
             </p:cNvPr>
@@ -7088,7 +7187,7 @@
               <p:cNvPr id="30" name="グループ化 29">
                 <a:extLst>
                   <a:ext uri="{FF2B5EF4-FFF2-40B4-BE49-F238E27FC236}">
-                    <a16:creationId xmlns:a16="http://schemas.microsoft.com/office/drawing/2014/main" xmlns="" id="{CA5E7353-A1DB-478C-BAA6-6EDBA94AAE39}"/>
+                    <a16:creationId xmlns:a16="http://schemas.microsoft.com/office/drawing/2014/main" id="{CA5E7353-A1DB-478C-BAA6-6EDBA94AAE39}"/>
                   </a:ext>
                 </a:extLst>
               </p:cNvPr>
@@ -7108,7 +7207,7 @@
                 <p:cNvPr id="32" name="図 31">
                   <a:extLst>
                     <a:ext uri="{FF2B5EF4-FFF2-40B4-BE49-F238E27FC236}">
-                      <a16:creationId xmlns:a16="http://schemas.microsoft.com/office/drawing/2014/main" xmlns="" id="{9D497456-53D9-442B-B2E0-90255DC8B634}"/>
+                      <a16:creationId xmlns:a16="http://schemas.microsoft.com/office/drawing/2014/main" id="{9D497456-53D9-442B-B2E0-90255DC8B634}"/>
                     </a:ext>
                   </a:extLst>
                 </p:cNvPr>
@@ -7144,7 +7243,7 @@
                 <p:cNvPr id="33" name="円/楕円 23">
                   <a:extLst>
                     <a:ext uri="{FF2B5EF4-FFF2-40B4-BE49-F238E27FC236}">
-                      <a16:creationId xmlns:a16="http://schemas.microsoft.com/office/drawing/2014/main" xmlns="" id="{21952FBA-BA47-420B-A99A-5FFBE2F87732}"/>
+                      <a16:creationId xmlns:a16="http://schemas.microsoft.com/office/drawing/2014/main" id="{21952FBA-BA47-420B-A99A-5FFBE2F87732}"/>
                     </a:ext>
                   </a:extLst>
                 </p:cNvPr>
@@ -7197,7 +7296,7 @@
               <p:cNvPr id="31" name="テキスト ボックス 30">
                 <a:extLst>
                   <a:ext uri="{FF2B5EF4-FFF2-40B4-BE49-F238E27FC236}">
-                    <a16:creationId xmlns:a16="http://schemas.microsoft.com/office/drawing/2014/main" xmlns="" id="{42BA66E6-CC78-4F18-A393-31ECE810EF88}"/>
+                    <a16:creationId xmlns:a16="http://schemas.microsoft.com/office/drawing/2014/main" id="{42BA66E6-CC78-4F18-A393-31ECE810EF88}"/>
                   </a:ext>
                 </a:extLst>
               </p:cNvPr>
@@ -7257,7 +7356,7 @@
 </p:sld>
 </file>
 
-<file path=ppt/slides/slide15.xml><?xml version="1.0" encoding="utf-8"?>
+<file path=ppt/slides/slide16.xml><?xml version="1.0" encoding="utf-8"?>
 <p:sld xmlns:a="http://schemas.openxmlformats.org/drawingml/2006/main" xmlns:r="http://schemas.openxmlformats.org/officeDocument/2006/relationships" xmlns:p="http://schemas.openxmlformats.org/presentationml/2006/main">
   <p:cSld>
     <p:spTree>
@@ -7279,7 +7378,7 @@
           <p:cNvPr id="31" name="グループ化 30">
             <a:extLst>
               <a:ext uri="{FF2B5EF4-FFF2-40B4-BE49-F238E27FC236}">
-                <a16:creationId xmlns:a16="http://schemas.microsoft.com/office/drawing/2014/main" xmlns="" id="{C213BE62-984D-4367-9C10-F331D36B3396}"/>
+                <a16:creationId xmlns:a16="http://schemas.microsoft.com/office/drawing/2014/main" id="{C213BE62-984D-4367-9C10-F331D36B3396}"/>
               </a:ext>
             </a:extLst>
           </p:cNvPr>
@@ -7329,7 +7428,7 @@
             <p:cNvPr id="3" name="グループ化 2">
               <a:extLst>
                 <a:ext uri="{FF2B5EF4-FFF2-40B4-BE49-F238E27FC236}">
-                  <a16:creationId xmlns:a16="http://schemas.microsoft.com/office/drawing/2014/main" xmlns="" id="{890F5878-306F-4668-94BE-BA1CEA0BA95B}"/>
+                  <a16:creationId xmlns:a16="http://schemas.microsoft.com/office/drawing/2014/main" id="{890F5878-306F-4668-94BE-BA1CEA0BA95B}"/>
                 </a:ext>
               </a:extLst>
             </p:cNvPr>
@@ -7349,7 +7448,7 @@
               <p:cNvPr id="4" name="グループ化 3">
                 <a:extLst>
                   <a:ext uri="{FF2B5EF4-FFF2-40B4-BE49-F238E27FC236}">
-                    <a16:creationId xmlns:a16="http://schemas.microsoft.com/office/drawing/2014/main" xmlns="" id="{A5DCA946-4744-473A-AA8A-474B569B8BF4}"/>
+                    <a16:creationId xmlns:a16="http://schemas.microsoft.com/office/drawing/2014/main" id="{A5DCA946-4744-473A-AA8A-474B569B8BF4}"/>
                   </a:ext>
                 </a:extLst>
               </p:cNvPr>
@@ -7369,7 +7468,7 @@
                 <p:cNvPr id="6" name="図 5">
                   <a:extLst>
                     <a:ext uri="{FF2B5EF4-FFF2-40B4-BE49-F238E27FC236}">
-                      <a16:creationId xmlns:a16="http://schemas.microsoft.com/office/drawing/2014/main" xmlns="" id="{8DAEF59E-9E3A-439E-8477-98E8F90C1322}"/>
+                      <a16:creationId xmlns:a16="http://schemas.microsoft.com/office/drawing/2014/main" id="{8DAEF59E-9E3A-439E-8477-98E8F90C1322}"/>
                     </a:ext>
                   </a:extLst>
                 </p:cNvPr>
@@ -7405,7 +7504,7 @@
                 <p:cNvPr id="7" name="円/楕円 23">
                   <a:extLst>
                     <a:ext uri="{FF2B5EF4-FFF2-40B4-BE49-F238E27FC236}">
-                      <a16:creationId xmlns:a16="http://schemas.microsoft.com/office/drawing/2014/main" xmlns="" id="{0B09405D-BAA8-42EB-972F-BFCB052CD22D}"/>
+                      <a16:creationId xmlns:a16="http://schemas.microsoft.com/office/drawing/2014/main" id="{0B09405D-BAA8-42EB-972F-BFCB052CD22D}"/>
                     </a:ext>
                   </a:extLst>
                 </p:cNvPr>
@@ -7458,7 +7557,7 @@
               <p:cNvPr id="5" name="テキスト ボックス 4">
                 <a:extLst>
                   <a:ext uri="{FF2B5EF4-FFF2-40B4-BE49-F238E27FC236}">
-                    <a16:creationId xmlns:a16="http://schemas.microsoft.com/office/drawing/2014/main" xmlns="" id="{2FDA7762-FD45-4A31-A89C-CFC61DEBFB72}"/>
+                    <a16:creationId xmlns:a16="http://schemas.microsoft.com/office/drawing/2014/main" id="{2FDA7762-FD45-4A31-A89C-CFC61DEBFB72}"/>
                   </a:ext>
                 </a:extLst>
               </p:cNvPr>
@@ -7509,7 +7608,7 @@
             <p:cNvPr id="8" name="グループ化 7">
               <a:extLst>
                 <a:ext uri="{FF2B5EF4-FFF2-40B4-BE49-F238E27FC236}">
-                  <a16:creationId xmlns:a16="http://schemas.microsoft.com/office/drawing/2014/main" xmlns="" id="{26F1E988-A00A-42D5-90FC-C0A7EAD873FC}"/>
+                  <a16:creationId xmlns:a16="http://schemas.microsoft.com/office/drawing/2014/main" id="{26F1E988-A00A-42D5-90FC-C0A7EAD873FC}"/>
                 </a:ext>
               </a:extLst>
             </p:cNvPr>
@@ -7529,7 +7628,7 @@
               <p:cNvPr id="9" name="グループ化 8">
                 <a:extLst>
                   <a:ext uri="{FF2B5EF4-FFF2-40B4-BE49-F238E27FC236}">
-                    <a16:creationId xmlns:a16="http://schemas.microsoft.com/office/drawing/2014/main" xmlns="" id="{8507BE19-D83F-4759-B801-FF258348B22C}"/>
+                    <a16:creationId xmlns:a16="http://schemas.microsoft.com/office/drawing/2014/main" id="{8507BE19-D83F-4759-B801-FF258348B22C}"/>
                   </a:ext>
                 </a:extLst>
               </p:cNvPr>
@@ -7549,7 +7648,7 @@
                 <p:cNvPr id="11" name="図 10">
                   <a:extLst>
                     <a:ext uri="{FF2B5EF4-FFF2-40B4-BE49-F238E27FC236}">
-                      <a16:creationId xmlns:a16="http://schemas.microsoft.com/office/drawing/2014/main" xmlns="" id="{406795B7-0A3D-4F5B-9992-410021224F6E}"/>
+                      <a16:creationId xmlns:a16="http://schemas.microsoft.com/office/drawing/2014/main" id="{406795B7-0A3D-4F5B-9992-410021224F6E}"/>
                     </a:ext>
                   </a:extLst>
                 </p:cNvPr>
@@ -7585,7 +7684,7 @@
                 <p:cNvPr id="12" name="円/楕円 23">
                   <a:extLst>
                     <a:ext uri="{FF2B5EF4-FFF2-40B4-BE49-F238E27FC236}">
-                      <a16:creationId xmlns:a16="http://schemas.microsoft.com/office/drawing/2014/main" xmlns="" id="{E46635BC-5C4B-4DD9-8A95-56C0ED503F9A}"/>
+                      <a16:creationId xmlns:a16="http://schemas.microsoft.com/office/drawing/2014/main" id="{E46635BC-5C4B-4DD9-8A95-56C0ED503F9A}"/>
                     </a:ext>
                   </a:extLst>
                 </p:cNvPr>
@@ -7638,7 +7737,7 @@
               <p:cNvPr id="10" name="テキスト ボックス 9">
                 <a:extLst>
                   <a:ext uri="{FF2B5EF4-FFF2-40B4-BE49-F238E27FC236}">
-                    <a16:creationId xmlns:a16="http://schemas.microsoft.com/office/drawing/2014/main" xmlns="" id="{ACFB7262-669A-4627-9562-DCDF75182E84}"/>
+                    <a16:creationId xmlns:a16="http://schemas.microsoft.com/office/drawing/2014/main" id="{ACFB7262-669A-4627-9562-DCDF75182E84}"/>
                   </a:ext>
                 </a:extLst>
               </p:cNvPr>
@@ -7680,7 +7779,7 @@
             <p:cNvPr id="13" name="グループ化 12">
               <a:extLst>
                 <a:ext uri="{FF2B5EF4-FFF2-40B4-BE49-F238E27FC236}">
-                  <a16:creationId xmlns:a16="http://schemas.microsoft.com/office/drawing/2014/main" xmlns="" id="{4C0A18CA-2017-4C47-AE8E-676DA5286749}"/>
+                  <a16:creationId xmlns:a16="http://schemas.microsoft.com/office/drawing/2014/main" id="{4C0A18CA-2017-4C47-AE8E-676DA5286749}"/>
                 </a:ext>
               </a:extLst>
             </p:cNvPr>
@@ -7700,7 +7799,7 @@
               <p:cNvPr id="14" name="グループ化 13">
                 <a:extLst>
                   <a:ext uri="{FF2B5EF4-FFF2-40B4-BE49-F238E27FC236}">
-                    <a16:creationId xmlns:a16="http://schemas.microsoft.com/office/drawing/2014/main" xmlns="" id="{E433ADC6-14FD-4AC8-B04B-792948355A61}"/>
+                    <a16:creationId xmlns:a16="http://schemas.microsoft.com/office/drawing/2014/main" id="{E433ADC6-14FD-4AC8-B04B-792948355A61}"/>
                   </a:ext>
                 </a:extLst>
               </p:cNvPr>
@@ -7720,7 +7819,7 @@
                 <p:cNvPr id="16" name="図 15">
                   <a:extLst>
                     <a:ext uri="{FF2B5EF4-FFF2-40B4-BE49-F238E27FC236}">
-                      <a16:creationId xmlns:a16="http://schemas.microsoft.com/office/drawing/2014/main" xmlns="" id="{C8B79793-2363-40AD-A427-B8EA6E31DA2E}"/>
+                      <a16:creationId xmlns:a16="http://schemas.microsoft.com/office/drawing/2014/main" id="{C8B79793-2363-40AD-A427-B8EA6E31DA2E}"/>
                     </a:ext>
                   </a:extLst>
                 </p:cNvPr>
@@ -7756,7 +7855,7 @@
                 <p:cNvPr id="17" name="円/楕円 23">
                   <a:extLst>
                     <a:ext uri="{FF2B5EF4-FFF2-40B4-BE49-F238E27FC236}">
-                      <a16:creationId xmlns:a16="http://schemas.microsoft.com/office/drawing/2014/main" xmlns="" id="{E7E4D7AE-FA21-4ABB-BA9A-8EE8E1FB4C2E}"/>
+                      <a16:creationId xmlns:a16="http://schemas.microsoft.com/office/drawing/2014/main" id="{E7E4D7AE-FA21-4ABB-BA9A-8EE8E1FB4C2E}"/>
                     </a:ext>
                   </a:extLst>
                 </p:cNvPr>
@@ -7809,7 +7908,7 @@
               <p:cNvPr id="15" name="テキスト ボックス 14">
                 <a:extLst>
                   <a:ext uri="{FF2B5EF4-FFF2-40B4-BE49-F238E27FC236}">
-                    <a16:creationId xmlns:a16="http://schemas.microsoft.com/office/drawing/2014/main" xmlns="" id="{99DFA851-30C1-4770-864A-5167A36C4C32}"/>
+                    <a16:creationId xmlns:a16="http://schemas.microsoft.com/office/drawing/2014/main" id="{99DFA851-30C1-4770-864A-5167A36C4C32}"/>
                   </a:ext>
                 </a:extLst>
               </p:cNvPr>
@@ -7851,7 +7950,7 @@
             <p:cNvPr id="18" name="グループ化 17">
               <a:extLst>
                 <a:ext uri="{FF2B5EF4-FFF2-40B4-BE49-F238E27FC236}">
-                  <a16:creationId xmlns:a16="http://schemas.microsoft.com/office/drawing/2014/main" xmlns="" id="{5DCB1F6C-EDAB-4793-8BFE-EE7533886162}"/>
+                  <a16:creationId xmlns:a16="http://schemas.microsoft.com/office/drawing/2014/main" id="{5DCB1F6C-EDAB-4793-8BFE-EE7533886162}"/>
                 </a:ext>
               </a:extLst>
             </p:cNvPr>
@@ -7871,7 +7970,7 @@
               <p:cNvPr id="19" name="グループ化 18">
                 <a:extLst>
                   <a:ext uri="{FF2B5EF4-FFF2-40B4-BE49-F238E27FC236}">
-                    <a16:creationId xmlns:a16="http://schemas.microsoft.com/office/drawing/2014/main" xmlns="" id="{67102705-B0CA-43AC-BF99-9E5D648E13EC}"/>
+                    <a16:creationId xmlns:a16="http://schemas.microsoft.com/office/drawing/2014/main" id="{67102705-B0CA-43AC-BF99-9E5D648E13EC}"/>
                   </a:ext>
                 </a:extLst>
               </p:cNvPr>
@@ -7891,7 +7990,7 @@
                 <p:cNvPr id="21" name="図 20">
                   <a:extLst>
                     <a:ext uri="{FF2B5EF4-FFF2-40B4-BE49-F238E27FC236}">
-                      <a16:creationId xmlns:a16="http://schemas.microsoft.com/office/drawing/2014/main" xmlns="" id="{8AF87902-CAE5-45E0-A034-006263E9B9D0}"/>
+                      <a16:creationId xmlns:a16="http://schemas.microsoft.com/office/drawing/2014/main" id="{8AF87902-CAE5-45E0-A034-006263E9B9D0}"/>
                     </a:ext>
                   </a:extLst>
                 </p:cNvPr>
@@ -7927,7 +8026,7 @@
                 <p:cNvPr id="22" name="円/楕円 23">
                   <a:extLst>
                     <a:ext uri="{FF2B5EF4-FFF2-40B4-BE49-F238E27FC236}">
-                      <a16:creationId xmlns:a16="http://schemas.microsoft.com/office/drawing/2014/main" xmlns="" id="{51FB1462-48CE-4150-9DFA-52F62560A167}"/>
+                      <a16:creationId xmlns:a16="http://schemas.microsoft.com/office/drawing/2014/main" id="{51FB1462-48CE-4150-9DFA-52F62560A167}"/>
                     </a:ext>
                   </a:extLst>
                 </p:cNvPr>
@@ -7980,7 +8079,7 @@
               <p:cNvPr id="20" name="テキスト ボックス 19">
                 <a:extLst>
                   <a:ext uri="{FF2B5EF4-FFF2-40B4-BE49-F238E27FC236}">
-                    <a16:creationId xmlns:a16="http://schemas.microsoft.com/office/drawing/2014/main" xmlns="" id="{9E5650D4-5037-4A37-9995-DA1EB599C2CA}"/>
+                    <a16:creationId xmlns:a16="http://schemas.microsoft.com/office/drawing/2014/main" id="{9E5650D4-5037-4A37-9995-DA1EB599C2CA}"/>
                   </a:ext>
                 </a:extLst>
               </p:cNvPr>
@@ -8022,7 +8121,7 @@
             <p:cNvPr id="23" name="グループ化 22">
               <a:extLst>
                 <a:ext uri="{FF2B5EF4-FFF2-40B4-BE49-F238E27FC236}">
-                  <a16:creationId xmlns:a16="http://schemas.microsoft.com/office/drawing/2014/main" xmlns="" id="{F6961F8D-1E21-4363-B306-9AC0F33914E0}"/>
+                  <a16:creationId xmlns:a16="http://schemas.microsoft.com/office/drawing/2014/main" id="{F6961F8D-1E21-4363-B306-9AC0F33914E0}"/>
                 </a:ext>
               </a:extLst>
             </p:cNvPr>
@@ -8042,7 +8141,7 @@
               <p:cNvPr id="24" name="グループ化 23">
                 <a:extLst>
                   <a:ext uri="{FF2B5EF4-FFF2-40B4-BE49-F238E27FC236}">
-                    <a16:creationId xmlns:a16="http://schemas.microsoft.com/office/drawing/2014/main" xmlns="" id="{C2CCDD5B-B8B3-4D87-AFC9-ED4AB7B1C389}"/>
+                    <a16:creationId xmlns:a16="http://schemas.microsoft.com/office/drawing/2014/main" id="{C2CCDD5B-B8B3-4D87-AFC9-ED4AB7B1C389}"/>
                   </a:ext>
                 </a:extLst>
               </p:cNvPr>
@@ -8062,7 +8161,7 @@
                 <p:cNvPr id="26" name="図 25">
                   <a:extLst>
                     <a:ext uri="{FF2B5EF4-FFF2-40B4-BE49-F238E27FC236}">
-                      <a16:creationId xmlns:a16="http://schemas.microsoft.com/office/drawing/2014/main" xmlns="" id="{38C02253-D33A-4ED4-A99C-76822C533FE4}"/>
+                      <a16:creationId xmlns:a16="http://schemas.microsoft.com/office/drawing/2014/main" id="{38C02253-D33A-4ED4-A99C-76822C533FE4}"/>
                     </a:ext>
                   </a:extLst>
                 </p:cNvPr>
@@ -8098,7 +8197,7 @@
                 <p:cNvPr id="27" name="円/楕円 23">
                   <a:extLst>
                     <a:ext uri="{FF2B5EF4-FFF2-40B4-BE49-F238E27FC236}">
-                      <a16:creationId xmlns:a16="http://schemas.microsoft.com/office/drawing/2014/main" xmlns="" id="{8C6E84E3-6E6A-47DB-A1AF-69AE16B7AB64}"/>
+                      <a16:creationId xmlns:a16="http://schemas.microsoft.com/office/drawing/2014/main" id="{8C6E84E3-6E6A-47DB-A1AF-69AE16B7AB64}"/>
                     </a:ext>
                   </a:extLst>
                 </p:cNvPr>
@@ -8151,7 +8250,7 @@
               <p:cNvPr id="25" name="テキスト ボックス 24">
                 <a:extLst>
                   <a:ext uri="{FF2B5EF4-FFF2-40B4-BE49-F238E27FC236}">
-                    <a16:creationId xmlns:a16="http://schemas.microsoft.com/office/drawing/2014/main" xmlns="" id="{096EA11D-E9AF-4F38-BC77-D45AB12E17AB}"/>
+                    <a16:creationId xmlns:a16="http://schemas.microsoft.com/office/drawing/2014/main" id="{096EA11D-E9AF-4F38-BC77-D45AB12E17AB}"/>
                   </a:ext>
                 </a:extLst>
               </p:cNvPr>
@@ -8193,7 +8292,7 @@
             <p:cNvPr id="29" name="図 28">
               <a:extLst>
                 <a:ext uri="{FF2B5EF4-FFF2-40B4-BE49-F238E27FC236}">
-                  <a16:creationId xmlns:a16="http://schemas.microsoft.com/office/drawing/2014/main" xmlns="" id="{DA73D3CB-DB4F-4EA2-82D2-022D62FBB5F9}"/>
+                  <a16:creationId xmlns:a16="http://schemas.microsoft.com/office/drawing/2014/main" id="{DA73D3CB-DB4F-4EA2-82D2-022D62FBB5F9}"/>
                 </a:ext>
               </a:extLst>
             </p:cNvPr>
@@ -8229,7 +8328,7 @@
             <p:cNvPr id="30" name="図 29">
               <a:extLst>
                 <a:ext uri="{FF2B5EF4-FFF2-40B4-BE49-F238E27FC236}">
-                  <a16:creationId xmlns:a16="http://schemas.microsoft.com/office/drawing/2014/main" xmlns="" id="{F89C06FF-496E-4C4A-AB60-699876CD8D60}"/>
+                  <a16:creationId xmlns:a16="http://schemas.microsoft.com/office/drawing/2014/main" id="{F89C06FF-496E-4C4A-AB60-699876CD8D60}"/>
                 </a:ext>
               </a:extLst>
             </p:cNvPr>
@@ -8304,7 +8403,7 @@
 </p:sld>
 </file>
 
-<file path=ppt/slides/slide16.xml><?xml version="1.0" encoding="utf-8"?>
+<file path=ppt/slides/slide17.xml><?xml version="1.0" encoding="utf-8"?>
 <p:sld xmlns:a="http://schemas.openxmlformats.org/drawingml/2006/main" xmlns:r="http://schemas.openxmlformats.org/officeDocument/2006/relationships" xmlns:p="http://schemas.openxmlformats.org/presentationml/2006/main">
   <p:cSld>
     <p:spTree>
@@ -8326,7 +8425,7 @@
           <p:cNvPr id="26" name="グループ化 25">
             <a:extLst>
               <a:ext uri="{FF2B5EF4-FFF2-40B4-BE49-F238E27FC236}">
-                <a16:creationId xmlns:a16="http://schemas.microsoft.com/office/drawing/2014/main" xmlns="" id="{62EA709E-1ECF-4D83-8681-3DA4B824EC78}"/>
+                <a16:creationId xmlns:a16="http://schemas.microsoft.com/office/drawing/2014/main" id="{62EA709E-1ECF-4D83-8681-3DA4B824EC78}"/>
               </a:ext>
             </a:extLst>
           </p:cNvPr>
@@ -8376,7 +8475,7 @@
             <p:cNvPr id="24" name="図 23">
               <a:extLst>
                 <a:ext uri="{FF2B5EF4-FFF2-40B4-BE49-F238E27FC236}">
-                  <a16:creationId xmlns:a16="http://schemas.microsoft.com/office/drawing/2014/main" xmlns="" id="{C5C781A1-AA35-45B9-B209-A3C80A1D6B9F}"/>
+                  <a16:creationId xmlns:a16="http://schemas.microsoft.com/office/drawing/2014/main" id="{C5C781A1-AA35-45B9-B209-A3C80A1D6B9F}"/>
                 </a:ext>
               </a:extLst>
             </p:cNvPr>
@@ -8451,7 +8550,7 @@
 </p:sld>
 </file>
 
-<file path=ppt/slides/slide17.xml><?xml version="1.0" encoding="utf-8"?>
+<file path=ppt/slides/slide18.xml><?xml version="1.0" encoding="utf-8"?>
 <p:sld xmlns:a="http://schemas.openxmlformats.org/drawingml/2006/main" xmlns:r="http://schemas.openxmlformats.org/officeDocument/2006/relationships" xmlns:p="http://schemas.openxmlformats.org/presentationml/2006/main">
   <p:cSld>
     <p:spTree>
@@ -8473,7 +8572,7 @@
           <p:cNvPr id="6" name="グループ化 5">
             <a:extLst>
               <a:ext uri="{FF2B5EF4-FFF2-40B4-BE49-F238E27FC236}">
-                <a16:creationId xmlns:a16="http://schemas.microsoft.com/office/drawing/2014/main" xmlns="" id="{38A89C8E-638B-418F-98FE-4D38C01B5D63}"/>
+                <a16:creationId xmlns:a16="http://schemas.microsoft.com/office/drawing/2014/main" id="{38A89C8E-638B-418F-98FE-4D38C01B5D63}"/>
               </a:ext>
             </a:extLst>
           </p:cNvPr>
@@ -8523,7 +8622,7 @@
             <p:cNvPr id="4" name="図 3">
               <a:extLst>
                 <a:ext uri="{FF2B5EF4-FFF2-40B4-BE49-F238E27FC236}">
-                  <a16:creationId xmlns:a16="http://schemas.microsoft.com/office/drawing/2014/main" xmlns="" id="{EA3351E6-B465-4A72-9D1F-641186584762}"/>
+                  <a16:creationId xmlns:a16="http://schemas.microsoft.com/office/drawing/2014/main" id="{EA3351E6-B465-4A72-9D1F-641186584762}"/>
                 </a:ext>
               </a:extLst>
             </p:cNvPr>
@@ -8559,7 +8658,7 @@
             <p:cNvPr id="5" name="図 4">
               <a:extLst>
                 <a:ext uri="{FF2B5EF4-FFF2-40B4-BE49-F238E27FC236}">
-                  <a16:creationId xmlns:a16="http://schemas.microsoft.com/office/drawing/2014/main" xmlns="" id="{48AF67B7-FD01-4644-A3D2-DEE7A46FD752}"/>
+                  <a16:creationId xmlns:a16="http://schemas.microsoft.com/office/drawing/2014/main" id="{48AF67B7-FD01-4644-A3D2-DEE7A46FD752}"/>
                 </a:ext>
               </a:extLst>
             </p:cNvPr>
@@ -8626,7 +8725,7 @@
           <p:cNvPr id="3" name="グループ化 2">
             <a:extLst>
               <a:ext uri="{FF2B5EF4-FFF2-40B4-BE49-F238E27FC236}">
-                <a16:creationId xmlns:a16="http://schemas.microsoft.com/office/drawing/2014/main" xmlns="" id="{BB1983BE-7252-407C-A358-C710CC7E832A}"/>
+                <a16:creationId xmlns:a16="http://schemas.microsoft.com/office/drawing/2014/main" id="{BB1983BE-7252-407C-A358-C710CC7E832A}"/>
               </a:ext>
             </a:extLst>
           </p:cNvPr>
@@ -8646,7 +8745,7 @@
             <p:cNvPr id="8" name="図 7">
               <a:extLst>
                 <a:ext uri="{FF2B5EF4-FFF2-40B4-BE49-F238E27FC236}">
-                  <a16:creationId xmlns:a16="http://schemas.microsoft.com/office/drawing/2014/main" xmlns="" id="{C151526E-B945-4F5C-A12F-F1740DB935F0}"/>
+                  <a16:creationId xmlns:a16="http://schemas.microsoft.com/office/drawing/2014/main" id="{C151526E-B945-4F5C-A12F-F1740DB935F0}"/>
                 </a:ext>
               </a:extLst>
             </p:cNvPr>
@@ -8682,7 +8781,7 @@
             <p:cNvPr id="9" name="円/楕円 23">
               <a:extLst>
                 <a:ext uri="{FF2B5EF4-FFF2-40B4-BE49-F238E27FC236}">
-                  <a16:creationId xmlns:a16="http://schemas.microsoft.com/office/drawing/2014/main" xmlns="" id="{F5A1EC51-1A17-4C47-AD9A-2D2A0BBE8D92}"/>
+                  <a16:creationId xmlns:a16="http://schemas.microsoft.com/office/drawing/2014/main" id="{F5A1EC51-1A17-4C47-AD9A-2D2A0BBE8D92}"/>
                 </a:ext>
               </a:extLst>
             </p:cNvPr>
@@ -8734,7 +8833,7 @@
             <p:cNvPr id="10" name="テキスト ボックス 9">
               <a:extLst>
                 <a:ext uri="{FF2B5EF4-FFF2-40B4-BE49-F238E27FC236}">
-                  <a16:creationId xmlns:a16="http://schemas.microsoft.com/office/drawing/2014/main" xmlns="" id="{2251AD46-271F-4422-B1D3-314A41B430CB}"/>
+                  <a16:creationId xmlns:a16="http://schemas.microsoft.com/office/drawing/2014/main" id="{2251AD46-271F-4422-B1D3-314A41B430CB}"/>
                 </a:ext>
               </a:extLst>
             </p:cNvPr>
@@ -8785,7 +8884,7 @@
           <p:cNvPr id="11" name="グループ化 10">
             <a:extLst>
               <a:ext uri="{FF2B5EF4-FFF2-40B4-BE49-F238E27FC236}">
-                <a16:creationId xmlns:a16="http://schemas.microsoft.com/office/drawing/2014/main" xmlns="" id="{D439460E-8F1F-47C0-AE08-3F82BA74BE12}"/>
+                <a16:creationId xmlns:a16="http://schemas.microsoft.com/office/drawing/2014/main" id="{D439460E-8F1F-47C0-AE08-3F82BA74BE12}"/>
               </a:ext>
             </a:extLst>
           </p:cNvPr>
@@ -8805,7 +8904,7 @@
             <p:cNvPr id="12" name="図 11">
               <a:extLst>
                 <a:ext uri="{FF2B5EF4-FFF2-40B4-BE49-F238E27FC236}">
-                  <a16:creationId xmlns:a16="http://schemas.microsoft.com/office/drawing/2014/main" xmlns="" id="{3FD8FEF3-DC66-48B2-9E4C-C271C5619EE4}"/>
+                  <a16:creationId xmlns:a16="http://schemas.microsoft.com/office/drawing/2014/main" id="{3FD8FEF3-DC66-48B2-9E4C-C271C5619EE4}"/>
                 </a:ext>
               </a:extLst>
             </p:cNvPr>
@@ -8841,7 +8940,7 @@
             <p:cNvPr id="13" name="円/楕円 23">
               <a:extLst>
                 <a:ext uri="{FF2B5EF4-FFF2-40B4-BE49-F238E27FC236}">
-                  <a16:creationId xmlns:a16="http://schemas.microsoft.com/office/drawing/2014/main" xmlns="" id="{F4A1E556-5209-4FF5-8DA3-F3D9FB8D83DF}"/>
+                  <a16:creationId xmlns:a16="http://schemas.microsoft.com/office/drawing/2014/main" id="{F4A1E556-5209-4FF5-8DA3-F3D9FB8D83DF}"/>
                 </a:ext>
               </a:extLst>
             </p:cNvPr>
@@ -8893,7 +8992,7 @@
             <p:cNvPr id="14" name="テキスト ボックス 13">
               <a:extLst>
                 <a:ext uri="{FF2B5EF4-FFF2-40B4-BE49-F238E27FC236}">
-                  <a16:creationId xmlns:a16="http://schemas.microsoft.com/office/drawing/2014/main" xmlns="" id="{784BB07B-55D6-4FEB-BC3C-9D9D7BA18524}"/>
+                  <a16:creationId xmlns:a16="http://schemas.microsoft.com/office/drawing/2014/main" id="{784BB07B-55D6-4FEB-BC3C-9D9D7BA18524}"/>
                 </a:ext>
               </a:extLst>
             </p:cNvPr>
@@ -8952,7 +9051,7 @@
 </p:sld>
 </file>
 
-<file path=ppt/slides/slide18.xml><?xml version="1.0" encoding="utf-8"?>
+<file path=ppt/slides/slide19.xml><?xml version="1.0" encoding="utf-8"?>
 <p:sld xmlns:a="http://schemas.openxmlformats.org/drawingml/2006/main" xmlns:r="http://schemas.openxmlformats.org/officeDocument/2006/relationships" xmlns:p="http://schemas.openxmlformats.org/presentationml/2006/main">
   <p:cSld>
     <p:spTree>
@@ -9004,7 +9103,7 @@
           <p:cNvPr id="4" name="図 3">
             <a:extLst>
               <a:ext uri="{FF2B5EF4-FFF2-40B4-BE49-F238E27FC236}">
-                <a16:creationId xmlns:a16="http://schemas.microsoft.com/office/drawing/2014/main" xmlns="" id="{EFB92BCB-EBBD-48F2-9359-E9593C0A6B56}"/>
+                <a16:creationId xmlns:a16="http://schemas.microsoft.com/office/drawing/2014/main" id="{EFB92BCB-EBBD-48F2-9359-E9593C0A6B56}"/>
               </a:ext>
             </a:extLst>
           </p:cNvPr>
@@ -9040,7 +9139,7 @@
           <p:cNvPr id="5" name="図 4">
             <a:extLst>
               <a:ext uri="{FF2B5EF4-FFF2-40B4-BE49-F238E27FC236}">
-                <a16:creationId xmlns:a16="http://schemas.microsoft.com/office/drawing/2014/main" xmlns="" id="{D9C7807F-FDAE-4EAC-9A27-A2DC448096A3}"/>
+                <a16:creationId xmlns:a16="http://schemas.microsoft.com/office/drawing/2014/main" id="{D9C7807F-FDAE-4EAC-9A27-A2DC448096A3}"/>
               </a:ext>
             </a:extLst>
           </p:cNvPr>
@@ -9106,7 +9205,7 @@
           <p:cNvPr id="8" name="グループ化 7">
             <a:extLst>
               <a:ext uri="{FF2B5EF4-FFF2-40B4-BE49-F238E27FC236}">
-                <a16:creationId xmlns:a16="http://schemas.microsoft.com/office/drawing/2014/main" xmlns="" id="{C1658E3F-6494-44C6-A096-A3EC345C716C}"/>
+                <a16:creationId xmlns:a16="http://schemas.microsoft.com/office/drawing/2014/main" id="{C1658E3F-6494-44C6-A096-A3EC345C716C}"/>
               </a:ext>
             </a:extLst>
           </p:cNvPr>
@@ -9126,7 +9225,7 @@
             <p:cNvPr id="9" name="図 8">
               <a:extLst>
                 <a:ext uri="{FF2B5EF4-FFF2-40B4-BE49-F238E27FC236}">
-                  <a16:creationId xmlns:a16="http://schemas.microsoft.com/office/drawing/2014/main" xmlns="" id="{684223BF-1108-4F62-8438-8FC48AF043F0}"/>
+                  <a16:creationId xmlns:a16="http://schemas.microsoft.com/office/drawing/2014/main" id="{684223BF-1108-4F62-8438-8FC48AF043F0}"/>
                 </a:ext>
               </a:extLst>
             </p:cNvPr>
@@ -9162,7 +9261,7 @@
             <p:cNvPr id="10" name="円/楕円 23">
               <a:extLst>
                 <a:ext uri="{FF2B5EF4-FFF2-40B4-BE49-F238E27FC236}">
-                  <a16:creationId xmlns:a16="http://schemas.microsoft.com/office/drawing/2014/main" xmlns="" id="{69EBE627-B17A-454D-A07C-46927550D62A}"/>
+                  <a16:creationId xmlns:a16="http://schemas.microsoft.com/office/drawing/2014/main" id="{69EBE627-B17A-454D-A07C-46927550D62A}"/>
                 </a:ext>
               </a:extLst>
             </p:cNvPr>
@@ -9214,7 +9313,7 @@
             <p:cNvPr id="11" name="テキスト ボックス 10">
               <a:extLst>
                 <a:ext uri="{FF2B5EF4-FFF2-40B4-BE49-F238E27FC236}">
-                  <a16:creationId xmlns:a16="http://schemas.microsoft.com/office/drawing/2014/main" xmlns="" id="{41C8A3B5-FF83-436E-A8EC-55DADE30FACD}"/>
+                  <a16:creationId xmlns:a16="http://schemas.microsoft.com/office/drawing/2014/main" id="{41C8A3B5-FF83-436E-A8EC-55DADE30FACD}"/>
                 </a:ext>
               </a:extLst>
             </p:cNvPr>
@@ -9256,7 +9355,7 @@
           <p:cNvPr id="12" name="グループ化 11">
             <a:extLst>
               <a:ext uri="{FF2B5EF4-FFF2-40B4-BE49-F238E27FC236}">
-                <a16:creationId xmlns:a16="http://schemas.microsoft.com/office/drawing/2014/main" xmlns="" id="{627191C2-768B-47EF-B474-2BAEEA821907}"/>
+                <a16:creationId xmlns:a16="http://schemas.microsoft.com/office/drawing/2014/main" id="{627191C2-768B-47EF-B474-2BAEEA821907}"/>
               </a:ext>
             </a:extLst>
           </p:cNvPr>
@@ -9276,7 +9375,7 @@
             <p:cNvPr id="13" name="図 12">
               <a:extLst>
                 <a:ext uri="{FF2B5EF4-FFF2-40B4-BE49-F238E27FC236}">
-                  <a16:creationId xmlns:a16="http://schemas.microsoft.com/office/drawing/2014/main" xmlns="" id="{DDDCAC80-5ECB-436C-8569-266CD77C0829}"/>
+                  <a16:creationId xmlns:a16="http://schemas.microsoft.com/office/drawing/2014/main" id="{DDDCAC80-5ECB-436C-8569-266CD77C0829}"/>
                 </a:ext>
               </a:extLst>
             </p:cNvPr>
@@ -9312,7 +9411,7 @@
             <p:cNvPr id="14" name="円/楕円 23">
               <a:extLst>
                 <a:ext uri="{FF2B5EF4-FFF2-40B4-BE49-F238E27FC236}">
-                  <a16:creationId xmlns:a16="http://schemas.microsoft.com/office/drawing/2014/main" xmlns="" id="{C3D27166-9D23-4EE8-B7A6-1569E889AF12}"/>
+                  <a16:creationId xmlns:a16="http://schemas.microsoft.com/office/drawing/2014/main" id="{C3D27166-9D23-4EE8-B7A6-1569E889AF12}"/>
                 </a:ext>
               </a:extLst>
             </p:cNvPr>
@@ -9364,7 +9463,7 @@
             <p:cNvPr id="15" name="テキスト ボックス 14">
               <a:extLst>
                 <a:ext uri="{FF2B5EF4-FFF2-40B4-BE49-F238E27FC236}">
-                  <a16:creationId xmlns:a16="http://schemas.microsoft.com/office/drawing/2014/main" xmlns="" id="{92CF8F3E-00B6-4F40-AF5F-0809B283959A}"/>
+                  <a16:creationId xmlns:a16="http://schemas.microsoft.com/office/drawing/2014/main" id="{92CF8F3E-00B6-4F40-AF5F-0809B283959A}"/>
                 </a:ext>
               </a:extLst>
             </p:cNvPr>
@@ -9415,7 +9514,7 @@
           <p:cNvPr id="16" name="グループ化 15">
             <a:extLst>
               <a:ext uri="{FF2B5EF4-FFF2-40B4-BE49-F238E27FC236}">
-                <a16:creationId xmlns:a16="http://schemas.microsoft.com/office/drawing/2014/main" xmlns="" id="{85EB684B-992E-4D67-9FF0-EF456DA186A3}"/>
+                <a16:creationId xmlns:a16="http://schemas.microsoft.com/office/drawing/2014/main" id="{85EB684B-992E-4D67-9FF0-EF456DA186A3}"/>
               </a:ext>
             </a:extLst>
           </p:cNvPr>
@@ -9435,7 +9534,7 @@
             <p:cNvPr id="17" name="図 16">
               <a:extLst>
                 <a:ext uri="{FF2B5EF4-FFF2-40B4-BE49-F238E27FC236}">
-                  <a16:creationId xmlns:a16="http://schemas.microsoft.com/office/drawing/2014/main" xmlns="" id="{29797A6F-D971-4660-9F53-8066C731DA98}"/>
+                  <a16:creationId xmlns:a16="http://schemas.microsoft.com/office/drawing/2014/main" id="{29797A6F-D971-4660-9F53-8066C731DA98}"/>
                 </a:ext>
               </a:extLst>
             </p:cNvPr>
@@ -9471,7 +9570,7 @@
             <p:cNvPr id="18" name="円/楕円 23">
               <a:extLst>
                 <a:ext uri="{FF2B5EF4-FFF2-40B4-BE49-F238E27FC236}">
-                  <a16:creationId xmlns:a16="http://schemas.microsoft.com/office/drawing/2014/main" xmlns="" id="{A136E75E-B664-4E67-93BE-CAE9E212383E}"/>
+                  <a16:creationId xmlns:a16="http://schemas.microsoft.com/office/drawing/2014/main" id="{A136E75E-B664-4E67-93BE-CAE9E212383E}"/>
                 </a:ext>
               </a:extLst>
             </p:cNvPr>
@@ -9523,7 +9622,7 @@
             <p:cNvPr id="19" name="テキスト ボックス 18">
               <a:extLst>
                 <a:ext uri="{FF2B5EF4-FFF2-40B4-BE49-F238E27FC236}">
-                  <a16:creationId xmlns:a16="http://schemas.microsoft.com/office/drawing/2014/main" xmlns="" id="{CFD942FD-55AE-4B9D-9F3F-EF3EB9BC77DC}"/>
+                  <a16:creationId xmlns:a16="http://schemas.microsoft.com/office/drawing/2014/main" id="{CFD942FD-55AE-4B9D-9F3F-EF3EB9BC77DC}"/>
                 </a:ext>
               </a:extLst>
             </p:cNvPr>
@@ -9573,486 +9672,6 @@
     <p:extLst>
       <p:ext uri="{BB962C8B-B14F-4D97-AF65-F5344CB8AC3E}">
         <p14:creationId xmlns:p14="http://schemas.microsoft.com/office/powerpoint/2010/main" val="3157256719"/>
-      </p:ext>
-    </p:extLst>
-  </p:cSld>
-  <p:clrMapOvr>
-    <a:masterClrMapping/>
-  </p:clrMapOvr>
-</p:sld>
-</file>
-
-<file path=ppt/slides/slide19.xml><?xml version="1.0" encoding="utf-8"?>
-<p:sld xmlns:a="http://schemas.openxmlformats.org/drawingml/2006/main" xmlns:r="http://schemas.openxmlformats.org/officeDocument/2006/relationships" xmlns:p="http://schemas.openxmlformats.org/presentationml/2006/main">
-  <p:cSld>
-    <p:spTree>
-      <p:nvGrpSpPr>
-        <p:cNvPr id="1" name=""/>
-        <p:cNvGrpSpPr/>
-        <p:nvPr/>
-      </p:nvGrpSpPr>
-      <p:grpSpPr>
-        <a:xfrm>
-          <a:off x="0" y="0"/>
-          <a:ext cx="0" cy="0"/>
-          <a:chOff x="0" y="0"/>
-          <a:chExt cx="0" cy="0"/>
-        </a:xfrm>
-      </p:grpSpPr>
-      <p:pic>
-        <p:nvPicPr>
-          <p:cNvPr id="6" name="図 5"/>
-          <p:cNvPicPr>
-            <a:picLocks noChangeAspect="1"/>
-          </p:cNvPicPr>
-          <p:nvPr/>
-        </p:nvPicPr>
-        <p:blipFill>
-          <a:blip r:embed="rId2" cstate="print">
-            <a:extLst>
-              <a:ext uri="{28A0092B-C50C-407E-A947-70E740481C1C}">
-                <a14:useLocalDpi xmlns:a14="http://schemas.microsoft.com/office/drawing/2010/main" val="0"/>
-              </a:ext>
-            </a:extLst>
-          </a:blip>
-          <a:stretch>
-            <a:fillRect/>
-          </a:stretch>
-        </p:blipFill>
-        <p:spPr>
-          <a:xfrm>
-            <a:off x="0" y="109090"/>
-            <a:ext cx="12192000" cy="6639819"/>
-          </a:xfrm>
-          <a:prstGeom prst="rect">
-            <a:avLst/>
-          </a:prstGeom>
-        </p:spPr>
-      </p:pic>
-      <p:pic>
-        <p:nvPicPr>
-          <p:cNvPr id="4" name="図 3">
-            <a:extLst>
-              <a:ext uri="{FF2B5EF4-FFF2-40B4-BE49-F238E27FC236}">
-                <a16:creationId xmlns:a16="http://schemas.microsoft.com/office/drawing/2014/main" xmlns="" id="{07A9904A-3ADF-4311-971E-DA97678F4C72}"/>
-              </a:ext>
-            </a:extLst>
-          </p:cNvPr>
-          <p:cNvPicPr>
-            <a:picLocks noChangeAspect="1"/>
-          </p:cNvPicPr>
-          <p:nvPr/>
-        </p:nvPicPr>
-        <p:blipFill>
-          <a:blip r:embed="rId3" cstate="print">
-            <a:extLst>
-              <a:ext uri="{28A0092B-C50C-407E-A947-70E740481C1C}">
-                <a14:useLocalDpi xmlns:a14="http://schemas.microsoft.com/office/drawing/2010/main" val="0"/>
-              </a:ext>
-            </a:extLst>
-          </a:blip>
-          <a:stretch>
-            <a:fillRect/>
-          </a:stretch>
-        </p:blipFill>
-        <p:spPr>
-          <a:xfrm>
-            <a:off x="7166168" y="4456205"/>
-            <a:ext cx="3048006" cy="1524003"/>
-          </a:xfrm>
-          <a:prstGeom prst="rect">
-            <a:avLst/>
-          </a:prstGeom>
-        </p:spPr>
-      </p:pic>
-      <p:pic>
-        <p:nvPicPr>
-          <p:cNvPr id="5" name="図 4">
-            <a:extLst>
-              <a:ext uri="{FF2B5EF4-FFF2-40B4-BE49-F238E27FC236}">
-                <a16:creationId xmlns:a16="http://schemas.microsoft.com/office/drawing/2014/main" xmlns="" id="{9D2D46E6-1879-4F96-9EF9-6F3FCAF72A0A}"/>
-              </a:ext>
-            </a:extLst>
-          </p:cNvPr>
-          <p:cNvPicPr>
-            <a:picLocks noChangeAspect="1"/>
-          </p:cNvPicPr>
-          <p:nvPr/>
-        </p:nvPicPr>
-        <p:blipFill>
-          <a:blip r:embed="rId4" cstate="print">
-            <a:extLst>
-              <a:ext uri="{28A0092B-C50C-407E-A947-70E740481C1C}">
-                <a14:useLocalDpi xmlns:a14="http://schemas.microsoft.com/office/drawing/2010/main" val="0"/>
-              </a:ext>
-            </a:extLst>
-          </a:blip>
-          <a:stretch>
-            <a:fillRect/>
-          </a:stretch>
-        </p:blipFill>
-        <p:spPr>
-          <a:xfrm>
-            <a:off x="7137397" y="173506"/>
-            <a:ext cx="3048006" cy="1524003"/>
-          </a:xfrm>
-          <a:prstGeom prst="rect">
-            <a:avLst/>
-          </a:prstGeom>
-        </p:spPr>
-      </p:pic>
-      <p:pic>
-        <p:nvPicPr>
-          <p:cNvPr id="7" name="図 6"/>
-          <p:cNvPicPr>
-            <a:picLocks noChangeAspect="1"/>
-          </p:cNvPicPr>
-          <p:nvPr/>
-        </p:nvPicPr>
-        <p:blipFill>
-          <a:blip r:embed="rId5" cstate="print">
-            <a:extLst>
-              <a:ext uri="{28A0092B-C50C-407E-A947-70E740481C1C}">
-                <a14:useLocalDpi xmlns:a14="http://schemas.microsoft.com/office/drawing/2010/main" val="0"/>
-              </a:ext>
-            </a:extLst>
-          </a:blip>
-          <a:stretch>
-            <a:fillRect/>
-          </a:stretch>
-        </p:blipFill>
-        <p:spPr>
-          <a:xfrm>
-            <a:off x="342901" y="0"/>
-            <a:ext cx="3225798" cy="1612899"/>
-          </a:xfrm>
-          <a:prstGeom prst="rect">
-            <a:avLst/>
-          </a:prstGeom>
-        </p:spPr>
-      </p:pic>
-      <p:grpSp>
-        <p:nvGrpSpPr>
-          <p:cNvPr id="8" name="グループ化 7">
-            <a:extLst>
-              <a:ext uri="{FF2B5EF4-FFF2-40B4-BE49-F238E27FC236}">
-                <a16:creationId xmlns:a16="http://schemas.microsoft.com/office/drawing/2014/main" xmlns="" id="{92ADEABB-07AF-4E27-8182-490FDC8E6A21}"/>
-              </a:ext>
-            </a:extLst>
-          </p:cNvPr>
-          <p:cNvGrpSpPr/>
-          <p:nvPr/>
-        </p:nvGrpSpPr>
-        <p:grpSpPr>
-          <a:xfrm>
-            <a:off x="9809233" y="3150076"/>
-            <a:ext cx="1262742" cy="1379655"/>
-            <a:chOff x="10732184" y="2548474"/>
-            <a:chExt cx="1262742" cy="1379655"/>
-          </a:xfrm>
-        </p:grpSpPr>
-        <p:pic>
-          <p:nvPicPr>
-            <p:cNvPr id="9" name="図 8">
-              <a:extLst>
-                <a:ext uri="{FF2B5EF4-FFF2-40B4-BE49-F238E27FC236}">
-                  <a16:creationId xmlns:a16="http://schemas.microsoft.com/office/drawing/2014/main" xmlns="" id="{AB7B3E88-CB01-46D6-92A7-AF4A12FDC680}"/>
-                </a:ext>
-              </a:extLst>
-            </p:cNvPr>
-            <p:cNvPicPr>
-              <a:picLocks noChangeAspect="1"/>
-            </p:cNvPicPr>
-            <p:nvPr/>
-          </p:nvPicPr>
-          <p:blipFill>
-            <a:blip r:embed="rId6">
-              <a:extLst>
-                <a:ext uri="{28A0092B-C50C-407E-A947-70E740481C1C}">
-                  <a14:useLocalDpi xmlns:a14="http://schemas.microsoft.com/office/drawing/2010/main" val="0"/>
-                </a:ext>
-              </a:extLst>
-            </a:blip>
-            <a:stretch>
-              <a:fillRect/>
-            </a:stretch>
-          </p:blipFill>
-          <p:spPr>
-            <a:xfrm>
-              <a:off x="10732184" y="2665387"/>
-              <a:ext cx="1262742" cy="1262742"/>
-            </a:xfrm>
-            <a:prstGeom prst="rect">
-              <a:avLst/>
-            </a:prstGeom>
-          </p:spPr>
-        </p:pic>
-        <p:sp>
-          <p:nvSpPr>
-            <p:cNvPr id="10" name="円/楕円 23">
-              <a:extLst>
-                <a:ext uri="{FF2B5EF4-FFF2-40B4-BE49-F238E27FC236}">
-                  <a16:creationId xmlns:a16="http://schemas.microsoft.com/office/drawing/2014/main" xmlns="" id="{CACB6A2A-419B-49F6-99B0-D8140789FDDC}"/>
-                </a:ext>
-              </a:extLst>
-            </p:cNvPr>
-            <p:cNvSpPr/>
-            <p:nvPr/>
-          </p:nvSpPr>
-          <p:spPr>
-            <a:xfrm>
-              <a:off x="11036983" y="2766417"/>
-              <a:ext cx="653143" cy="653143"/>
-            </a:xfrm>
-            <a:prstGeom prst="ellipse">
-              <a:avLst/>
-            </a:prstGeom>
-            <a:solidFill>
-              <a:schemeClr val="bg1"/>
-            </a:solidFill>
-            <a:ln>
-              <a:noFill/>
-            </a:ln>
-          </p:spPr>
-          <p:style>
-            <a:lnRef idx="2">
-              <a:schemeClr val="accent1">
-                <a:shade val="50000"/>
-              </a:schemeClr>
-            </a:lnRef>
-            <a:fillRef idx="1">
-              <a:schemeClr val="accent1"/>
-            </a:fillRef>
-            <a:effectRef idx="0">
-              <a:schemeClr val="accent1"/>
-            </a:effectRef>
-            <a:fontRef idx="minor">
-              <a:schemeClr val="lt1"/>
-            </a:fontRef>
-          </p:style>
-          <p:txBody>
-            <a:bodyPr rtlCol="0" anchor="ctr"/>
-            <a:lstStyle/>
-            <a:p>
-              <a:pPr algn="ctr"/>
-              <a:endParaRPr kumimoji="1" lang="ja-JP" altLang="en-US"/>
-            </a:p>
-          </p:txBody>
-        </p:sp>
-        <p:sp>
-          <p:nvSpPr>
-            <p:cNvPr id="11" name="テキスト ボックス 10">
-              <a:extLst>
-                <a:ext uri="{FF2B5EF4-FFF2-40B4-BE49-F238E27FC236}">
-                  <a16:creationId xmlns:a16="http://schemas.microsoft.com/office/drawing/2014/main" xmlns="" id="{FFF9C13E-96F0-4973-AEA6-0B928DD96C25}"/>
-                </a:ext>
-              </a:extLst>
-            </p:cNvPr>
-            <p:cNvSpPr txBox="1"/>
-            <p:nvPr/>
-          </p:nvSpPr>
-          <p:spPr>
-            <a:xfrm>
-              <a:off x="10862700" y="2548474"/>
-              <a:ext cx="1001485" cy="1015663"/>
-            </a:xfrm>
-            <a:prstGeom prst="rect">
-              <a:avLst/>
-            </a:prstGeom>
-            <a:noFill/>
-          </p:spPr>
-          <p:txBody>
-            <a:bodyPr wrap="square" rtlCol="0">
-              <a:spAutoFit/>
-            </a:bodyPr>
-            <a:lstStyle/>
-            <a:p>
-              <a:pPr algn="ctr"/>
-              <a:r>
-                <a:rPr lang="en-US" altLang="ja-JP" sz="6000" dirty="0">
-                  <a:solidFill>
-                    <a:srgbClr val="274060"/>
-                  </a:solidFill>
-                  <a:latin typeface="French Script MT" panose="03020402040607040605" pitchFamily="66" charset="0"/>
-                </a:rPr>
-                <a:t>2</a:t>
-              </a:r>
-              <a:r>
-                <a:rPr kumimoji="1" lang="en-US" altLang="ja-JP" sz="6000" dirty="0">
-                  <a:solidFill>
-                    <a:srgbClr val="274060"/>
-                  </a:solidFill>
-                  <a:latin typeface="French Script MT" panose="03020402040607040605" pitchFamily="66" charset="0"/>
-                </a:rPr>
-                <a:t> </a:t>
-              </a:r>
-            </a:p>
-          </p:txBody>
-        </p:sp>
-      </p:grpSp>
-      <p:grpSp>
-        <p:nvGrpSpPr>
-          <p:cNvPr id="12" name="グループ化 11">
-            <a:extLst>
-              <a:ext uri="{FF2B5EF4-FFF2-40B4-BE49-F238E27FC236}">
-                <a16:creationId xmlns:a16="http://schemas.microsoft.com/office/drawing/2014/main" xmlns="" id="{1E93B351-7DD7-4759-9888-70F9487773F7}"/>
-              </a:ext>
-            </a:extLst>
-          </p:cNvPr>
-          <p:cNvGrpSpPr/>
-          <p:nvPr/>
-        </p:nvGrpSpPr>
-        <p:grpSpPr>
-          <a:xfrm>
-            <a:off x="7295725" y="3150076"/>
-            <a:ext cx="1262742" cy="1379655"/>
-            <a:chOff x="10732184" y="2548474"/>
-            <a:chExt cx="1262742" cy="1379655"/>
-          </a:xfrm>
-        </p:grpSpPr>
-        <p:pic>
-          <p:nvPicPr>
-            <p:cNvPr id="13" name="図 12">
-              <a:extLst>
-                <a:ext uri="{FF2B5EF4-FFF2-40B4-BE49-F238E27FC236}">
-                  <a16:creationId xmlns:a16="http://schemas.microsoft.com/office/drawing/2014/main" xmlns="" id="{0EE7B46C-2523-4670-AAB7-DB96DB379476}"/>
-                </a:ext>
-              </a:extLst>
-            </p:cNvPr>
-            <p:cNvPicPr>
-              <a:picLocks noChangeAspect="1"/>
-            </p:cNvPicPr>
-            <p:nvPr/>
-          </p:nvPicPr>
-          <p:blipFill>
-            <a:blip r:embed="rId6">
-              <a:extLst>
-                <a:ext uri="{28A0092B-C50C-407E-A947-70E740481C1C}">
-                  <a14:useLocalDpi xmlns:a14="http://schemas.microsoft.com/office/drawing/2010/main" val="0"/>
-                </a:ext>
-              </a:extLst>
-            </a:blip>
-            <a:stretch>
-              <a:fillRect/>
-            </a:stretch>
-          </p:blipFill>
-          <p:spPr>
-            <a:xfrm>
-              <a:off x="10732184" y="2665387"/>
-              <a:ext cx="1262742" cy="1262742"/>
-            </a:xfrm>
-            <a:prstGeom prst="rect">
-              <a:avLst/>
-            </a:prstGeom>
-          </p:spPr>
-        </p:pic>
-        <p:sp>
-          <p:nvSpPr>
-            <p:cNvPr id="14" name="円/楕円 23">
-              <a:extLst>
-                <a:ext uri="{FF2B5EF4-FFF2-40B4-BE49-F238E27FC236}">
-                  <a16:creationId xmlns:a16="http://schemas.microsoft.com/office/drawing/2014/main" xmlns="" id="{F1A4484B-7049-4073-BB2B-E9EBCAF68AAC}"/>
-                </a:ext>
-              </a:extLst>
-            </p:cNvPr>
-            <p:cNvSpPr/>
-            <p:nvPr/>
-          </p:nvSpPr>
-          <p:spPr>
-            <a:xfrm>
-              <a:off x="11036983" y="2766417"/>
-              <a:ext cx="653143" cy="653143"/>
-            </a:xfrm>
-            <a:prstGeom prst="ellipse">
-              <a:avLst/>
-            </a:prstGeom>
-            <a:solidFill>
-              <a:schemeClr val="bg1"/>
-            </a:solidFill>
-            <a:ln>
-              <a:noFill/>
-            </a:ln>
-          </p:spPr>
-          <p:style>
-            <a:lnRef idx="2">
-              <a:schemeClr val="accent1">
-                <a:shade val="50000"/>
-              </a:schemeClr>
-            </a:lnRef>
-            <a:fillRef idx="1">
-              <a:schemeClr val="accent1"/>
-            </a:fillRef>
-            <a:effectRef idx="0">
-              <a:schemeClr val="accent1"/>
-            </a:effectRef>
-            <a:fontRef idx="minor">
-              <a:schemeClr val="lt1"/>
-            </a:fontRef>
-          </p:style>
-          <p:txBody>
-            <a:bodyPr rtlCol="0" anchor="ctr"/>
-            <a:lstStyle/>
-            <a:p>
-              <a:pPr algn="ctr"/>
-              <a:endParaRPr kumimoji="1" lang="ja-JP" altLang="en-US"/>
-            </a:p>
-          </p:txBody>
-        </p:sp>
-        <p:sp>
-          <p:nvSpPr>
-            <p:cNvPr id="15" name="テキスト ボックス 14">
-              <a:extLst>
-                <a:ext uri="{FF2B5EF4-FFF2-40B4-BE49-F238E27FC236}">
-                  <a16:creationId xmlns:a16="http://schemas.microsoft.com/office/drawing/2014/main" xmlns="" id="{F16C9E57-5D74-469E-9DA0-58D51C0AC85E}"/>
-                </a:ext>
-              </a:extLst>
-            </p:cNvPr>
-            <p:cNvSpPr txBox="1"/>
-            <p:nvPr/>
-          </p:nvSpPr>
-          <p:spPr>
-            <a:xfrm>
-              <a:off x="10862700" y="2548474"/>
-              <a:ext cx="1001485" cy="1015663"/>
-            </a:xfrm>
-            <a:prstGeom prst="rect">
-              <a:avLst/>
-            </a:prstGeom>
-            <a:noFill/>
-          </p:spPr>
-          <p:txBody>
-            <a:bodyPr wrap="square" rtlCol="0">
-              <a:spAutoFit/>
-            </a:bodyPr>
-            <a:lstStyle/>
-            <a:p>
-              <a:pPr algn="ctr"/>
-              <a:r>
-                <a:rPr lang="en-US" altLang="ja-JP" sz="6000" dirty="0">
-                  <a:solidFill>
-                    <a:srgbClr val="274060"/>
-                  </a:solidFill>
-                  <a:latin typeface="French Script MT" panose="03020402040607040605" pitchFamily="66" charset="0"/>
-                </a:rPr>
-                <a:t>1</a:t>
-              </a:r>
-              <a:r>
-                <a:rPr kumimoji="1" lang="en-US" altLang="ja-JP" sz="6000" dirty="0">
-                  <a:solidFill>
-                    <a:srgbClr val="274060"/>
-                  </a:solidFill>
-                  <a:latin typeface="French Script MT" panose="03020402040607040605" pitchFamily="66" charset="0"/>
-                </a:rPr>
-                <a:t> </a:t>
-              </a:r>
-            </a:p>
-          </p:txBody>
-        </p:sp>
-      </p:grpSp>
-    </p:spTree>
-    <p:extLst>
-      <p:ext uri="{BB962C8B-B14F-4D97-AF65-F5344CB8AC3E}">
-        <p14:creationId xmlns:p14="http://schemas.microsoft.com/office/powerpoint/2010/main" val="1252239874"/>
       </p:ext>
     </p:extLst>
   </p:cSld>
@@ -10924,7 +10543,7 @@
           <p:cNvPr id="5" name="グループ化 4">
             <a:extLst>
               <a:ext uri="{FF2B5EF4-FFF2-40B4-BE49-F238E27FC236}">
-                <a16:creationId xmlns:a16="http://schemas.microsoft.com/office/drawing/2014/main" xmlns="" id="{96054625-4DEB-455E-9C9A-4B7EEC79C071}"/>
+                <a16:creationId xmlns:a16="http://schemas.microsoft.com/office/drawing/2014/main" id="{96054625-4DEB-455E-9C9A-4B7EEC79C071}"/>
               </a:ext>
             </a:extLst>
           </p:cNvPr>
@@ -10944,7 +10563,7 @@
             <p:cNvPr id="4" name="グループ化 3">
               <a:extLst>
                 <a:ext uri="{FF2B5EF4-FFF2-40B4-BE49-F238E27FC236}">
-                  <a16:creationId xmlns:a16="http://schemas.microsoft.com/office/drawing/2014/main" xmlns="" id="{2B90E40E-FF9D-461B-BCC9-D75A173B87E1}"/>
+                  <a16:creationId xmlns:a16="http://schemas.microsoft.com/office/drawing/2014/main" id="{2B90E40E-FF9D-461B-BCC9-D75A173B87E1}"/>
                 </a:ext>
               </a:extLst>
             </p:cNvPr>
@@ -10964,7 +10583,7 @@
               <p:cNvPr id="48" name="図 47">
                 <a:extLst>
                   <a:ext uri="{FF2B5EF4-FFF2-40B4-BE49-F238E27FC236}">
-                    <a16:creationId xmlns:a16="http://schemas.microsoft.com/office/drawing/2014/main" xmlns="" id="{3523ACD7-568A-40F1-8B84-AFDB92116495}"/>
+                    <a16:creationId xmlns:a16="http://schemas.microsoft.com/office/drawing/2014/main" id="{3523ACD7-568A-40F1-8B84-AFDB92116495}"/>
                   </a:ext>
                 </a:extLst>
               </p:cNvPr>
@@ -11000,7 +10619,7 @@
               <p:cNvPr id="52" name="円/楕円 23">
                 <a:extLst>
                   <a:ext uri="{FF2B5EF4-FFF2-40B4-BE49-F238E27FC236}">
-                    <a16:creationId xmlns:a16="http://schemas.microsoft.com/office/drawing/2014/main" xmlns="" id="{C85DF49D-16B7-41DD-A3D2-276DEC09A269}"/>
+                    <a16:creationId xmlns:a16="http://schemas.microsoft.com/office/drawing/2014/main" id="{C85DF49D-16B7-41DD-A3D2-276DEC09A269}"/>
                   </a:ext>
                 </a:extLst>
               </p:cNvPr>
@@ -11053,7 +10672,7 @@
             <p:cNvPr id="50" name="テキスト ボックス 49">
               <a:extLst>
                 <a:ext uri="{FF2B5EF4-FFF2-40B4-BE49-F238E27FC236}">
-                  <a16:creationId xmlns:a16="http://schemas.microsoft.com/office/drawing/2014/main" xmlns="" id="{EC80A4E5-A68B-40EB-A5BC-670831AD9E49}"/>
+                  <a16:creationId xmlns:a16="http://schemas.microsoft.com/office/drawing/2014/main" id="{EC80A4E5-A68B-40EB-A5BC-670831AD9E49}"/>
                 </a:ext>
               </a:extLst>
             </p:cNvPr>
@@ -11155,7 +10774,7 @@
           <p:cNvPr id="4" name="図 3">
             <a:extLst>
               <a:ext uri="{FF2B5EF4-FFF2-40B4-BE49-F238E27FC236}">
-                <a16:creationId xmlns:a16="http://schemas.microsoft.com/office/drawing/2014/main" xmlns="" id="{ECE8455F-6A80-419C-B1AE-BA44C93CDAC7}"/>
+                <a16:creationId xmlns:a16="http://schemas.microsoft.com/office/drawing/2014/main" id="{07A9904A-3ADF-4311-971E-DA97678F4C72}"/>
               </a:ext>
             </a:extLst>
           </p:cNvPr>
@@ -11191,7 +10810,7 @@
           <p:cNvPr id="5" name="図 4">
             <a:extLst>
               <a:ext uri="{FF2B5EF4-FFF2-40B4-BE49-F238E27FC236}">
-                <a16:creationId xmlns:a16="http://schemas.microsoft.com/office/drawing/2014/main" xmlns="" id="{50FBB6EB-7622-4914-BA0A-1FBB2B5F1054}"/>
+                <a16:creationId xmlns:a16="http://schemas.microsoft.com/office/drawing/2014/main" id="{9D2D46E6-1879-4F96-9EF9-6F3FCAF72A0A}"/>
               </a:ext>
             </a:extLst>
           </p:cNvPr>
@@ -11257,7 +10876,7 @@
           <p:cNvPr id="8" name="グループ化 7">
             <a:extLst>
               <a:ext uri="{FF2B5EF4-FFF2-40B4-BE49-F238E27FC236}">
-                <a16:creationId xmlns:a16="http://schemas.microsoft.com/office/drawing/2014/main" xmlns="" id="{3B5260CB-FC7B-4D69-BB97-0E3531060554}"/>
+                <a16:creationId xmlns:a16="http://schemas.microsoft.com/office/drawing/2014/main" id="{92ADEABB-07AF-4E27-8182-490FDC8E6A21}"/>
               </a:ext>
             </a:extLst>
           </p:cNvPr>
@@ -11266,7 +10885,7 @@
         </p:nvGrpSpPr>
         <p:grpSpPr>
           <a:xfrm>
-            <a:off x="7700195" y="3166352"/>
+            <a:off x="9809233" y="3150076"/>
             <a:ext cx="1262742" cy="1379655"/>
             <a:chOff x="10732184" y="2548474"/>
             <a:chExt cx="1262742" cy="1379655"/>
@@ -11277,7 +10896,7 @@
             <p:cNvPr id="9" name="図 8">
               <a:extLst>
                 <a:ext uri="{FF2B5EF4-FFF2-40B4-BE49-F238E27FC236}">
-                  <a16:creationId xmlns:a16="http://schemas.microsoft.com/office/drawing/2014/main" xmlns="" id="{9B4C6870-3E05-4136-926C-C1449E287805}"/>
+                  <a16:creationId xmlns:a16="http://schemas.microsoft.com/office/drawing/2014/main" id="{AB7B3E88-CB01-46D6-92A7-AF4A12FDC680}"/>
                 </a:ext>
               </a:extLst>
             </p:cNvPr>
@@ -11313,7 +10932,7 @@
             <p:cNvPr id="10" name="円/楕円 23">
               <a:extLst>
                 <a:ext uri="{FF2B5EF4-FFF2-40B4-BE49-F238E27FC236}">
-                  <a16:creationId xmlns:a16="http://schemas.microsoft.com/office/drawing/2014/main" xmlns="" id="{EBBE3938-8090-4467-B0D3-842B18EED1D0}"/>
+                  <a16:creationId xmlns:a16="http://schemas.microsoft.com/office/drawing/2014/main" id="{CACB6A2A-419B-49F6-99B0-D8140789FDDC}"/>
                 </a:ext>
               </a:extLst>
             </p:cNvPr>
@@ -11365,7 +10984,7 @@
             <p:cNvPr id="11" name="テキスト ボックス 10">
               <a:extLst>
                 <a:ext uri="{FF2B5EF4-FFF2-40B4-BE49-F238E27FC236}">
-                  <a16:creationId xmlns:a16="http://schemas.microsoft.com/office/drawing/2014/main" xmlns="" id="{415B49D2-948A-4DC5-A91E-17B1ADA3157D}"/>
+                  <a16:creationId xmlns:a16="http://schemas.microsoft.com/office/drawing/2014/main" id="{FFF9C13E-96F0-4973-AEA6-0B928DD96C25}"/>
                 </a:ext>
               </a:extLst>
             </p:cNvPr>
@@ -11390,13 +11009,22 @@
             <a:p>
               <a:pPr algn="ctr"/>
               <a:r>
+                <a:rPr lang="en-US" altLang="ja-JP" sz="6000" dirty="0">
+                  <a:solidFill>
+                    <a:srgbClr val="274060"/>
+                  </a:solidFill>
+                  <a:latin typeface="French Script MT" panose="03020402040607040605" pitchFamily="66" charset="0"/>
+                </a:rPr>
+                <a:t>2</a:t>
+              </a:r>
+              <a:r>
                 <a:rPr kumimoji="1" lang="en-US" altLang="ja-JP" sz="6000" dirty="0">
                   <a:solidFill>
                     <a:srgbClr val="274060"/>
                   </a:solidFill>
                   <a:latin typeface="French Script MT" panose="03020402040607040605" pitchFamily="66" charset="0"/>
                 </a:rPr>
-                <a:t>4 </a:t>
+                <a:t> </a:t>
               </a:r>
             </a:p>
           </p:txBody>
@@ -11407,7 +11035,7 @@
           <p:cNvPr id="12" name="グループ化 11">
             <a:extLst>
               <a:ext uri="{FF2B5EF4-FFF2-40B4-BE49-F238E27FC236}">
-                <a16:creationId xmlns:a16="http://schemas.microsoft.com/office/drawing/2014/main" xmlns="" id="{A455F160-96D1-4A16-985B-D961CC64FAC2}"/>
+                <a16:creationId xmlns:a16="http://schemas.microsoft.com/office/drawing/2014/main" id="{1E93B351-7DD7-4759-9888-70F9487773F7}"/>
               </a:ext>
             </a:extLst>
           </p:cNvPr>
@@ -11416,7 +11044,7 @@
         </p:nvGrpSpPr>
         <p:grpSpPr>
           <a:xfrm>
-            <a:off x="4123973" y="3166352"/>
+            <a:off x="7295725" y="3150076"/>
             <a:ext cx="1262742" cy="1379655"/>
             <a:chOff x="10732184" y="2548474"/>
             <a:chExt cx="1262742" cy="1379655"/>
@@ -11427,7 +11055,7 @@
             <p:cNvPr id="13" name="図 12">
               <a:extLst>
                 <a:ext uri="{FF2B5EF4-FFF2-40B4-BE49-F238E27FC236}">
-                  <a16:creationId xmlns:a16="http://schemas.microsoft.com/office/drawing/2014/main" xmlns="" id="{DE7046BC-8375-45C6-B711-B224031C9FF0}"/>
+                  <a16:creationId xmlns:a16="http://schemas.microsoft.com/office/drawing/2014/main" id="{0EE7B46C-2523-4670-AAB7-DB96DB379476}"/>
                 </a:ext>
               </a:extLst>
             </p:cNvPr>
@@ -11463,7 +11091,7 @@
             <p:cNvPr id="14" name="円/楕円 23">
               <a:extLst>
                 <a:ext uri="{FF2B5EF4-FFF2-40B4-BE49-F238E27FC236}">
-                  <a16:creationId xmlns:a16="http://schemas.microsoft.com/office/drawing/2014/main" xmlns="" id="{64568828-CB73-4AC8-894C-6960AB9033C5}"/>
+                  <a16:creationId xmlns:a16="http://schemas.microsoft.com/office/drawing/2014/main" id="{F1A4484B-7049-4073-BB2B-E9EBCAF68AAC}"/>
                 </a:ext>
               </a:extLst>
             </p:cNvPr>
@@ -11515,7 +11143,478 @@
             <p:cNvPr id="15" name="テキスト ボックス 14">
               <a:extLst>
                 <a:ext uri="{FF2B5EF4-FFF2-40B4-BE49-F238E27FC236}">
-                  <a16:creationId xmlns:a16="http://schemas.microsoft.com/office/drawing/2014/main" xmlns="" id="{AE92F573-C69F-4433-9AD1-A75A97FA4C15}"/>
+                  <a16:creationId xmlns:a16="http://schemas.microsoft.com/office/drawing/2014/main" id="{F16C9E57-5D74-469E-9DA0-58D51C0AC85E}"/>
+                </a:ext>
+              </a:extLst>
+            </p:cNvPr>
+            <p:cNvSpPr txBox="1"/>
+            <p:nvPr/>
+          </p:nvSpPr>
+          <p:spPr>
+            <a:xfrm>
+              <a:off x="10862700" y="2548474"/>
+              <a:ext cx="1001485" cy="1015663"/>
+            </a:xfrm>
+            <a:prstGeom prst="rect">
+              <a:avLst/>
+            </a:prstGeom>
+            <a:noFill/>
+          </p:spPr>
+          <p:txBody>
+            <a:bodyPr wrap="square" rtlCol="0">
+              <a:spAutoFit/>
+            </a:bodyPr>
+            <a:lstStyle/>
+            <a:p>
+              <a:pPr algn="ctr"/>
+              <a:r>
+                <a:rPr lang="en-US" altLang="ja-JP" sz="6000" dirty="0">
+                  <a:solidFill>
+                    <a:srgbClr val="274060"/>
+                  </a:solidFill>
+                  <a:latin typeface="French Script MT" panose="03020402040607040605" pitchFamily="66" charset="0"/>
+                </a:rPr>
+                <a:t>1</a:t>
+              </a:r>
+              <a:r>
+                <a:rPr kumimoji="1" lang="en-US" altLang="ja-JP" sz="6000" dirty="0">
+                  <a:solidFill>
+                    <a:srgbClr val="274060"/>
+                  </a:solidFill>
+                  <a:latin typeface="French Script MT" panose="03020402040607040605" pitchFamily="66" charset="0"/>
+                </a:rPr>
+                <a:t> </a:t>
+              </a:r>
+            </a:p>
+          </p:txBody>
+        </p:sp>
+      </p:grpSp>
+    </p:spTree>
+    <p:extLst>
+      <p:ext uri="{BB962C8B-B14F-4D97-AF65-F5344CB8AC3E}">
+        <p14:creationId xmlns:p14="http://schemas.microsoft.com/office/powerpoint/2010/main" val="1252239874"/>
+      </p:ext>
+    </p:extLst>
+  </p:cSld>
+  <p:clrMapOvr>
+    <a:masterClrMapping/>
+  </p:clrMapOvr>
+</p:sld>
+</file>
+
+<file path=ppt/slides/slide21.xml><?xml version="1.0" encoding="utf-8"?>
+<p:sld xmlns:a="http://schemas.openxmlformats.org/drawingml/2006/main" xmlns:r="http://schemas.openxmlformats.org/officeDocument/2006/relationships" xmlns:p="http://schemas.openxmlformats.org/presentationml/2006/main">
+  <p:cSld>
+    <p:spTree>
+      <p:nvGrpSpPr>
+        <p:cNvPr id="1" name=""/>
+        <p:cNvGrpSpPr/>
+        <p:nvPr/>
+      </p:nvGrpSpPr>
+      <p:grpSpPr>
+        <a:xfrm>
+          <a:off x="0" y="0"/>
+          <a:ext cx="0" cy="0"/>
+          <a:chOff x="0" y="0"/>
+          <a:chExt cx="0" cy="0"/>
+        </a:xfrm>
+      </p:grpSpPr>
+      <p:pic>
+        <p:nvPicPr>
+          <p:cNvPr id="6" name="図 5"/>
+          <p:cNvPicPr>
+            <a:picLocks noChangeAspect="1"/>
+          </p:cNvPicPr>
+          <p:nvPr/>
+        </p:nvPicPr>
+        <p:blipFill>
+          <a:blip r:embed="rId2" cstate="print">
+            <a:extLst>
+              <a:ext uri="{28A0092B-C50C-407E-A947-70E740481C1C}">
+                <a14:useLocalDpi xmlns:a14="http://schemas.microsoft.com/office/drawing/2010/main" val="0"/>
+              </a:ext>
+            </a:extLst>
+          </a:blip>
+          <a:stretch>
+            <a:fillRect/>
+          </a:stretch>
+        </p:blipFill>
+        <p:spPr>
+          <a:xfrm>
+            <a:off x="0" y="109090"/>
+            <a:ext cx="12192000" cy="6639819"/>
+          </a:xfrm>
+          <a:prstGeom prst="rect">
+            <a:avLst/>
+          </a:prstGeom>
+        </p:spPr>
+      </p:pic>
+      <p:pic>
+        <p:nvPicPr>
+          <p:cNvPr id="4" name="図 3">
+            <a:extLst>
+              <a:ext uri="{FF2B5EF4-FFF2-40B4-BE49-F238E27FC236}">
+                <a16:creationId xmlns:a16="http://schemas.microsoft.com/office/drawing/2014/main" id="{ECE8455F-6A80-419C-B1AE-BA44C93CDAC7}"/>
+              </a:ext>
+            </a:extLst>
+          </p:cNvPr>
+          <p:cNvPicPr>
+            <a:picLocks noChangeAspect="1"/>
+          </p:cNvPicPr>
+          <p:nvPr/>
+        </p:nvPicPr>
+        <p:blipFill>
+          <a:blip r:embed="rId3" cstate="print">
+            <a:extLst>
+              <a:ext uri="{28A0092B-C50C-407E-A947-70E740481C1C}">
+                <a14:useLocalDpi xmlns:a14="http://schemas.microsoft.com/office/drawing/2010/main" val="0"/>
+              </a:ext>
+            </a:extLst>
+          </a:blip>
+          <a:stretch>
+            <a:fillRect/>
+          </a:stretch>
+        </p:blipFill>
+        <p:spPr>
+          <a:xfrm>
+            <a:off x="7166168" y="4456205"/>
+            <a:ext cx="3048006" cy="1524003"/>
+          </a:xfrm>
+          <a:prstGeom prst="rect">
+            <a:avLst/>
+          </a:prstGeom>
+        </p:spPr>
+      </p:pic>
+      <p:pic>
+        <p:nvPicPr>
+          <p:cNvPr id="5" name="図 4">
+            <a:extLst>
+              <a:ext uri="{FF2B5EF4-FFF2-40B4-BE49-F238E27FC236}">
+                <a16:creationId xmlns:a16="http://schemas.microsoft.com/office/drawing/2014/main" id="{50FBB6EB-7622-4914-BA0A-1FBB2B5F1054}"/>
+              </a:ext>
+            </a:extLst>
+          </p:cNvPr>
+          <p:cNvPicPr>
+            <a:picLocks noChangeAspect="1"/>
+          </p:cNvPicPr>
+          <p:nvPr/>
+        </p:nvPicPr>
+        <p:blipFill>
+          <a:blip r:embed="rId4" cstate="print">
+            <a:extLst>
+              <a:ext uri="{28A0092B-C50C-407E-A947-70E740481C1C}">
+                <a14:useLocalDpi xmlns:a14="http://schemas.microsoft.com/office/drawing/2010/main" val="0"/>
+              </a:ext>
+            </a:extLst>
+          </a:blip>
+          <a:stretch>
+            <a:fillRect/>
+          </a:stretch>
+        </p:blipFill>
+        <p:spPr>
+          <a:xfrm>
+            <a:off x="7137397" y="173506"/>
+            <a:ext cx="3048006" cy="1524003"/>
+          </a:xfrm>
+          <a:prstGeom prst="rect">
+            <a:avLst/>
+          </a:prstGeom>
+        </p:spPr>
+      </p:pic>
+      <p:pic>
+        <p:nvPicPr>
+          <p:cNvPr id="7" name="図 6"/>
+          <p:cNvPicPr>
+            <a:picLocks noChangeAspect="1"/>
+          </p:cNvPicPr>
+          <p:nvPr/>
+        </p:nvPicPr>
+        <p:blipFill>
+          <a:blip r:embed="rId5" cstate="print">
+            <a:extLst>
+              <a:ext uri="{28A0092B-C50C-407E-A947-70E740481C1C}">
+                <a14:useLocalDpi xmlns:a14="http://schemas.microsoft.com/office/drawing/2010/main" val="0"/>
+              </a:ext>
+            </a:extLst>
+          </a:blip>
+          <a:stretch>
+            <a:fillRect/>
+          </a:stretch>
+        </p:blipFill>
+        <p:spPr>
+          <a:xfrm>
+            <a:off x="342901" y="0"/>
+            <a:ext cx="3225798" cy="1612899"/>
+          </a:xfrm>
+          <a:prstGeom prst="rect">
+            <a:avLst/>
+          </a:prstGeom>
+        </p:spPr>
+      </p:pic>
+      <p:grpSp>
+        <p:nvGrpSpPr>
+          <p:cNvPr id="8" name="グループ化 7">
+            <a:extLst>
+              <a:ext uri="{FF2B5EF4-FFF2-40B4-BE49-F238E27FC236}">
+                <a16:creationId xmlns:a16="http://schemas.microsoft.com/office/drawing/2014/main" id="{3B5260CB-FC7B-4D69-BB97-0E3531060554}"/>
+              </a:ext>
+            </a:extLst>
+          </p:cNvPr>
+          <p:cNvGrpSpPr/>
+          <p:nvPr/>
+        </p:nvGrpSpPr>
+        <p:grpSpPr>
+          <a:xfrm>
+            <a:off x="7700195" y="3166352"/>
+            <a:ext cx="1262742" cy="1379655"/>
+            <a:chOff x="10732184" y="2548474"/>
+            <a:chExt cx="1262742" cy="1379655"/>
+          </a:xfrm>
+        </p:grpSpPr>
+        <p:pic>
+          <p:nvPicPr>
+            <p:cNvPr id="9" name="図 8">
+              <a:extLst>
+                <a:ext uri="{FF2B5EF4-FFF2-40B4-BE49-F238E27FC236}">
+                  <a16:creationId xmlns:a16="http://schemas.microsoft.com/office/drawing/2014/main" id="{9B4C6870-3E05-4136-926C-C1449E287805}"/>
+                </a:ext>
+              </a:extLst>
+            </p:cNvPr>
+            <p:cNvPicPr>
+              <a:picLocks noChangeAspect="1"/>
+            </p:cNvPicPr>
+            <p:nvPr/>
+          </p:nvPicPr>
+          <p:blipFill>
+            <a:blip r:embed="rId6">
+              <a:extLst>
+                <a:ext uri="{28A0092B-C50C-407E-A947-70E740481C1C}">
+                  <a14:useLocalDpi xmlns:a14="http://schemas.microsoft.com/office/drawing/2010/main" val="0"/>
+                </a:ext>
+              </a:extLst>
+            </a:blip>
+            <a:stretch>
+              <a:fillRect/>
+            </a:stretch>
+          </p:blipFill>
+          <p:spPr>
+            <a:xfrm>
+              <a:off x="10732184" y="2665387"/>
+              <a:ext cx="1262742" cy="1262742"/>
+            </a:xfrm>
+            <a:prstGeom prst="rect">
+              <a:avLst/>
+            </a:prstGeom>
+          </p:spPr>
+        </p:pic>
+        <p:sp>
+          <p:nvSpPr>
+            <p:cNvPr id="10" name="円/楕円 23">
+              <a:extLst>
+                <a:ext uri="{FF2B5EF4-FFF2-40B4-BE49-F238E27FC236}">
+                  <a16:creationId xmlns:a16="http://schemas.microsoft.com/office/drawing/2014/main" id="{EBBE3938-8090-4467-B0D3-842B18EED1D0}"/>
+                </a:ext>
+              </a:extLst>
+            </p:cNvPr>
+            <p:cNvSpPr/>
+            <p:nvPr/>
+          </p:nvSpPr>
+          <p:spPr>
+            <a:xfrm>
+              <a:off x="11036983" y="2766417"/>
+              <a:ext cx="653143" cy="653143"/>
+            </a:xfrm>
+            <a:prstGeom prst="ellipse">
+              <a:avLst/>
+            </a:prstGeom>
+            <a:solidFill>
+              <a:schemeClr val="bg1"/>
+            </a:solidFill>
+            <a:ln>
+              <a:noFill/>
+            </a:ln>
+          </p:spPr>
+          <p:style>
+            <a:lnRef idx="2">
+              <a:schemeClr val="accent1">
+                <a:shade val="50000"/>
+              </a:schemeClr>
+            </a:lnRef>
+            <a:fillRef idx="1">
+              <a:schemeClr val="accent1"/>
+            </a:fillRef>
+            <a:effectRef idx="0">
+              <a:schemeClr val="accent1"/>
+            </a:effectRef>
+            <a:fontRef idx="minor">
+              <a:schemeClr val="lt1"/>
+            </a:fontRef>
+          </p:style>
+          <p:txBody>
+            <a:bodyPr rtlCol="0" anchor="ctr"/>
+            <a:lstStyle/>
+            <a:p>
+              <a:pPr algn="ctr"/>
+              <a:endParaRPr kumimoji="1" lang="ja-JP" altLang="en-US"/>
+            </a:p>
+          </p:txBody>
+        </p:sp>
+        <p:sp>
+          <p:nvSpPr>
+            <p:cNvPr id="11" name="テキスト ボックス 10">
+              <a:extLst>
+                <a:ext uri="{FF2B5EF4-FFF2-40B4-BE49-F238E27FC236}">
+                  <a16:creationId xmlns:a16="http://schemas.microsoft.com/office/drawing/2014/main" id="{415B49D2-948A-4DC5-A91E-17B1ADA3157D}"/>
+                </a:ext>
+              </a:extLst>
+            </p:cNvPr>
+            <p:cNvSpPr txBox="1"/>
+            <p:nvPr/>
+          </p:nvSpPr>
+          <p:spPr>
+            <a:xfrm>
+              <a:off x="10862700" y="2548474"/>
+              <a:ext cx="1001485" cy="1015663"/>
+            </a:xfrm>
+            <a:prstGeom prst="rect">
+              <a:avLst/>
+            </a:prstGeom>
+            <a:noFill/>
+          </p:spPr>
+          <p:txBody>
+            <a:bodyPr wrap="square" rtlCol="0">
+              <a:spAutoFit/>
+            </a:bodyPr>
+            <a:lstStyle/>
+            <a:p>
+              <a:pPr algn="ctr"/>
+              <a:r>
+                <a:rPr kumimoji="1" lang="en-US" altLang="ja-JP" sz="6000" dirty="0">
+                  <a:solidFill>
+                    <a:srgbClr val="274060"/>
+                  </a:solidFill>
+                  <a:latin typeface="French Script MT" panose="03020402040607040605" pitchFamily="66" charset="0"/>
+                </a:rPr>
+                <a:t>4 </a:t>
+              </a:r>
+            </a:p>
+          </p:txBody>
+        </p:sp>
+      </p:grpSp>
+      <p:grpSp>
+        <p:nvGrpSpPr>
+          <p:cNvPr id="12" name="グループ化 11">
+            <a:extLst>
+              <a:ext uri="{FF2B5EF4-FFF2-40B4-BE49-F238E27FC236}">
+                <a16:creationId xmlns:a16="http://schemas.microsoft.com/office/drawing/2014/main" id="{A455F160-96D1-4A16-985B-D961CC64FAC2}"/>
+              </a:ext>
+            </a:extLst>
+          </p:cNvPr>
+          <p:cNvGrpSpPr/>
+          <p:nvPr/>
+        </p:nvGrpSpPr>
+        <p:grpSpPr>
+          <a:xfrm>
+            <a:off x="4123973" y="3166352"/>
+            <a:ext cx="1262742" cy="1379655"/>
+            <a:chOff x="10732184" y="2548474"/>
+            <a:chExt cx="1262742" cy="1379655"/>
+          </a:xfrm>
+        </p:grpSpPr>
+        <p:pic>
+          <p:nvPicPr>
+            <p:cNvPr id="13" name="図 12">
+              <a:extLst>
+                <a:ext uri="{FF2B5EF4-FFF2-40B4-BE49-F238E27FC236}">
+                  <a16:creationId xmlns:a16="http://schemas.microsoft.com/office/drawing/2014/main" id="{DE7046BC-8375-45C6-B711-B224031C9FF0}"/>
+                </a:ext>
+              </a:extLst>
+            </p:cNvPr>
+            <p:cNvPicPr>
+              <a:picLocks noChangeAspect="1"/>
+            </p:cNvPicPr>
+            <p:nvPr/>
+          </p:nvPicPr>
+          <p:blipFill>
+            <a:blip r:embed="rId6">
+              <a:extLst>
+                <a:ext uri="{28A0092B-C50C-407E-A947-70E740481C1C}">
+                  <a14:useLocalDpi xmlns:a14="http://schemas.microsoft.com/office/drawing/2010/main" val="0"/>
+                </a:ext>
+              </a:extLst>
+            </a:blip>
+            <a:stretch>
+              <a:fillRect/>
+            </a:stretch>
+          </p:blipFill>
+          <p:spPr>
+            <a:xfrm>
+              <a:off x="10732184" y="2665387"/>
+              <a:ext cx="1262742" cy="1262742"/>
+            </a:xfrm>
+            <a:prstGeom prst="rect">
+              <a:avLst/>
+            </a:prstGeom>
+          </p:spPr>
+        </p:pic>
+        <p:sp>
+          <p:nvSpPr>
+            <p:cNvPr id="14" name="円/楕円 23">
+              <a:extLst>
+                <a:ext uri="{FF2B5EF4-FFF2-40B4-BE49-F238E27FC236}">
+                  <a16:creationId xmlns:a16="http://schemas.microsoft.com/office/drawing/2014/main" id="{64568828-CB73-4AC8-894C-6960AB9033C5}"/>
+                </a:ext>
+              </a:extLst>
+            </p:cNvPr>
+            <p:cNvSpPr/>
+            <p:nvPr/>
+          </p:nvSpPr>
+          <p:spPr>
+            <a:xfrm>
+              <a:off x="11036983" y="2766417"/>
+              <a:ext cx="653143" cy="653143"/>
+            </a:xfrm>
+            <a:prstGeom prst="ellipse">
+              <a:avLst/>
+            </a:prstGeom>
+            <a:solidFill>
+              <a:schemeClr val="bg1"/>
+            </a:solidFill>
+            <a:ln>
+              <a:noFill/>
+            </a:ln>
+          </p:spPr>
+          <p:style>
+            <a:lnRef idx="2">
+              <a:schemeClr val="accent1">
+                <a:shade val="50000"/>
+              </a:schemeClr>
+            </a:lnRef>
+            <a:fillRef idx="1">
+              <a:schemeClr val="accent1"/>
+            </a:fillRef>
+            <a:effectRef idx="0">
+              <a:schemeClr val="accent1"/>
+            </a:effectRef>
+            <a:fontRef idx="minor">
+              <a:schemeClr val="lt1"/>
+            </a:fontRef>
+          </p:style>
+          <p:txBody>
+            <a:bodyPr rtlCol="0" anchor="ctr"/>
+            <a:lstStyle/>
+            <a:p>
+              <a:pPr algn="ctr"/>
+              <a:endParaRPr kumimoji="1" lang="ja-JP" altLang="en-US"/>
+            </a:p>
+          </p:txBody>
+        </p:sp>
+        <p:sp>
+          <p:nvSpPr>
+            <p:cNvPr id="15" name="テキスト ボックス 14">
+              <a:extLst>
+                <a:ext uri="{FF2B5EF4-FFF2-40B4-BE49-F238E27FC236}">
+                  <a16:creationId xmlns:a16="http://schemas.microsoft.com/office/drawing/2014/main" id="{AE92F573-C69F-4433-9AD1-A75A97FA4C15}"/>
                 </a:ext>
               </a:extLst>
             </p:cNvPr>
@@ -11557,7 +11656,7 @@
           <p:cNvPr id="16" name="グループ化 15">
             <a:extLst>
               <a:ext uri="{FF2B5EF4-FFF2-40B4-BE49-F238E27FC236}">
-                <a16:creationId xmlns:a16="http://schemas.microsoft.com/office/drawing/2014/main" xmlns="" id="{AD4C5576-492B-4A52-A777-BEECD9788B6E}"/>
+                <a16:creationId xmlns:a16="http://schemas.microsoft.com/office/drawing/2014/main" id="{AD4C5576-492B-4A52-A777-BEECD9788B6E}"/>
               </a:ext>
             </a:extLst>
           </p:cNvPr>
@@ -11577,7 +11676,7 @@
             <p:cNvPr id="17" name="図 16">
               <a:extLst>
                 <a:ext uri="{FF2B5EF4-FFF2-40B4-BE49-F238E27FC236}">
-                  <a16:creationId xmlns:a16="http://schemas.microsoft.com/office/drawing/2014/main" xmlns="" id="{A70DB5A9-8920-46D8-A960-0BB75A16E8C8}"/>
+                  <a16:creationId xmlns:a16="http://schemas.microsoft.com/office/drawing/2014/main" id="{A70DB5A9-8920-46D8-A960-0BB75A16E8C8}"/>
                 </a:ext>
               </a:extLst>
             </p:cNvPr>
@@ -11613,7 +11712,7 @@
             <p:cNvPr id="18" name="円/楕円 23">
               <a:extLst>
                 <a:ext uri="{FF2B5EF4-FFF2-40B4-BE49-F238E27FC236}">
-                  <a16:creationId xmlns:a16="http://schemas.microsoft.com/office/drawing/2014/main" xmlns="" id="{71DB6E04-AC93-4E4A-BB63-3B82A86FBACE}"/>
+                  <a16:creationId xmlns:a16="http://schemas.microsoft.com/office/drawing/2014/main" id="{71DB6E04-AC93-4E4A-BB63-3B82A86FBACE}"/>
                 </a:ext>
               </a:extLst>
             </p:cNvPr>
@@ -11665,7 +11764,7 @@
             <p:cNvPr id="19" name="テキスト ボックス 18">
               <a:extLst>
                 <a:ext uri="{FF2B5EF4-FFF2-40B4-BE49-F238E27FC236}">
-                  <a16:creationId xmlns:a16="http://schemas.microsoft.com/office/drawing/2014/main" xmlns="" id="{D2633493-C3C0-4C88-8928-CC32A0522B9A}"/>
+                  <a16:creationId xmlns:a16="http://schemas.microsoft.com/office/drawing/2014/main" id="{D2633493-C3C0-4C88-8928-CC32A0522B9A}"/>
                 </a:ext>
               </a:extLst>
             </p:cNvPr>
@@ -11707,7 +11806,7 @@
           <p:cNvPr id="20" name="グループ化 19">
             <a:extLst>
               <a:ext uri="{FF2B5EF4-FFF2-40B4-BE49-F238E27FC236}">
-                <a16:creationId xmlns:a16="http://schemas.microsoft.com/office/drawing/2014/main" xmlns="" id="{8EA60831-11B2-40EB-880B-03D7FD4FACD7}"/>
+                <a16:creationId xmlns:a16="http://schemas.microsoft.com/office/drawing/2014/main" id="{8EA60831-11B2-40EB-880B-03D7FD4FACD7}"/>
               </a:ext>
             </a:extLst>
           </p:cNvPr>
@@ -11727,7 +11826,7 @@
             <p:cNvPr id="21" name="図 20">
               <a:extLst>
                 <a:ext uri="{FF2B5EF4-FFF2-40B4-BE49-F238E27FC236}">
-                  <a16:creationId xmlns:a16="http://schemas.microsoft.com/office/drawing/2014/main" xmlns="" id="{2738E703-F26D-4B43-9FBF-70BC883E1591}"/>
+                  <a16:creationId xmlns:a16="http://schemas.microsoft.com/office/drawing/2014/main" id="{2738E703-F26D-4B43-9FBF-70BC883E1591}"/>
                 </a:ext>
               </a:extLst>
             </p:cNvPr>
@@ -11763,7 +11862,7 @@
             <p:cNvPr id="22" name="円/楕円 23">
               <a:extLst>
                 <a:ext uri="{FF2B5EF4-FFF2-40B4-BE49-F238E27FC236}">
-                  <a16:creationId xmlns:a16="http://schemas.microsoft.com/office/drawing/2014/main" xmlns="" id="{BF87DA3E-2616-4B04-AEC8-30CA2DA00B47}"/>
+                  <a16:creationId xmlns:a16="http://schemas.microsoft.com/office/drawing/2014/main" id="{BF87DA3E-2616-4B04-AEC8-30CA2DA00B47}"/>
                 </a:ext>
               </a:extLst>
             </p:cNvPr>
@@ -11815,7 +11914,7 @@
             <p:cNvPr id="23" name="テキスト ボックス 22">
               <a:extLst>
                 <a:ext uri="{FF2B5EF4-FFF2-40B4-BE49-F238E27FC236}">
-                  <a16:creationId xmlns:a16="http://schemas.microsoft.com/office/drawing/2014/main" xmlns="" id="{5DBCA667-925B-430C-A8F3-406282677B1D}"/>
+                  <a16:creationId xmlns:a16="http://schemas.microsoft.com/office/drawing/2014/main" id="{5DBCA667-925B-430C-A8F3-406282677B1D}"/>
                 </a:ext>
               </a:extLst>
             </p:cNvPr>
@@ -11865,7 +11964,7 @@
 </p:sld>
 </file>
 
-<file path=ppt/slides/slide21.xml><?xml version="1.0" encoding="utf-8"?>
+<file path=ppt/slides/slide22.xml><?xml version="1.0" encoding="utf-8"?>
 <p:sld xmlns:a="http://schemas.openxmlformats.org/drawingml/2006/main" xmlns:r="http://schemas.openxmlformats.org/officeDocument/2006/relationships" xmlns:p="http://schemas.openxmlformats.org/presentationml/2006/main">
   <p:cSld>
     <p:spTree>
@@ -11973,7 +12072,7 @@
               <p:cNvPr id="4" name="グループ化 3">
                 <a:extLst>
                   <a:ext uri="{FF2B5EF4-FFF2-40B4-BE49-F238E27FC236}">
-                    <a16:creationId xmlns:a16="http://schemas.microsoft.com/office/drawing/2014/main" xmlns="" id="{99841AE1-4360-41BA-B7A3-EFF6186F1D4C}"/>
+                    <a16:creationId xmlns:a16="http://schemas.microsoft.com/office/drawing/2014/main" id="{99841AE1-4360-41BA-B7A3-EFF6186F1D4C}"/>
                   </a:ext>
                 </a:extLst>
               </p:cNvPr>
@@ -11993,7 +12092,7 @@
                 <p:cNvPr id="6" name="図 5">
                   <a:extLst>
                     <a:ext uri="{FF2B5EF4-FFF2-40B4-BE49-F238E27FC236}">
-                      <a16:creationId xmlns:a16="http://schemas.microsoft.com/office/drawing/2014/main" xmlns="" id="{1CF16D79-CA90-41BB-9433-98C27F075CC6}"/>
+                      <a16:creationId xmlns:a16="http://schemas.microsoft.com/office/drawing/2014/main" id="{1CF16D79-CA90-41BB-9433-98C27F075CC6}"/>
                     </a:ext>
                   </a:extLst>
                 </p:cNvPr>
@@ -12029,7 +12128,7 @@
                 <p:cNvPr id="7" name="円/楕円 23">
                   <a:extLst>
                     <a:ext uri="{FF2B5EF4-FFF2-40B4-BE49-F238E27FC236}">
-                      <a16:creationId xmlns:a16="http://schemas.microsoft.com/office/drawing/2014/main" xmlns="" id="{CF99359D-A725-4101-9F4B-49D75085C8BF}"/>
+                      <a16:creationId xmlns:a16="http://schemas.microsoft.com/office/drawing/2014/main" id="{CF99359D-A725-4101-9F4B-49D75085C8BF}"/>
                     </a:ext>
                   </a:extLst>
                 </p:cNvPr>
@@ -12081,7 +12180,7 @@
                 <p:cNvPr id="8" name="テキスト ボックス 7">
                   <a:extLst>
                     <a:ext uri="{FF2B5EF4-FFF2-40B4-BE49-F238E27FC236}">
-                      <a16:creationId xmlns:a16="http://schemas.microsoft.com/office/drawing/2014/main" xmlns="" id="{7F6218EE-DFA5-44E0-9AE0-505CF1E10C84}"/>
+                      <a16:creationId xmlns:a16="http://schemas.microsoft.com/office/drawing/2014/main" id="{7F6218EE-DFA5-44E0-9AE0-505CF1E10C84}"/>
                     </a:ext>
                   </a:extLst>
                 </p:cNvPr>
@@ -12133,7 +12232,7 @@
             <p:cNvPr id="9" name="図 8">
               <a:extLst>
                 <a:ext uri="{FF2B5EF4-FFF2-40B4-BE49-F238E27FC236}">
-                  <a16:creationId xmlns:a16="http://schemas.microsoft.com/office/drawing/2014/main" xmlns="" id="{9D2D46E6-1879-4F96-9EF9-6F3FCAF72A0A}"/>
+                  <a16:creationId xmlns:a16="http://schemas.microsoft.com/office/drawing/2014/main" id="{9D2D46E6-1879-4F96-9EF9-6F3FCAF72A0A}"/>
                 </a:ext>
               </a:extLst>
             </p:cNvPr>
@@ -12178,7 +12277,7 @@
 </p:sld>
 </file>
 
-<file path=ppt/slides/slide22.xml><?xml version="1.0" encoding="utf-8"?>
+<file path=ppt/slides/slide23.xml><?xml version="1.0" encoding="utf-8"?>
 <p:sld xmlns:a="http://schemas.openxmlformats.org/drawingml/2006/main" xmlns:r="http://schemas.openxmlformats.org/officeDocument/2006/relationships" xmlns:p="http://schemas.openxmlformats.org/presentationml/2006/main">
   <p:cSld>
     <p:spTree>
@@ -12287,7 +12386,7 @@
               <p:cNvPr id="5" name="グループ化 4">
                 <a:extLst>
                   <a:ext uri="{FF2B5EF4-FFF2-40B4-BE49-F238E27FC236}">
-                    <a16:creationId xmlns:a16="http://schemas.microsoft.com/office/drawing/2014/main" xmlns="" id="{99841AE1-4360-41BA-B7A3-EFF6186F1D4C}"/>
+                    <a16:creationId xmlns:a16="http://schemas.microsoft.com/office/drawing/2014/main" id="{99841AE1-4360-41BA-B7A3-EFF6186F1D4C}"/>
                   </a:ext>
                 </a:extLst>
               </p:cNvPr>
@@ -12307,7 +12406,7 @@
                 <p:cNvPr id="6" name="図 5">
                   <a:extLst>
                     <a:ext uri="{FF2B5EF4-FFF2-40B4-BE49-F238E27FC236}">
-                      <a16:creationId xmlns:a16="http://schemas.microsoft.com/office/drawing/2014/main" xmlns="" id="{1CF16D79-CA90-41BB-9433-98C27F075CC6}"/>
+                      <a16:creationId xmlns:a16="http://schemas.microsoft.com/office/drawing/2014/main" id="{1CF16D79-CA90-41BB-9433-98C27F075CC6}"/>
                     </a:ext>
                   </a:extLst>
                 </p:cNvPr>
@@ -12343,7 +12442,7 @@
                 <p:cNvPr id="7" name="円/楕円 23">
                   <a:extLst>
                     <a:ext uri="{FF2B5EF4-FFF2-40B4-BE49-F238E27FC236}">
-                      <a16:creationId xmlns:a16="http://schemas.microsoft.com/office/drawing/2014/main" xmlns="" id="{CF99359D-A725-4101-9F4B-49D75085C8BF}"/>
+                      <a16:creationId xmlns:a16="http://schemas.microsoft.com/office/drawing/2014/main" id="{CF99359D-A725-4101-9F4B-49D75085C8BF}"/>
                     </a:ext>
                   </a:extLst>
                 </p:cNvPr>
@@ -12395,7 +12494,7 @@
                 <p:cNvPr id="8" name="テキスト ボックス 7">
                   <a:extLst>
                     <a:ext uri="{FF2B5EF4-FFF2-40B4-BE49-F238E27FC236}">
-                      <a16:creationId xmlns:a16="http://schemas.microsoft.com/office/drawing/2014/main" xmlns="" id="{7F6218EE-DFA5-44E0-9AE0-505CF1E10C84}"/>
+                      <a16:creationId xmlns:a16="http://schemas.microsoft.com/office/drawing/2014/main" id="{7F6218EE-DFA5-44E0-9AE0-505CF1E10C84}"/>
                     </a:ext>
                   </a:extLst>
                 </p:cNvPr>
@@ -12447,7 +12546,7 @@
             <p:cNvPr id="9" name="図 8">
               <a:extLst>
                 <a:ext uri="{FF2B5EF4-FFF2-40B4-BE49-F238E27FC236}">
-                  <a16:creationId xmlns:a16="http://schemas.microsoft.com/office/drawing/2014/main" xmlns="" id="{ECE8455F-6A80-419C-B1AE-BA44C93CDAC7}"/>
+                  <a16:creationId xmlns:a16="http://schemas.microsoft.com/office/drawing/2014/main" id="{ECE8455F-6A80-419C-B1AE-BA44C93CDAC7}"/>
                 </a:ext>
               </a:extLst>
             </p:cNvPr>
@@ -12492,7 +12591,7 @@
 </p:sld>
 </file>
 
-<file path=ppt/slides/slide23.xml><?xml version="1.0" encoding="utf-8"?>
+<file path=ppt/slides/slide24.xml><?xml version="1.0" encoding="utf-8"?>
 <p:sld xmlns:a="http://schemas.openxmlformats.org/drawingml/2006/main" xmlns:r="http://schemas.openxmlformats.org/officeDocument/2006/relationships" xmlns:p="http://schemas.openxmlformats.org/presentationml/2006/main">
   <p:cSld>
     <p:spTree>
@@ -12572,7 +12671,7 @@
           <p:cNvPr id="4" name="グループ化 3">
             <a:extLst>
               <a:ext uri="{FF2B5EF4-FFF2-40B4-BE49-F238E27FC236}">
-                <a16:creationId xmlns:a16="http://schemas.microsoft.com/office/drawing/2014/main" xmlns="" id="{EE6A1AF7-EE53-46F1-AAED-0155A6917E94}"/>
+                <a16:creationId xmlns:a16="http://schemas.microsoft.com/office/drawing/2014/main" id="{EE6A1AF7-EE53-46F1-AAED-0155A6917E94}"/>
               </a:ext>
             </a:extLst>
           </p:cNvPr>
@@ -12592,7 +12691,7 @@
             <p:cNvPr id="5" name="図 4">
               <a:extLst>
                 <a:ext uri="{FF2B5EF4-FFF2-40B4-BE49-F238E27FC236}">
-                  <a16:creationId xmlns:a16="http://schemas.microsoft.com/office/drawing/2014/main" xmlns="" id="{3A4B0726-85C7-44C0-9596-7AF818CD1E8F}"/>
+                  <a16:creationId xmlns:a16="http://schemas.microsoft.com/office/drawing/2014/main" id="{3A4B0726-85C7-44C0-9596-7AF818CD1E8F}"/>
                 </a:ext>
               </a:extLst>
             </p:cNvPr>
@@ -12628,7 +12727,7 @@
             <p:cNvPr id="6" name="円/楕円 23">
               <a:extLst>
                 <a:ext uri="{FF2B5EF4-FFF2-40B4-BE49-F238E27FC236}">
-                  <a16:creationId xmlns:a16="http://schemas.microsoft.com/office/drawing/2014/main" xmlns="" id="{4554AE57-B024-4633-87DF-CB9B3FF6A892}"/>
+                  <a16:creationId xmlns:a16="http://schemas.microsoft.com/office/drawing/2014/main" id="{4554AE57-B024-4633-87DF-CB9B3FF6A892}"/>
                 </a:ext>
               </a:extLst>
             </p:cNvPr>
@@ -12680,7 +12779,7 @@
             <p:cNvPr id="7" name="テキスト ボックス 6">
               <a:extLst>
                 <a:ext uri="{FF2B5EF4-FFF2-40B4-BE49-F238E27FC236}">
-                  <a16:creationId xmlns:a16="http://schemas.microsoft.com/office/drawing/2014/main" xmlns="" id="{F600D74A-718C-47D8-9CB5-EA1498283CE0}"/>
+                  <a16:creationId xmlns:a16="http://schemas.microsoft.com/office/drawing/2014/main" id="{F600D74A-718C-47D8-9CB5-EA1498283CE0}"/>
                 </a:ext>
               </a:extLst>
             </p:cNvPr>
@@ -12731,7 +12830,7 @@
           <p:cNvPr id="8" name="図 7">
             <a:extLst>
               <a:ext uri="{FF2B5EF4-FFF2-40B4-BE49-F238E27FC236}">
-                <a16:creationId xmlns:a16="http://schemas.microsoft.com/office/drawing/2014/main" xmlns="" id="{9D2D46E6-1879-4F96-9EF9-6F3FCAF72A0A}"/>
+                <a16:creationId xmlns:a16="http://schemas.microsoft.com/office/drawing/2014/main" id="{9D2D46E6-1879-4F96-9EF9-6F3FCAF72A0A}"/>
               </a:ext>
             </a:extLst>
           </p:cNvPr>
@@ -12775,7 +12874,7 @@
 </p:sld>
 </file>
 
-<file path=ppt/slides/slide24.xml><?xml version="1.0" encoding="utf-8"?>
+<file path=ppt/slides/slide25.xml><?xml version="1.0" encoding="utf-8"?>
 <p:sld xmlns:a="http://schemas.openxmlformats.org/drawingml/2006/main" xmlns:r="http://schemas.openxmlformats.org/officeDocument/2006/relationships" xmlns:p="http://schemas.openxmlformats.org/presentationml/2006/main">
   <p:cSld>
     <p:spTree>
@@ -12856,7 +12955,7 @@
           <p:cNvPr id="4" name="グループ化 3">
             <a:extLst>
               <a:ext uri="{FF2B5EF4-FFF2-40B4-BE49-F238E27FC236}">
-                <a16:creationId xmlns:a16="http://schemas.microsoft.com/office/drawing/2014/main" xmlns="" id="{0661AE4F-E94B-4C6E-A392-E938BF66CCB9}"/>
+                <a16:creationId xmlns:a16="http://schemas.microsoft.com/office/drawing/2014/main" id="{0661AE4F-E94B-4C6E-A392-E938BF66CCB9}"/>
               </a:ext>
             </a:extLst>
           </p:cNvPr>
@@ -12876,7 +12975,7 @@
             <p:cNvPr id="5" name="図 4">
               <a:extLst>
                 <a:ext uri="{FF2B5EF4-FFF2-40B4-BE49-F238E27FC236}">
-                  <a16:creationId xmlns:a16="http://schemas.microsoft.com/office/drawing/2014/main" xmlns="" id="{C57E69D2-A059-4ADF-BBEE-D17E183DAD91}"/>
+                  <a16:creationId xmlns:a16="http://schemas.microsoft.com/office/drawing/2014/main" id="{C57E69D2-A059-4ADF-BBEE-D17E183DAD91}"/>
                 </a:ext>
               </a:extLst>
             </p:cNvPr>
@@ -12912,7 +13011,7 @@
             <p:cNvPr id="6" name="円/楕円 23">
               <a:extLst>
                 <a:ext uri="{FF2B5EF4-FFF2-40B4-BE49-F238E27FC236}">
-                  <a16:creationId xmlns:a16="http://schemas.microsoft.com/office/drawing/2014/main" xmlns="" id="{BEA6F835-2B31-48E9-8CF0-DB1040215052}"/>
+                  <a16:creationId xmlns:a16="http://schemas.microsoft.com/office/drawing/2014/main" id="{BEA6F835-2B31-48E9-8CF0-DB1040215052}"/>
                 </a:ext>
               </a:extLst>
             </p:cNvPr>
@@ -12964,7 +13063,7 @@
             <p:cNvPr id="7" name="テキスト ボックス 6">
               <a:extLst>
                 <a:ext uri="{FF2B5EF4-FFF2-40B4-BE49-F238E27FC236}">
-                  <a16:creationId xmlns:a16="http://schemas.microsoft.com/office/drawing/2014/main" xmlns="" id="{AC5859DE-D21E-4D85-8538-2B311F67654D}"/>
+                  <a16:creationId xmlns:a16="http://schemas.microsoft.com/office/drawing/2014/main" id="{AC5859DE-D21E-4D85-8538-2B311F67654D}"/>
                 </a:ext>
               </a:extLst>
             </p:cNvPr>
@@ -13023,7 +13122,7 @@
 </p:sld>
 </file>
 
-<file path=ppt/slides/slide25.xml><?xml version="1.0" encoding="utf-8"?>
+<file path=ppt/slides/slide26.xml><?xml version="1.0" encoding="utf-8"?>
 <p:sld xmlns:a="http://schemas.openxmlformats.org/drawingml/2006/main" xmlns:r="http://schemas.openxmlformats.org/officeDocument/2006/relationships" xmlns:p="http://schemas.openxmlformats.org/presentationml/2006/main">
   <p:cSld>
     <p:spTree>
@@ -13053,7 +13152,7 @@
 </p:sld>
 </file>
 
-<file path=ppt/slides/slide26.xml><?xml version="1.0" encoding="utf-8"?>
+<file path=ppt/slides/slide27.xml><?xml version="1.0" encoding="utf-8"?>
 <p:sld xmlns:a="http://schemas.openxmlformats.org/drawingml/2006/main" xmlns:r="http://schemas.openxmlformats.org/officeDocument/2006/relationships" xmlns:p="http://schemas.openxmlformats.org/presentationml/2006/main">
   <p:cSld>
     <p:spTree>
@@ -13083,7 +13182,7 @@
 </p:sld>
 </file>
 
-<file path=ppt/slides/slide27.xml><?xml version="1.0" encoding="utf-8"?>
+<file path=ppt/slides/slide28.xml><?xml version="1.0" encoding="utf-8"?>
 <p:sld xmlns:a="http://schemas.openxmlformats.org/drawingml/2006/main" xmlns:r="http://schemas.openxmlformats.org/officeDocument/2006/relationships" xmlns:p="http://schemas.openxmlformats.org/presentationml/2006/main">
   <p:cSld>
     <p:spTree>
@@ -13113,7 +13212,7 @@
 </p:sld>
 </file>
 
-<file path=ppt/slides/slide28.xml><?xml version="1.0" encoding="utf-8"?>
+<file path=ppt/slides/slide29.xml><?xml version="1.0" encoding="utf-8"?>
 <p:sld xmlns:a="http://schemas.openxmlformats.org/drawingml/2006/main" xmlns:r="http://schemas.openxmlformats.org/officeDocument/2006/relationships" xmlns:p="http://schemas.openxmlformats.org/presentationml/2006/main">
   <p:cSld>
     <p:spTree>
@@ -13989,7 +14088,7 @@
           <p:cNvPr id="5" name="グループ化 4">
             <a:extLst>
               <a:ext uri="{FF2B5EF4-FFF2-40B4-BE49-F238E27FC236}">
-                <a16:creationId xmlns:a16="http://schemas.microsoft.com/office/drawing/2014/main" xmlns="" id="{96054625-4DEB-455E-9C9A-4B7EEC79C071}"/>
+                <a16:creationId xmlns:a16="http://schemas.microsoft.com/office/drawing/2014/main" id="{96054625-4DEB-455E-9C9A-4B7EEC79C071}"/>
               </a:ext>
             </a:extLst>
           </p:cNvPr>
@@ -14009,7 +14108,7 @@
             <p:cNvPr id="4" name="グループ化 3">
               <a:extLst>
                 <a:ext uri="{FF2B5EF4-FFF2-40B4-BE49-F238E27FC236}">
-                  <a16:creationId xmlns:a16="http://schemas.microsoft.com/office/drawing/2014/main" xmlns="" id="{2B90E40E-FF9D-461B-BCC9-D75A173B87E1}"/>
+                  <a16:creationId xmlns:a16="http://schemas.microsoft.com/office/drawing/2014/main" id="{2B90E40E-FF9D-461B-BCC9-D75A173B87E1}"/>
                 </a:ext>
               </a:extLst>
             </p:cNvPr>
@@ -14029,7 +14128,7 @@
               <p:cNvPr id="48" name="図 47">
                 <a:extLst>
                   <a:ext uri="{FF2B5EF4-FFF2-40B4-BE49-F238E27FC236}">
-                    <a16:creationId xmlns:a16="http://schemas.microsoft.com/office/drawing/2014/main" xmlns="" id="{3523ACD7-568A-40F1-8B84-AFDB92116495}"/>
+                    <a16:creationId xmlns:a16="http://schemas.microsoft.com/office/drawing/2014/main" id="{3523ACD7-568A-40F1-8B84-AFDB92116495}"/>
                   </a:ext>
                 </a:extLst>
               </p:cNvPr>
@@ -14065,7 +14164,7 @@
               <p:cNvPr id="52" name="円/楕円 23">
                 <a:extLst>
                   <a:ext uri="{FF2B5EF4-FFF2-40B4-BE49-F238E27FC236}">
-                    <a16:creationId xmlns:a16="http://schemas.microsoft.com/office/drawing/2014/main" xmlns="" id="{C85DF49D-16B7-41DD-A3D2-276DEC09A269}"/>
+                    <a16:creationId xmlns:a16="http://schemas.microsoft.com/office/drawing/2014/main" id="{C85DF49D-16B7-41DD-A3D2-276DEC09A269}"/>
                   </a:ext>
                 </a:extLst>
               </p:cNvPr>
@@ -14118,7 +14217,7 @@
             <p:cNvPr id="50" name="テキスト ボックス 49">
               <a:extLst>
                 <a:ext uri="{FF2B5EF4-FFF2-40B4-BE49-F238E27FC236}">
-                  <a16:creationId xmlns:a16="http://schemas.microsoft.com/office/drawing/2014/main" xmlns="" id="{EC80A4E5-A68B-40EB-A5BC-670831AD9E49}"/>
+                  <a16:creationId xmlns:a16="http://schemas.microsoft.com/office/drawing/2014/main" id="{EC80A4E5-A68B-40EB-A5BC-670831AD9E49}"/>
                 </a:ext>
               </a:extLst>
             </p:cNvPr>
